--- a/01_Organisation/02_Meilensteine/m2/Praesentation_m2.pptx
+++ b/01_Organisation/02_Meilensteine/m2/Praesentation_m2.pptx
@@ -5,13 +5,30 @@
     <p:sldMasterId id="2147484208" r:id="rId1"/>
   </p:sldMasterIdLst>
   <p:notesMasterIdLst>
-    <p:notesMasterId r:id="rId6"/>
+    <p:notesMasterId r:id="rId23"/>
   </p:notesMasterIdLst>
   <p:sldIdLst>
     <p:sldId id="280" r:id="rId2"/>
     <p:sldId id="283" r:id="rId3"/>
-    <p:sldId id="284" r:id="rId4"/>
-    <p:sldId id="285" r:id="rId5"/>
+    <p:sldId id="301" r:id="rId4"/>
+    <p:sldId id="300" r:id="rId5"/>
+    <p:sldId id="302" r:id="rId6"/>
+    <p:sldId id="290" r:id="rId7"/>
+    <p:sldId id="291" r:id="rId8"/>
+    <p:sldId id="292" r:id="rId9"/>
+    <p:sldId id="293" r:id="rId10"/>
+    <p:sldId id="294" r:id="rId11"/>
+    <p:sldId id="295" r:id="rId12"/>
+    <p:sldId id="296" r:id="rId13"/>
+    <p:sldId id="297" r:id="rId14"/>
+    <p:sldId id="298" r:id="rId15"/>
+    <p:sldId id="299" r:id="rId16"/>
+    <p:sldId id="286" r:id="rId17"/>
+    <p:sldId id="287" r:id="rId18"/>
+    <p:sldId id="288" r:id="rId19"/>
+    <p:sldId id="289" r:id="rId20"/>
+    <p:sldId id="284" r:id="rId21"/>
+    <p:sldId id="285" r:id="rId22"/>
   </p:sldIdLst>
   <p:sldSz cx="9144000" cy="6858000" type="screen4x3"/>
   <p:notesSz cx="6858000" cy="9144000"/>
@@ -129,6 +146,47 @@
 </p:presentation>
 </file>
 
+<file path=ppt/ink/ink1.xml><?xml version="1.0" encoding="utf-8"?>
+<inkml:ink xmlns:inkml="http://www.w3.org/2003/InkML">
+  <inkml:definitions>
+    <inkml:context xml:id="ctx0">
+      <inkml:inkSource xml:id="inkSrc0">
+        <inkml:traceFormat>
+          <inkml:channel name="X" type="integer" min="-2.14748E9" max="2.14748E9" units="cm"/>
+          <inkml:channel name="Y" type="integer" min="-2.14748E9" max="2.14748E9" units="cm"/>
+          <inkml:channel name="F" type="integer" max="32767" units="dev"/>
+        </inkml:traceFormat>
+        <inkml:channelProperties>
+          <inkml:channelProperty channel="X" name="resolution" value="1000" units="1/cm"/>
+          <inkml:channelProperty channel="Y" name="resolution" value="1000" units="1/cm"/>
+          <inkml:channelProperty channel="F" name="resolution" value="0" units="1/dev"/>
+        </inkml:channelProperties>
+      </inkml:inkSource>
+      <inkml:timestamp xml:id="ts0" timeString="2018-03-29T15:39:57.210"/>
+    </inkml:context>
+    <inkml:brush xml:id="br0">
+      <inkml:brushProperty name="width" value="0.05" units="cm"/>
+      <inkml:brushProperty name="height" value="0.05" units="cm"/>
+    </inkml:brush>
+  </inkml:definitions>
+  <inkml:trace contextRef="#ctx0" brushRef="#br0">1476 3286 1792,'-8'0'355,"-2"0"-3,1 0-92,0-3-83,3-2-73,4 3 1,2 2 51,0 0 102,0 0-64,-2 0-52,2 0-44,-2 0-1,-2 0 25,3 0-19,-5-1 233,3-3-71,1 2-98,-3 0-71,2 0 0,-6-4-10,4 3-34,0 0 60,2 0 14,-1-1 52,-1 0-3,-2 0 35,6 3-143,-1 0 0,0 0-1,1 0 1,-1 0-1,0-1 1,0 1-1,1-1 1,0 1-1,-1-1 1,1 1 0,0-1-1,-1-1-66,-1-1 238,-1 1-55,-1 0 11,-3 0-62,6 3-90,0 0 1,0-1 0,0 0-1,0 0 1,-1 0 0,1-1-43,-9-6 380,4 0-60,-3-3 78,3 6-189,-2-3 84,-3-8 80,4 8-227,-1-1-1,1-3-57,-3-9-83,8 16-25,0 0 0,0 0 0,1 0 0,0-1 20,-5-16-154,0-11 154,3 12-27,3 13 9,0 1 0,0 0 0,1 0 0,0-1-1,0-2 19,1-12-32,0 15 24,-1-1 0,2 0 0,-1 1 1,0 0-1,2-1 8,-1-4-52,13-26 10,-13 29 44,-1 4 3,0 0 0,0 0 0,1 0 0,-1 0 0,1 1 0,0-1 0,1 1 1,-1 0-1,2-3-5,1-1-1,16-20-100,-6 15 59,-4-3-1,4 4-32,-3-4 41,-10 12 32,0 2 1,0-2-1,1 1 0,0 0 1,0-1 1,2 1 1,-1 0 1,-1-1-1,1 1 1,-1-1-1,1 0 1,-1 0-1,-1-1-1,15-15 36,10-9-62,-12 13 0,-3 4-31,1 0-1,7-4 58,-11 8-7,1 1-11,4-3-52,7-3-24,-18 12 87,-1-1 0,0 1 0,0 0 0,0 0 0,1 0 0,-1 0 0,1 1 7,17-3-6,-9 3 53,0 2 0,9 1-47,-9 0 95,-1-2 1,10 1-96,7-1 226,-24-1-203,1 1-1,-1 0 1,1 0 0,-2 0 0,2 0-1,1 2-22,10 4 61,-10-5-27,0 1 1,0 0-1,0 0 0,-1 0 1,1 0-1,3 4-34,-1 1 65,-5-6-49,0 1 0,0-1 0,0 0-1,0 0 1,0 0 0,0-1 0,1 1 0,1 0-16,1 2 35,1 0-1,0 0 1,3 4-35,-4-3 8,1-1 0,0 0 0,3 2-8,-2-2 4,-1 0 1,-1 0-1,1 1 0,1 2-4,-1-2 3,-1 0-1,1 0 0,0-2 1,2 3-3,-6-5 4,0 1 0,0-1 0,0 0 0,0 1 0,0 0 1,0 0-1,0 0 0,0 0 0,-1 0 0,0 1 0,1-1 1,-1 0-1,0 1 0,0-1-4,10 17 80,2 0 112,-7-2 64,6-4 27,-9-1-149,-2-7-87,7 17 85,-6-19-115,-1 0-1,0 1 1,0 0 0,0-1 0,0 1 0,-1-1-1,1 1 1,-1-1 0,1 1-17,-1 1 8,0-2 1,0 1-1,1 0 0,0 0 0,1 2-8,1 8 7,1 7 2,-2-1 0,1 0 0,-2 2-9,-1-16 0,0 0 0,-1-1 0,0 1 0,0 0 0,0 1 0,-1-2 0,1 0 0,0 0 0,1 1 0,0 0 0,-1-1 0,1 2 7,0-2 0,-1 1 1,0 0-1,-1 3-7,-1 6 29,2-3-12,0-7-2,0-1 0,1 1 0,-2-1 1,2 0-1,-1 1 0,-1-1 0,0 1-15,0 0 21,0 0-1,0 0 1,1 1 0,0 0-21,0-2 14,1-1-1,-2 2 1,1-2 0,0 1 0,-1-1-1,-1 4-13,-7 14 39,4-6-5,0-5 24,0-4 26,-1-1 43,0-2-3,1 0-33,-15 2 123,13-5-83,-3-1 87,-2-3-7,1 1-46,2 2-23,-17-1 218,15-1-226,0-1-36,-1 3-13,-1 1-29,-13 1 2,0-3-44,14-2-3,8 3-7,-1 0 0,1 0 0,0 0 0,-5 1-4,-39 0-47,-67 0-194,110-1 134,-3-2-79,4 1 17,2 1-5,0-1-70,0 2-464,0-1 59,-1 2 55,2-1 47,-1 1 42,1 0 36,-3 2-385,-2 1-223,2-3 587,0 1 59,-1 1-28,-3 0-166,9-3 625</inkml:trace>
+  <inkml:trace contextRef="#ctx0" brushRef="#br0" timeOffset="1">4031 3363 3840,'-2'-5'261,"1"0"-28,0-1 24,0 4-126,0 0 41,0-1 11,0 0 44,0 0 50,-1 0 56,0-1-232,-2-5 49,3 6 96,0 0-83,1 2-50,0-1-48,0 0-17,-1 0 48,-8-10 509,4 7-449,1 0-48,1 2-67,-1-1-55,-16-17 393,-1 2 54,-1 4 61,-4 2 66,5 2-218,16 8-249,-1 0 0,1 0 1,-1 0-1,-2 0-93,-2 1 248,-1-2 0,-5-2-248,0-2 288,8 3-78,-6-4 244,1 0-3,4 4-243,7 2-116,-2 1 0,1 0 0,1 0 0,-1 0 0,0-1 0,0 1 0,1-1 0,0 0 0,-1 1 0,0-4-92,-4-8 219,4 7-154,1 0-37,-2-13 30,0-8-95,2 17 13,2 0-1,-1-1 1,2-4 24,-1 1-28,2-20-28,1 20 50,0 0 0,2-2 6,-1 0-12,3-8-88,6-11 100,4-6-2,-3 10 54,25-43 8,-29 53-55,-8 17 0,1-1 1,-1 1-1,2-1 0,-1 0 1,0 1-1,1 0 1,-1 0-1,2 0 1,-1 0-6,46-33-43,-26 20 53,-12 12 36,0-1-1,5 0-45,-8 3 31,-3 1-15,-1 0 1,1 1-1,0 0 0,-1 1 0,3-2-16,6 2 6,1 0-1,0 1 0,-1 0 1,1 2-1,-1 0 0,1 1 1,1 0-6,-3 2 0,-1 0 0,5 3 0,4 2 0,31 10 0,37 9 0,-67-22 0,14 7 0,10 3 0,34 12 0,-74-27 7,0 1 0,0-1 1,0 2-1,-1 0 0,2 1-7,16 12 111,-21-15-93,2 2 11,0-1 1,-1 1-1,-1 0 0,2 0 1,-2 0-1,1 0 0,-1 1 0,0-1 1,1 3-30,1 2 68,0-1 0,5 7-68,-7-12 5,0 1-1,0-2 1,0 2 0,0-1 0,0 1 0,-1-1-1,0 1 1,0 0 0,1-1 0,-2 1-5,8 18 34,-6-17-17,-1 1 0,1-1 0,0 5-17,0 4 15,-1 0-1,-1 0 1,-1 11-15,1 2 31,0-17-4,0-4-19,0 0 0,0-1 0,0 1 0,-1-1 0,0 1 0,0-1 0,0 0 0,-1 1 0,1-1 0,-1 0-8,-3 9 0,0 1 45,-1 2 61,-1 1 49,-8 17 266,12-30-335,1 0 0,-2-1 0,1 1 0,0-1 0,-1 0 0,1 0 0,-1 0 0,-1 0 0,1-1 0,0 1 0,-1-2 0,-1 3-86,-15 5 203,-11 0 58,28-8-223,0-1 0,0 1 0,-1 0 0,-2 3-38,3-3 21,0 0 0,0 1 0,0-1 0,-1 0 0,1-1 0,-1 1-21,-53 7 117,47-8-129,1 0 0,-10-2 12,11 1-3,0 0 1,0 1-1,-4 0 3,7 1 9,-10 0 49,2 0 69,-2-1 91,-3 0 111,-5-1-161,0 0-105,3 0-65,-33 0-72,48 0 89,1-1-1,0 1 1,-1-2-1,1 1-14,-15-3 22,5 3-49,2 1-115,-20 0-117,23 0 124,-1 0-60,0 0-113,5 0 110,1 0-34,-1 0-37,0 0-40,0 0-44,1 0-46,-9 2-744,8 0 714,2 0 204,0 0 54,-2-1 31,-4-1-8</inkml:trace>
+  <inkml:trace contextRef="#ctx0" brushRef="#br0" timeOffset="2">238 4480 6400,'0'-3'790,"-1"0"-123,1 0-114,-1 1-107,0 0-97,0 0-89,-1 1-79,1-1-73,0 2-46,1-1-43,1-1-73,1 0 40,1 0 44,5-8 191,-7 8-165,1 1 59,0 0-41,-1 1-24,1 0-25,0-1 21,1-3 8,-3 4-53,0 0 0,0-1 0,1 1 0,-1 0 0,0-1 0,0 1 0,0 0 0,0-1 0,0 1 0,0 0 0,1 0-1,-1 0 1,1 0 0,-1 0 0,0 0 0,0-1 0,0 1 0,0 0 0,1 0 0,-1 0 0,1 0 0,-1 0 0,0 0 0,0 0 0,0 0 0,1 0 0,-1 0 0,0 0 0,0 0 0,1 0 0,-1 0 0,1 0-1,4 0 2,0 1 61,0 1 52,0 0 42,3 3 209,-6-3-255,0-1-1,0 2 1,-1-1 0,1 0 0,-1 0 0,0 0 0,1 1 0,-1-1 0,0 1-111,8 22 539,-2 16 145,-2-8-149,1-11-127,-1 0-41,0 7 59,-1-2-99,-1-6-77,6 18 112,1 10 73,-1-14-203,4 13-20,-1 5-72,-6-27-80,0 0 0,2-1-1,1 1 1,0-1-1,3-1 1,8 17-60,8 13 157,8 29 208,-31-69-306,12 24 79,-1-3-68,-5-11-65,11 24-101,6-4 4,-13-18 94,0-1 56,-2-1 38,7 12-40,-9-18-84,0 0-48,0-1-2,10 15-9,-6-6 120,3 5 117,-7-12 174,9 10-324,-17-26 20,10 14 106,-2 1 0,2 1-126,17 45 181,-10-27-124,0-1-34,9 16-12,14 27 11,1-1-60,-26-45-5,-1-6 22,12 17 21,8 3 53,3-1 38,-20-25 31,3 7-122,16 26 102,-21-34-105,1-2 0,14 11 3,-8-6 0,-21-20 0,17 16 0,6 1 0,27 16 0,39 33 1,-35-25-18,8 2 17,-5-7-80,-4 6-5,24 6 36,-26-16 29,5 2 17,1-3 0,15 3 3,-5-2 6,80 36 125,-84-46-134,167 43-19,-93-39-90,-44-10 48,32 3-65,5-8-80,-112-12 169,174 7-408,-129-8 355,-2-1 84,105-7 148,-131 5-112,55-2 21,-55-1-78,1 0-38,47-8-151,-62 9 141,33-8-63,-1-3 37,0-2 36,0-2 32,4-1 34,1 1 33,-21 7 57,83-25 432,-100 28-479,0 0-34,16-6-50,53-23-125,-65 26 154,0-1 42,4-2 43,2 1-52,66-27-117,-61 25 66,2-1 44,-14 6 35,0 0 40,29-15 154,2-2-40,0-1-48,-3 0-60,-46 24-83,118-66 127,-84 45-122,-3 1-33,39-30-35,-57 41 22,33-24-71,19-24-48,-9 13-14,-11 8 40,-19 11 71,-13 8 37,8-13 16,-17 20 11,48-53 40,-26 30-90,-1-1-85,63-74-308,-57 65 318,1 0 68,-16 18 89,0-1 54,56-72 345,-49 54-315,-7 6-46,-1 3-50,-1 3-57,9-14-76,9-28-103,-34 63 170,-7 15 34,49-100-148,-3-7 75,-11 23 104,3-7 87,11-41 163,-18 38 14,-8 34 4,-9 22-67,-2-1-61,-1 1-57,-1-1-55,6-19-65,2-1-105,14-29-159,-4 11 1,-12 27 123,6-38-71,-11 35-49,1-23 267,-9 54-61,0 0 41,1-7 54,0 1 68,-1 0 67,-3-1 65,0-23 111,0 11-107,0 15-149,0 19-79,0 0 0,0 0 0,-2-2-10,0 3-20,1 0 1,-1 0-1,0 0 0,-1 1 0,-2-5 20,2 4-15,1 1-56,-1-2-64,0 1-43,1 5 112,1 0 0,1 0 1,-2 0-1,1 1 0,-1-1 1,1 0-1,-1 1 0,0-1 1,1 1-1,-1-1 66,-11-5-160,-2 4 50,6 4 78,-2 1 45,3 1 38,1 2 42,-1 0 47,1 2 52,-6 10-5,1 5-63,2-5-73,1-2-40,4-9-20,-1 1 0,0-1 0,0 0 0,-3 2 9,-9 9-44,13-11 31,0 0 0,0 1 0,-3 7 13,-9 10-4,6-9 4,0 2 0,-9 16 0,13-20 5,0 0-34,-2 2-39,-4 7-76,-2 4-43,5-8 98,7-14 71,-15 29-89,9-18 74,-1-1-1,-5 6 34,-10 13-58,-11 19 58,18-26-3,-15 15 3,6-7 42,3-1 68,4-1 53,1-5-47,2 1-33,0-1-38,1 2-41,-7 9-128,-13 14-160,17-25 163,1 0 58,-6 11-13,-41 67 35,39-57-29,9-20 52,4-10 47,-5 2 69,-1 1 65,-12 24 248,18-29 29,-13 14-440,-2 2 269,10-10-99,1-3-35,-4 5 115,-1 0 0,-16 11-250,-28 24 404,1 2-93,3 2-91,0 2-93,32-33 39,-35 26-166,-38 22 93,39-30-75,-32 26-13,85-67-5,-3 2 0,-9 6 0,-81 42-16,69-41-77,-15 5 93,14-6 6,0 1 49,10-3 11,-5 2 172,-19 7-238,9-9 108,-1 0 44,-101 21 464,84-24-398,-24 5-36,34-7-125,-23 6-14,-24 6-5,17-3 50,2 1 35,-77 28 204,101-31-204,4-3 234,-30 3-357,49-12 86,-12 2 127,-2-1-213,6-3 104,-9 0 0,2 2-45,-197 17 107,133-14-124,79-5-13,-55 2 43,57-5-33,-11 0 50,-1-2-89,15 0 31,-71-3 125,66 4-28,-9-3-128,-61-11 147,39 5-35,0 3 55,46 6-134,2 0 7,0 0-1,-7-3-39,1 0 49,0-3-1,-8-5-48,-23-8 69,3 3 61,-14-10-130,12 5 78,-2 1-19,24 11-6,2-1 0,-23-14-53,25 11 5,-51-31 33,62 37-21,-49-36 0,45 32-64,1-2 1,-11-11 46,-26-37-27,-3-2 86,10 13 3,-23-30-97,38 48 29,12 14 6,-12-18 0,17 17 0,1 0 0,-4-9 0,-6-12-16,11 24-5,5 6-8,-1 0-1,0-3 30,1 0-61,-3-13 61,2 6-24,-11-25-70,-17-32 94,9 25-66,-11-21 32,-30-39 25,34 56 9,25 43 0,3 2 0,-2 1 0,-4-7 0,4 9 2,-1 1-1,-3-4-1,-3-2 8,-3-7 29,0-1 0,-4-8-37,13 19 6,-13-25-10,-7-20-52,9 16 4,11 25-15,1 0 1,1 0-1,1 0 0,-5-14 67,-1-25-133,6 35 79,-3-13-52,2-24-86,-7-1-5,6 28 130,0-6 28,-7-15 22,0 12-3,4 11-13,0-4 33,4 6-5,0 3 5,-1 0-1,-2-3 1,-9-18 16,-3-6 18,10 15-52,3 10 0,-1-12-48,-1 2-36,0-6-108,0 0 0,1-13 210,2 9-180,-3 0-63,5 20 91,-1 0 36,-7-21-42,-7-28-30,12 40 77,-4-29-81,2 7 48,-3 0 48,8 40 33,1 0 1,-6-9 62,-6-19-89,4 7 31,8 26 56,-1-1 0,1 1 0,-6-9 2,6 13 0,-22-32-5,12 21-22,-2 3-37,-8 1-35,17 10 80,1-1 1,0 0 0,-6-4 18,10 6-2,-1-1-1,0 1 1,0 0 0,0 1 0,0-1 0,-1 0 0,1 1 0,0-1-1,0 2 1,-2-2 2,2 1-16,0-1 0,-1 0 0,0 1 1,1-1-1,0-1 0,-1 0 16,-14-8-17,0 1-55,4 2-17,13 7 68,-1 1 0,0 0 0,1-1-1,-1 1 1,0-1 0,0 1 0,1 0 0,-1 0 21,-15 0-233,-4 0 53,1 0 50,2 0 49,8 1 29,1 3 35,0-1 16,-7 0 1,4 3 0,0-1-10,-11 2-76,6-1 25,-10 6 0,24-11 58,0 2 1,0-1-1,1 0 0,-1 0 0,1 0 1,0 0-1,-1 1 0,0 2 3,-5 6 16,1 0-1,-1 4-15,-15 22-52,19-30 16,-1 0 0,1 0 0,1 1 0,-1-1 0,-2 9 36,-1 11-39,2-13 25,1 3-89,-4 17 103,3 5-39,1 3 32,3-22 28,1-1 0,1 1-1,0 0-20,7 37 33,-2-15-87,-4-26 35,-1-6 14,0 0 0,1 0 1,0 0-1,1-1 5,-1 2 0,0 0 0,-1 0 0,1 0 0,-2 0 0,0 11 0,0-6 0,3 14 0,0-11 0,-1-10 0,-1 0 0,0 0 0,-1 5 0,0 29 0,-2-14 0,3 0 0,1 20 0,2-30 0,-3-10 0,0 0 0,0 0 0,0 6 0,0 6-14,2 1 42,4 11 183,0 1-211,1-3 95,-1-7 45,6 15-140,2 11 106,-10-33-85,1-1 0,0 1-21,5 14 27,-4-2 42,14 42 67,-5-21-106,-12-41-31,0 0 1,0 0 0,0 0-1,1-1 1,0 1 0,1-2-1,0 1 1,1 1 0,2 1-24,1 0-1,1-1 1,2 2 24,16 11-104,3-3-61,-1-1-75,1-1-88,0 0-141,-16-8 79,1-1-63,7 4-318,0 0-71,26 13-954,-33-16 1240,-1 0 45,-2-2 131,0 1 51,-1 1 59,0-1 67,13 10-200,11 10-84</inkml:trace>
+  <inkml:trace contextRef="#ctx0" brushRef="#br0" timeOffset="3">4399 6246 5376,'-3'0'357,"-1"0"-33,-2 0 232,2 0-234,0 0-49,0 0-44,0 0-39,-1 0-8,1 0-41,-3 1 11,1 1-49,-7 1 73,4 1 6,1 0 65,4-1-79,0-1 38,-3 3-10,6-5-150,-1 1 1,0 1-1,0-1 0,1 0 0,-1 0 0,1 1 0,-1 0 0,1-1 0,-1 0 1,2 2-1,-2-2-46,-7 14 143,-7 5-36,8-10-52,1 2-44,0-2 36,2-2 64,3-7-123,0 1 88,0 2 151,-6 3 495,6-5-546,-1 0-63,-5 4 527,-1 0-48,6-4-444,-4 6 308,3-4-276,2-3-150,0 0-55,-2 1 92,1 2-37,2-2 48,1 1 78,0-3-32,-1 0-73,-3 0-77,2 0 91,1 0 23,0 0 49,1 0 59,0 0 70,-1-1-15,-5-6 5,4 6-22,2 1-90,0 0-37,0-8 74,0 0-47,0-6 28,0-25 39,0 32-109,0-2 50,0 8-100,0 1-31,0 0-75,2 0 27,-1 0 36,1 0 0,-1 0 0,1 0 0,-1 0 1,1 0-1,-1 0 0,0 1 0,1-1 0,-1 1 0,1 0 0,-1-1 1,1 1-1,-1 0 0,1 0 1,-2 0-5,2 0 1,-2 0 0,1 0-1,0 1 1,0-2 0,0 2-1,-1-1 1,1 0-1,0 0 1,-1 2 4,3 4-35,9 9-3,8 1 32,0 1 18,-1 7 48,-3-6-40,-4-6-14,19 24 20,-13-16-30,10 7-72,-8-9 49,3 5 27,3 6 60,7 12-60,21 35 49,-20-25-94,-15-22-29,21 25 116,-8-13 1,-17-20-40,3 4 25,1 0-28,-13-18-5,2 1 0,5 3 5,1 1-37,23 22-32,-31-29 74,-1-1 0,2 1 0,-1-2 0,3 2-5,9 8 33,5 12-1,-3-7-34,15 6-56,-13-10 33,1 1 19,14 15 6,-8-4 11,3-3 37,-2 10-16,-17-21-22,1 0 0,1-1-10,0 0 9,-1 2-1,1 0-8,23 24-4,3 0-77,-9-5 41,2-3 41,-21-18 6,12 10 52,-3 4 26,8-4-26,-21-14-49,0 0 0,6 7-10,6 8 17,-3-8-11,8 5-6,-7-6-1,7 7 1,26 33 0,-37-40 0,14 12 0,-22-18 9,1-1 0,-1 0 0,1-1 0,1 0-1,7 5-8,-8-7-12,3 4-3,-3-2 11,1 0 0,0-2-1,-1 1 1,10 3 4,2-1 2,13 5 39,-9-3-52,-16-4 0,23 7-3,-28-12 27,1 1 0,-1 0 0,1 0 0,3-1-13,14 0 65,-13 1-35,0-1 0,0 0 0,-1-1 0,2 1 0,-1-1-1,-1-1 1,1 0 0,6-3-30,-9 3 16,11-6 52,-2-1 35,2 0 5,0-1-29,-7 1 22,-2 0 48,-2-3 86,-2 1-240,3-16-72,-4 10 90,0 8 52,0 0 61,0-2 83,-2 1-44,0-1-11,0-4 30,-1-7 54,0 7-110,-3-4-17,1 1-19,2 5 3,0 3 5,-2-1-40,0 2-22,-3-15 54,-7-9-46,3 9 54,2 0 52,-11-24 199,12 34-287,3 6-28,0-1 0,1 1 0,0-1 0,0-2-36,-1-5 33,1 7-3,1-1 1,-1 0-1,0 0 1,-2 0-31,-1-4 24,1 3 28,-1 0 0,-1-10-52,5 13 21,-1 1 0,0 0 1,0 0-1,0 0 0,0 1 1,-1 0-1,-1-1-21,-5-5 16,-12-13 1,-26-35 110,31 39-53,11 14-62,0 0 0,1-1 1,0 1-1,-1-3-12,-33-60 100,2 0 61,33 63-132,-3-7 46,-1 1-1,-6-7-74,11 16 21,0 0-1,-1 0 0,0 0 1,0 0-1,0 1 1,0 0-1,-1 0 0,-3-2-20,2 2 54,1-1-1,-1 0 1,-3-4-54,3 4 39,1 0 0,-1-1 0,-3-1-39,-28-11 96,0 2 68,-2 0 82,20 6-134,-1 2-11,5-5-52,11 10-44,1 0 0,0 0 0,-1 0 0,1 1 0,0-1 0,-1 1-5,-15-8 12,7 2-12,10 5 0,0 1 0,-1-1 0,1 1 0,-1-1 0,1 0 0,1 0 0,-1 0 0,0 0 0,0 0 0,-2-3 0,-4-9 0,-1 8 0,2-4 5,-4-6 38,8 12-56,0 0-1,0-1 0,-1 1 1,1-1-1,1 0 0,-1 0 14,-12-20-3,8 16 8,4 3-1,-1 0 0,0 1 0,1-1 0,-1 0-4,-10-18 102,3 8-33,4-2-22,6 13-45,-1 1 1,0-1-1,0 1 0,0 0 1,-2-2-3,-21-31-80,23 33 78,-1 1 1,0-1-1,0 1 1,-1-2 1,-6-6 0,5 3 0,-1 1 18,1-2 0,-1 1 0,-1 0 1,1 1-1,-6-3-18,-48-37 48,25 25 32,21 10-80,8 7-21,0-1-1,1 0 1,0 1 0,-4-7 21,-3-7 2,-2-11 54,6 12-29,-2-5-11,-5-10-6,5 14-84,7 14 38,-1-4 40,-2-1-8,3 6-88,2 3-39,1 0-99,0 1 65,0-1-40,1 1-47,-1-1-50,0 1-164,1 0 34,0-2-336,1 2 111,-1-1 94,1 1 24,0-1 71,5 1-857,-4 0 703,-1 0 194,-1 1-59,1-1 65,-1 0-50,0 1-56,0-1-62,-1 0-69,1 0-75,0 0-81,-1 1-87,-3-3 472,-1-1 44,-2-1-36,-3-3-164</inkml:trace>
+  <inkml:trace contextRef="#ctx0" brushRef="#br0" timeOffset="4">6471 7755 7296,'-4'-2'740,"0"0"-78,-2-1 48,1-1-110,-1 1-108,0 1-102,1 0-101,0 1-95,0 1-93,1 2-87,1 1 156,3 7 196,1-4-159,0-3-100,-1 0-50,1-1-36,12 18-21,-3 1-15,-7-15-3,0 1 0,0-1 1,1 0-1,2 4 18,6 3-14,0 0 0,0-1 0,11 8 14,-13-11 0,11 9 0,0-1 0,1-2 0,1-1 0,0 1 0,7 0 0,-11-6 0,1-2 0,-1 0 0,1-1 0,10 1 0,9-3 0,-19-3 0,39 4 0,-26-8 3,-17 1 4,-7 1 1,0 1 3,0-1 0,1 0 0,0-2 0,-1 1 0,0 0 0,0-1 0,0-1 0,2-1-11,17-11 99,-2-1 0,8-7-99,-24 15 42,-1 1 0,-1-1 0,1-1 0,-1 0 0,-1 0 0,1 0 0,3-8-42,1-2 52,36-50 140,-29 39-111,-2-1 1,13-31-82,22-77 120,-34 89-73,-5 15-12,0-2 0,-1-7-35,-5 15-3,-1-6 3,1-30-50,-7 61 41,0-1 1,0 1-1,0 0 1,-1-1-1,0 1 1,1-1-1,-2 1 1,1 0-1,-1 0 9,1 0-19,-1 1 0,0-1 0,0 1 0,-1 0 0,1 0 0,-1-1 0,1 2 0,-2-1 0,1 1 0,0-1 0,0 1-1,-1 0 1,0 0 0,1 0 0,-2 0 19,0 1-15,1-1-1,-1 1 0,-4-2 16,-15-2 15,0 6 80,0 4 98,12 0-80,-10 1 151,0 2 42,15-4-129,0 1 0,0-1 1,0 1-1,-6 4-177,6-3 93,1 0 6,-1-1 1,1 2-1,-2 1-99,-2 8 85,8-13-82,1 0-1,0 0 1,1 0 0,-1 0 0,0 1 0,1-1 0,-1 1-3,0 4-11,0 1-1,0 0 1,1 0-1,0-1 1,0 1-1,1 0 1,0 0-1,0 0 1,2 6 11,1-4-14,-1 0 1,1 0-1,0 0 1,0 0 0,1 0-1,6 7 14,-2-4-11,1 1 0,1-2 0,0 0 0,1 0 0,0-1 0,1 0 0,0-2 0,0 1 1,3-1 10,4 3-15,7 1 15,3 0-59,0-2-1,27 6 60,-40-13-19,-1-1-1,1-1 0,0 0 1,1-1-1,9-1 20,9-5 4,1-2 37,-23 4-16,-1-2-1,0 1 1,0-1 0,6-5-25,-5 3 15,-1-1 0,0-1 1,8-8-16,3-5 12,-1-1 0,0-2 0,13-18-12,-3-1 11,-1-1 1,18-38-12,-9 6 89,12-37-89,-33 68 43,-3-1 0,-1 0-1,0-11-42,1-13 86,-3-2-1,-3 0 0,0-27-85,-11 76 52,0-2 0,-4-20-52,2 19 24,2 26-23,-1-12 20,0 0 0,0-1 1,-1 2-1,-1-2 0,0 2 0,-5-13-21,3 15 31,1-1-1,-1 1 1,0 1-1,-6-8-30,9 14 7,1 1-1,-2 0 0,1-1 0,0 1 0,0 0 0,0 0 0,-1 1 1,1-2-1,-1 2 0,-2-1-6,3 1-1,1 1-1,-1-1 1,0 0 0,0 1 0,0 0 0,0-1 0,1 1-1,-1 0 1,0 0 0,0 1 0,0-1 1,0 1-7,0 0 0,-1-1 0,1 1 0,0 0 0,0 0 0,0 0 0,0 1-1,0-1 1,1 1 0,-1-1 0,0 1 0,1 0 0,-1-1 7,-4 7-49,0 0 1,-3 5 48,4-7-24,-8 15-49,1-1 1,-5 11 72,8-12-23,1 0 1,1 1-1,0 0 1,1-1-1,1 2 0,1 0 1,0 0-1,1 4 23,2-7-31,0-1 0,1 1 1,1 0-1,0-1 0,2 2 31,-3-11-16,2-1 0,0 0 0,0 0 0,0 0 0,1 1 0,-1-1 0,2-1 0,0 0 0,-1 1 0,1-1 0,0 0 0,5 6 16,-6-9-3,0-1 1,0 1-1,0-1 1,0 0-1,1 1 1,-1-1-1,1 0 1,0-1-1,-1 1 1,1-1-1,0 0 1,0 0-1,-1 0 3,10 1 0,0-1 1,1 0-1,3-1 0,-17 0 0,10 0 0,-1-1 0,1 1 0,-1-1 0,0-1 0,0 0 0,0 0 0,0-1 0,0-1 0,5-2 0,7-6 0,-1-1 0,0-1 0,0-1 0,4-6 0,-12 12 0,9-9 10,6-7-10,1-5 30,-1-2-1,-1 0 1,5-14-30,-5 6 93,12-26-93,41-92 162,-46 87 38,2-21-200,15-61 260,-12 0 35,-25 88-172,-3 1 72,-3 0 1,-2 0-1,-3-11-195,-3 51 144,-1-9-144,-2-3 150,3 30-124,1-6 30,-4-12 64,-7-5 46,3 12-102,4 7-54,3 10-10,1-1-1,0 0 1,0 1 0,0-1-1,0 1 1,-1-1 0,1 1-1,-1 0 1,1-1 0,0 1 0,0-1-1,-1 0 1,0 1 0,1 0-1,0 0 1,-1-1 0,1 1-1,0 0 1,-1-1 0,0 1-1,1 0 1,0 0 0,-1 0-1,0 0 1,1 0 0,0 0-1,-1 0 1,0 0 0,-1 0-7,1 0 1,-1 1 0,1-1-1,0 1 1,-1-1-1,1 2 1,-1-1-1,0 0 7,0 0-8,-3 3-29,0 0 1,-1 0-1,2 1 0,-1-1 1,1 1-1,-1 0 37,-1 3-61,0 1 0,1 0 0,-4 6 61,-4 12-150,2 1 1,-3 9 149,8-21-50,-10 34-66,11-33 74,1 1 0,1 0 0,0 0 0,1 0 0,0 13 42,2-24-13,0-1-1,1 0 0,-1 1 0,1-1 0,0 0 0,1 0 1,0 0-1,0 2 14,-1-5-1,1 0-1,0 0 1,-1 0 0,1 0 0,0-1 0,0 1 0,0 0 0,0-1-1,0 0 1,0 1 0,1-1 0,-1-1 0,1 2 0,0-1-1,1 0 3,-2-2-2,-1 1 1,1 0-1,0 0 1,0-1 0,0 1-1,0 0 1,0-1 0,0 0-1,0 0 1,0 0 0,1 0-1,-1 0 1,0 0 0,-1-1-1,3 0 1,2-1-11,0 0-1,0-1 1,0 0 0,2-1 11,7-4-35,-3 1 28,0 1-1,-1 0 1,0-2 0,0 0-1,-1 0 1,0-2 7,9-9 1,-1-2 0,8-12-1,54-75-1,-62 80 5,-2 0-1,0-1 1,1-7-4,20-57 48,-32 80-41,8-21 18,1-8-25,0-14 16,-3-1 0,1-18-16,-9 47 18,-1 0-49,0 0-51,-3 1-50,-2-1-49,-1 1-49,-3 1-50,-3 0-50,-2 5 91,9 18 205,1 1-1,0-1 1,0 1 0,-1 0 0,-2-3 34,-4 0-56,2 1 0,-2 0 0,1 0 0,-8-1 56</inkml:trace>
+  <inkml:trace contextRef="#ctx0" brushRef="#br0" timeOffset="5">2784 3458 6272,'-6'-4'842,"2"3"-310,1 0-121,0 1-42,1 0-89,0 0-39,0 1-37,1 0-35,-1-1 25,1 0-62,1-1-53,0-2-44,0 3 99,0-1-36,1 1 15,5-1-18,-5 1-24,-1 0 52,2-1 11,-1 0-193,-1 0 38,1 0 42,0 0 42,0 0 56,0 1 109,1 2 139,-2 0-288,0 0-39,-1 7 161,-3-1-95,-1 6-13,2-6-33,1 2 44,-2 5 113,-3 7 159,-2 0 1,-1 2 4,-5 0-8,2 12-37,7-26-209,-1 2 0,0-2 0,0 0 0,-7 7-127,2-2 156,1 0 1,-1 2-157,0 4 109,0-3 74,1 1 0,-8 8-183,-75 87 656,48-50-267,16-21-169,-1 3-77,9-10-93,-3 4 49,-2-5 19,-4 6-60,-17 27-47,32-46 22,-1 0 37,2-4 28,0 0 42,1-1 52,-1 0 59,4-4 33,-1 3-64,2-1-75,-2-2-90,-7 10-11,11-13-59,0 2-72,-1 1-111,3-6 33,0 0 75,0-1 63,0 0 49,-3 1 53,-14 12 247,12-11-218,2-1-73,-11 10-122,3-7 80,9-9-5,12 0-65,-1 0 50,5 5 42,-8-6-9,0 0-1,0 0 0,0 0 1,0 0-1,1 1 1,-1-1-1,0 0 1,0 0-1,1 0 0,-1 0 1,0 0-1,0 1 1,0-1-1,0 0 1,0 0-1,0 0 1,1 0-1,-1 0 0,0 0 1,1 0-1,-1 0 1,0 0-1,0 0 1,0 0-1,0 0 0,0 0-1,13-4-16,1-1-10,-8 5 24,0-1 0,1 0 1,-1 1-1,7 1 2,-3-1 6,0 0 0,9-1-6,-8-1-1,61-9 126,-48 7-173,-11 3-20,-1-1-36,5 0-70,1-2 103,0 0 89,1-1 71,1 0 69,11-1 158,-14 2-195,7 0 85,-1-2 0,2-2-206,55-15 222,-50 17-187,-1-1-46,109-22 5,-106 22 6,16-3 11,-28 7 2,2-1 87,11-2 175,-6 0 100,-16 3-93,-4 3-90,3 0 43,-1-4-47,-2 1-63,5 2-1,-4 0 8,0 1-1,9-2-131,1-3 79,-16 5-77,-1-1 0,0 0 0,1 1 0,-1 0 1,0-1-1,1 1 0,-1 0 0,1 0 0,-1 0 1,0 1-1,1-1 0,0 1-2,0-1 4,-2 1 1,2-1-1,-2 0 1,1 0-1,0 0 0,0 0 1,0 0-1,0 0 1,0 0-1,0-1 1,0 1-1,0 0 0,0-1 1,0 1-1,0-1 1,0 1-1,0 0-4,3-3 21,3-1 29,-1 2 12,-4 2-41,-2 0 0,2 0 1,-2 0-1,2 0 0,-2 0 0,2-1 0,-2 1 0,1-1 0,0 1 0,0-1 0,1 0-21,-2 0 25,2 1 0,-1-1 1,0 1-1,0-1 0,0 0 0,1 1 0,-1 0 0,0 0 0,0-1 0,1 1 1,-1 0-1,0 0-25,8-3 35,-3-2 36,-4 4 5,-1-1-38,3 3-15,-2-1 9,0 0 45,6 0-35,-1 0-42,-5 0-133,-2 0-12,0 0-57,0 0 6,0 0-52,0 0-41,0 0-34,-1 1-644,0 0 596,0 1 111,-1 0 42,-2 2-115,0 0 133,-1 1-43</inkml:trace>
+  <inkml:trace contextRef="#ctx0" brushRef="#br0" timeOffset="6">1538 1911 7168,'-10'13'968,"4"-4"-357,2-3-140,0-1-47,0 1 92,1-1-112,2-3-160,-1 1-42,0 2 118,-2 2 133,3-5-276,-1 0 35,1-1 47,0 0 69,1-1-134,0 0-41,-1 0 50,-1 0-97,0-1-86,0 0 3,2 1 51,-3-9 161,-1-8-128,0-2-49,0 10-6,4 8-46,-1-1 1,0-1 0,1 1 0,-1 0-1,1 0 1,-1 0 0,1 0 0,0 0-1,0 0-6,0 0 5,0-1-1,0 2 0,0-1 1,0 0-1,-1 0 0,0 1 1,1-1-1,0 0 0,-1 0 1,0-1-5,-1 1 34,1-1 0,-1 1 0,0 0 0,0-1 0,-1 0-34,2 1 129,0 0-42,1 1-26,0 0-21,0-2-7,-1 2 22,0 0 33,-1 1 42,-3 5 342,4-4-345,-1 0-33,1 1-48,-1-2-59,0 2 107,2 1-75,0 0-20,0 4 9,0-5-20,0 1-1,0-1 0,0 0 1,0 0-1,0 1 0,1-1 1,-1 0-1,1 0 0,0 2 13,5 5 15,-4-7-7,0 1 0,-1-1-1,1 1 1,-1-1 0,2 3-8,3 5-29,5 1-45,6 2 46,-6-4 23,0-1 0,1-1 1,7 4 4,110 46-32,-47-20 32,-12-5 0,-26-14 10,32 21-10,-20-4 48,-21-15-24,-9-6-21,18 13-3,120 74-85,-101-66 85,-28-17 0,25 18 0,-14 0 0,21 6 0,7 5 0,63 55-86,-123-91 63,-5-4-59,-2-1-62,0 0-97,0-2-51,-1 1-98,0-1-112,-3-2 204,0 0-34,9 4-1286,-5-4 640,-3-2 436,0-2 69,0 0 82,-2-2 95,1-2-125,-3-5-86</inkml:trace>
+  <inkml:trace contextRef="#ctx0" brushRef="#br0" timeOffset="7">3460 2560 6912,'-2'1'226,"-3"1"248,1-1-138,-2 2 388,2 0-204,3-1-243,-1-1 39,0 1 45,0 1 53,0-2-303,0 0 70,0-1 42,-4-1 358,5-1-276,-1 0-190,2 1-36,-1 0-47,1 0-54,0-22 273,-1-4-21,3 0-84,-1 22-124,0 1 0,0-1 0,0 0 1,0 1-1,1-1 0,0 1 0,0 0 0,0-1 1,1-2-23,0 3 28,-2 1 1,1 0-1,0 0 1,0 0 0,0 0-1,0 0 1,1 1-1,-1-1 1,0 1-1,1-1 1,0 1-1,0 0 1,-1 0 0,2 1-29,14-11 114,-3-2-39,-8 8-31,1 0 0,7-4-44,11-7 67,28-17-5,-28 20-49,0-1 0,7 1-13,2-1 0,-18 5 0,14-12 0,0 0 0,109-71 0,-88 61 0,-6-3-16,60-34-102,-61 41 23,13-3 95,-23 12 0,-1 2 42,30-17 75,-27 13 102,24-8-219,-18 12 60,-6 2 40,2-3-100,-11 4 14,90-48 75,-85 42 37,9-8-126,31-23 100,-41 31-98,3-2-82,-17 12-6,0 0-36,-6 3-17,1 2 1,0-1 138,26-6-228,-13 6 116,0 2 41,29-5-73</inkml:trace>
+  <inkml:trace contextRef="#ctx0" brushRef="#br0" timeOffset="8">677 1396 6016,'-2'0'247,"-9"-2"1274,8 0-803,2-3-68,1 4-575,0 1-34,0 0 8,0 0 154,0 0-147,0 0-48,0 0-56</inkml:trace>
+  <inkml:trace contextRef="#ctx0" brushRef="#br0" timeOffset="9">668 1376 9408,'5'-9'-17,"-1"1"0,2 0 0,2-3 17,4-8-13,1 3 10,-11 15 5,0-1 0,0 0 0,-1 0 0,0 1 0,0-2-1,1 1 1,0 0-2,0-3 89,1-2 21,-2 4-33,0-1 70,0 1 94,0-1 55,-1 1 106,0 0-156,0 1 33,0 0 36,0 0 38,0-11 69,0 0-40,0 0-39,0 0-37,0-13 205,0 0-123,0 11-208,0-1-35,0-15 51,0-7-94,0 10-94,0 1-37,0-31-67,0 19 74,0 7 72,0 0 93,2 2-119,1-10-24,0 8 72,-1-11-72,-2 7 20,3-3 39,8-79 201,-7 75-188,-1 25-58,0 0 0,4-10-14,-2 10 36,1-14-36,-3 6 104,1 2 106,-1 12-54,-2 0 39,2 1 46,0 0 47,1 3 231,-1 0-82,2 3-92,-4 5-335,-1 0-1,0 0 1,0 0-1,0 0 1,1 0-1,-1 0 0,0 0 1,1 0-1,-1 0 1,0 0-1,0 0 1,0 0-1,0 0 1,1 0-1,-1 1 1,0-1-1,1 0 0,-1 0 1,0 0-1,0 1 1,0-1-1,0 0 1,0 0-1,1 0 1,-1 0-1,0 0-9,1 2 62,2 3-1,12 0-72,-9-1-8,-1 0 0,0 1 1,-1 0-1,1 0 0,0 0 0,-1 0 0,0 1 0,1 3 19,4 5-25,9 8 15,16 17 10,-25-30-1,-5-4 1,0 1 1,0 0-1,0 0 0,-1 0 0,2 4 0,8 14 10,37 43 70,-40-52-78,14 21-92,-9-12-109,-1 1 1,4 10 198,-13-24-55,0 0 47,1 1 41,0-1 36,7 13 173,3 11 250,-8-18-263,0-2-58,0-2-48,1 0-36,12 16 28,3 7-83,-13-23 54,6 13-86,-13-18 23,1 0 36,4 9 141,11 15 343,-14-19-350,2 0-6,-6-8-86,1-1 0,-1 1 1,0-1-1,1 5-101,0-1 47,4 5-18,0 2 13,-4-10-48,1-2 49,-3-3-30,-1 0 0,1 0 0,0 1 0,-1-1 0,0 0 0,1 0 0,0 0 0,-1 0 0,1 0 0,-1-1 0,1 1 0,0 0 0,-1 0 0,1 0 0,0-1 0,-1 1 0,0 0 0,1 0 0,0 0 0,-1-1-13,5-3 55,-5 4-52,0 0 1,0 0-1,1 0 1,-1 0-1,0-1 1,0 1-1,0 0 1,0 0-1,0-1 1,0 1-1,0 0 1,0 0-1,0 0 0,0 0 1,0 0-1,0 0 1,0-1-1,0 1 1,0 0-1,0-1 1,0 1-1,0 0 1,0 0-1,0-1 1,0 1-1,0 0-3,0-20 205,0-33 372,0 37-441,0 1-47,0 9-72,1-8 32,2-4-34,0-1-15,2-17 0,-2 26-8,0 0-1,1 1 0,0-1 0,1-1 9,8-17-61,16-44-131,3-8-19,-9 27 108,-4 8 59,1 1 50,2-7-6,-11 25 13,2-3 33,0 5-1,14-13 71,-9 12-26,13-15 81,-24 31-177,0 1-47,0 0 24,-4 5 28,-1 1-1,0-1 1,1 0-1,0 1 1,0-1-1,1 0 2,10-5 32,-2 1-13,-5 3-38,4-2-9,-4 1 33,3-3 45,8 4-7,-17 3-23,8-5-21,-5 5 68,-1 2 4,-1 0 33,8 7 145,-3-4-133,0 2-60,-4-3-57,0-1-1,-1 1 1,1 0-1,-1 0 1,0 0 0,0 0-1,0 0 1,-1 1-1,1-1 1,0 1-1,-1 0 2,3 10 0,0-1 0,4 7 0,4 18 0,-6-11 4,2 14-4,-4-17 66,6 19-66,-3-16 49,9 31 35,3 0-57,0 1 18,-11-30 27,9 18-72,-3-11 12,-2-7 1,0 0-1,3 2-12,-13-28 1,15 32 40,-7-15 83,4 14-124,-4-15 100,6 0-8,-16-18-79,2 1 1,-1-1 0,0 0 0,-1 0 0,2 0 0,-2 1 0,1-1 0,0 1-1,-1 0 1,1-1 0,-1 1 0,1 0 0,-1 1-14,3 5 117,3 2 55,-2-6-75,-2-2-45,-1 0 1,1 0-1,0 0 0,0 0 0,-1 0 1,1 1-53,3 5 227,-2-5-140,-2-3-81,-1 1-1,1-1 0,-1 1 0,0-1 1,0 0-1,0 0 0,0 1 1,0 0-1,1-1 0,-1 1 1,0-1-1,0 0 0,0 1 1,0 0-1,0-1 0,0 0 0,0 1 1,0-1-1,0 1 0,0 0-5,0-1 3,0 0-1,-1 0 0,1 0 0,0 1 0,0-1 1,0 1-1,0-1 0,0 0 0,0 0 0,0 0 1,0 1-1,1-1 0,-1 0 0,0 1 1,0-1-1,0 0 0,0 0 0,0 0 0,1 1 1,-1-1-1,0 0 0,0 1 0,0-1 0,0 0 1,0 0-1,0 1 0,1-1 0,-1 0 0,0 0 1,1 0-1,-1 0 0,0 0 0,0 0 0,0 0 1,1 0-1,-1 1 0,0-1 0,1 0 0,-1 0 1,0 0-1,0 0 0,0 0 0,1 0 1,-1 0-1,0 0 0,0 0 0,0 0 0,1 0 1,-1 0-1,0-1 0,1 1-2,-1 0 4,0 0-1,1 0 1,-1 0 0,1 0-1,-1 0 1,0 0 0,1 0-1,-1 1 1,1-1 0,-1 0-1,0 0 1,1 0 0,-1 1-1,1-1 1,-1 0 0,0 0 0,0 0-1,0 0 1,1 1 0,-1-1-1,1 0 1,-1 1 0,0-1-1,0 1 1,0-1 0,1 0-4,-1 0 1,0 1 1,1-1-1,-1 1 0,0-1 1,0 0-1,0 0 1,1 1-1,-1-1 1,0 0-1,0 1 1,0-1-1,1 0 0,-1 1 1,1-1-1,-1 0 1,0 0-1,1 0 1,-1 0-1,1 0 1,-1 0-1,0 0 0,1 0 1,-1 0-1,1 0 1,-1 0-1,0 0-1,11 0 73,3 0-39,-13 0-32,1 0 0,-2 0 1,2 0-1,-2 0 0,1 0 0,0-1 1,0 1-1,0 0 0,0-1 0,0 0 1,0 1-1,0 0 0,0-1 0,0 0 1,0 1-1,-1-1 0,1 0 0,0 0 1,0 1-1,-1-1 0,1 0-2,8-8 49,-5 6-35,0-2 0,0 2-1,-1-1 1,0-1 0,0 0 0,0 1 0,0-1 0,-1 0 0,0 0-1,1 0 1,-1-1-14,3-6 8,7-20 5,-3 5 6,3-2-16,3 1 0,4-8-3,23-45-1,-16 23-23,-2-3-48,3-10-24,17-28 47,-35 80 40,5-9 3,15-23 6,6-8 0,1-24 0,-7 21 0,-14 27 0,-8 22-9,8-1-47,-7 9 19,0 0 0,5-2 37,-5 3 11,12-5-11,-12 7 0,3-5 0,14-2 0,-24 8 0,1 1 0,-1-1 0,1 1 0,0-1 0,0 1 0,-1 0 0,1 0 0,-1 0 0,1 0 0,-1 0 0,2 1 0,2-1 0,3 0 58,-5-1-34,-1 1 0,0 0-1,0 0 1,0 0 0,0 1-1,2 0-23,-3-1 5,-1 0-1,0 1 1,1-1-1,0 0 1,-1 0 0,1 1-1,0-1 1,-1 1-1,0-1 1,1 0-1,-1 1 1,0-1-1,1 1 1,-1 0 0,1-1-1,-1 0 1,0 1-1,0 0 1,1-1-1,-1 1 1,0 0-1,1-1 1,-1 0 0,0 2-5,3 22 37,3-2-26,-4 3 21,1-11 0,-1-7-19,-1-1 1,0 0-1,0 1 0,-1 4-13,1 15 30,3 23-30,1-7 7,-2-11-6,5 60 4,-3 22-5,-5-94 2,1 0 1,1 8-3,11 35 48,-5-8-21,-4-23-11,5 15-16,5 10 26,13 32-26,-14-45 9,-8-24 11,0-2 0,1 0 1,2 1-21,-7-14 30,1 1 1,-1-1-1,0 0 1,0 2-31,2 7 96,3 1 32,-3 0 0,1-10-29,-3-3-96,-1-1 1,0 0-1,1 0 0,-1 0 1,0 0-1,0 0 1,0 1-1,0-1 0,0 0 1,1 1-1,-1-1 1,0 0-1,0 1 0,1-1 1,-1 0-1,0 0 1,0 0-1,0 1 0,0-1 1,0 1-1,0-1 1,0 0-1,0 0 0,0 0 1,0 1-1,0-1 1,0 1-1,0-1 1,0 0-4,0 0 3,0 0-1,0 1 1,0-1 0,0 0 0,0 1 0,0-1 0,0 0 0,0 1 0,0-1 0,0 0 0,0 0 0,0 0 0,0 0 0,0 1 0,0-1 0,0 0 0,0 1 0,0-1 0,0 0 0,1 0 0,-1 0 0,0 0 0,0 0 0,0 0 0,0 1 0,0-1-3,6-2 29,-6 1-34,2 0 1,-2-1 0,2 2 0,-2-2 0,1 1-1,0 0 1,0-1 0,-1 1 0,1-1 0,0 0 4,3-16-32,9-3 26,-1-15-10,13-35-116,3-7 49,-2-3 69,-12 41 55,4-14-2,-11 29-35,-2 3-33,2 0 1,2-3 28,3-7-20,-8 21 17,0-1 1,1 2-1,-1-1 1,2 1-1,0 0 1,0 0-1,1 0 3,55-60-16,-49 52-19,2 1-1,0 2 1,12-10 35,49-41-6,-62 54 3,1 0-1,8-5 4,16-8-78,-8 7 41,-15 10 34,-1-1 0,7-6 3,-1-3 0,-14 12 0,1-1 0,0 1 0,4-3 0,2 0 0,-1 0 0,13-11 0,-18 12 0,1 1 0,0 1 0,1 0 0,0 0 0,0 0 0,0 1 0,1 1 0,8-3 4,-11 4 17,1-1 1,-1-1 0,0 1 0,0-1-22,0 0 9,-6 4-17,0 0 0,0 0 0,0 0-1,-1 1 1,1 0 0,0-1 0,0 1 0,0 0 0,1 0 8,6 0 3,-1 0 47,1 2 91,-3 5-57,-4-4-72,0 0 0,-1 0 1,0 0-1,0 0 0,0 1-12,3 8 13,3 7-12,-2-1 0,0 1 0,-1 0 0,0 1 0,-1 3-1,11 149 0,-10-131 0,-3-15 2,5 80 66,-6 66-25,0 78-28,0-236-15,0 1 0,2 0 0,-1 0 0,4 13 0,2 5 25,-6-16 16,0 0 0,-1 4-41,0-17 15,0 0 1,1 1-1,-1-1 1,1 0 0,0 0-1,0 0 1,0 0-1,1 0-15,-2-3 4,2 17 82,-2-3 5,0-2 62,0-13-152,0 1 2,0-1 0,0 1 0,0-1 0,0 1 0,0-1 0,0 1 0,0-1 0,0 1 0,0 0 0,0-1 0,0 0 0,1 1 0,-1-1 0,1 1-3,-1-1 0,0 0 0,1 1 0,-1-1 0,1 0 0,-1 0 0,1 0 0,-1 1 0,0-1 0,1 0 0,0 0 0,-1 0 0,0 0 0,1 0 0,0-1 0,-1 1 0,0 0 0,1 0 0,0 0 0,-1-1 0,0 1 0,1 0 0,0 0 0,-1 0 0,0-1 0,11-5-52,-10 5 51,13-11-38,-9 6 37,0-1-1,0 1 1,0-1-1,-1 0 3,5-7-31,39-65-345,-16 26 186,-28 45 169,20-38-72,-5 3 60,-8 17 48,1 1 0,4-6-15,15-19-16,-3-7-13,-9 17 37,-2 1 21,-11 22-33,2 0 0,8-12 4,14-12-26,10-22 15,-5 6-54,-27 46 23,0 1-1,0-1 1,9-6 42,16-16-105,-4-1 55,-23 26 44,2-1-1,0 2 1,0-1 0,0 1-1,6-3 7,-3 1 0,-1 0 0,0-1 0,0-1 0,-1 2 0,0 0 0,10-8 0,-16 15 0,0 1 0,0-1 0,0 0 0,0 1 0,1-1 1,-1 2-1,1-1 0,0 0 0,-1 1 0,1-1 0,7 0-2,0 1 1,6 1 1,4 0-14,-10 0-53,-4 3 41,2-2 23,-1 0 17,1 1 51,-8-3-55,0 0 0,0 1 0,0 0 0,-1 0 0,1-1-1,0 1 1,-1 0 0,1-1 0,-1 1 0,1 0 0,0-1 0,-1 1-10,6 8 70,-2 1 0,0-1 0,0 1 1,1 6-71,4 13 120,-2-1-37,-2-8-55,-2-8-21,-1-1 0,0 1 0,-1 0 0,0 1-7,0 5 9,2 10-5,2 21-3,4 17-1,-2-18 71,-1 10-71,-3-22 20,-2-16-4,0 15-16,-1 6 27,4-11 3,-2-4-34,0 13 4,-2-11-21,-1-12 17,1-1 1,1 0-1,1 8 4,0-8 0,-1-8 0,1-2 0,-2 1 0,1 0 0,0 1 0,-2-2 0,1-4-1,8 22 13,-6-11 37,-2-12-48,0 1 0,0-1 0,0 0 0,0 0 0,0 0-1,0 1 1,0-1 0,0 1 0,0-1 0,0 0 0,0 0 0,0 1-1,0-1 1,0 0 0,0 1 0,0-1 0,0 0 0,0 0 0,0 0-1,1 1 1,-1-1 0,0 0 0,0 1 0,1-1 0,-1 0 0,0 1 0,0-1-1,0 0 1,0 0 0,1 0 0,-1 0 0,1 0 0,-1 0 0,0 0-1,0 0 1,0 0 0,1 1 0,-1-1 0,1 0 0,-1 0 0,0 0-1,0 0 1,0 0 0,1 0 0,-1 0 0,1 0 0,-1-1 0,0 1-1,2 0 1,-1 0 1,1 0-1,0-1 1,-1 0-1,0 0 1,1 1-1,0-1 1,-1 0-1,0 1 1,0-2-1,1 2 1,-1-2-1,0 1 1,1 0-1,-1 0-1,18-23-76,-17 21 60,6-9-41,-1 0 0,0 0 0,-1 0 0,3-8 57,19-55-199,-5 11 114,-22 62 83,5-15-8,2 0 0,0 1 0,6-9 10,-7 15 1,-3 5 2,-1 1 0,-1-1 1,4-4-4,2-17 26,-3 10-15,-1 6-22,1-2-1,5-7 12,3-8-30,-12 25 26,2-7-29,1-1-1,0 2 1,0-1 0,1 1-1,1-3 34,23-30-75,-5 5-26,-7 16 21,10-3 29,-8 8 28,3-5 17,-9 3 6,12-4 59,-24 21-53,0-2 0,0 1 0,0 1 1,1-1-1,-2 0 0,2 1 0,-1-1 0,0 0 0,0 1 0,1 0 1,-1-1-1,0 1 0,0-1 0,1 1-6,5-2 37,0-2-8,-6 4-27,0-1-1,0 1 0,0-1 1,-1 1-1,1 0 1,0-1-1,0 1 0,-1 0 1,2-1-1,-2 1 1,1 0-1,0 0 1,0 0-2,0 0 1,0 0 1,0 0 0,0 0 0,0 0 0,-1 0 0,1-1 0,0 1 0,0-1 0,-1 1 0,2-1 0,-2 1 0,1 0 0,0-1-2,6-3 1,3 4-1,-7 0 2,-1 0-1,0 0 1,0 0-1,0-1 1,0 1-1,1-1 1,-1 1-1,0-1 1,0 0-1,0 1 1,0-1-1,-1-1 1,1 2 0,2-2-2,-4 2 6,0 0 1,1-1-1,0 1 1,-1 0 0,0 0-1,1 0 1,0 0 0,-1 0-1,0 0 1,1 0 0,0 0-1,-1 0 1,0 0 0,1 0-1,-1 0 1,0 0-1,1 1 1,0-1 0,-1 0-1,0 0 1,1 0 0,0 0-1,-1 1 1,0 0-7,11 9 185,-7-5-71,1 2 42,-3 0-46,1 9 4,-4-10-105,1 1 1,-2 0-1,1-1 0,-1 2-9,-1 6 47,2-3-56,0-2 0,0 2-1,1-1 1,1 5 9,0-2 0,-1-1 0,-2 11 0,0-4 22,0-2 7,0 0 0,1 8-29,0 11 23,-2 3-23,-1-3 14,3 2-14,0 24 0,-5 31 0,3-50 0,4 34 0,0-24 0,-1 23 34,0 66 77,0-46-122,1-87 5,5-1-10,-5-6-64,2-2-21,0 0 66,9 0-64,-2-3-18,-5-2 67,0 1-1,1-1 0,-2 0 1,1-1-1,2-3 51,22-34-246,-13 17 143,4-2 10,-2 0 37,6-9 2,32-54-73,-7-1 110,7-8 50,-31 56-67,1-4-45,-5 13-53,6-7 132,20-33-113,-39 62 90,-1 0 1,1 1 0,1 0 0,0 1-1,0 0 1,3-1 22,8-7-37,21-21-54,-23 21 31,5-3 60,6-3 55,-25 22-39,0 1 0,1-1 0,-1 1 0,0 0 0,5-1-16,2-2 43,11-6-24,-18 9-27,0 1 1,-1-1-1,1 1 1,0 0-1,1 0 1,-1 1 0,0 0-1,0 0 1,1 0 7,1 0 9,-1-1 0,1 0 0,-1 1 0,5-3-9,-5 1 17,1 2 1,0-2 0,0 1-1,4 1-17,-8 0 10,-1 0-4,0 0-1,-1 0 1,1 0 0,0 0 0,-1 0 0,1 0-1,-1 0 1,1 0 0,0 0 0,-1 0 0,1 1 0,0-1-1,-1 1 1,1-1-6,4 8 149,1-1-12,-5-5-117,0-1-1,0 0 1,0 0 0,0 0 0,0 1 0,0-2-1,-1 2 1,1-1 0,0 1-20,0 2 39,-1 1 1,1 0-1,-1-1 1,0 1-1,0-1 1,-1 3-40,1 6 62,0 36-13,2-10-46,-3 1 0,-1-1 0,-6 24-3,-3 49 48,3-80-53,3-13-6,-4 23-11,-2 23 22,3-10 49,2-21-20,-1 7 42,0 1-1,3 0 0,2 6-70,2-27 2,0-2-16,-1 1-1,0 0 15,-1 0 16,-1 1 45,1 1 1,2-1-62,-1-3 118,-3 17-118,2-18 90,0 16-90,2-18 35,1-10-12,-1 2 0,-1-1 1,1 1-1,-2 5-23,-12 72 202,13-63-169,1-16-29,0 1 0,0 0 0,-1-1 0,0 1-4,-1 5 9,0-5-5,1 0 1,0 1-1,0-1 0,1 3-4,0-6 6,0 0 0,-1 1 0,0-1 0,1 1 0,-1-2 0,0 2 0,0 0-6,0-2 11,0 0-1,0 1 1,1 0 0,0-1 0,-1 1 0,1 2-11,0 0-75,0 0 77,0 8 215,0-8-190,0-1-75,0-1-66,0 0-100,0 1-113,0-2 115,0-1-35,0 1-37,0 0-41,0-2-229,-1 0 53,1 1 50,0-1 48,0 0 43,0 0 42,0 0 39,-1 0 35,1-1-7,0 1 43,-1 0-103,0 0 75,-1-1 17,1 1 35,1 0-3,-1 0-35,1 0-77,0-2-328,-1 0 116,0 0 179,1 0 48,-3-2-141,-1-2-84</inkml:trace>
+  <inkml:trace contextRef="#ctx0" brushRef="#br0" timeOffset="10">1783 3057 1792,'-9'0'284,"0"1"-64,5 0-129,0-1 1,0 2-1,0-1 0,1 0 0,-1 1 0,-2 0-91,-5 6 292,4-2-64,1 0 57,1-2-152,1 0 1,0 1-1,-1-2 0,1 1 1,-2-1-1,0 2-133,-6 2 177,-1 5 20,-8 7 37,8-13-147,0 0-24,8-1-74,3-4-76,0 0 32,-3-1-42,5 0 74,0 0 19,0 0-1,0 0 1,0 0-1,0 0 1,0 0-1,0 0 1,0 0-1,-1 0 1,1 0-1,0 0 1,0 0-1,0 0 1,0 0-1,0 0 1,0 0-1,0 0 1,0 0-1,0 0 1,0 0-1,0 0 1,0 0-1,-1 0 1,1 0-1,0-1 1,0 1-1,0 0 1,0 0-1,0 0 1,0 0-1,0 0 1,0 0-1,0 0 1,0 0-1,0 0 1,0 0 0,0 0-1,0 0 1,0 0-1,0 0 1,0 0-1,0 0 1,0-1-1,0 1 1,0 0-1,0 0 1,0 0-1,0 0 1,0 0-1,0 0 1,0 0-1,0 0 1,0 0-1,0 0 1,0 0-1,0 0 1,0 0-1,0 0 5,-1-5-192,-2 3-91,3 1 254,0 1 0,-1 0-1,1-1 1,-1 1 0,1-1 0,0 1 0,0 0-1,-1 0 1,1-1 0,0 1 0,-1-1 0,1 1-1,0 0 1,0 0 0,0-1 0,0 0 0,0 1-1,0 0 1,-1 0 0,1-1 0,0 0 0,0 1-1,0-1 1,0 1 0,0 0 29,0-5-127,0 0-18</inkml:trace>
+  <inkml:trace contextRef="#ctx0" brushRef="#br0" timeOffset="11">1608 2808 2688,'3'-2'426,"0"-1"-75,-1 1-69,1 0-61,-1 0-26,1 1-65,0-1-32,1 2-77,2-2-45,-1-1 81,-4 1 9,2 0 35,0 0 41,-1-1 48,5-3 128,0 1-78,5-5 114,8-18 399,-14 20-477,-2 2-72,-1 1 41,-1-2 38,0 2 33,2-7 404,-2 0 91,-1-1 957,0 0 1,-1-12-1769,0 16 573,-1-1-41,1 10-414,0-2-52,0 1-35,0-1-60,-1 1 40,0 1 45,0-1 67,0 1 61,0 0 87,-1 0 100,1 0 118,1 0-247,0 0-55,0 1-47,0 0-41,0 1 13,0 1-50,0-3 40,0 5 163,-1-3-80,-1 1-26,0-1-97,-1 3-30,2-1 33,0 2-5,-5-1-57,5-4-5,0-1 0,1 1 0,-1-1 0,1 0 0,-1 0 0,0 1 0,1 0-1,-1-1 1,1 0 0,-1 1 0,1 0 0,0-1 0,-1 1 0,0-1 0,1 1 2,-9 26-6,9-24 6,-1-2-1,0 1 1,1 0-1,0 0 0,0 0 1,0 1-1,-1-1 1,1 0-1,1 0 0,-1 0 1,0 1 0,1 12-79,0-3 86,0-7-22,0 0 0,0-1 1,1 0-1,0 0 0,1 3 15,2 3-3,1 0 37,0 0 56,0 0 71,-1-2 24,-1-1 60,1 0-124,1 3-26,1 0-71,-4-6-26,0 0-1,-1 0 0,1-1 1,-1 2-1,1-1 0,-1 0 1,-1 0-1,1 0 0,-1 1 1,0 0-1,0 0 0,0 0 3,1 2 7,0 0-48,0 0-47,0-2-48,0 1-48,1-1-49,0 1-47,0-1-50,1 0-514,-1 2-93,1-3 59,-2 0 63,1-1 70,1 0 74,1-1 81,0 0 85,2-1 90,2 2 25,7 2-78</inkml:trace>
+  <inkml:trace contextRef="#ctx0" brushRef="#br0" timeOffset="12">1503 2961 3968,'0'-2'123,"0"-1"76,0-2 259,0-3 427,0 5-529,0-1-50,0 2-89,0 2 109,0-1 90,0 1 10,1-2 635,-1 1-933,2 0 97,-2-1 81,1 1 70,0-1 45,-1 1 39,2-4 1156,-2 3-951,0-1-58,1 1-110,-1 1-269,0-1-60,0 1-69,0 0-76,0-1 478,3 2-182,-1-1-84,0-1-5,0 1-99,1-4 50,0 5-87,-1 0 44,0 0-89,-2 0-1,2-1 1,-2 1 0,2 0 0,-2-1-1,2 1 1,-2 0 0,2 0 0,-2-1-1,2 0 1,-2 1 0,1-1-1,-1 1 1,2-1 0,-2 0 0,1 1-1,0-1 1,-1 0 0,2 0-49,7-8 535,-7 7-447,0 1-1,0 0 1,0 0-1,0 1 1,1-1-1,-1 0 1,1 1-88,15-6 512,-2-3-202,-11 6-205,0 0-1,1 0 1,-1 1-1,1 0 0,1 0-104,20-4 278,-8 0-132,-4 2-71,0-1-59,-2 1-59,-1 1-62,1-2-70,-1 1-80,-2 1-30,0 0-70,0 0-74,0-1-81,-3 2-61,0-1-58,3-2-522,10-8-1673,-15 8 2013,0-1 67,0 2 154,-1-1 87,0-1 104,1 0 120,1-3-256,6-3-114</inkml:trace>
+  <inkml:trace contextRef="#ctx0" brushRef="#br0" timeOffset="13">3811 2799 7808,'-7'-3'1025,"4"1"-378,0 0-146,0 1-50,2 1-211,0 0-33,1-1 117,-2 1-106,1-1-88,1 1-70,-1 0-58,-1-1-154,1 1 137,1-1 55,0 1 50,-1 0 112,1-1-57,0 1 32,0-1 37,0 1 38,0-1 41,0 1 45,0 0 46,0-1 51,0 0 53,0 1 55,-1-1 59,1 0 61,0 0 65,0 0 66,0 0-645,0-1 14,4-1-58,1 0 59,-3 1-162,0 2 0,-1-2 0,1 1 1,-1 0-1,1-1 0,-1 0 0,0 1 0,0-1 0,0 0 0,0 1 0,0-1 0,0 0 0,0-1-2,0 2 7,0-1 1,0 0-1,0 0 0,0 0 1,0 1-1,0-1 1,0 0-1,1 1 0,-1-1 1,0 1-1,1 0 1,0 0-1,0-1-7,9-3 94,2-2-78,-4 0-67,-5 4-48,-2 3 23,1 0-11,-1-3-35,-2 3 117,0-1-1,0 1 1,0 0 0,0 0-1,0-1 1,0 1 0,0 0-1,0 0 1,0 0 0,0 0-1,0 0 1,0-1 0,0 1-1,0 0 1,0 0 0,0 0-1,1-1 1,-1 1 0,0 0-1,0 0 1,0 0 0,1 0-1,-1 0 1,0 0 0,0 0-1,0 0 1,0 0 0,0 0-1,0 0 1,1 0 0,-1-1-1,0 1 1,0 0 0,1 0-1,-1 0 1,0 0 0,0 0-1,0 0 1,0 0 0,0 0-1,1 0 1,-1 1 0,0-1-1,0 0 1,1 0 0,-1 0-1,0 0 1,0 0 0,0 0-1,0 0 1,0 0-1,0 0 1,1 0 0,-1 0 5,2 4-93,1-1 102,-1-2 44,1 1 36,-1-1-26,-1 0-1,1 1 0,-1-1 0,0 1 0,1-1 0,-1 0 0,0 2-62,7 5 229,1-2-77,2-3-72,-8-3-75,-1 1 1,1 0-1,0-1 0,-1 2 1,0-2-1,1 2 1,0 0-6,25 17 28,-1 0-30,27 11 13,-45-23 7,-4-4-6,-1 1 1,2 0-1,-1-2 1,0 1-1,5 1-12,19 8-5,-22-9-11,0 1 0,0 0 0,2 2 16,4 4-20,25 18 13,-26-18 44,1-1 1,1 0-1,0-1 1,1 0-38,-11-5 10,3 0-15,0 0-1,1 0 1,5 1 5,2 0-108,-4-1-77,-5-2 7,0 1-36,6 0-303,0 0-71,15 0-887,-18-1 1051,-1-1 36,1 0 45,0-1 67,-1 1 83,1-1 96,8-2-209,9-2-59,-26 5 364</inkml:trace>
+  <inkml:trace contextRef="#ctx0" brushRef="#br0" timeOffset="14">3846 3066 5632,'-1'0'-285,"1"0"65,0 0 62,-1 0 59,0 0 56,1 0 52,-1 0 49,1 0 47,-2 0 78,2 0 57,-1 0 52,0 0 46,0 0 121,0 0 50,0 0 328,0 0 60,-1 0 1651,2 0-1764,0 0-75,0 0-314,0 0-44,0 0-52,1 0-56,0 0-63,0 0-68,0 0-75,1 0-81,3-1 351,3-2 17,-4 0-118,14-10 440,-4-3-78,-3-3-70,-1-3-66,-6 12-293,0 0-1,1 1 1,1 0 0,4-6-139,-3 4 153,0 1 40,3-3 85,3-5 77,-1 0-87,-9 13-208,0 1-1,0 1 0,0-2 0,0 2 1,2-1-61,17-14 195,-12 10-134,6-4 28,-5 2-63,0 2-33,1 0-34,2 0-32,6-2-197,7-5 271,2-6-108,-1 1 60</inkml:trace>
+</inkml:ink>
+</file>
+
 <file path=ppt/notesMasters/notesMaster1.xml><?xml version="1.0" encoding="utf-8"?>
 <p:notesMaster xmlns:a="http://schemas.openxmlformats.org/drawingml/2006/main" xmlns:r="http://schemas.openxmlformats.org/officeDocument/2006/relationships" xmlns:p="http://schemas.openxmlformats.org/presentationml/2006/main">
   <p:cSld>
@@ -211,7 +269,7 @@
           <a:p>
             <a:fld id="{056AEFA0-306F-4413-9CBC-3BA55C168B73}" type="datetimeFigureOut">
               <a:rPr lang="de-CH" smtClean="0"/>
-              <a:t>20.03.18</a:t>
+              <a:t>29.03.18</a:t>
             </a:fld>
             <a:endParaRPr lang="de-CH"/>
           </a:p>
@@ -544,7 +602,427 @@
           <a:p>
             <a:fld id="{7DE258FE-F2E5-45B1-B077-BAB345233DBE}" type="slidenum">
               <a:rPr lang="de-CH" smtClean="0"/>
-              <a:t>3</a:t>
+              <a:t>4</a:t>
+            </a:fld>
+            <a:endParaRPr lang="de-CH"/>
+          </a:p>
+        </p:txBody>
+      </p:sp>
+    </p:spTree>
+    <p:extLst>
+      <p:ext uri="{BB962C8B-B14F-4D97-AF65-F5344CB8AC3E}">
+        <p14:creationId xmlns:p14="http://schemas.microsoft.com/office/powerpoint/2010/main" val="1152119138"/>
+      </p:ext>
+    </p:extLst>
+  </p:cSld>
+  <p:clrMapOvr>
+    <a:masterClrMapping/>
+  </p:clrMapOvr>
+</p:notes>
+</file>
+
+<file path=ppt/notesSlides/notesSlide10.xml><?xml version="1.0" encoding="utf-8"?>
+<p:notes xmlns:a="http://schemas.openxmlformats.org/drawingml/2006/main" xmlns:r="http://schemas.openxmlformats.org/officeDocument/2006/relationships" xmlns:p="http://schemas.openxmlformats.org/presentationml/2006/main">
+  <p:cSld>
+    <p:spTree>
+      <p:nvGrpSpPr>
+        <p:cNvPr id="1" name=""/>
+        <p:cNvGrpSpPr/>
+        <p:nvPr/>
+      </p:nvGrpSpPr>
+      <p:grpSpPr>
+        <a:xfrm>
+          <a:off x="0" y="0"/>
+          <a:ext cx="0" cy="0"/>
+          <a:chOff x="0" y="0"/>
+          <a:chExt cx="0" cy="0"/>
+        </a:xfrm>
+      </p:grpSpPr>
+      <p:sp>
+        <p:nvSpPr>
+          <p:cNvPr id="2" name="Folienbildplatzhalter 1"/>
+          <p:cNvSpPr>
+            <a:spLocks noGrp="1" noRot="1" noChangeAspect="1"/>
+          </p:cNvSpPr>
+          <p:nvPr>
+            <p:ph type="sldImg"/>
+          </p:nvPr>
+        </p:nvSpPr>
+        <p:spPr/>
+      </p:sp>
+      <p:sp>
+        <p:nvSpPr>
+          <p:cNvPr id="3" name="Notizenplatzhalter 2"/>
+          <p:cNvSpPr>
+            <a:spLocks noGrp="1"/>
+          </p:cNvSpPr>
+          <p:nvPr>
+            <p:ph type="body" idx="1"/>
+          </p:nvPr>
+        </p:nvSpPr>
+        <p:spPr/>
+        <p:txBody>
+          <a:bodyPr/>
+          <a:lstStyle/>
+          <a:p>
+            <a:endParaRPr lang="de-DE" dirty="0"/>
+          </a:p>
+        </p:txBody>
+      </p:sp>
+      <p:sp>
+        <p:nvSpPr>
+          <p:cNvPr id="4" name="Foliennummernplatzhalter 3"/>
+          <p:cNvSpPr>
+            <a:spLocks noGrp="1"/>
+          </p:cNvSpPr>
+          <p:nvPr>
+            <p:ph type="sldNum" sz="quarter" idx="10"/>
+          </p:nvPr>
+        </p:nvSpPr>
+        <p:spPr/>
+        <p:txBody>
+          <a:bodyPr/>
+          <a:lstStyle/>
+          <a:p>
+            <a:fld id="{7DE258FE-F2E5-45B1-B077-BAB345233DBE}" type="slidenum">
+              <a:rPr lang="de-CH" smtClean="0"/>
+              <a:t>16</a:t>
+            </a:fld>
+            <a:endParaRPr lang="de-CH"/>
+          </a:p>
+        </p:txBody>
+      </p:sp>
+    </p:spTree>
+    <p:extLst>
+      <p:ext uri="{BB962C8B-B14F-4D97-AF65-F5344CB8AC3E}">
+        <p14:creationId xmlns:p14="http://schemas.microsoft.com/office/powerpoint/2010/main" val="3358747267"/>
+      </p:ext>
+    </p:extLst>
+  </p:cSld>
+  <p:clrMapOvr>
+    <a:masterClrMapping/>
+  </p:clrMapOvr>
+</p:notes>
+</file>
+
+<file path=ppt/notesSlides/notesSlide11.xml><?xml version="1.0" encoding="utf-8"?>
+<p:notes xmlns:a="http://schemas.openxmlformats.org/drawingml/2006/main" xmlns:r="http://schemas.openxmlformats.org/officeDocument/2006/relationships" xmlns:p="http://schemas.openxmlformats.org/presentationml/2006/main">
+  <p:cSld>
+    <p:spTree>
+      <p:nvGrpSpPr>
+        <p:cNvPr id="1" name=""/>
+        <p:cNvGrpSpPr/>
+        <p:nvPr/>
+      </p:nvGrpSpPr>
+      <p:grpSpPr>
+        <a:xfrm>
+          <a:off x="0" y="0"/>
+          <a:ext cx="0" cy="0"/>
+          <a:chOff x="0" y="0"/>
+          <a:chExt cx="0" cy="0"/>
+        </a:xfrm>
+      </p:grpSpPr>
+      <p:sp>
+        <p:nvSpPr>
+          <p:cNvPr id="2" name="Folienbildplatzhalter 1"/>
+          <p:cNvSpPr>
+            <a:spLocks noGrp="1" noRot="1" noChangeAspect="1"/>
+          </p:cNvSpPr>
+          <p:nvPr>
+            <p:ph type="sldImg"/>
+          </p:nvPr>
+        </p:nvSpPr>
+        <p:spPr/>
+      </p:sp>
+      <p:sp>
+        <p:nvSpPr>
+          <p:cNvPr id="3" name="Notizenplatzhalter 2"/>
+          <p:cNvSpPr>
+            <a:spLocks noGrp="1"/>
+          </p:cNvSpPr>
+          <p:nvPr>
+            <p:ph type="body" idx="1"/>
+          </p:nvPr>
+        </p:nvSpPr>
+        <p:spPr/>
+        <p:txBody>
+          <a:bodyPr/>
+          <a:lstStyle/>
+          <a:p>
+            <a:endParaRPr lang="de-DE" dirty="0"/>
+          </a:p>
+        </p:txBody>
+      </p:sp>
+      <p:sp>
+        <p:nvSpPr>
+          <p:cNvPr id="4" name="Foliennummernplatzhalter 3"/>
+          <p:cNvSpPr>
+            <a:spLocks noGrp="1"/>
+          </p:cNvSpPr>
+          <p:nvPr>
+            <p:ph type="sldNum" sz="quarter" idx="10"/>
+          </p:nvPr>
+        </p:nvSpPr>
+        <p:spPr/>
+        <p:txBody>
+          <a:bodyPr/>
+          <a:lstStyle/>
+          <a:p>
+            <a:fld id="{7DE258FE-F2E5-45B1-B077-BAB345233DBE}" type="slidenum">
+              <a:rPr lang="de-CH" smtClean="0"/>
+              <a:t>17</a:t>
+            </a:fld>
+            <a:endParaRPr lang="de-CH"/>
+          </a:p>
+        </p:txBody>
+      </p:sp>
+    </p:spTree>
+    <p:extLst>
+      <p:ext uri="{BB962C8B-B14F-4D97-AF65-F5344CB8AC3E}">
+        <p14:creationId xmlns:p14="http://schemas.microsoft.com/office/powerpoint/2010/main" val="1860956682"/>
+      </p:ext>
+    </p:extLst>
+  </p:cSld>
+  <p:clrMapOvr>
+    <a:masterClrMapping/>
+  </p:clrMapOvr>
+</p:notes>
+</file>
+
+<file path=ppt/notesSlides/notesSlide12.xml><?xml version="1.0" encoding="utf-8"?>
+<p:notes xmlns:a="http://schemas.openxmlformats.org/drawingml/2006/main" xmlns:r="http://schemas.openxmlformats.org/officeDocument/2006/relationships" xmlns:p="http://schemas.openxmlformats.org/presentationml/2006/main">
+  <p:cSld>
+    <p:spTree>
+      <p:nvGrpSpPr>
+        <p:cNvPr id="1" name=""/>
+        <p:cNvGrpSpPr/>
+        <p:nvPr/>
+      </p:nvGrpSpPr>
+      <p:grpSpPr>
+        <a:xfrm>
+          <a:off x="0" y="0"/>
+          <a:ext cx="0" cy="0"/>
+          <a:chOff x="0" y="0"/>
+          <a:chExt cx="0" cy="0"/>
+        </a:xfrm>
+      </p:grpSpPr>
+      <p:sp>
+        <p:nvSpPr>
+          <p:cNvPr id="2" name="Folienbildplatzhalter 1"/>
+          <p:cNvSpPr>
+            <a:spLocks noGrp="1" noRot="1" noChangeAspect="1"/>
+          </p:cNvSpPr>
+          <p:nvPr>
+            <p:ph type="sldImg"/>
+          </p:nvPr>
+        </p:nvSpPr>
+        <p:spPr/>
+      </p:sp>
+      <p:sp>
+        <p:nvSpPr>
+          <p:cNvPr id="3" name="Notizenplatzhalter 2"/>
+          <p:cNvSpPr>
+            <a:spLocks noGrp="1"/>
+          </p:cNvSpPr>
+          <p:nvPr>
+            <p:ph type="body" idx="1"/>
+          </p:nvPr>
+        </p:nvSpPr>
+        <p:spPr/>
+        <p:txBody>
+          <a:bodyPr/>
+          <a:lstStyle/>
+          <a:p>
+            <a:endParaRPr lang="de-DE" dirty="0"/>
+          </a:p>
+        </p:txBody>
+      </p:sp>
+      <p:sp>
+        <p:nvSpPr>
+          <p:cNvPr id="4" name="Foliennummernplatzhalter 3"/>
+          <p:cNvSpPr>
+            <a:spLocks noGrp="1"/>
+          </p:cNvSpPr>
+          <p:nvPr>
+            <p:ph type="sldNum" sz="quarter" idx="10"/>
+          </p:nvPr>
+        </p:nvSpPr>
+        <p:spPr/>
+        <p:txBody>
+          <a:bodyPr/>
+          <a:lstStyle/>
+          <a:p>
+            <a:fld id="{7DE258FE-F2E5-45B1-B077-BAB345233DBE}" type="slidenum">
+              <a:rPr lang="de-CH" smtClean="0"/>
+              <a:t>18</a:t>
+            </a:fld>
+            <a:endParaRPr lang="de-CH"/>
+          </a:p>
+        </p:txBody>
+      </p:sp>
+    </p:spTree>
+    <p:extLst>
+      <p:ext uri="{BB962C8B-B14F-4D97-AF65-F5344CB8AC3E}">
+        <p14:creationId xmlns:p14="http://schemas.microsoft.com/office/powerpoint/2010/main" val="582390854"/>
+      </p:ext>
+    </p:extLst>
+  </p:cSld>
+  <p:clrMapOvr>
+    <a:masterClrMapping/>
+  </p:clrMapOvr>
+</p:notes>
+</file>
+
+<file path=ppt/notesSlides/notesSlide13.xml><?xml version="1.0" encoding="utf-8"?>
+<p:notes xmlns:a="http://schemas.openxmlformats.org/drawingml/2006/main" xmlns:r="http://schemas.openxmlformats.org/officeDocument/2006/relationships" xmlns:p="http://schemas.openxmlformats.org/presentationml/2006/main">
+  <p:cSld>
+    <p:spTree>
+      <p:nvGrpSpPr>
+        <p:cNvPr id="1" name=""/>
+        <p:cNvGrpSpPr/>
+        <p:nvPr/>
+      </p:nvGrpSpPr>
+      <p:grpSpPr>
+        <a:xfrm>
+          <a:off x="0" y="0"/>
+          <a:ext cx="0" cy="0"/>
+          <a:chOff x="0" y="0"/>
+          <a:chExt cx="0" cy="0"/>
+        </a:xfrm>
+      </p:grpSpPr>
+      <p:sp>
+        <p:nvSpPr>
+          <p:cNvPr id="2" name="Folienbildplatzhalter 1"/>
+          <p:cNvSpPr>
+            <a:spLocks noGrp="1" noRot="1" noChangeAspect="1"/>
+          </p:cNvSpPr>
+          <p:nvPr>
+            <p:ph type="sldImg"/>
+          </p:nvPr>
+        </p:nvSpPr>
+        <p:spPr/>
+      </p:sp>
+      <p:sp>
+        <p:nvSpPr>
+          <p:cNvPr id="3" name="Notizenplatzhalter 2"/>
+          <p:cNvSpPr>
+            <a:spLocks noGrp="1"/>
+          </p:cNvSpPr>
+          <p:nvPr>
+            <p:ph type="body" idx="1"/>
+          </p:nvPr>
+        </p:nvSpPr>
+        <p:spPr/>
+        <p:txBody>
+          <a:bodyPr/>
+          <a:lstStyle/>
+          <a:p>
+            <a:endParaRPr lang="de-DE" dirty="0"/>
+          </a:p>
+        </p:txBody>
+      </p:sp>
+      <p:sp>
+        <p:nvSpPr>
+          <p:cNvPr id="4" name="Foliennummernplatzhalter 3"/>
+          <p:cNvSpPr>
+            <a:spLocks noGrp="1"/>
+          </p:cNvSpPr>
+          <p:nvPr>
+            <p:ph type="sldNum" sz="quarter" idx="10"/>
+          </p:nvPr>
+        </p:nvSpPr>
+        <p:spPr/>
+        <p:txBody>
+          <a:bodyPr/>
+          <a:lstStyle/>
+          <a:p>
+            <a:fld id="{7DE258FE-F2E5-45B1-B077-BAB345233DBE}" type="slidenum">
+              <a:rPr lang="de-CH" smtClean="0"/>
+              <a:t>19</a:t>
+            </a:fld>
+            <a:endParaRPr lang="de-CH"/>
+          </a:p>
+        </p:txBody>
+      </p:sp>
+    </p:spTree>
+    <p:extLst>
+      <p:ext uri="{BB962C8B-B14F-4D97-AF65-F5344CB8AC3E}">
+        <p14:creationId xmlns:p14="http://schemas.microsoft.com/office/powerpoint/2010/main" val="3662859271"/>
+      </p:ext>
+    </p:extLst>
+  </p:cSld>
+  <p:clrMapOvr>
+    <a:masterClrMapping/>
+  </p:clrMapOvr>
+</p:notes>
+</file>
+
+<file path=ppt/notesSlides/notesSlide14.xml><?xml version="1.0" encoding="utf-8"?>
+<p:notes xmlns:a="http://schemas.openxmlformats.org/drawingml/2006/main" xmlns:r="http://schemas.openxmlformats.org/officeDocument/2006/relationships" xmlns:p="http://schemas.openxmlformats.org/presentationml/2006/main">
+  <p:cSld>
+    <p:spTree>
+      <p:nvGrpSpPr>
+        <p:cNvPr id="1" name=""/>
+        <p:cNvGrpSpPr/>
+        <p:nvPr/>
+      </p:nvGrpSpPr>
+      <p:grpSpPr>
+        <a:xfrm>
+          <a:off x="0" y="0"/>
+          <a:ext cx="0" cy="0"/>
+          <a:chOff x="0" y="0"/>
+          <a:chExt cx="0" cy="0"/>
+        </a:xfrm>
+      </p:grpSpPr>
+      <p:sp>
+        <p:nvSpPr>
+          <p:cNvPr id="2" name="Folienbildplatzhalter 1"/>
+          <p:cNvSpPr>
+            <a:spLocks noGrp="1" noRot="1" noChangeAspect="1"/>
+          </p:cNvSpPr>
+          <p:nvPr>
+            <p:ph type="sldImg"/>
+          </p:nvPr>
+        </p:nvSpPr>
+        <p:spPr/>
+      </p:sp>
+      <p:sp>
+        <p:nvSpPr>
+          <p:cNvPr id="3" name="Notizenplatzhalter 2"/>
+          <p:cNvSpPr>
+            <a:spLocks noGrp="1"/>
+          </p:cNvSpPr>
+          <p:nvPr>
+            <p:ph type="body" idx="1"/>
+          </p:nvPr>
+        </p:nvSpPr>
+        <p:spPr/>
+        <p:txBody>
+          <a:bodyPr/>
+          <a:lstStyle/>
+          <a:p>
+            <a:endParaRPr lang="de-DE" dirty="0"/>
+          </a:p>
+        </p:txBody>
+      </p:sp>
+      <p:sp>
+        <p:nvSpPr>
+          <p:cNvPr id="4" name="Foliennummernplatzhalter 3"/>
+          <p:cNvSpPr>
+            <a:spLocks noGrp="1"/>
+          </p:cNvSpPr>
+          <p:nvPr>
+            <p:ph type="sldNum" sz="quarter" idx="10"/>
+          </p:nvPr>
+        </p:nvSpPr>
+        <p:spPr/>
+        <p:txBody>
+          <a:bodyPr/>
+          <a:lstStyle/>
+          <a:p>
+            <a:fld id="{7DE258FE-F2E5-45B1-B077-BAB345233DBE}" type="slidenum">
+              <a:rPr lang="de-CH" smtClean="0"/>
+              <a:t>20</a:t>
             </a:fld>
             <a:endParaRPr lang="de-CH"/>
           </a:p>
@@ -554,6 +1032,678 @@
     <p:extLst>
       <p:ext uri="{BB962C8B-B14F-4D97-AF65-F5344CB8AC3E}">
         <p14:creationId xmlns:p14="http://schemas.microsoft.com/office/powerpoint/2010/main" val="2193000342"/>
+      </p:ext>
+    </p:extLst>
+  </p:cSld>
+  <p:clrMapOvr>
+    <a:masterClrMapping/>
+  </p:clrMapOvr>
+</p:notes>
+</file>
+
+<file path=ppt/notesSlides/notesSlide2.xml><?xml version="1.0" encoding="utf-8"?>
+<p:notes xmlns:a="http://schemas.openxmlformats.org/drawingml/2006/main" xmlns:r="http://schemas.openxmlformats.org/officeDocument/2006/relationships" xmlns:p="http://schemas.openxmlformats.org/presentationml/2006/main">
+  <p:cSld>
+    <p:spTree>
+      <p:nvGrpSpPr>
+        <p:cNvPr id="1" name=""/>
+        <p:cNvGrpSpPr/>
+        <p:nvPr/>
+      </p:nvGrpSpPr>
+      <p:grpSpPr>
+        <a:xfrm>
+          <a:off x="0" y="0"/>
+          <a:ext cx="0" cy="0"/>
+          <a:chOff x="0" y="0"/>
+          <a:chExt cx="0" cy="0"/>
+        </a:xfrm>
+      </p:grpSpPr>
+      <p:sp>
+        <p:nvSpPr>
+          <p:cNvPr id="2" name="Folienbildplatzhalter 1"/>
+          <p:cNvSpPr>
+            <a:spLocks noGrp="1" noRot="1" noChangeAspect="1"/>
+          </p:cNvSpPr>
+          <p:nvPr>
+            <p:ph type="sldImg"/>
+          </p:nvPr>
+        </p:nvSpPr>
+        <p:spPr/>
+      </p:sp>
+      <p:sp>
+        <p:nvSpPr>
+          <p:cNvPr id="3" name="Notizenplatzhalter 2"/>
+          <p:cNvSpPr>
+            <a:spLocks noGrp="1"/>
+          </p:cNvSpPr>
+          <p:nvPr>
+            <p:ph type="body" idx="1"/>
+          </p:nvPr>
+        </p:nvSpPr>
+        <p:spPr/>
+        <p:txBody>
+          <a:bodyPr/>
+          <a:lstStyle/>
+          <a:p>
+            <a:endParaRPr lang="de-DE" dirty="0"/>
+          </a:p>
+        </p:txBody>
+      </p:sp>
+      <p:sp>
+        <p:nvSpPr>
+          <p:cNvPr id="4" name="Foliennummernplatzhalter 3"/>
+          <p:cNvSpPr>
+            <a:spLocks noGrp="1"/>
+          </p:cNvSpPr>
+          <p:nvPr>
+            <p:ph type="sldNum" sz="quarter" idx="10"/>
+          </p:nvPr>
+        </p:nvSpPr>
+        <p:spPr/>
+        <p:txBody>
+          <a:bodyPr/>
+          <a:lstStyle/>
+          <a:p>
+            <a:fld id="{7DE258FE-F2E5-45B1-B077-BAB345233DBE}" type="slidenum">
+              <a:rPr lang="de-CH" smtClean="0"/>
+              <a:t>6</a:t>
+            </a:fld>
+            <a:endParaRPr lang="de-CH"/>
+          </a:p>
+        </p:txBody>
+      </p:sp>
+    </p:spTree>
+    <p:extLst>
+      <p:ext uri="{BB962C8B-B14F-4D97-AF65-F5344CB8AC3E}">
+        <p14:creationId xmlns:p14="http://schemas.microsoft.com/office/powerpoint/2010/main" val="1424604034"/>
+      </p:ext>
+    </p:extLst>
+  </p:cSld>
+  <p:clrMapOvr>
+    <a:masterClrMapping/>
+  </p:clrMapOvr>
+</p:notes>
+</file>
+
+<file path=ppt/notesSlides/notesSlide3.xml><?xml version="1.0" encoding="utf-8"?>
+<p:notes xmlns:a="http://schemas.openxmlformats.org/drawingml/2006/main" xmlns:r="http://schemas.openxmlformats.org/officeDocument/2006/relationships" xmlns:p="http://schemas.openxmlformats.org/presentationml/2006/main">
+  <p:cSld>
+    <p:spTree>
+      <p:nvGrpSpPr>
+        <p:cNvPr id="1" name=""/>
+        <p:cNvGrpSpPr/>
+        <p:nvPr/>
+      </p:nvGrpSpPr>
+      <p:grpSpPr>
+        <a:xfrm>
+          <a:off x="0" y="0"/>
+          <a:ext cx="0" cy="0"/>
+          <a:chOff x="0" y="0"/>
+          <a:chExt cx="0" cy="0"/>
+        </a:xfrm>
+      </p:grpSpPr>
+      <p:sp>
+        <p:nvSpPr>
+          <p:cNvPr id="2" name="Folienbildplatzhalter 1"/>
+          <p:cNvSpPr>
+            <a:spLocks noGrp="1" noRot="1" noChangeAspect="1"/>
+          </p:cNvSpPr>
+          <p:nvPr>
+            <p:ph type="sldImg"/>
+          </p:nvPr>
+        </p:nvSpPr>
+        <p:spPr/>
+      </p:sp>
+      <p:sp>
+        <p:nvSpPr>
+          <p:cNvPr id="3" name="Notizenplatzhalter 2"/>
+          <p:cNvSpPr>
+            <a:spLocks noGrp="1"/>
+          </p:cNvSpPr>
+          <p:nvPr>
+            <p:ph type="body" idx="1"/>
+          </p:nvPr>
+        </p:nvSpPr>
+        <p:spPr/>
+        <p:txBody>
+          <a:bodyPr/>
+          <a:lstStyle/>
+          <a:p>
+            <a:endParaRPr lang="de-DE" dirty="0"/>
+          </a:p>
+        </p:txBody>
+      </p:sp>
+      <p:sp>
+        <p:nvSpPr>
+          <p:cNvPr id="4" name="Foliennummernplatzhalter 3"/>
+          <p:cNvSpPr>
+            <a:spLocks noGrp="1"/>
+          </p:cNvSpPr>
+          <p:nvPr>
+            <p:ph type="sldNum" sz="quarter" idx="10"/>
+          </p:nvPr>
+        </p:nvSpPr>
+        <p:spPr/>
+        <p:txBody>
+          <a:bodyPr/>
+          <a:lstStyle/>
+          <a:p>
+            <a:fld id="{7DE258FE-F2E5-45B1-B077-BAB345233DBE}" type="slidenum">
+              <a:rPr lang="de-CH" smtClean="0"/>
+              <a:t>7</a:t>
+            </a:fld>
+            <a:endParaRPr lang="de-CH"/>
+          </a:p>
+        </p:txBody>
+      </p:sp>
+    </p:spTree>
+    <p:extLst>
+      <p:ext uri="{BB962C8B-B14F-4D97-AF65-F5344CB8AC3E}">
+        <p14:creationId xmlns:p14="http://schemas.microsoft.com/office/powerpoint/2010/main" val="2214139503"/>
+      </p:ext>
+    </p:extLst>
+  </p:cSld>
+  <p:clrMapOvr>
+    <a:masterClrMapping/>
+  </p:clrMapOvr>
+</p:notes>
+</file>
+
+<file path=ppt/notesSlides/notesSlide4.xml><?xml version="1.0" encoding="utf-8"?>
+<p:notes xmlns:a="http://schemas.openxmlformats.org/drawingml/2006/main" xmlns:r="http://schemas.openxmlformats.org/officeDocument/2006/relationships" xmlns:p="http://schemas.openxmlformats.org/presentationml/2006/main">
+  <p:cSld>
+    <p:spTree>
+      <p:nvGrpSpPr>
+        <p:cNvPr id="1" name=""/>
+        <p:cNvGrpSpPr/>
+        <p:nvPr/>
+      </p:nvGrpSpPr>
+      <p:grpSpPr>
+        <a:xfrm>
+          <a:off x="0" y="0"/>
+          <a:ext cx="0" cy="0"/>
+          <a:chOff x="0" y="0"/>
+          <a:chExt cx="0" cy="0"/>
+        </a:xfrm>
+      </p:grpSpPr>
+      <p:sp>
+        <p:nvSpPr>
+          <p:cNvPr id="2" name="Folienbildplatzhalter 1"/>
+          <p:cNvSpPr>
+            <a:spLocks noGrp="1" noRot="1" noChangeAspect="1"/>
+          </p:cNvSpPr>
+          <p:nvPr>
+            <p:ph type="sldImg"/>
+          </p:nvPr>
+        </p:nvSpPr>
+        <p:spPr/>
+      </p:sp>
+      <p:sp>
+        <p:nvSpPr>
+          <p:cNvPr id="3" name="Notizenplatzhalter 2"/>
+          <p:cNvSpPr>
+            <a:spLocks noGrp="1"/>
+          </p:cNvSpPr>
+          <p:nvPr>
+            <p:ph type="body" idx="1"/>
+          </p:nvPr>
+        </p:nvSpPr>
+        <p:spPr/>
+        <p:txBody>
+          <a:bodyPr/>
+          <a:lstStyle/>
+          <a:p>
+            <a:endParaRPr lang="de-DE" dirty="0"/>
+          </a:p>
+        </p:txBody>
+      </p:sp>
+      <p:sp>
+        <p:nvSpPr>
+          <p:cNvPr id="4" name="Foliennummernplatzhalter 3"/>
+          <p:cNvSpPr>
+            <a:spLocks noGrp="1"/>
+          </p:cNvSpPr>
+          <p:nvPr>
+            <p:ph type="sldNum" sz="quarter" idx="10"/>
+          </p:nvPr>
+        </p:nvSpPr>
+        <p:spPr/>
+        <p:txBody>
+          <a:bodyPr/>
+          <a:lstStyle/>
+          <a:p>
+            <a:fld id="{7DE258FE-F2E5-45B1-B077-BAB345233DBE}" type="slidenum">
+              <a:rPr lang="de-CH" smtClean="0"/>
+              <a:t>8</a:t>
+            </a:fld>
+            <a:endParaRPr lang="de-CH"/>
+          </a:p>
+        </p:txBody>
+      </p:sp>
+    </p:spTree>
+    <p:extLst>
+      <p:ext uri="{BB962C8B-B14F-4D97-AF65-F5344CB8AC3E}">
+        <p14:creationId xmlns:p14="http://schemas.microsoft.com/office/powerpoint/2010/main" val="2701953072"/>
+      </p:ext>
+    </p:extLst>
+  </p:cSld>
+  <p:clrMapOvr>
+    <a:masterClrMapping/>
+  </p:clrMapOvr>
+</p:notes>
+</file>
+
+<file path=ppt/notesSlides/notesSlide5.xml><?xml version="1.0" encoding="utf-8"?>
+<p:notes xmlns:a="http://schemas.openxmlformats.org/drawingml/2006/main" xmlns:r="http://schemas.openxmlformats.org/officeDocument/2006/relationships" xmlns:p="http://schemas.openxmlformats.org/presentationml/2006/main">
+  <p:cSld>
+    <p:spTree>
+      <p:nvGrpSpPr>
+        <p:cNvPr id="1" name=""/>
+        <p:cNvGrpSpPr/>
+        <p:nvPr/>
+      </p:nvGrpSpPr>
+      <p:grpSpPr>
+        <a:xfrm>
+          <a:off x="0" y="0"/>
+          <a:ext cx="0" cy="0"/>
+          <a:chOff x="0" y="0"/>
+          <a:chExt cx="0" cy="0"/>
+        </a:xfrm>
+      </p:grpSpPr>
+      <p:sp>
+        <p:nvSpPr>
+          <p:cNvPr id="2" name="Folienbildplatzhalter 1"/>
+          <p:cNvSpPr>
+            <a:spLocks noGrp="1" noRot="1" noChangeAspect="1"/>
+          </p:cNvSpPr>
+          <p:nvPr>
+            <p:ph type="sldImg"/>
+          </p:nvPr>
+        </p:nvSpPr>
+        <p:spPr/>
+      </p:sp>
+      <p:sp>
+        <p:nvSpPr>
+          <p:cNvPr id="3" name="Notizenplatzhalter 2"/>
+          <p:cNvSpPr>
+            <a:spLocks noGrp="1"/>
+          </p:cNvSpPr>
+          <p:nvPr>
+            <p:ph type="body" idx="1"/>
+          </p:nvPr>
+        </p:nvSpPr>
+        <p:spPr/>
+        <p:txBody>
+          <a:bodyPr/>
+          <a:lstStyle/>
+          <a:p>
+            <a:endParaRPr lang="de-DE" dirty="0"/>
+          </a:p>
+        </p:txBody>
+      </p:sp>
+      <p:sp>
+        <p:nvSpPr>
+          <p:cNvPr id="4" name="Foliennummernplatzhalter 3"/>
+          <p:cNvSpPr>
+            <a:spLocks noGrp="1"/>
+          </p:cNvSpPr>
+          <p:nvPr>
+            <p:ph type="sldNum" sz="quarter" idx="10"/>
+          </p:nvPr>
+        </p:nvSpPr>
+        <p:spPr/>
+        <p:txBody>
+          <a:bodyPr/>
+          <a:lstStyle/>
+          <a:p>
+            <a:fld id="{7DE258FE-F2E5-45B1-B077-BAB345233DBE}" type="slidenum">
+              <a:rPr lang="de-CH" smtClean="0"/>
+              <a:t>9</a:t>
+            </a:fld>
+            <a:endParaRPr lang="de-CH"/>
+          </a:p>
+        </p:txBody>
+      </p:sp>
+    </p:spTree>
+    <p:extLst>
+      <p:ext uri="{BB962C8B-B14F-4D97-AF65-F5344CB8AC3E}">
+        <p14:creationId xmlns:p14="http://schemas.microsoft.com/office/powerpoint/2010/main" val="1986628166"/>
+      </p:ext>
+    </p:extLst>
+  </p:cSld>
+  <p:clrMapOvr>
+    <a:masterClrMapping/>
+  </p:clrMapOvr>
+</p:notes>
+</file>
+
+<file path=ppt/notesSlides/notesSlide6.xml><?xml version="1.0" encoding="utf-8"?>
+<p:notes xmlns:a="http://schemas.openxmlformats.org/drawingml/2006/main" xmlns:r="http://schemas.openxmlformats.org/officeDocument/2006/relationships" xmlns:p="http://schemas.openxmlformats.org/presentationml/2006/main">
+  <p:cSld>
+    <p:spTree>
+      <p:nvGrpSpPr>
+        <p:cNvPr id="1" name=""/>
+        <p:cNvGrpSpPr/>
+        <p:nvPr/>
+      </p:nvGrpSpPr>
+      <p:grpSpPr>
+        <a:xfrm>
+          <a:off x="0" y="0"/>
+          <a:ext cx="0" cy="0"/>
+          <a:chOff x="0" y="0"/>
+          <a:chExt cx="0" cy="0"/>
+        </a:xfrm>
+      </p:grpSpPr>
+      <p:sp>
+        <p:nvSpPr>
+          <p:cNvPr id="2" name="Folienbildplatzhalter 1"/>
+          <p:cNvSpPr>
+            <a:spLocks noGrp="1" noRot="1" noChangeAspect="1"/>
+          </p:cNvSpPr>
+          <p:nvPr>
+            <p:ph type="sldImg"/>
+          </p:nvPr>
+        </p:nvSpPr>
+        <p:spPr/>
+      </p:sp>
+      <p:sp>
+        <p:nvSpPr>
+          <p:cNvPr id="3" name="Notizenplatzhalter 2"/>
+          <p:cNvSpPr>
+            <a:spLocks noGrp="1"/>
+          </p:cNvSpPr>
+          <p:nvPr>
+            <p:ph type="body" idx="1"/>
+          </p:nvPr>
+        </p:nvSpPr>
+        <p:spPr/>
+        <p:txBody>
+          <a:bodyPr/>
+          <a:lstStyle/>
+          <a:p>
+            <a:endParaRPr lang="de-DE" dirty="0"/>
+          </a:p>
+        </p:txBody>
+      </p:sp>
+      <p:sp>
+        <p:nvSpPr>
+          <p:cNvPr id="4" name="Foliennummernplatzhalter 3"/>
+          <p:cNvSpPr>
+            <a:spLocks noGrp="1"/>
+          </p:cNvSpPr>
+          <p:nvPr>
+            <p:ph type="sldNum" sz="quarter" idx="10"/>
+          </p:nvPr>
+        </p:nvSpPr>
+        <p:spPr/>
+        <p:txBody>
+          <a:bodyPr/>
+          <a:lstStyle/>
+          <a:p>
+            <a:fld id="{7DE258FE-F2E5-45B1-B077-BAB345233DBE}" type="slidenum">
+              <a:rPr lang="de-CH" smtClean="0"/>
+              <a:t>10</a:t>
+            </a:fld>
+            <a:endParaRPr lang="de-CH"/>
+          </a:p>
+        </p:txBody>
+      </p:sp>
+    </p:spTree>
+    <p:extLst>
+      <p:ext uri="{BB962C8B-B14F-4D97-AF65-F5344CB8AC3E}">
+        <p14:creationId xmlns:p14="http://schemas.microsoft.com/office/powerpoint/2010/main" val="605886749"/>
+      </p:ext>
+    </p:extLst>
+  </p:cSld>
+  <p:clrMapOvr>
+    <a:masterClrMapping/>
+  </p:clrMapOvr>
+</p:notes>
+</file>
+
+<file path=ppt/notesSlides/notesSlide7.xml><?xml version="1.0" encoding="utf-8"?>
+<p:notes xmlns:a="http://schemas.openxmlformats.org/drawingml/2006/main" xmlns:r="http://schemas.openxmlformats.org/officeDocument/2006/relationships" xmlns:p="http://schemas.openxmlformats.org/presentationml/2006/main">
+  <p:cSld>
+    <p:spTree>
+      <p:nvGrpSpPr>
+        <p:cNvPr id="1" name=""/>
+        <p:cNvGrpSpPr/>
+        <p:nvPr/>
+      </p:nvGrpSpPr>
+      <p:grpSpPr>
+        <a:xfrm>
+          <a:off x="0" y="0"/>
+          <a:ext cx="0" cy="0"/>
+          <a:chOff x="0" y="0"/>
+          <a:chExt cx="0" cy="0"/>
+        </a:xfrm>
+      </p:grpSpPr>
+      <p:sp>
+        <p:nvSpPr>
+          <p:cNvPr id="2" name="Folienbildplatzhalter 1"/>
+          <p:cNvSpPr>
+            <a:spLocks noGrp="1" noRot="1" noChangeAspect="1"/>
+          </p:cNvSpPr>
+          <p:nvPr>
+            <p:ph type="sldImg"/>
+          </p:nvPr>
+        </p:nvSpPr>
+        <p:spPr/>
+      </p:sp>
+      <p:sp>
+        <p:nvSpPr>
+          <p:cNvPr id="3" name="Notizenplatzhalter 2"/>
+          <p:cNvSpPr>
+            <a:spLocks noGrp="1"/>
+          </p:cNvSpPr>
+          <p:nvPr>
+            <p:ph type="body" idx="1"/>
+          </p:nvPr>
+        </p:nvSpPr>
+        <p:spPr/>
+        <p:txBody>
+          <a:bodyPr/>
+          <a:lstStyle/>
+          <a:p>
+            <a:endParaRPr lang="de-DE" dirty="0"/>
+          </a:p>
+        </p:txBody>
+      </p:sp>
+      <p:sp>
+        <p:nvSpPr>
+          <p:cNvPr id="4" name="Foliennummernplatzhalter 3"/>
+          <p:cNvSpPr>
+            <a:spLocks noGrp="1"/>
+          </p:cNvSpPr>
+          <p:nvPr>
+            <p:ph type="sldNum" sz="quarter" idx="10"/>
+          </p:nvPr>
+        </p:nvSpPr>
+        <p:spPr/>
+        <p:txBody>
+          <a:bodyPr/>
+          <a:lstStyle/>
+          <a:p>
+            <a:fld id="{7DE258FE-F2E5-45B1-B077-BAB345233DBE}" type="slidenum">
+              <a:rPr lang="de-CH" smtClean="0"/>
+              <a:t>12</a:t>
+            </a:fld>
+            <a:endParaRPr lang="de-CH"/>
+          </a:p>
+        </p:txBody>
+      </p:sp>
+    </p:spTree>
+    <p:extLst>
+      <p:ext uri="{BB962C8B-B14F-4D97-AF65-F5344CB8AC3E}">
+        <p14:creationId xmlns:p14="http://schemas.microsoft.com/office/powerpoint/2010/main" val="2751289539"/>
+      </p:ext>
+    </p:extLst>
+  </p:cSld>
+  <p:clrMapOvr>
+    <a:masterClrMapping/>
+  </p:clrMapOvr>
+</p:notes>
+</file>
+
+<file path=ppt/notesSlides/notesSlide8.xml><?xml version="1.0" encoding="utf-8"?>
+<p:notes xmlns:a="http://schemas.openxmlformats.org/drawingml/2006/main" xmlns:r="http://schemas.openxmlformats.org/officeDocument/2006/relationships" xmlns:p="http://schemas.openxmlformats.org/presentationml/2006/main">
+  <p:cSld>
+    <p:spTree>
+      <p:nvGrpSpPr>
+        <p:cNvPr id="1" name=""/>
+        <p:cNvGrpSpPr/>
+        <p:nvPr/>
+      </p:nvGrpSpPr>
+      <p:grpSpPr>
+        <a:xfrm>
+          <a:off x="0" y="0"/>
+          <a:ext cx="0" cy="0"/>
+          <a:chOff x="0" y="0"/>
+          <a:chExt cx="0" cy="0"/>
+        </a:xfrm>
+      </p:grpSpPr>
+      <p:sp>
+        <p:nvSpPr>
+          <p:cNvPr id="2" name="Folienbildplatzhalter 1"/>
+          <p:cNvSpPr>
+            <a:spLocks noGrp="1" noRot="1" noChangeAspect="1"/>
+          </p:cNvSpPr>
+          <p:nvPr>
+            <p:ph type="sldImg"/>
+          </p:nvPr>
+        </p:nvSpPr>
+        <p:spPr/>
+      </p:sp>
+      <p:sp>
+        <p:nvSpPr>
+          <p:cNvPr id="3" name="Notizenplatzhalter 2"/>
+          <p:cNvSpPr>
+            <a:spLocks noGrp="1"/>
+          </p:cNvSpPr>
+          <p:nvPr>
+            <p:ph type="body" idx="1"/>
+          </p:nvPr>
+        </p:nvSpPr>
+        <p:spPr/>
+        <p:txBody>
+          <a:bodyPr/>
+          <a:lstStyle/>
+          <a:p>
+            <a:endParaRPr lang="de-DE" dirty="0"/>
+          </a:p>
+        </p:txBody>
+      </p:sp>
+      <p:sp>
+        <p:nvSpPr>
+          <p:cNvPr id="4" name="Foliennummernplatzhalter 3"/>
+          <p:cNvSpPr>
+            <a:spLocks noGrp="1"/>
+          </p:cNvSpPr>
+          <p:nvPr>
+            <p:ph type="sldNum" sz="quarter" idx="10"/>
+          </p:nvPr>
+        </p:nvSpPr>
+        <p:spPr/>
+        <p:txBody>
+          <a:bodyPr/>
+          <a:lstStyle/>
+          <a:p>
+            <a:fld id="{7DE258FE-F2E5-45B1-B077-BAB345233DBE}" type="slidenum">
+              <a:rPr lang="de-CH" smtClean="0"/>
+              <a:t>13</a:t>
+            </a:fld>
+            <a:endParaRPr lang="de-CH"/>
+          </a:p>
+        </p:txBody>
+      </p:sp>
+    </p:spTree>
+    <p:extLst>
+      <p:ext uri="{BB962C8B-B14F-4D97-AF65-F5344CB8AC3E}">
+        <p14:creationId xmlns:p14="http://schemas.microsoft.com/office/powerpoint/2010/main" val="24230382"/>
+      </p:ext>
+    </p:extLst>
+  </p:cSld>
+  <p:clrMapOvr>
+    <a:masterClrMapping/>
+  </p:clrMapOvr>
+</p:notes>
+</file>
+
+<file path=ppt/notesSlides/notesSlide9.xml><?xml version="1.0" encoding="utf-8"?>
+<p:notes xmlns:a="http://schemas.openxmlformats.org/drawingml/2006/main" xmlns:r="http://schemas.openxmlformats.org/officeDocument/2006/relationships" xmlns:p="http://schemas.openxmlformats.org/presentationml/2006/main">
+  <p:cSld>
+    <p:spTree>
+      <p:nvGrpSpPr>
+        <p:cNvPr id="1" name=""/>
+        <p:cNvGrpSpPr/>
+        <p:nvPr/>
+      </p:nvGrpSpPr>
+      <p:grpSpPr>
+        <a:xfrm>
+          <a:off x="0" y="0"/>
+          <a:ext cx="0" cy="0"/>
+          <a:chOff x="0" y="0"/>
+          <a:chExt cx="0" cy="0"/>
+        </a:xfrm>
+      </p:grpSpPr>
+      <p:sp>
+        <p:nvSpPr>
+          <p:cNvPr id="2" name="Folienbildplatzhalter 1"/>
+          <p:cNvSpPr>
+            <a:spLocks noGrp="1" noRot="1" noChangeAspect="1"/>
+          </p:cNvSpPr>
+          <p:nvPr>
+            <p:ph type="sldImg"/>
+          </p:nvPr>
+        </p:nvSpPr>
+        <p:spPr/>
+      </p:sp>
+      <p:sp>
+        <p:nvSpPr>
+          <p:cNvPr id="3" name="Notizenplatzhalter 2"/>
+          <p:cNvSpPr>
+            <a:spLocks noGrp="1"/>
+          </p:cNvSpPr>
+          <p:nvPr>
+            <p:ph type="body" idx="1"/>
+          </p:nvPr>
+        </p:nvSpPr>
+        <p:spPr/>
+        <p:txBody>
+          <a:bodyPr/>
+          <a:lstStyle/>
+          <a:p>
+            <a:endParaRPr lang="de-DE" dirty="0"/>
+          </a:p>
+        </p:txBody>
+      </p:sp>
+      <p:sp>
+        <p:nvSpPr>
+          <p:cNvPr id="4" name="Foliennummernplatzhalter 3"/>
+          <p:cNvSpPr>
+            <a:spLocks noGrp="1"/>
+          </p:cNvSpPr>
+          <p:nvPr>
+            <p:ph type="sldNum" sz="quarter" idx="10"/>
+          </p:nvPr>
+        </p:nvSpPr>
+        <p:spPr/>
+        <p:txBody>
+          <a:bodyPr/>
+          <a:lstStyle/>
+          <a:p>
+            <a:fld id="{7DE258FE-F2E5-45B1-B077-BAB345233DBE}" type="slidenum">
+              <a:rPr lang="de-CH" smtClean="0"/>
+              <a:t>14</a:t>
+            </a:fld>
+            <a:endParaRPr lang="de-CH"/>
+          </a:p>
+        </p:txBody>
+      </p:sp>
+    </p:spTree>
+    <p:extLst>
+      <p:ext uri="{BB962C8B-B14F-4D97-AF65-F5344CB8AC3E}">
+        <p14:creationId xmlns:p14="http://schemas.microsoft.com/office/powerpoint/2010/main" val="3763802748"/>
       </p:ext>
     </p:extLst>
   </p:cSld>
@@ -694,7 +1844,7 @@
           <a:p>
             <a:fld id="{20FD5246-4265-435A-B901-A38BFD400D8A}" type="datetimeFigureOut">
               <a:rPr lang="de-CH" smtClean="0"/>
-              <a:t>20.03.18</a:t>
+              <a:t>29.03.18</a:t>
             </a:fld>
             <a:endParaRPr lang="de-CH"/>
           </a:p>
@@ -864,7 +2014,7 @@
           <a:p>
             <a:fld id="{20FD5246-4265-435A-B901-A38BFD400D8A}" type="datetimeFigureOut">
               <a:rPr lang="de-CH" smtClean="0"/>
-              <a:t>20.03.18</a:t>
+              <a:t>29.03.18</a:t>
             </a:fld>
             <a:endParaRPr lang="de-CH"/>
           </a:p>
@@ -1044,7 +2194,7 @@
           <a:p>
             <a:fld id="{20FD5246-4265-435A-B901-A38BFD400D8A}" type="datetimeFigureOut">
               <a:rPr lang="de-CH" smtClean="0"/>
-              <a:t>20.03.18</a:t>
+              <a:t>29.03.18</a:t>
             </a:fld>
             <a:endParaRPr lang="de-CH"/>
           </a:p>
@@ -1214,7 +2364,7 @@
           <a:p>
             <a:fld id="{20FD5246-4265-435A-B901-A38BFD400D8A}" type="datetimeFigureOut">
               <a:rPr lang="de-CH" smtClean="0"/>
-              <a:t>20.03.18</a:t>
+              <a:t>29.03.18</a:t>
             </a:fld>
             <a:endParaRPr lang="de-CH"/>
           </a:p>
@@ -1458,7 +2608,7 @@
           <a:p>
             <a:fld id="{20FD5246-4265-435A-B901-A38BFD400D8A}" type="datetimeFigureOut">
               <a:rPr lang="de-CH" smtClean="0"/>
-              <a:t>20.03.18</a:t>
+              <a:t>29.03.18</a:t>
             </a:fld>
             <a:endParaRPr lang="de-CH"/>
           </a:p>
@@ -1690,7 +2840,7 @@
           <a:p>
             <a:fld id="{20FD5246-4265-435A-B901-A38BFD400D8A}" type="datetimeFigureOut">
               <a:rPr lang="de-CH" smtClean="0"/>
-              <a:t>20.03.18</a:t>
+              <a:t>29.03.18</a:t>
             </a:fld>
             <a:endParaRPr lang="de-CH"/>
           </a:p>
@@ -2057,7 +3207,7 @@
           <a:p>
             <a:fld id="{20FD5246-4265-435A-B901-A38BFD400D8A}" type="datetimeFigureOut">
               <a:rPr lang="de-CH" smtClean="0"/>
-              <a:t>20.03.18</a:t>
+              <a:t>29.03.18</a:t>
             </a:fld>
             <a:endParaRPr lang="de-CH"/>
           </a:p>
@@ -2175,7 +3325,7 @@
           <a:p>
             <a:fld id="{20FD5246-4265-435A-B901-A38BFD400D8A}" type="datetimeFigureOut">
               <a:rPr lang="de-CH" smtClean="0"/>
-              <a:t>20.03.18</a:t>
+              <a:t>29.03.18</a:t>
             </a:fld>
             <a:endParaRPr lang="de-CH"/>
           </a:p>
@@ -2270,7 +3420,7 @@
           <a:p>
             <a:fld id="{20FD5246-4265-435A-B901-A38BFD400D8A}" type="datetimeFigureOut">
               <a:rPr lang="de-CH" smtClean="0"/>
-              <a:t>20.03.18</a:t>
+              <a:t>29.03.18</a:t>
             </a:fld>
             <a:endParaRPr lang="de-CH"/>
           </a:p>
@@ -2547,7 +3697,7 @@
           <a:p>
             <a:fld id="{20FD5246-4265-435A-B901-A38BFD400D8A}" type="datetimeFigureOut">
               <a:rPr lang="de-CH" smtClean="0"/>
-              <a:t>20.03.18</a:t>
+              <a:t>29.03.18</a:t>
             </a:fld>
             <a:endParaRPr lang="de-CH"/>
           </a:p>
@@ -2804,7 +3954,7 @@
           <a:p>
             <a:fld id="{20FD5246-4265-435A-B901-A38BFD400D8A}" type="datetimeFigureOut">
               <a:rPr lang="de-CH" smtClean="0"/>
-              <a:t>20.03.18</a:t>
+              <a:t>29.03.18</a:t>
             </a:fld>
             <a:endParaRPr lang="de-CH"/>
           </a:p>
@@ -3017,7 +4167,7 @@
           <a:p>
             <a:fld id="{20FD5246-4265-435A-B901-A38BFD400D8A}" type="datetimeFigureOut">
               <a:rPr lang="de-CH" smtClean="0"/>
-              <a:t>20.03.18</a:t>
+              <a:t>29.03.18</a:t>
             </a:fld>
             <a:endParaRPr lang="de-CH"/>
           </a:p>
@@ -3719,6 +4869,4849 @@
 </p:sld>
 </file>
 
+<file path=ppt/slides/slide10.xml><?xml version="1.0" encoding="utf-8"?>
+<p:sld xmlns:a="http://schemas.openxmlformats.org/drawingml/2006/main" xmlns:r="http://schemas.openxmlformats.org/officeDocument/2006/relationships" xmlns:p="http://schemas.openxmlformats.org/presentationml/2006/main">
+  <p:cSld>
+    <p:spTree>
+      <p:nvGrpSpPr>
+        <p:cNvPr id="1" name=""/>
+        <p:cNvGrpSpPr/>
+        <p:nvPr/>
+      </p:nvGrpSpPr>
+      <p:grpSpPr>
+        <a:xfrm>
+          <a:off x="0" y="0"/>
+          <a:ext cx="0" cy="0"/>
+          <a:chOff x="0" y="0"/>
+          <a:chExt cx="0" cy="0"/>
+        </a:xfrm>
+      </p:grpSpPr>
+      <p:pic>
+        <p:nvPicPr>
+          <p:cNvPr id="12" name="Grafik 11">
+            <a:extLst>
+              <a:ext uri="{FF2B5EF4-FFF2-40B4-BE49-F238E27FC236}">
+                <a16:creationId xmlns:a16="http://schemas.microsoft.com/office/drawing/2014/main" id="{63518878-B2F8-9E42-B6D4-7C199E65E901}"/>
+              </a:ext>
+            </a:extLst>
+          </p:cNvPr>
+          <p:cNvPicPr>
+            <a:picLocks noChangeAspect="1"/>
+          </p:cNvPicPr>
+          <p:nvPr/>
+        </p:nvPicPr>
+        <p:blipFill>
+          <a:blip r:embed="rId3">
+            <a:extLst>
+              <a:ext uri="{28A0092B-C50C-407E-A947-70E740481C1C}">
+                <a14:useLocalDpi xmlns:a14="http://schemas.microsoft.com/office/drawing/2010/main" val="0"/>
+              </a:ext>
+            </a:extLst>
+          </a:blip>
+          <a:stretch>
+            <a:fillRect/>
+          </a:stretch>
+        </p:blipFill>
+        <p:spPr>
+          <a:xfrm>
+            <a:off x="0" y="-3571"/>
+            <a:ext cx="1066800" cy="406400"/>
+          </a:xfrm>
+          <a:prstGeom prst="rect">
+            <a:avLst/>
+          </a:prstGeom>
+        </p:spPr>
+      </p:pic>
+      <p:cxnSp>
+        <p:nvCxnSpPr>
+          <p:cNvPr id="5" name="Gerade Verbindung 4"/>
+          <p:cNvCxnSpPr/>
+          <p:nvPr/>
+        </p:nvCxnSpPr>
+        <p:spPr>
+          <a:xfrm>
+            <a:off x="0" y="6525344"/>
+            <a:ext cx="9144000" cy="0"/>
+          </a:xfrm>
+          <a:prstGeom prst="line">
+            <a:avLst/>
+          </a:prstGeom>
+          <a:ln>
+            <a:solidFill>
+              <a:schemeClr val="tx1"/>
+            </a:solidFill>
+          </a:ln>
+        </p:spPr>
+        <p:style>
+          <a:lnRef idx="1">
+            <a:schemeClr val="accent1"/>
+          </a:lnRef>
+          <a:fillRef idx="0">
+            <a:schemeClr val="accent1"/>
+          </a:fillRef>
+          <a:effectRef idx="0">
+            <a:schemeClr val="accent1"/>
+          </a:effectRef>
+          <a:fontRef idx="minor">
+            <a:schemeClr val="tx1"/>
+          </a:fontRef>
+        </p:style>
+      </p:cxnSp>
+      <p:sp>
+        <p:nvSpPr>
+          <p:cNvPr id="6" name="Textfeld 5"/>
+          <p:cNvSpPr txBox="1"/>
+          <p:nvPr/>
+        </p:nvSpPr>
+        <p:spPr>
+          <a:xfrm>
+            <a:off x="287830" y="6542726"/>
+            <a:ext cx="1208792" cy="276999"/>
+          </a:xfrm>
+          <a:prstGeom prst="rect">
+            <a:avLst/>
+          </a:prstGeom>
+          <a:noFill/>
+        </p:spPr>
+        <p:txBody>
+          <a:bodyPr wrap="none" rtlCol="0">
+            <a:spAutoFit/>
+          </a:bodyPr>
+          <a:lstStyle/>
+          <a:p>
+            <a:r>
+              <a:rPr lang="de-CH" sz="1200" dirty="0">
+                <a:latin typeface="Calibri" panose="020F0502020204030204" pitchFamily="34" charset="0"/>
+              </a:rPr>
+              <a:t>Meilenstein_M2</a:t>
+            </a:r>
+          </a:p>
+        </p:txBody>
+      </p:sp>
+      <p:sp>
+        <p:nvSpPr>
+          <p:cNvPr id="8" name="Textfeld 7"/>
+          <p:cNvSpPr txBox="1"/>
+          <p:nvPr/>
+        </p:nvSpPr>
+        <p:spPr>
+          <a:xfrm>
+            <a:off x="3627204" y="6542724"/>
+            <a:ext cx="1800200" cy="276999"/>
+          </a:xfrm>
+          <a:prstGeom prst="rect">
+            <a:avLst/>
+          </a:prstGeom>
+          <a:noFill/>
+        </p:spPr>
+        <p:txBody>
+          <a:bodyPr wrap="square" rtlCol="0">
+            <a:spAutoFit/>
+          </a:bodyPr>
+          <a:lstStyle/>
+          <a:p>
+            <a:pPr algn="ctr"/>
+            <a:r>
+              <a:rPr lang="de-CH" sz="1200" dirty="0">
+                <a:latin typeface="Calibri" panose="020F0502020204030204" pitchFamily="34" charset="0"/>
+              </a:rPr>
+              <a:t>Seite 2/??</a:t>
+            </a:r>
+          </a:p>
+        </p:txBody>
+      </p:sp>
+      <p:cxnSp>
+        <p:nvCxnSpPr>
+          <p:cNvPr id="9" name="Gerade Verbindung 4"/>
+          <p:cNvCxnSpPr/>
+          <p:nvPr/>
+        </p:nvCxnSpPr>
+        <p:spPr>
+          <a:xfrm>
+            <a:off x="-5050" y="421597"/>
+            <a:ext cx="9144000" cy="0"/>
+          </a:xfrm>
+          <a:prstGeom prst="line">
+            <a:avLst/>
+          </a:prstGeom>
+          <a:ln>
+            <a:solidFill>
+              <a:schemeClr val="tx1"/>
+            </a:solidFill>
+          </a:ln>
+        </p:spPr>
+        <p:style>
+          <a:lnRef idx="1">
+            <a:schemeClr val="accent1"/>
+          </a:lnRef>
+          <a:fillRef idx="0">
+            <a:schemeClr val="accent1"/>
+          </a:fillRef>
+          <a:effectRef idx="0">
+            <a:schemeClr val="accent1"/>
+          </a:effectRef>
+          <a:fontRef idx="minor">
+            <a:schemeClr val="tx1"/>
+          </a:fontRef>
+        </p:style>
+      </p:cxnSp>
+      <p:sp>
+        <p:nvSpPr>
+          <p:cNvPr id="10" name="Textfeld 9"/>
+          <p:cNvSpPr txBox="1"/>
+          <p:nvPr/>
+        </p:nvSpPr>
+        <p:spPr>
+          <a:xfrm>
+            <a:off x="7615828" y="144598"/>
+            <a:ext cx="1265796" cy="276999"/>
+          </a:xfrm>
+          <a:prstGeom prst="rect">
+            <a:avLst/>
+          </a:prstGeom>
+          <a:noFill/>
+        </p:spPr>
+        <p:txBody>
+          <a:bodyPr wrap="none" rtlCol="0">
+            <a:spAutoFit/>
+          </a:bodyPr>
+          <a:lstStyle/>
+          <a:p>
+            <a:pPr algn="r"/>
+            <a:r>
+              <a:rPr lang="de-CH" sz="1200" dirty="0">
+                <a:latin typeface="Calibri" panose="020F0502020204030204" pitchFamily="34" charset="0"/>
+              </a:rPr>
+              <a:t>SysP18_Team_10</a:t>
+            </a:r>
+          </a:p>
+        </p:txBody>
+      </p:sp>
+      <p:sp>
+        <p:nvSpPr>
+          <p:cNvPr id="14" name="Textfeld 13"/>
+          <p:cNvSpPr txBox="1"/>
+          <p:nvPr/>
+        </p:nvSpPr>
+        <p:spPr>
+          <a:xfrm>
+            <a:off x="360000" y="468000"/>
+            <a:ext cx="3492082" cy="523220"/>
+          </a:xfrm>
+          <a:prstGeom prst="rect">
+            <a:avLst/>
+          </a:prstGeom>
+          <a:noFill/>
+        </p:spPr>
+        <p:txBody>
+          <a:bodyPr wrap="square" rtlCol="0">
+            <a:spAutoFit/>
+          </a:bodyPr>
+          <a:lstStyle/>
+          <a:p>
+            <a:r>
+              <a:rPr lang="de-CH" sz="2800" b="1" dirty="0">
+                <a:latin typeface="+mj-lt"/>
+              </a:rPr>
+              <a:t>PCB Layout</a:t>
+            </a:r>
+          </a:p>
+        </p:txBody>
+      </p:sp>
+      <p:sp>
+        <p:nvSpPr>
+          <p:cNvPr id="16" name="Textfeld 15">
+            <a:extLst>
+              <a:ext uri="{FF2B5EF4-FFF2-40B4-BE49-F238E27FC236}">
+                <a16:creationId xmlns:a16="http://schemas.microsoft.com/office/drawing/2014/main" id="{2EBD323C-4D9D-5D42-9645-414FFBB7D04B}"/>
+              </a:ext>
+            </a:extLst>
+          </p:cNvPr>
+          <p:cNvSpPr txBox="1"/>
+          <p:nvPr/>
+        </p:nvSpPr>
+        <p:spPr>
+          <a:xfrm>
+            <a:off x="7840953" y="6542725"/>
+            <a:ext cx="1040671" cy="276999"/>
+          </a:xfrm>
+          <a:prstGeom prst="rect">
+            <a:avLst/>
+          </a:prstGeom>
+          <a:noFill/>
+        </p:spPr>
+        <p:txBody>
+          <a:bodyPr wrap="none" rtlCol="0">
+            <a:spAutoFit/>
+          </a:bodyPr>
+          <a:lstStyle/>
+          <a:p>
+            <a:pPr algn="r"/>
+            <a:r>
+              <a:rPr lang="de-CH" sz="1200" dirty="0">
+                <a:latin typeface="Calibri" panose="020F0502020204030204" pitchFamily="34" charset="0"/>
+              </a:rPr>
+              <a:t>3.  März 2018</a:t>
+            </a:r>
+          </a:p>
+        </p:txBody>
+      </p:sp>
+      <p:pic>
+        <p:nvPicPr>
+          <p:cNvPr id="13" name="Grafik 12">
+            <a:extLst>
+              <a:ext uri="{FF2B5EF4-FFF2-40B4-BE49-F238E27FC236}">
+                <a16:creationId xmlns:a16="http://schemas.microsoft.com/office/drawing/2014/main" id="{EB0EBD4D-1810-472B-BE7B-81553D85DF6E}"/>
+              </a:ext>
+            </a:extLst>
+          </p:cNvPr>
+          <p:cNvPicPr>
+            <a:picLocks noChangeAspect="1"/>
+          </p:cNvPicPr>
+          <p:nvPr/>
+        </p:nvPicPr>
+        <p:blipFill>
+          <a:blip r:embed="rId4">
+            <a:extLst>
+              <a:ext uri="{28A0092B-C50C-407E-A947-70E740481C1C}">
+                <a14:useLocalDpi xmlns:a14="http://schemas.microsoft.com/office/drawing/2010/main" val="0"/>
+              </a:ext>
+            </a:extLst>
+          </a:blip>
+          <a:stretch>
+            <a:fillRect/>
+          </a:stretch>
+        </p:blipFill>
+        <p:spPr>
+          <a:xfrm>
+            <a:off x="1374909" y="991220"/>
+            <a:ext cx="6384082" cy="5454000"/>
+          </a:xfrm>
+          <a:prstGeom prst="rect">
+            <a:avLst/>
+          </a:prstGeom>
+        </p:spPr>
+      </p:pic>
+    </p:spTree>
+    <p:extLst>
+      <p:ext uri="{BB962C8B-B14F-4D97-AF65-F5344CB8AC3E}">
+        <p14:creationId xmlns:p14="http://schemas.microsoft.com/office/powerpoint/2010/main" val="4223656862"/>
+      </p:ext>
+    </p:extLst>
+  </p:cSld>
+  <p:clrMapOvr>
+    <a:masterClrMapping/>
+  </p:clrMapOvr>
+</p:sld>
+</file>
+
+<file path=ppt/slides/slide11.xml><?xml version="1.0" encoding="utf-8"?>
+<p:sld xmlns:a="http://schemas.openxmlformats.org/drawingml/2006/main" xmlns:r="http://schemas.openxmlformats.org/officeDocument/2006/relationships" xmlns:p="http://schemas.openxmlformats.org/presentationml/2006/main">
+  <p:cSld>
+    <p:spTree>
+      <p:nvGrpSpPr>
+        <p:cNvPr id="1" name=""/>
+        <p:cNvGrpSpPr/>
+        <p:nvPr/>
+      </p:nvGrpSpPr>
+      <p:grpSpPr>
+        <a:xfrm>
+          <a:off x="0" y="0"/>
+          <a:ext cx="0" cy="0"/>
+          <a:chOff x="0" y="0"/>
+          <a:chExt cx="0" cy="0"/>
+        </a:xfrm>
+      </p:grpSpPr>
+      <p:pic>
+        <p:nvPicPr>
+          <p:cNvPr id="12" name="Grafik 11">
+            <a:extLst>
+              <a:ext uri="{FF2B5EF4-FFF2-40B4-BE49-F238E27FC236}">
+                <a16:creationId xmlns:a16="http://schemas.microsoft.com/office/drawing/2014/main" id="{3CAD2387-56CE-894F-B3B7-96EC9F4BCD2B}"/>
+              </a:ext>
+            </a:extLst>
+          </p:cNvPr>
+          <p:cNvPicPr>
+            <a:picLocks noChangeAspect="1"/>
+          </p:cNvPicPr>
+          <p:nvPr/>
+        </p:nvPicPr>
+        <p:blipFill>
+          <a:blip r:embed="rId2">
+            <a:extLst>
+              <a:ext uri="{28A0092B-C50C-407E-A947-70E740481C1C}">
+                <a14:useLocalDpi xmlns:a14="http://schemas.microsoft.com/office/drawing/2010/main" val="0"/>
+              </a:ext>
+            </a:extLst>
+          </a:blip>
+          <a:stretch>
+            <a:fillRect/>
+          </a:stretch>
+        </p:blipFill>
+        <p:spPr>
+          <a:xfrm>
+            <a:off x="0" y="-3571"/>
+            <a:ext cx="1066800" cy="406400"/>
+          </a:xfrm>
+          <a:prstGeom prst="rect">
+            <a:avLst/>
+          </a:prstGeom>
+        </p:spPr>
+      </p:pic>
+      <p:cxnSp>
+        <p:nvCxnSpPr>
+          <p:cNvPr id="5" name="Gerade Verbindung 4"/>
+          <p:cNvCxnSpPr/>
+          <p:nvPr/>
+        </p:nvCxnSpPr>
+        <p:spPr>
+          <a:xfrm>
+            <a:off x="0" y="6525344"/>
+            <a:ext cx="9144000" cy="0"/>
+          </a:xfrm>
+          <a:prstGeom prst="line">
+            <a:avLst/>
+          </a:prstGeom>
+          <a:ln>
+            <a:solidFill>
+              <a:schemeClr val="tx1"/>
+            </a:solidFill>
+          </a:ln>
+        </p:spPr>
+        <p:style>
+          <a:lnRef idx="1">
+            <a:schemeClr val="accent1"/>
+          </a:lnRef>
+          <a:fillRef idx="0">
+            <a:schemeClr val="accent1"/>
+          </a:fillRef>
+          <a:effectRef idx="0">
+            <a:schemeClr val="accent1"/>
+          </a:effectRef>
+          <a:fontRef idx="minor">
+            <a:schemeClr val="tx1"/>
+          </a:fontRef>
+        </p:style>
+      </p:cxnSp>
+      <p:sp>
+        <p:nvSpPr>
+          <p:cNvPr id="6" name="Textfeld 5"/>
+          <p:cNvSpPr txBox="1"/>
+          <p:nvPr/>
+        </p:nvSpPr>
+        <p:spPr>
+          <a:xfrm>
+            <a:off x="287830" y="6542726"/>
+            <a:ext cx="1208792" cy="276999"/>
+          </a:xfrm>
+          <a:prstGeom prst="rect">
+            <a:avLst/>
+          </a:prstGeom>
+          <a:noFill/>
+        </p:spPr>
+        <p:txBody>
+          <a:bodyPr wrap="none" rtlCol="0">
+            <a:spAutoFit/>
+          </a:bodyPr>
+          <a:lstStyle/>
+          <a:p>
+            <a:r>
+              <a:rPr lang="de-CH" sz="1200" dirty="0">
+                <a:latin typeface="Calibri" panose="020F0502020204030204" pitchFamily="34" charset="0"/>
+              </a:rPr>
+              <a:t>Meilenstein_M2</a:t>
+            </a:r>
+          </a:p>
+        </p:txBody>
+      </p:sp>
+      <p:sp>
+        <p:nvSpPr>
+          <p:cNvPr id="8" name="Textfeld 7"/>
+          <p:cNvSpPr txBox="1"/>
+          <p:nvPr/>
+        </p:nvSpPr>
+        <p:spPr>
+          <a:xfrm>
+            <a:off x="3627204" y="6542724"/>
+            <a:ext cx="1800200" cy="276999"/>
+          </a:xfrm>
+          <a:prstGeom prst="rect">
+            <a:avLst/>
+          </a:prstGeom>
+          <a:noFill/>
+        </p:spPr>
+        <p:txBody>
+          <a:bodyPr wrap="square" rtlCol="0">
+            <a:spAutoFit/>
+          </a:bodyPr>
+          <a:lstStyle/>
+          <a:p>
+            <a:pPr algn="ctr"/>
+            <a:r>
+              <a:rPr lang="de-CH" sz="1200" dirty="0">
+                <a:latin typeface="Calibri" panose="020F0502020204030204" pitchFamily="34" charset="0"/>
+              </a:rPr>
+              <a:t>Seite 1/??</a:t>
+            </a:r>
+          </a:p>
+        </p:txBody>
+      </p:sp>
+      <p:cxnSp>
+        <p:nvCxnSpPr>
+          <p:cNvPr id="9" name="Gerade Verbindung 4"/>
+          <p:cNvCxnSpPr/>
+          <p:nvPr/>
+        </p:nvCxnSpPr>
+        <p:spPr>
+          <a:xfrm>
+            <a:off x="-5050" y="421597"/>
+            <a:ext cx="9144000" cy="0"/>
+          </a:xfrm>
+          <a:prstGeom prst="line">
+            <a:avLst/>
+          </a:prstGeom>
+          <a:ln>
+            <a:solidFill>
+              <a:schemeClr val="tx1"/>
+            </a:solidFill>
+          </a:ln>
+        </p:spPr>
+        <p:style>
+          <a:lnRef idx="1">
+            <a:schemeClr val="accent1"/>
+          </a:lnRef>
+          <a:fillRef idx="0">
+            <a:schemeClr val="accent1"/>
+          </a:fillRef>
+          <a:effectRef idx="0">
+            <a:schemeClr val="accent1"/>
+          </a:effectRef>
+          <a:fontRef idx="minor">
+            <a:schemeClr val="tx1"/>
+          </a:fontRef>
+        </p:style>
+      </p:cxnSp>
+      <p:sp>
+        <p:nvSpPr>
+          <p:cNvPr id="10" name="Textfeld 9"/>
+          <p:cNvSpPr txBox="1"/>
+          <p:nvPr/>
+        </p:nvSpPr>
+        <p:spPr>
+          <a:xfrm>
+            <a:off x="7615828" y="144598"/>
+            <a:ext cx="1265796" cy="276999"/>
+          </a:xfrm>
+          <a:prstGeom prst="rect">
+            <a:avLst/>
+          </a:prstGeom>
+          <a:noFill/>
+        </p:spPr>
+        <p:txBody>
+          <a:bodyPr wrap="none" rtlCol="0">
+            <a:spAutoFit/>
+          </a:bodyPr>
+          <a:lstStyle/>
+          <a:p>
+            <a:pPr algn="r"/>
+            <a:r>
+              <a:rPr lang="de-CH" sz="1200" dirty="0">
+                <a:latin typeface="Calibri" panose="020F0502020204030204" pitchFamily="34" charset="0"/>
+              </a:rPr>
+              <a:t>SysP18_Team_10</a:t>
+            </a:r>
+          </a:p>
+        </p:txBody>
+      </p:sp>
+      <p:sp>
+        <p:nvSpPr>
+          <p:cNvPr id="14" name="Textfeld 13"/>
+          <p:cNvSpPr txBox="1"/>
+          <p:nvPr/>
+        </p:nvSpPr>
+        <p:spPr>
+          <a:xfrm>
+            <a:off x="360000" y="468000"/>
+            <a:ext cx="3492082" cy="523220"/>
+          </a:xfrm>
+          <a:prstGeom prst="rect">
+            <a:avLst/>
+          </a:prstGeom>
+          <a:noFill/>
+        </p:spPr>
+        <p:txBody>
+          <a:bodyPr wrap="square" rtlCol="0">
+            <a:spAutoFit/>
+          </a:bodyPr>
+          <a:lstStyle/>
+          <a:p>
+            <a:r>
+              <a:rPr lang="de-CH" sz="2800" b="1" dirty="0">
+                <a:latin typeface="+mj-lt"/>
+              </a:rPr>
+              <a:t>PCB 3D Modell</a:t>
+            </a:r>
+          </a:p>
+        </p:txBody>
+      </p:sp>
+      <p:sp>
+        <p:nvSpPr>
+          <p:cNvPr id="13" name="Textfeld 12">
+            <a:extLst>
+              <a:ext uri="{FF2B5EF4-FFF2-40B4-BE49-F238E27FC236}">
+                <a16:creationId xmlns:a16="http://schemas.microsoft.com/office/drawing/2014/main" id="{B9888DC2-2AAA-F34E-A3D1-EBAE77A31728}"/>
+              </a:ext>
+            </a:extLst>
+          </p:cNvPr>
+          <p:cNvSpPr txBox="1"/>
+          <p:nvPr/>
+        </p:nvSpPr>
+        <p:spPr>
+          <a:xfrm>
+            <a:off x="7840953" y="6542725"/>
+            <a:ext cx="1040671" cy="276999"/>
+          </a:xfrm>
+          <a:prstGeom prst="rect">
+            <a:avLst/>
+          </a:prstGeom>
+          <a:noFill/>
+        </p:spPr>
+        <p:txBody>
+          <a:bodyPr wrap="none" rtlCol="0">
+            <a:spAutoFit/>
+          </a:bodyPr>
+          <a:lstStyle/>
+          <a:p>
+            <a:pPr algn="r"/>
+            <a:r>
+              <a:rPr lang="de-CH" sz="1200" dirty="0">
+                <a:latin typeface="Calibri" panose="020F0502020204030204" pitchFamily="34" charset="0"/>
+              </a:rPr>
+              <a:t>3.  März 2018</a:t>
+            </a:r>
+          </a:p>
+        </p:txBody>
+      </p:sp>
+    </p:spTree>
+    <p:extLst>
+      <p:ext uri="{BB962C8B-B14F-4D97-AF65-F5344CB8AC3E}">
+        <p14:creationId xmlns:p14="http://schemas.microsoft.com/office/powerpoint/2010/main" val="885467257"/>
+      </p:ext>
+    </p:extLst>
+  </p:cSld>
+  <p:clrMapOvr>
+    <a:masterClrMapping/>
+  </p:clrMapOvr>
+</p:sld>
+</file>
+
+<file path=ppt/slides/slide12.xml><?xml version="1.0" encoding="utf-8"?>
+<p:sld xmlns:a="http://schemas.openxmlformats.org/drawingml/2006/main" xmlns:r="http://schemas.openxmlformats.org/officeDocument/2006/relationships" xmlns:p="http://schemas.openxmlformats.org/presentationml/2006/main">
+  <p:cSld>
+    <p:spTree>
+      <p:nvGrpSpPr>
+        <p:cNvPr id="1" name=""/>
+        <p:cNvGrpSpPr/>
+        <p:nvPr/>
+      </p:nvGrpSpPr>
+      <p:grpSpPr>
+        <a:xfrm>
+          <a:off x="0" y="0"/>
+          <a:ext cx="0" cy="0"/>
+          <a:chOff x="0" y="0"/>
+          <a:chExt cx="0" cy="0"/>
+        </a:xfrm>
+      </p:grpSpPr>
+      <p:pic>
+        <p:nvPicPr>
+          <p:cNvPr id="12" name="Grafik 11">
+            <a:extLst>
+              <a:ext uri="{FF2B5EF4-FFF2-40B4-BE49-F238E27FC236}">
+                <a16:creationId xmlns:a16="http://schemas.microsoft.com/office/drawing/2014/main" id="{63518878-B2F8-9E42-B6D4-7C199E65E901}"/>
+              </a:ext>
+            </a:extLst>
+          </p:cNvPr>
+          <p:cNvPicPr>
+            <a:picLocks noChangeAspect="1"/>
+          </p:cNvPicPr>
+          <p:nvPr/>
+        </p:nvPicPr>
+        <p:blipFill>
+          <a:blip r:embed="rId3">
+            <a:extLst>
+              <a:ext uri="{28A0092B-C50C-407E-A947-70E740481C1C}">
+                <a14:useLocalDpi xmlns:a14="http://schemas.microsoft.com/office/drawing/2010/main" val="0"/>
+              </a:ext>
+            </a:extLst>
+          </a:blip>
+          <a:stretch>
+            <a:fillRect/>
+          </a:stretch>
+        </p:blipFill>
+        <p:spPr>
+          <a:xfrm>
+            <a:off x="0" y="-3571"/>
+            <a:ext cx="1066800" cy="406400"/>
+          </a:xfrm>
+          <a:prstGeom prst="rect">
+            <a:avLst/>
+          </a:prstGeom>
+        </p:spPr>
+      </p:pic>
+      <p:cxnSp>
+        <p:nvCxnSpPr>
+          <p:cNvPr id="5" name="Gerade Verbindung 4"/>
+          <p:cNvCxnSpPr/>
+          <p:nvPr/>
+        </p:nvCxnSpPr>
+        <p:spPr>
+          <a:xfrm>
+            <a:off x="0" y="6525344"/>
+            <a:ext cx="9144000" cy="0"/>
+          </a:xfrm>
+          <a:prstGeom prst="line">
+            <a:avLst/>
+          </a:prstGeom>
+          <a:ln>
+            <a:solidFill>
+              <a:schemeClr val="tx1"/>
+            </a:solidFill>
+          </a:ln>
+        </p:spPr>
+        <p:style>
+          <a:lnRef idx="1">
+            <a:schemeClr val="accent1"/>
+          </a:lnRef>
+          <a:fillRef idx="0">
+            <a:schemeClr val="accent1"/>
+          </a:fillRef>
+          <a:effectRef idx="0">
+            <a:schemeClr val="accent1"/>
+          </a:effectRef>
+          <a:fontRef idx="minor">
+            <a:schemeClr val="tx1"/>
+          </a:fontRef>
+        </p:style>
+      </p:cxnSp>
+      <p:sp>
+        <p:nvSpPr>
+          <p:cNvPr id="6" name="Textfeld 5"/>
+          <p:cNvSpPr txBox="1"/>
+          <p:nvPr/>
+        </p:nvSpPr>
+        <p:spPr>
+          <a:xfrm>
+            <a:off x="287830" y="6542726"/>
+            <a:ext cx="1208792" cy="276999"/>
+          </a:xfrm>
+          <a:prstGeom prst="rect">
+            <a:avLst/>
+          </a:prstGeom>
+          <a:noFill/>
+        </p:spPr>
+        <p:txBody>
+          <a:bodyPr wrap="none" rtlCol="0">
+            <a:spAutoFit/>
+          </a:bodyPr>
+          <a:lstStyle/>
+          <a:p>
+            <a:r>
+              <a:rPr lang="de-CH" sz="1200" dirty="0">
+                <a:latin typeface="Calibri" panose="020F0502020204030204" pitchFamily="34" charset="0"/>
+              </a:rPr>
+              <a:t>Meilenstein_M2</a:t>
+            </a:r>
+          </a:p>
+        </p:txBody>
+      </p:sp>
+      <p:sp>
+        <p:nvSpPr>
+          <p:cNvPr id="8" name="Textfeld 7"/>
+          <p:cNvSpPr txBox="1"/>
+          <p:nvPr/>
+        </p:nvSpPr>
+        <p:spPr>
+          <a:xfrm>
+            <a:off x="3627204" y="6542724"/>
+            <a:ext cx="1800200" cy="276999"/>
+          </a:xfrm>
+          <a:prstGeom prst="rect">
+            <a:avLst/>
+          </a:prstGeom>
+          <a:noFill/>
+        </p:spPr>
+        <p:txBody>
+          <a:bodyPr wrap="square" rtlCol="0">
+            <a:spAutoFit/>
+          </a:bodyPr>
+          <a:lstStyle/>
+          <a:p>
+            <a:pPr algn="ctr"/>
+            <a:r>
+              <a:rPr lang="de-CH" sz="1200" dirty="0">
+                <a:latin typeface="Calibri" panose="020F0502020204030204" pitchFamily="34" charset="0"/>
+              </a:rPr>
+              <a:t>Seite 2/??</a:t>
+            </a:r>
+          </a:p>
+        </p:txBody>
+      </p:sp>
+      <p:cxnSp>
+        <p:nvCxnSpPr>
+          <p:cNvPr id="9" name="Gerade Verbindung 4"/>
+          <p:cNvCxnSpPr/>
+          <p:nvPr/>
+        </p:nvCxnSpPr>
+        <p:spPr>
+          <a:xfrm>
+            <a:off x="-5050" y="421597"/>
+            <a:ext cx="9144000" cy="0"/>
+          </a:xfrm>
+          <a:prstGeom prst="line">
+            <a:avLst/>
+          </a:prstGeom>
+          <a:ln>
+            <a:solidFill>
+              <a:schemeClr val="tx1"/>
+            </a:solidFill>
+          </a:ln>
+        </p:spPr>
+        <p:style>
+          <a:lnRef idx="1">
+            <a:schemeClr val="accent1"/>
+          </a:lnRef>
+          <a:fillRef idx="0">
+            <a:schemeClr val="accent1"/>
+          </a:fillRef>
+          <a:effectRef idx="0">
+            <a:schemeClr val="accent1"/>
+          </a:effectRef>
+          <a:fontRef idx="minor">
+            <a:schemeClr val="tx1"/>
+          </a:fontRef>
+        </p:style>
+      </p:cxnSp>
+      <p:sp>
+        <p:nvSpPr>
+          <p:cNvPr id="10" name="Textfeld 9"/>
+          <p:cNvSpPr txBox="1"/>
+          <p:nvPr/>
+        </p:nvSpPr>
+        <p:spPr>
+          <a:xfrm>
+            <a:off x="7615828" y="144598"/>
+            <a:ext cx="1265796" cy="276999"/>
+          </a:xfrm>
+          <a:prstGeom prst="rect">
+            <a:avLst/>
+          </a:prstGeom>
+          <a:noFill/>
+        </p:spPr>
+        <p:txBody>
+          <a:bodyPr wrap="none" rtlCol="0">
+            <a:spAutoFit/>
+          </a:bodyPr>
+          <a:lstStyle/>
+          <a:p>
+            <a:pPr algn="r"/>
+            <a:r>
+              <a:rPr lang="de-CH" sz="1200" dirty="0">
+                <a:latin typeface="Calibri" panose="020F0502020204030204" pitchFamily="34" charset="0"/>
+              </a:rPr>
+              <a:t>SysP18_Team_10</a:t>
+            </a:r>
+          </a:p>
+        </p:txBody>
+      </p:sp>
+      <p:sp>
+        <p:nvSpPr>
+          <p:cNvPr id="14" name="Textfeld 13"/>
+          <p:cNvSpPr txBox="1"/>
+          <p:nvPr/>
+        </p:nvSpPr>
+        <p:spPr>
+          <a:xfrm>
+            <a:off x="360000" y="468000"/>
+            <a:ext cx="4176464" cy="523220"/>
+          </a:xfrm>
+          <a:prstGeom prst="rect">
+            <a:avLst/>
+          </a:prstGeom>
+          <a:noFill/>
+        </p:spPr>
+        <p:txBody>
+          <a:bodyPr wrap="square" rtlCol="0">
+            <a:spAutoFit/>
+          </a:bodyPr>
+          <a:lstStyle/>
+          <a:p>
+            <a:r>
+              <a:rPr lang="de-CH" sz="2800" b="1" dirty="0">
+                <a:latin typeface="+mj-lt"/>
+              </a:rPr>
+              <a:t>Motorentreiber Schema</a:t>
+            </a:r>
+          </a:p>
+        </p:txBody>
+      </p:sp>
+      <p:sp>
+        <p:nvSpPr>
+          <p:cNvPr id="16" name="Textfeld 15">
+            <a:extLst>
+              <a:ext uri="{FF2B5EF4-FFF2-40B4-BE49-F238E27FC236}">
+                <a16:creationId xmlns:a16="http://schemas.microsoft.com/office/drawing/2014/main" id="{2EBD323C-4D9D-5D42-9645-414FFBB7D04B}"/>
+              </a:ext>
+            </a:extLst>
+          </p:cNvPr>
+          <p:cNvSpPr txBox="1"/>
+          <p:nvPr/>
+        </p:nvSpPr>
+        <p:spPr>
+          <a:xfrm>
+            <a:off x="7840953" y="6542725"/>
+            <a:ext cx="1040671" cy="276999"/>
+          </a:xfrm>
+          <a:prstGeom prst="rect">
+            <a:avLst/>
+          </a:prstGeom>
+          <a:noFill/>
+        </p:spPr>
+        <p:txBody>
+          <a:bodyPr wrap="none" rtlCol="0">
+            <a:spAutoFit/>
+          </a:bodyPr>
+          <a:lstStyle/>
+          <a:p>
+            <a:pPr algn="r"/>
+            <a:r>
+              <a:rPr lang="de-CH" sz="1200" dirty="0">
+                <a:latin typeface="Calibri" panose="020F0502020204030204" pitchFamily="34" charset="0"/>
+              </a:rPr>
+              <a:t>3.  März 2018</a:t>
+            </a:r>
+          </a:p>
+        </p:txBody>
+      </p:sp>
+      <p:pic>
+        <p:nvPicPr>
+          <p:cNvPr id="3" name="Grafik 2">
+            <a:extLst>
+              <a:ext uri="{FF2B5EF4-FFF2-40B4-BE49-F238E27FC236}">
+                <a16:creationId xmlns:a16="http://schemas.microsoft.com/office/drawing/2014/main" id="{DC4409DB-74CD-464E-8325-21620F50EA5F}"/>
+              </a:ext>
+            </a:extLst>
+          </p:cNvPr>
+          <p:cNvPicPr>
+            <a:picLocks noChangeAspect="1"/>
+          </p:cNvPicPr>
+          <p:nvPr/>
+        </p:nvPicPr>
+        <p:blipFill>
+          <a:blip r:embed="rId4">
+            <a:extLst>
+              <a:ext uri="{28A0092B-C50C-407E-A947-70E740481C1C}">
+                <a14:useLocalDpi xmlns:a14="http://schemas.microsoft.com/office/drawing/2010/main" val="0"/>
+              </a:ext>
+            </a:extLst>
+          </a:blip>
+          <a:stretch>
+            <a:fillRect/>
+          </a:stretch>
+        </p:blipFill>
+        <p:spPr>
+          <a:xfrm>
+            <a:off x="426950" y="991220"/>
+            <a:ext cx="8280000" cy="5454287"/>
+          </a:xfrm>
+          <a:prstGeom prst="rect">
+            <a:avLst/>
+          </a:prstGeom>
+        </p:spPr>
+      </p:pic>
+    </p:spTree>
+    <p:extLst>
+      <p:ext uri="{BB962C8B-B14F-4D97-AF65-F5344CB8AC3E}">
+        <p14:creationId xmlns:p14="http://schemas.microsoft.com/office/powerpoint/2010/main" val="1528423902"/>
+      </p:ext>
+    </p:extLst>
+  </p:cSld>
+  <p:clrMapOvr>
+    <a:masterClrMapping/>
+  </p:clrMapOvr>
+</p:sld>
+</file>
+
+<file path=ppt/slides/slide13.xml><?xml version="1.0" encoding="utf-8"?>
+<p:sld xmlns:a="http://schemas.openxmlformats.org/drawingml/2006/main" xmlns:r="http://schemas.openxmlformats.org/officeDocument/2006/relationships" xmlns:p="http://schemas.openxmlformats.org/presentationml/2006/main">
+  <p:cSld>
+    <p:spTree>
+      <p:nvGrpSpPr>
+        <p:cNvPr id="1" name=""/>
+        <p:cNvGrpSpPr/>
+        <p:nvPr/>
+      </p:nvGrpSpPr>
+      <p:grpSpPr>
+        <a:xfrm>
+          <a:off x="0" y="0"/>
+          <a:ext cx="0" cy="0"/>
+          <a:chOff x="0" y="0"/>
+          <a:chExt cx="0" cy="0"/>
+        </a:xfrm>
+      </p:grpSpPr>
+      <p:pic>
+        <p:nvPicPr>
+          <p:cNvPr id="12" name="Grafik 11">
+            <a:extLst>
+              <a:ext uri="{FF2B5EF4-FFF2-40B4-BE49-F238E27FC236}">
+                <a16:creationId xmlns:a16="http://schemas.microsoft.com/office/drawing/2014/main" id="{63518878-B2F8-9E42-B6D4-7C199E65E901}"/>
+              </a:ext>
+            </a:extLst>
+          </p:cNvPr>
+          <p:cNvPicPr>
+            <a:picLocks noChangeAspect="1"/>
+          </p:cNvPicPr>
+          <p:nvPr/>
+        </p:nvPicPr>
+        <p:blipFill>
+          <a:blip r:embed="rId3">
+            <a:extLst>
+              <a:ext uri="{28A0092B-C50C-407E-A947-70E740481C1C}">
+                <a14:useLocalDpi xmlns:a14="http://schemas.microsoft.com/office/drawing/2010/main" val="0"/>
+              </a:ext>
+            </a:extLst>
+          </a:blip>
+          <a:stretch>
+            <a:fillRect/>
+          </a:stretch>
+        </p:blipFill>
+        <p:spPr>
+          <a:xfrm>
+            <a:off x="0" y="-3571"/>
+            <a:ext cx="1066800" cy="406400"/>
+          </a:xfrm>
+          <a:prstGeom prst="rect">
+            <a:avLst/>
+          </a:prstGeom>
+        </p:spPr>
+      </p:pic>
+      <p:cxnSp>
+        <p:nvCxnSpPr>
+          <p:cNvPr id="5" name="Gerade Verbindung 4"/>
+          <p:cNvCxnSpPr/>
+          <p:nvPr/>
+        </p:nvCxnSpPr>
+        <p:spPr>
+          <a:xfrm>
+            <a:off x="0" y="6525344"/>
+            <a:ext cx="9144000" cy="0"/>
+          </a:xfrm>
+          <a:prstGeom prst="line">
+            <a:avLst/>
+          </a:prstGeom>
+          <a:ln>
+            <a:solidFill>
+              <a:schemeClr val="tx1"/>
+            </a:solidFill>
+          </a:ln>
+        </p:spPr>
+        <p:style>
+          <a:lnRef idx="1">
+            <a:schemeClr val="accent1"/>
+          </a:lnRef>
+          <a:fillRef idx="0">
+            <a:schemeClr val="accent1"/>
+          </a:fillRef>
+          <a:effectRef idx="0">
+            <a:schemeClr val="accent1"/>
+          </a:effectRef>
+          <a:fontRef idx="minor">
+            <a:schemeClr val="tx1"/>
+          </a:fontRef>
+        </p:style>
+      </p:cxnSp>
+      <p:sp>
+        <p:nvSpPr>
+          <p:cNvPr id="6" name="Textfeld 5"/>
+          <p:cNvSpPr txBox="1"/>
+          <p:nvPr/>
+        </p:nvSpPr>
+        <p:spPr>
+          <a:xfrm>
+            <a:off x="287830" y="6542726"/>
+            <a:ext cx="1208792" cy="276999"/>
+          </a:xfrm>
+          <a:prstGeom prst="rect">
+            <a:avLst/>
+          </a:prstGeom>
+          <a:noFill/>
+        </p:spPr>
+        <p:txBody>
+          <a:bodyPr wrap="none" rtlCol="0">
+            <a:spAutoFit/>
+          </a:bodyPr>
+          <a:lstStyle/>
+          <a:p>
+            <a:r>
+              <a:rPr lang="de-CH" sz="1200" dirty="0">
+                <a:latin typeface="Calibri" panose="020F0502020204030204" pitchFamily="34" charset="0"/>
+              </a:rPr>
+              <a:t>Meilenstein_M2</a:t>
+            </a:r>
+          </a:p>
+        </p:txBody>
+      </p:sp>
+      <p:sp>
+        <p:nvSpPr>
+          <p:cNvPr id="8" name="Textfeld 7"/>
+          <p:cNvSpPr txBox="1"/>
+          <p:nvPr/>
+        </p:nvSpPr>
+        <p:spPr>
+          <a:xfrm>
+            <a:off x="3627204" y="6542724"/>
+            <a:ext cx="1800200" cy="276999"/>
+          </a:xfrm>
+          <a:prstGeom prst="rect">
+            <a:avLst/>
+          </a:prstGeom>
+          <a:noFill/>
+        </p:spPr>
+        <p:txBody>
+          <a:bodyPr wrap="square" rtlCol="0">
+            <a:spAutoFit/>
+          </a:bodyPr>
+          <a:lstStyle/>
+          <a:p>
+            <a:pPr algn="ctr"/>
+            <a:r>
+              <a:rPr lang="de-CH" sz="1200" dirty="0">
+                <a:latin typeface="Calibri" panose="020F0502020204030204" pitchFamily="34" charset="0"/>
+              </a:rPr>
+              <a:t>Seite 2/??</a:t>
+            </a:r>
+          </a:p>
+        </p:txBody>
+      </p:sp>
+      <p:cxnSp>
+        <p:nvCxnSpPr>
+          <p:cNvPr id="9" name="Gerade Verbindung 4"/>
+          <p:cNvCxnSpPr/>
+          <p:nvPr/>
+        </p:nvCxnSpPr>
+        <p:spPr>
+          <a:xfrm>
+            <a:off x="-5050" y="421597"/>
+            <a:ext cx="9144000" cy="0"/>
+          </a:xfrm>
+          <a:prstGeom prst="line">
+            <a:avLst/>
+          </a:prstGeom>
+          <a:ln>
+            <a:solidFill>
+              <a:schemeClr val="tx1"/>
+            </a:solidFill>
+          </a:ln>
+        </p:spPr>
+        <p:style>
+          <a:lnRef idx="1">
+            <a:schemeClr val="accent1"/>
+          </a:lnRef>
+          <a:fillRef idx="0">
+            <a:schemeClr val="accent1"/>
+          </a:fillRef>
+          <a:effectRef idx="0">
+            <a:schemeClr val="accent1"/>
+          </a:effectRef>
+          <a:fontRef idx="minor">
+            <a:schemeClr val="tx1"/>
+          </a:fontRef>
+        </p:style>
+      </p:cxnSp>
+      <p:sp>
+        <p:nvSpPr>
+          <p:cNvPr id="10" name="Textfeld 9"/>
+          <p:cNvSpPr txBox="1"/>
+          <p:nvPr/>
+        </p:nvSpPr>
+        <p:spPr>
+          <a:xfrm>
+            <a:off x="7615828" y="144598"/>
+            <a:ext cx="1265796" cy="276999"/>
+          </a:xfrm>
+          <a:prstGeom prst="rect">
+            <a:avLst/>
+          </a:prstGeom>
+          <a:noFill/>
+        </p:spPr>
+        <p:txBody>
+          <a:bodyPr wrap="none" rtlCol="0">
+            <a:spAutoFit/>
+          </a:bodyPr>
+          <a:lstStyle/>
+          <a:p>
+            <a:pPr algn="r"/>
+            <a:r>
+              <a:rPr lang="de-CH" sz="1200" dirty="0">
+                <a:latin typeface="Calibri" panose="020F0502020204030204" pitchFamily="34" charset="0"/>
+              </a:rPr>
+              <a:t>SysP18_Team_10</a:t>
+            </a:r>
+          </a:p>
+        </p:txBody>
+      </p:sp>
+      <p:sp>
+        <p:nvSpPr>
+          <p:cNvPr id="14" name="Textfeld 13"/>
+          <p:cNvSpPr txBox="1"/>
+          <p:nvPr/>
+        </p:nvSpPr>
+        <p:spPr>
+          <a:xfrm>
+            <a:off x="360000" y="468000"/>
+            <a:ext cx="4176464" cy="523220"/>
+          </a:xfrm>
+          <a:prstGeom prst="rect">
+            <a:avLst/>
+          </a:prstGeom>
+          <a:noFill/>
+        </p:spPr>
+        <p:txBody>
+          <a:bodyPr wrap="square" rtlCol="0">
+            <a:spAutoFit/>
+          </a:bodyPr>
+          <a:lstStyle/>
+          <a:p>
+            <a:r>
+              <a:rPr lang="de-CH" sz="2800" b="1" dirty="0">
+                <a:latin typeface="+mj-lt"/>
+              </a:rPr>
+              <a:t>Motorentreiber PCB Layout</a:t>
+            </a:r>
+          </a:p>
+        </p:txBody>
+      </p:sp>
+      <p:sp>
+        <p:nvSpPr>
+          <p:cNvPr id="16" name="Textfeld 15">
+            <a:extLst>
+              <a:ext uri="{FF2B5EF4-FFF2-40B4-BE49-F238E27FC236}">
+                <a16:creationId xmlns:a16="http://schemas.microsoft.com/office/drawing/2014/main" id="{2EBD323C-4D9D-5D42-9645-414FFBB7D04B}"/>
+              </a:ext>
+            </a:extLst>
+          </p:cNvPr>
+          <p:cNvSpPr txBox="1"/>
+          <p:nvPr/>
+        </p:nvSpPr>
+        <p:spPr>
+          <a:xfrm>
+            <a:off x="7840953" y="6542725"/>
+            <a:ext cx="1040671" cy="276999"/>
+          </a:xfrm>
+          <a:prstGeom prst="rect">
+            <a:avLst/>
+          </a:prstGeom>
+          <a:noFill/>
+        </p:spPr>
+        <p:txBody>
+          <a:bodyPr wrap="none" rtlCol="0">
+            <a:spAutoFit/>
+          </a:bodyPr>
+          <a:lstStyle/>
+          <a:p>
+            <a:pPr algn="r"/>
+            <a:r>
+              <a:rPr lang="de-CH" sz="1200" dirty="0">
+                <a:latin typeface="Calibri" panose="020F0502020204030204" pitchFamily="34" charset="0"/>
+              </a:rPr>
+              <a:t>3.  März 2018</a:t>
+            </a:r>
+          </a:p>
+        </p:txBody>
+      </p:sp>
+      <p:pic>
+        <p:nvPicPr>
+          <p:cNvPr id="4" name="Grafik 3">
+            <a:extLst>
+              <a:ext uri="{FF2B5EF4-FFF2-40B4-BE49-F238E27FC236}">
+                <a16:creationId xmlns:a16="http://schemas.microsoft.com/office/drawing/2014/main" id="{2ADF5744-C040-4AEC-B1FA-8FF6E4528092}"/>
+              </a:ext>
+            </a:extLst>
+          </p:cNvPr>
+          <p:cNvPicPr>
+            <a:picLocks noChangeAspect="1"/>
+          </p:cNvPicPr>
+          <p:nvPr/>
+        </p:nvPicPr>
+        <p:blipFill rotWithShape="1">
+          <a:blip r:embed="rId4">
+            <a:extLst>
+              <a:ext uri="{28A0092B-C50C-407E-A947-70E740481C1C}">
+                <a14:useLocalDpi xmlns:a14="http://schemas.microsoft.com/office/drawing/2010/main" val="0"/>
+              </a:ext>
+            </a:extLst>
+          </a:blip>
+          <a:srcRect l="770" t="-397" r="772" b="1"/>
+          <a:stretch/>
+        </p:blipFill>
+        <p:spPr>
+          <a:xfrm>
+            <a:off x="1368330" y="991220"/>
+            <a:ext cx="6317948" cy="5454000"/>
+          </a:xfrm>
+          <a:prstGeom prst="rect">
+            <a:avLst/>
+          </a:prstGeom>
+        </p:spPr>
+      </p:pic>
+    </p:spTree>
+    <p:extLst>
+      <p:ext uri="{BB962C8B-B14F-4D97-AF65-F5344CB8AC3E}">
+        <p14:creationId xmlns:p14="http://schemas.microsoft.com/office/powerpoint/2010/main" val="1812423094"/>
+      </p:ext>
+    </p:extLst>
+  </p:cSld>
+  <p:clrMapOvr>
+    <a:masterClrMapping/>
+  </p:clrMapOvr>
+</p:sld>
+</file>
+
+<file path=ppt/slides/slide14.xml><?xml version="1.0" encoding="utf-8"?>
+<p:sld xmlns:a="http://schemas.openxmlformats.org/drawingml/2006/main" xmlns:r="http://schemas.openxmlformats.org/officeDocument/2006/relationships" xmlns:p="http://schemas.openxmlformats.org/presentationml/2006/main">
+  <p:cSld>
+    <p:spTree>
+      <p:nvGrpSpPr>
+        <p:cNvPr id="1" name=""/>
+        <p:cNvGrpSpPr/>
+        <p:nvPr/>
+      </p:nvGrpSpPr>
+      <p:grpSpPr>
+        <a:xfrm>
+          <a:off x="0" y="0"/>
+          <a:ext cx="0" cy="0"/>
+          <a:chOff x="0" y="0"/>
+          <a:chExt cx="0" cy="0"/>
+        </a:xfrm>
+      </p:grpSpPr>
+      <p:pic>
+        <p:nvPicPr>
+          <p:cNvPr id="12" name="Grafik 11">
+            <a:extLst>
+              <a:ext uri="{FF2B5EF4-FFF2-40B4-BE49-F238E27FC236}">
+                <a16:creationId xmlns:a16="http://schemas.microsoft.com/office/drawing/2014/main" id="{63518878-B2F8-9E42-B6D4-7C199E65E901}"/>
+              </a:ext>
+            </a:extLst>
+          </p:cNvPr>
+          <p:cNvPicPr>
+            <a:picLocks noChangeAspect="1"/>
+          </p:cNvPicPr>
+          <p:nvPr/>
+        </p:nvPicPr>
+        <p:blipFill>
+          <a:blip r:embed="rId3">
+            <a:extLst>
+              <a:ext uri="{28A0092B-C50C-407E-A947-70E740481C1C}">
+                <a14:useLocalDpi xmlns:a14="http://schemas.microsoft.com/office/drawing/2010/main" val="0"/>
+              </a:ext>
+            </a:extLst>
+          </a:blip>
+          <a:stretch>
+            <a:fillRect/>
+          </a:stretch>
+        </p:blipFill>
+        <p:spPr>
+          <a:xfrm>
+            <a:off x="0" y="-3571"/>
+            <a:ext cx="1066800" cy="406400"/>
+          </a:xfrm>
+          <a:prstGeom prst="rect">
+            <a:avLst/>
+          </a:prstGeom>
+        </p:spPr>
+      </p:pic>
+      <p:cxnSp>
+        <p:nvCxnSpPr>
+          <p:cNvPr id="5" name="Gerade Verbindung 4"/>
+          <p:cNvCxnSpPr/>
+          <p:nvPr/>
+        </p:nvCxnSpPr>
+        <p:spPr>
+          <a:xfrm>
+            <a:off x="0" y="6525344"/>
+            <a:ext cx="9144000" cy="0"/>
+          </a:xfrm>
+          <a:prstGeom prst="line">
+            <a:avLst/>
+          </a:prstGeom>
+          <a:ln>
+            <a:solidFill>
+              <a:schemeClr val="tx1"/>
+            </a:solidFill>
+          </a:ln>
+        </p:spPr>
+        <p:style>
+          <a:lnRef idx="1">
+            <a:schemeClr val="accent1"/>
+          </a:lnRef>
+          <a:fillRef idx="0">
+            <a:schemeClr val="accent1"/>
+          </a:fillRef>
+          <a:effectRef idx="0">
+            <a:schemeClr val="accent1"/>
+          </a:effectRef>
+          <a:fontRef idx="minor">
+            <a:schemeClr val="tx1"/>
+          </a:fontRef>
+        </p:style>
+      </p:cxnSp>
+      <p:sp>
+        <p:nvSpPr>
+          <p:cNvPr id="6" name="Textfeld 5"/>
+          <p:cNvSpPr txBox="1"/>
+          <p:nvPr/>
+        </p:nvSpPr>
+        <p:spPr>
+          <a:xfrm>
+            <a:off x="287830" y="6542726"/>
+            <a:ext cx="1208792" cy="276999"/>
+          </a:xfrm>
+          <a:prstGeom prst="rect">
+            <a:avLst/>
+          </a:prstGeom>
+          <a:noFill/>
+        </p:spPr>
+        <p:txBody>
+          <a:bodyPr wrap="none" rtlCol="0">
+            <a:spAutoFit/>
+          </a:bodyPr>
+          <a:lstStyle/>
+          <a:p>
+            <a:r>
+              <a:rPr lang="de-CH" sz="1200" dirty="0">
+                <a:latin typeface="Calibri" panose="020F0502020204030204" pitchFamily="34" charset="0"/>
+              </a:rPr>
+              <a:t>Meilenstein_M2</a:t>
+            </a:r>
+          </a:p>
+        </p:txBody>
+      </p:sp>
+      <p:sp>
+        <p:nvSpPr>
+          <p:cNvPr id="8" name="Textfeld 7"/>
+          <p:cNvSpPr txBox="1"/>
+          <p:nvPr/>
+        </p:nvSpPr>
+        <p:spPr>
+          <a:xfrm>
+            <a:off x="3627204" y="6542724"/>
+            <a:ext cx="1800200" cy="276999"/>
+          </a:xfrm>
+          <a:prstGeom prst="rect">
+            <a:avLst/>
+          </a:prstGeom>
+          <a:noFill/>
+        </p:spPr>
+        <p:txBody>
+          <a:bodyPr wrap="square" rtlCol="0">
+            <a:spAutoFit/>
+          </a:bodyPr>
+          <a:lstStyle/>
+          <a:p>
+            <a:pPr algn="ctr"/>
+            <a:r>
+              <a:rPr lang="de-CH" sz="1200" dirty="0">
+                <a:latin typeface="Calibri" panose="020F0502020204030204" pitchFamily="34" charset="0"/>
+              </a:rPr>
+              <a:t>Seite 2/??</a:t>
+            </a:r>
+          </a:p>
+        </p:txBody>
+      </p:sp>
+      <p:cxnSp>
+        <p:nvCxnSpPr>
+          <p:cNvPr id="9" name="Gerade Verbindung 4"/>
+          <p:cNvCxnSpPr/>
+          <p:nvPr/>
+        </p:nvCxnSpPr>
+        <p:spPr>
+          <a:xfrm>
+            <a:off x="-5050" y="421597"/>
+            <a:ext cx="9144000" cy="0"/>
+          </a:xfrm>
+          <a:prstGeom prst="line">
+            <a:avLst/>
+          </a:prstGeom>
+          <a:ln>
+            <a:solidFill>
+              <a:schemeClr val="tx1"/>
+            </a:solidFill>
+          </a:ln>
+        </p:spPr>
+        <p:style>
+          <a:lnRef idx="1">
+            <a:schemeClr val="accent1"/>
+          </a:lnRef>
+          <a:fillRef idx="0">
+            <a:schemeClr val="accent1"/>
+          </a:fillRef>
+          <a:effectRef idx="0">
+            <a:schemeClr val="accent1"/>
+          </a:effectRef>
+          <a:fontRef idx="minor">
+            <a:schemeClr val="tx1"/>
+          </a:fontRef>
+        </p:style>
+      </p:cxnSp>
+      <p:sp>
+        <p:nvSpPr>
+          <p:cNvPr id="10" name="Textfeld 9"/>
+          <p:cNvSpPr txBox="1"/>
+          <p:nvPr/>
+        </p:nvSpPr>
+        <p:spPr>
+          <a:xfrm>
+            <a:off x="7615828" y="144598"/>
+            <a:ext cx="1265796" cy="276999"/>
+          </a:xfrm>
+          <a:prstGeom prst="rect">
+            <a:avLst/>
+          </a:prstGeom>
+          <a:noFill/>
+        </p:spPr>
+        <p:txBody>
+          <a:bodyPr wrap="none" rtlCol="0">
+            <a:spAutoFit/>
+          </a:bodyPr>
+          <a:lstStyle/>
+          <a:p>
+            <a:pPr algn="r"/>
+            <a:r>
+              <a:rPr lang="de-CH" sz="1200" dirty="0">
+                <a:latin typeface="Calibri" panose="020F0502020204030204" pitchFamily="34" charset="0"/>
+              </a:rPr>
+              <a:t>SysP18_Team_10</a:t>
+            </a:r>
+          </a:p>
+        </p:txBody>
+      </p:sp>
+      <p:sp>
+        <p:nvSpPr>
+          <p:cNvPr id="14" name="Textfeld 13"/>
+          <p:cNvSpPr txBox="1"/>
+          <p:nvPr/>
+        </p:nvSpPr>
+        <p:spPr>
+          <a:xfrm>
+            <a:off x="360000" y="468000"/>
+            <a:ext cx="7560840" cy="523220"/>
+          </a:xfrm>
+          <a:prstGeom prst="rect">
+            <a:avLst/>
+          </a:prstGeom>
+          <a:noFill/>
+        </p:spPr>
+        <p:txBody>
+          <a:bodyPr wrap="square" rtlCol="0">
+            <a:spAutoFit/>
+          </a:bodyPr>
+          <a:lstStyle/>
+          <a:p>
+            <a:r>
+              <a:rPr lang="de-CH" sz="2800" b="1" dirty="0">
+                <a:latin typeface="+mj-lt"/>
+              </a:rPr>
+              <a:t>Fehlerquelle Spannungsversorgung (Switch-Loop)</a:t>
+            </a:r>
+          </a:p>
+        </p:txBody>
+      </p:sp>
+      <p:sp>
+        <p:nvSpPr>
+          <p:cNvPr id="16" name="Textfeld 15">
+            <a:extLst>
+              <a:ext uri="{FF2B5EF4-FFF2-40B4-BE49-F238E27FC236}">
+                <a16:creationId xmlns:a16="http://schemas.microsoft.com/office/drawing/2014/main" id="{2EBD323C-4D9D-5D42-9645-414FFBB7D04B}"/>
+              </a:ext>
+            </a:extLst>
+          </p:cNvPr>
+          <p:cNvSpPr txBox="1"/>
+          <p:nvPr/>
+        </p:nvSpPr>
+        <p:spPr>
+          <a:xfrm>
+            <a:off x="7840953" y="6542725"/>
+            <a:ext cx="1040671" cy="276999"/>
+          </a:xfrm>
+          <a:prstGeom prst="rect">
+            <a:avLst/>
+          </a:prstGeom>
+          <a:noFill/>
+        </p:spPr>
+        <p:txBody>
+          <a:bodyPr wrap="none" rtlCol="0">
+            <a:spAutoFit/>
+          </a:bodyPr>
+          <a:lstStyle/>
+          <a:p>
+            <a:pPr algn="r"/>
+            <a:r>
+              <a:rPr lang="de-CH" sz="1200" dirty="0">
+                <a:latin typeface="Calibri" panose="020F0502020204030204" pitchFamily="34" charset="0"/>
+              </a:rPr>
+              <a:t>3.  März 2018</a:t>
+            </a:r>
+          </a:p>
+        </p:txBody>
+      </p:sp>
+      <p:pic>
+        <p:nvPicPr>
+          <p:cNvPr id="3" name="Grafik 2">
+            <a:extLst>
+              <a:ext uri="{FF2B5EF4-FFF2-40B4-BE49-F238E27FC236}">
+                <a16:creationId xmlns:a16="http://schemas.microsoft.com/office/drawing/2014/main" id="{8531EF22-365A-4750-B895-14BEE60430CC}"/>
+              </a:ext>
+            </a:extLst>
+          </p:cNvPr>
+          <p:cNvPicPr>
+            <a:picLocks noChangeAspect="1"/>
+          </p:cNvPicPr>
+          <p:nvPr/>
+        </p:nvPicPr>
+        <p:blipFill>
+          <a:blip r:embed="rId4">
+            <a:extLst>
+              <a:ext uri="{28A0092B-C50C-407E-A947-70E740481C1C}">
+                <a14:useLocalDpi xmlns:a14="http://schemas.microsoft.com/office/drawing/2010/main" val="0"/>
+              </a:ext>
+            </a:extLst>
+          </a:blip>
+          <a:stretch>
+            <a:fillRect/>
+          </a:stretch>
+        </p:blipFill>
+        <p:spPr>
+          <a:xfrm>
+            <a:off x="2593176" y="991220"/>
+            <a:ext cx="3868256" cy="5454000"/>
+          </a:xfrm>
+          <a:prstGeom prst="rect">
+            <a:avLst/>
+          </a:prstGeom>
+        </p:spPr>
+      </p:pic>
+    </p:spTree>
+    <p:extLst>
+      <p:ext uri="{BB962C8B-B14F-4D97-AF65-F5344CB8AC3E}">
+        <p14:creationId xmlns:p14="http://schemas.microsoft.com/office/powerpoint/2010/main" val="4267483695"/>
+      </p:ext>
+    </p:extLst>
+  </p:cSld>
+  <p:clrMapOvr>
+    <a:masterClrMapping/>
+  </p:clrMapOvr>
+</p:sld>
+</file>
+
+<file path=ppt/slides/slide15.xml><?xml version="1.0" encoding="utf-8"?>
+<p:sld xmlns:a="http://schemas.openxmlformats.org/drawingml/2006/main" xmlns:r="http://schemas.openxmlformats.org/officeDocument/2006/relationships" xmlns:p="http://schemas.openxmlformats.org/presentationml/2006/main">
+  <p:cSld>
+    <p:spTree>
+      <p:nvGrpSpPr>
+        <p:cNvPr id="1" name=""/>
+        <p:cNvGrpSpPr/>
+        <p:nvPr/>
+      </p:nvGrpSpPr>
+      <p:grpSpPr>
+        <a:xfrm>
+          <a:off x="0" y="0"/>
+          <a:ext cx="0" cy="0"/>
+          <a:chOff x="0" y="0"/>
+          <a:chExt cx="0" cy="0"/>
+        </a:xfrm>
+      </p:grpSpPr>
+      <p:pic>
+        <p:nvPicPr>
+          <p:cNvPr id="13" name="Grafik 12">
+            <a:extLst>
+              <a:ext uri="{FF2B5EF4-FFF2-40B4-BE49-F238E27FC236}">
+                <a16:creationId xmlns:a16="http://schemas.microsoft.com/office/drawing/2014/main" id="{00453448-D0BE-BC4A-91C8-50E637D2FFD5}"/>
+              </a:ext>
+            </a:extLst>
+          </p:cNvPr>
+          <p:cNvPicPr>
+            <a:picLocks noChangeAspect="1"/>
+          </p:cNvPicPr>
+          <p:nvPr/>
+        </p:nvPicPr>
+        <p:blipFill>
+          <a:blip r:embed="rId2">
+            <a:extLst>
+              <a:ext uri="{28A0092B-C50C-407E-A947-70E740481C1C}">
+                <a14:useLocalDpi xmlns:a14="http://schemas.microsoft.com/office/drawing/2010/main" val="0"/>
+              </a:ext>
+            </a:extLst>
+          </a:blip>
+          <a:stretch>
+            <a:fillRect/>
+          </a:stretch>
+        </p:blipFill>
+        <p:spPr>
+          <a:xfrm>
+            <a:off x="0" y="-3571"/>
+            <a:ext cx="1066800" cy="406400"/>
+          </a:xfrm>
+          <a:prstGeom prst="rect">
+            <a:avLst/>
+          </a:prstGeom>
+        </p:spPr>
+      </p:pic>
+      <p:sp>
+        <p:nvSpPr>
+          <p:cNvPr id="11" name="Textfeld 10"/>
+          <p:cNvSpPr txBox="1"/>
+          <p:nvPr/>
+        </p:nvSpPr>
+        <p:spPr>
+          <a:xfrm>
+            <a:off x="633368" y="1623458"/>
+            <a:ext cx="6264696" cy="1200329"/>
+          </a:xfrm>
+          <a:prstGeom prst="rect">
+            <a:avLst/>
+          </a:prstGeom>
+          <a:noFill/>
+        </p:spPr>
+        <p:txBody>
+          <a:bodyPr wrap="square" rtlCol="0" anchor="t">
+            <a:spAutoFit/>
+          </a:bodyPr>
+          <a:lstStyle/>
+          <a:p>
+            <a:endParaRPr lang="de-CH" sz="2400" dirty="0">
+              <a:latin typeface="Calibri" panose="020F0502020204030204" pitchFamily="34" charset="0"/>
+            </a:endParaRPr>
+          </a:p>
+          <a:p>
+            <a:pPr lvl="1"/>
+            <a:endParaRPr lang="de-CH" sz="2400" dirty="0">
+              <a:latin typeface="Calibri" panose="020F0502020204030204" pitchFamily="34" charset="0"/>
+            </a:endParaRPr>
+          </a:p>
+          <a:p>
+            <a:pPr lvl="1"/>
+            <a:endParaRPr lang="de-CH" sz="2400" dirty="0">
+              <a:latin typeface="Calibri" panose="020F0502020204030204" pitchFamily="34" charset="0"/>
+            </a:endParaRPr>
+          </a:p>
+        </p:txBody>
+      </p:sp>
+      <p:cxnSp>
+        <p:nvCxnSpPr>
+          <p:cNvPr id="5" name="Gerade Verbindung 4"/>
+          <p:cNvCxnSpPr/>
+          <p:nvPr/>
+        </p:nvCxnSpPr>
+        <p:spPr>
+          <a:xfrm>
+            <a:off x="0" y="6525344"/>
+            <a:ext cx="9144000" cy="0"/>
+          </a:xfrm>
+          <a:prstGeom prst="line">
+            <a:avLst/>
+          </a:prstGeom>
+          <a:ln>
+            <a:solidFill>
+              <a:schemeClr val="tx1"/>
+            </a:solidFill>
+          </a:ln>
+        </p:spPr>
+        <p:style>
+          <a:lnRef idx="1">
+            <a:schemeClr val="accent1"/>
+          </a:lnRef>
+          <a:fillRef idx="0">
+            <a:schemeClr val="accent1"/>
+          </a:fillRef>
+          <a:effectRef idx="0">
+            <a:schemeClr val="accent1"/>
+          </a:effectRef>
+          <a:fontRef idx="minor">
+            <a:schemeClr val="tx1"/>
+          </a:fontRef>
+        </p:style>
+      </p:cxnSp>
+      <p:sp>
+        <p:nvSpPr>
+          <p:cNvPr id="6" name="Textfeld 5"/>
+          <p:cNvSpPr txBox="1"/>
+          <p:nvPr/>
+        </p:nvSpPr>
+        <p:spPr>
+          <a:xfrm>
+            <a:off x="287830" y="6542726"/>
+            <a:ext cx="1208792" cy="276999"/>
+          </a:xfrm>
+          <a:prstGeom prst="rect">
+            <a:avLst/>
+          </a:prstGeom>
+          <a:noFill/>
+        </p:spPr>
+        <p:txBody>
+          <a:bodyPr wrap="none" rtlCol="0">
+            <a:spAutoFit/>
+          </a:bodyPr>
+          <a:lstStyle/>
+          <a:p>
+            <a:r>
+              <a:rPr lang="de-CH" sz="1200" dirty="0">
+                <a:latin typeface="Calibri" panose="020F0502020204030204" pitchFamily="34" charset="0"/>
+              </a:rPr>
+              <a:t>Meilenstein_M2</a:t>
+            </a:r>
+          </a:p>
+        </p:txBody>
+      </p:sp>
+      <p:sp>
+        <p:nvSpPr>
+          <p:cNvPr id="8" name="Textfeld 7"/>
+          <p:cNvSpPr txBox="1"/>
+          <p:nvPr/>
+        </p:nvSpPr>
+        <p:spPr>
+          <a:xfrm>
+            <a:off x="3627204" y="6542724"/>
+            <a:ext cx="1800200" cy="276999"/>
+          </a:xfrm>
+          <a:prstGeom prst="rect">
+            <a:avLst/>
+          </a:prstGeom>
+          <a:noFill/>
+        </p:spPr>
+        <p:txBody>
+          <a:bodyPr wrap="square" rtlCol="0">
+            <a:spAutoFit/>
+          </a:bodyPr>
+          <a:lstStyle/>
+          <a:p>
+            <a:pPr algn="ctr"/>
+            <a:r>
+              <a:rPr lang="de-CH" sz="1200" dirty="0">
+                <a:latin typeface="Calibri" panose="020F0502020204030204" pitchFamily="34" charset="0"/>
+              </a:rPr>
+              <a:t>Seite 3/??</a:t>
+            </a:r>
+          </a:p>
+        </p:txBody>
+      </p:sp>
+      <p:cxnSp>
+        <p:nvCxnSpPr>
+          <p:cNvPr id="9" name="Gerade Verbindung 4"/>
+          <p:cNvCxnSpPr/>
+          <p:nvPr/>
+        </p:nvCxnSpPr>
+        <p:spPr>
+          <a:xfrm>
+            <a:off x="-5050" y="421597"/>
+            <a:ext cx="9144000" cy="0"/>
+          </a:xfrm>
+          <a:prstGeom prst="line">
+            <a:avLst/>
+          </a:prstGeom>
+          <a:ln>
+            <a:solidFill>
+              <a:schemeClr val="tx1"/>
+            </a:solidFill>
+          </a:ln>
+        </p:spPr>
+        <p:style>
+          <a:lnRef idx="1">
+            <a:schemeClr val="accent1"/>
+          </a:lnRef>
+          <a:fillRef idx="0">
+            <a:schemeClr val="accent1"/>
+          </a:fillRef>
+          <a:effectRef idx="0">
+            <a:schemeClr val="accent1"/>
+          </a:effectRef>
+          <a:fontRef idx="minor">
+            <a:schemeClr val="tx1"/>
+          </a:fontRef>
+        </p:style>
+      </p:cxnSp>
+      <p:sp>
+        <p:nvSpPr>
+          <p:cNvPr id="10" name="Textfeld 9"/>
+          <p:cNvSpPr txBox="1"/>
+          <p:nvPr/>
+        </p:nvSpPr>
+        <p:spPr>
+          <a:xfrm>
+            <a:off x="7615828" y="144598"/>
+            <a:ext cx="1265796" cy="276999"/>
+          </a:xfrm>
+          <a:prstGeom prst="rect">
+            <a:avLst/>
+          </a:prstGeom>
+          <a:noFill/>
+        </p:spPr>
+        <p:txBody>
+          <a:bodyPr wrap="none" rtlCol="0">
+            <a:spAutoFit/>
+          </a:bodyPr>
+          <a:lstStyle/>
+          <a:p>
+            <a:pPr algn="r"/>
+            <a:r>
+              <a:rPr lang="de-CH" sz="1200" dirty="0">
+                <a:latin typeface="Calibri" panose="020F0502020204030204" pitchFamily="34" charset="0"/>
+              </a:rPr>
+              <a:t>SysP18_Team_10</a:t>
+            </a:r>
+          </a:p>
+        </p:txBody>
+      </p:sp>
+      <p:sp>
+        <p:nvSpPr>
+          <p:cNvPr id="14" name="Textfeld 13"/>
+          <p:cNvSpPr txBox="1"/>
+          <p:nvPr/>
+        </p:nvSpPr>
+        <p:spPr>
+          <a:xfrm>
+            <a:off x="360000" y="468000"/>
+            <a:ext cx="4402111" cy="523220"/>
+          </a:xfrm>
+          <a:prstGeom prst="rect">
+            <a:avLst/>
+          </a:prstGeom>
+          <a:noFill/>
+        </p:spPr>
+        <p:txBody>
+          <a:bodyPr wrap="square" rtlCol="0">
+            <a:spAutoFit/>
+          </a:bodyPr>
+          <a:lstStyle/>
+          <a:p>
+            <a:r>
+              <a:rPr lang="de-CH" sz="2800" b="1" dirty="0">
+                <a:latin typeface="+mj-lt"/>
+              </a:rPr>
+              <a:t>Motorentreiber PCB 3D</a:t>
+            </a:r>
+          </a:p>
+        </p:txBody>
+      </p:sp>
+      <p:sp>
+        <p:nvSpPr>
+          <p:cNvPr id="16" name="Textfeld 15">
+            <a:extLst>
+              <a:ext uri="{FF2B5EF4-FFF2-40B4-BE49-F238E27FC236}">
+                <a16:creationId xmlns:a16="http://schemas.microsoft.com/office/drawing/2014/main" id="{0C9772D5-2A6B-4A49-9CE3-63851BD26ABD}"/>
+              </a:ext>
+            </a:extLst>
+          </p:cNvPr>
+          <p:cNvSpPr txBox="1"/>
+          <p:nvPr/>
+        </p:nvSpPr>
+        <p:spPr>
+          <a:xfrm>
+            <a:off x="7840953" y="6542725"/>
+            <a:ext cx="1040671" cy="276999"/>
+          </a:xfrm>
+          <a:prstGeom prst="rect">
+            <a:avLst/>
+          </a:prstGeom>
+          <a:noFill/>
+        </p:spPr>
+        <p:txBody>
+          <a:bodyPr wrap="none" rtlCol="0">
+            <a:spAutoFit/>
+          </a:bodyPr>
+          <a:lstStyle/>
+          <a:p>
+            <a:pPr algn="r"/>
+            <a:r>
+              <a:rPr lang="de-CH" sz="1200" dirty="0">
+                <a:latin typeface="Calibri" panose="020F0502020204030204" pitchFamily="34" charset="0"/>
+              </a:rPr>
+              <a:t>3.  März 2018</a:t>
+            </a:r>
+          </a:p>
+        </p:txBody>
+      </p:sp>
+      <p:pic>
+        <p:nvPicPr>
+          <p:cNvPr id="3" name="Grafik 2">
+            <a:extLst>
+              <a:ext uri="{FF2B5EF4-FFF2-40B4-BE49-F238E27FC236}">
+                <a16:creationId xmlns:a16="http://schemas.microsoft.com/office/drawing/2014/main" id="{C275CC21-65DC-4699-86D4-72440D283030}"/>
+              </a:ext>
+            </a:extLst>
+          </p:cNvPr>
+          <p:cNvPicPr>
+            <a:picLocks noChangeAspect="1"/>
+          </p:cNvPicPr>
+          <p:nvPr/>
+        </p:nvPicPr>
+        <p:blipFill>
+          <a:blip r:embed="rId3">
+            <a:extLst>
+              <a:ext uri="{28A0092B-C50C-407E-A947-70E740481C1C}">
+                <a14:useLocalDpi xmlns:a14="http://schemas.microsoft.com/office/drawing/2010/main" val="0"/>
+              </a:ext>
+            </a:extLst>
+          </a:blip>
+          <a:stretch>
+            <a:fillRect/>
+          </a:stretch>
+        </p:blipFill>
+        <p:spPr>
+          <a:xfrm>
+            <a:off x="1022358" y="991265"/>
+            <a:ext cx="7009891" cy="5454000"/>
+          </a:xfrm>
+          <a:prstGeom prst="rect">
+            <a:avLst/>
+          </a:prstGeom>
+        </p:spPr>
+      </p:pic>
+    </p:spTree>
+    <p:extLst>
+      <p:ext uri="{BB962C8B-B14F-4D97-AF65-F5344CB8AC3E}">
+        <p14:creationId xmlns:p14="http://schemas.microsoft.com/office/powerpoint/2010/main" val="928766009"/>
+      </p:ext>
+    </p:extLst>
+  </p:cSld>
+  <p:clrMapOvr>
+    <a:masterClrMapping/>
+  </p:clrMapOvr>
+</p:sld>
+</file>
+
+<file path=ppt/slides/slide16.xml><?xml version="1.0" encoding="utf-8"?>
+<p:sld xmlns:a="http://schemas.openxmlformats.org/drawingml/2006/main" xmlns:r="http://schemas.openxmlformats.org/officeDocument/2006/relationships" xmlns:p="http://schemas.openxmlformats.org/presentationml/2006/main">
+  <p:cSld>
+    <p:spTree>
+      <p:nvGrpSpPr>
+        <p:cNvPr id="1" name=""/>
+        <p:cNvGrpSpPr/>
+        <p:nvPr/>
+      </p:nvGrpSpPr>
+      <p:grpSpPr>
+        <a:xfrm>
+          <a:off x="0" y="0"/>
+          <a:ext cx="0" cy="0"/>
+          <a:chOff x="0" y="0"/>
+          <a:chExt cx="0" cy="0"/>
+        </a:xfrm>
+      </p:grpSpPr>
+      <p:pic>
+        <p:nvPicPr>
+          <p:cNvPr id="12" name="Grafik 11">
+            <a:extLst>
+              <a:ext uri="{FF2B5EF4-FFF2-40B4-BE49-F238E27FC236}">
+                <a16:creationId xmlns:a16="http://schemas.microsoft.com/office/drawing/2014/main" id="{63518878-B2F8-9E42-B6D4-7C199E65E901}"/>
+              </a:ext>
+            </a:extLst>
+          </p:cNvPr>
+          <p:cNvPicPr>
+            <a:picLocks noChangeAspect="1"/>
+          </p:cNvPicPr>
+          <p:nvPr/>
+        </p:nvPicPr>
+        <p:blipFill>
+          <a:blip r:embed="rId3">
+            <a:extLst>
+              <a:ext uri="{28A0092B-C50C-407E-A947-70E740481C1C}">
+                <a14:useLocalDpi xmlns:a14="http://schemas.microsoft.com/office/drawing/2010/main" val="0"/>
+              </a:ext>
+            </a:extLst>
+          </a:blip>
+          <a:stretch>
+            <a:fillRect/>
+          </a:stretch>
+        </p:blipFill>
+        <p:spPr>
+          <a:xfrm>
+            <a:off x="0" y="-3571"/>
+            <a:ext cx="1066800" cy="406400"/>
+          </a:xfrm>
+          <a:prstGeom prst="rect">
+            <a:avLst/>
+          </a:prstGeom>
+        </p:spPr>
+      </p:pic>
+      <p:cxnSp>
+        <p:nvCxnSpPr>
+          <p:cNvPr id="5" name="Gerade Verbindung 4"/>
+          <p:cNvCxnSpPr/>
+          <p:nvPr/>
+        </p:nvCxnSpPr>
+        <p:spPr>
+          <a:xfrm>
+            <a:off x="0" y="6525344"/>
+            <a:ext cx="9144000" cy="0"/>
+          </a:xfrm>
+          <a:prstGeom prst="line">
+            <a:avLst/>
+          </a:prstGeom>
+          <a:ln>
+            <a:solidFill>
+              <a:schemeClr val="tx1"/>
+            </a:solidFill>
+          </a:ln>
+        </p:spPr>
+        <p:style>
+          <a:lnRef idx="1">
+            <a:schemeClr val="accent1"/>
+          </a:lnRef>
+          <a:fillRef idx="0">
+            <a:schemeClr val="accent1"/>
+          </a:fillRef>
+          <a:effectRef idx="0">
+            <a:schemeClr val="accent1"/>
+          </a:effectRef>
+          <a:fontRef idx="minor">
+            <a:schemeClr val="tx1"/>
+          </a:fontRef>
+        </p:style>
+      </p:cxnSp>
+      <p:sp>
+        <p:nvSpPr>
+          <p:cNvPr id="6" name="Textfeld 5"/>
+          <p:cNvSpPr txBox="1"/>
+          <p:nvPr/>
+        </p:nvSpPr>
+        <p:spPr>
+          <a:xfrm>
+            <a:off x="287830" y="6542726"/>
+            <a:ext cx="1208792" cy="276999"/>
+          </a:xfrm>
+          <a:prstGeom prst="rect">
+            <a:avLst/>
+          </a:prstGeom>
+          <a:noFill/>
+        </p:spPr>
+        <p:txBody>
+          <a:bodyPr wrap="none" rtlCol="0">
+            <a:spAutoFit/>
+          </a:bodyPr>
+          <a:lstStyle/>
+          <a:p>
+            <a:r>
+              <a:rPr lang="de-CH" sz="1200" dirty="0">
+                <a:latin typeface="Calibri" panose="020F0502020204030204" pitchFamily="34" charset="0"/>
+              </a:rPr>
+              <a:t>Meilenstein_M2</a:t>
+            </a:r>
+          </a:p>
+        </p:txBody>
+      </p:sp>
+      <p:sp>
+        <p:nvSpPr>
+          <p:cNvPr id="8" name="Textfeld 7"/>
+          <p:cNvSpPr txBox="1"/>
+          <p:nvPr/>
+        </p:nvSpPr>
+        <p:spPr>
+          <a:xfrm>
+            <a:off x="3627204" y="6542724"/>
+            <a:ext cx="1800200" cy="276999"/>
+          </a:xfrm>
+          <a:prstGeom prst="rect">
+            <a:avLst/>
+          </a:prstGeom>
+          <a:noFill/>
+        </p:spPr>
+        <p:txBody>
+          <a:bodyPr wrap="square" rtlCol="0">
+            <a:spAutoFit/>
+          </a:bodyPr>
+          <a:lstStyle/>
+          <a:p>
+            <a:pPr algn="ctr"/>
+            <a:r>
+              <a:rPr lang="de-CH" sz="1200" dirty="0">
+                <a:latin typeface="Calibri" panose="020F0502020204030204" pitchFamily="34" charset="0"/>
+              </a:rPr>
+              <a:t>Seite 2/??</a:t>
+            </a:r>
+          </a:p>
+        </p:txBody>
+      </p:sp>
+      <p:cxnSp>
+        <p:nvCxnSpPr>
+          <p:cNvPr id="9" name="Gerade Verbindung 4"/>
+          <p:cNvCxnSpPr/>
+          <p:nvPr/>
+        </p:nvCxnSpPr>
+        <p:spPr>
+          <a:xfrm>
+            <a:off x="-5050" y="421597"/>
+            <a:ext cx="9144000" cy="0"/>
+          </a:xfrm>
+          <a:prstGeom prst="line">
+            <a:avLst/>
+          </a:prstGeom>
+          <a:ln>
+            <a:solidFill>
+              <a:schemeClr val="tx1"/>
+            </a:solidFill>
+          </a:ln>
+        </p:spPr>
+        <p:style>
+          <a:lnRef idx="1">
+            <a:schemeClr val="accent1"/>
+          </a:lnRef>
+          <a:fillRef idx="0">
+            <a:schemeClr val="accent1"/>
+          </a:fillRef>
+          <a:effectRef idx="0">
+            <a:schemeClr val="accent1"/>
+          </a:effectRef>
+          <a:fontRef idx="minor">
+            <a:schemeClr val="tx1"/>
+          </a:fontRef>
+        </p:style>
+      </p:cxnSp>
+      <p:sp>
+        <p:nvSpPr>
+          <p:cNvPr id="10" name="Textfeld 9"/>
+          <p:cNvSpPr txBox="1"/>
+          <p:nvPr/>
+        </p:nvSpPr>
+        <p:spPr>
+          <a:xfrm>
+            <a:off x="7615828" y="144598"/>
+            <a:ext cx="1265796" cy="276999"/>
+          </a:xfrm>
+          <a:prstGeom prst="rect">
+            <a:avLst/>
+          </a:prstGeom>
+          <a:noFill/>
+        </p:spPr>
+        <p:txBody>
+          <a:bodyPr wrap="none" rtlCol="0">
+            <a:spAutoFit/>
+          </a:bodyPr>
+          <a:lstStyle/>
+          <a:p>
+            <a:pPr algn="r"/>
+            <a:r>
+              <a:rPr lang="de-CH" sz="1200" dirty="0">
+                <a:latin typeface="Calibri" panose="020F0502020204030204" pitchFamily="34" charset="0"/>
+              </a:rPr>
+              <a:t>SysP18_Team_10</a:t>
+            </a:r>
+          </a:p>
+        </p:txBody>
+      </p:sp>
+      <p:sp>
+        <p:nvSpPr>
+          <p:cNvPr id="14" name="Textfeld 13"/>
+          <p:cNvSpPr txBox="1"/>
+          <p:nvPr/>
+        </p:nvSpPr>
+        <p:spPr>
+          <a:xfrm>
+            <a:off x="360000" y="468000"/>
+            <a:ext cx="3492082" cy="523220"/>
+          </a:xfrm>
+          <a:prstGeom prst="rect">
+            <a:avLst/>
+          </a:prstGeom>
+          <a:noFill/>
+        </p:spPr>
+        <p:txBody>
+          <a:bodyPr wrap="square" rtlCol="0">
+            <a:spAutoFit/>
+          </a:bodyPr>
+          <a:lstStyle/>
+          <a:p>
+            <a:r>
+              <a:rPr lang="de-CH" sz="2800" b="1" dirty="0">
+                <a:latin typeface="+mj-lt"/>
+              </a:rPr>
+              <a:t>Informatik</a:t>
+            </a:r>
+          </a:p>
+        </p:txBody>
+      </p:sp>
+      <p:sp>
+        <p:nvSpPr>
+          <p:cNvPr id="15" name="Textfeld 14">
+            <a:extLst>
+              <a:ext uri="{FF2B5EF4-FFF2-40B4-BE49-F238E27FC236}">
+                <a16:creationId xmlns:a16="http://schemas.microsoft.com/office/drawing/2014/main" id="{23C33090-455A-9B46-96E1-618074619DB9}"/>
+              </a:ext>
+            </a:extLst>
+          </p:cNvPr>
+          <p:cNvSpPr txBox="1"/>
+          <p:nvPr/>
+        </p:nvSpPr>
+        <p:spPr>
+          <a:xfrm>
+            <a:off x="633368" y="1623458"/>
+            <a:ext cx="6264696" cy="1200329"/>
+          </a:xfrm>
+          <a:prstGeom prst="rect">
+            <a:avLst/>
+          </a:prstGeom>
+          <a:noFill/>
+        </p:spPr>
+        <p:txBody>
+          <a:bodyPr wrap="square" rtlCol="0" anchor="t">
+            <a:spAutoFit/>
+          </a:bodyPr>
+          <a:lstStyle/>
+          <a:p>
+            <a:pPr marL="342900" indent="-342900">
+              <a:buFont typeface="Symbol" pitchFamily="2" charset="2"/>
+              <a:buChar char="-"/>
+            </a:pPr>
+            <a:r>
+              <a:rPr lang="de-CH" sz="2400" dirty="0">
+                <a:latin typeface="Calibri" panose="020F0502020204030204" pitchFamily="34" charset="0"/>
+              </a:rPr>
+              <a:t>Klassendiagramm</a:t>
+            </a:r>
+          </a:p>
+          <a:p>
+            <a:pPr marL="342900" indent="-342900">
+              <a:buFont typeface="Symbol" pitchFamily="2" charset="2"/>
+              <a:buChar char="-"/>
+            </a:pPr>
+            <a:r>
+              <a:rPr lang="de-CH" sz="2400" dirty="0">
+                <a:latin typeface="Calibri" panose="020F0502020204030204" pitchFamily="34" charset="0"/>
+              </a:rPr>
+              <a:t>Ablaufdiagramm</a:t>
+            </a:r>
+          </a:p>
+          <a:p>
+            <a:pPr marL="342900" indent="-342900">
+              <a:buFont typeface="Symbol" pitchFamily="2" charset="2"/>
+              <a:buChar char="-"/>
+            </a:pPr>
+            <a:r>
+              <a:rPr lang="de-CH" sz="2400" dirty="0">
+                <a:latin typeface="Calibri" panose="020F0502020204030204" pitchFamily="34" charset="0"/>
+              </a:rPr>
+              <a:t>Kommunikationsprotokoll</a:t>
+            </a:r>
+          </a:p>
+        </p:txBody>
+      </p:sp>
+      <p:sp>
+        <p:nvSpPr>
+          <p:cNvPr id="16" name="Textfeld 15">
+            <a:extLst>
+              <a:ext uri="{FF2B5EF4-FFF2-40B4-BE49-F238E27FC236}">
+                <a16:creationId xmlns:a16="http://schemas.microsoft.com/office/drawing/2014/main" id="{2EBD323C-4D9D-5D42-9645-414FFBB7D04B}"/>
+              </a:ext>
+            </a:extLst>
+          </p:cNvPr>
+          <p:cNvSpPr txBox="1"/>
+          <p:nvPr/>
+        </p:nvSpPr>
+        <p:spPr>
+          <a:xfrm>
+            <a:off x="7840953" y="6542725"/>
+            <a:ext cx="1040671" cy="276999"/>
+          </a:xfrm>
+          <a:prstGeom prst="rect">
+            <a:avLst/>
+          </a:prstGeom>
+          <a:noFill/>
+        </p:spPr>
+        <p:txBody>
+          <a:bodyPr wrap="none" rtlCol="0">
+            <a:spAutoFit/>
+          </a:bodyPr>
+          <a:lstStyle/>
+          <a:p>
+            <a:pPr algn="r"/>
+            <a:r>
+              <a:rPr lang="de-CH" sz="1200" dirty="0">
+                <a:latin typeface="Calibri" panose="020F0502020204030204" pitchFamily="34" charset="0"/>
+              </a:rPr>
+              <a:t>3.  März 2018</a:t>
+            </a:r>
+          </a:p>
+        </p:txBody>
+      </p:sp>
+    </p:spTree>
+    <p:extLst>
+      <p:ext uri="{BB962C8B-B14F-4D97-AF65-F5344CB8AC3E}">
+        <p14:creationId xmlns:p14="http://schemas.microsoft.com/office/powerpoint/2010/main" val="4173006896"/>
+      </p:ext>
+    </p:extLst>
+  </p:cSld>
+  <p:clrMapOvr>
+    <a:masterClrMapping/>
+  </p:clrMapOvr>
+  <p:timing>
+    <p:tnLst>
+      <p:par>
+        <p:cTn id="1" dur="indefinite" restart="never" nodeType="tmRoot">
+          <p:childTnLst>
+            <p:seq concurrent="1" nextAc="seek">
+              <p:cTn id="2" dur="indefinite" nodeType="mainSeq">
+                <p:childTnLst>
+                  <p:par>
+                    <p:cTn id="3" fill="hold">
+                      <p:stCondLst>
+                        <p:cond delay="indefinite"/>
+                        <p:cond evt="onBegin" delay="0">
+                          <p:tn val="2"/>
+                        </p:cond>
+                      </p:stCondLst>
+                      <p:childTnLst>
+                        <p:par>
+                          <p:cTn id="4" fill="hold">
+                            <p:stCondLst>
+                              <p:cond delay="0"/>
+                            </p:stCondLst>
+                            <p:childTnLst>
+                              <p:par>
+                                <p:cTn id="5" presetID="1" presetClass="entr" presetSubtype="0" fill="hold" grpId="0" nodeType="afterEffect">
+                                  <p:stCondLst>
+                                    <p:cond delay="0"/>
+                                  </p:stCondLst>
+                                  <p:childTnLst>
+                                    <p:set>
+                                      <p:cBhvr>
+                                        <p:cTn id="6" dur="1" fill="hold">
+                                          <p:stCondLst>
+                                            <p:cond delay="0"/>
+                                          </p:stCondLst>
+                                        </p:cTn>
+                                        <p:tgtEl>
+                                          <p:spTgt spid="15">
+                                            <p:txEl>
+                                              <p:pRg st="0" end="0"/>
+                                            </p:txEl>
+                                          </p:spTgt>
+                                        </p:tgtEl>
+                                        <p:attrNameLst>
+                                          <p:attrName>style.visibility</p:attrName>
+                                        </p:attrNameLst>
+                                      </p:cBhvr>
+                                      <p:to>
+                                        <p:strVal val="visible"/>
+                                      </p:to>
+                                    </p:set>
+                                  </p:childTnLst>
+                                </p:cTn>
+                              </p:par>
+                            </p:childTnLst>
+                          </p:cTn>
+                        </p:par>
+                      </p:childTnLst>
+                    </p:cTn>
+                  </p:par>
+                  <p:par>
+                    <p:cTn id="7" fill="hold">
+                      <p:stCondLst>
+                        <p:cond delay="indefinite"/>
+                      </p:stCondLst>
+                      <p:childTnLst>
+                        <p:par>
+                          <p:cTn id="8" fill="hold">
+                            <p:stCondLst>
+                              <p:cond delay="0"/>
+                            </p:stCondLst>
+                            <p:childTnLst>
+                              <p:par>
+                                <p:cTn id="9" presetID="1" presetClass="entr" presetSubtype="0" fill="hold" grpId="0" nodeType="clickEffect">
+                                  <p:stCondLst>
+                                    <p:cond delay="0"/>
+                                  </p:stCondLst>
+                                  <p:childTnLst>
+                                    <p:set>
+                                      <p:cBhvr>
+                                        <p:cTn id="10" dur="1" fill="hold">
+                                          <p:stCondLst>
+                                            <p:cond delay="0"/>
+                                          </p:stCondLst>
+                                        </p:cTn>
+                                        <p:tgtEl>
+                                          <p:spTgt spid="15">
+                                            <p:txEl>
+                                              <p:pRg st="1" end="1"/>
+                                            </p:txEl>
+                                          </p:spTgt>
+                                        </p:tgtEl>
+                                        <p:attrNameLst>
+                                          <p:attrName>style.visibility</p:attrName>
+                                        </p:attrNameLst>
+                                      </p:cBhvr>
+                                      <p:to>
+                                        <p:strVal val="visible"/>
+                                      </p:to>
+                                    </p:set>
+                                  </p:childTnLst>
+                                </p:cTn>
+                              </p:par>
+                            </p:childTnLst>
+                          </p:cTn>
+                        </p:par>
+                      </p:childTnLst>
+                    </p:cTn>
+                  </p:par>
+                  <p:par>
+                    <p:cTn id="11" fill="hold">
+                      <p:stCondLst>
+                        <p:cond delay="indefinite"/>
+                      </p:stCondLst>
+                      <p:childTnLst>
+                        <p:par>
+                          <p:cTn id="12" fill="hold">
+                            <p:stCondLst>
+                              <p:cond delay="0"/>
+                            </p:stCondLst>
+                            <p:childTnLst>
+                              <p:par>
+                                <p:cTn id="13" presetID="1" presetClass="entr" presetSubtype="0" fill="hold" grpId="0" nodeType="clickEffect">
+                                  <p:stCondLst>
+                                    <p:cond delay="0"/>
+                                  </p:stCondLst>
+                                  <p:childTnLst>
+                                    <p:set>
+                                      <p:cBhvr>
+                                        <p:cTn id="14" dur="1" fill="hold">
+                                          <p:stCondLst>
+                                            <p:cond delay="0"/>
+                                          </p:stCondLst>
+                                        </p:cTn>
+                                        <p:tgtEl>
+                                          <p:spTgt spid="15">
+                                            <p:txEl>
+                                              <p:pRg st="2" end="2"/>
+                                            </p:txEl>
+                                          </p:spTgt>
+                                        </p:tgtEl>
+                                        <p:attrNameLst>
+                                          <p:attrName>style.visibility</p:attrName>
+                                        </p:attrNameLst>
+                                      </p:cBhvr>
+                                      <p:to>
+                                        <p:strVal val="visible"/>
+                                      </p:to>
+                                    </p:set>
+                                  </p:childTnLst>
+                                </p:cTn>
+                              </p:par>
+                            </p:childTnLst>
+                          </p:cTn>
+                        </p:par>
+                      </p:childTnLst>
+                    </p:cTn>
+                  </p:par>
+                </p:childTnLst>
+              </p:cTn>
+              <p:prevCondLst>
+                <p:cond evt="onPrev" delay="0">
+                  <p:tgtEl>
+                    <p:sldTgt/>
+                  </p:tgtEl>
+                </p:cond>
+              </p:prevCondLst>
+              <p:nextCondLst>
+                <p:cond evt="onNext" delay="0">
+                  <p:tgtEl>
+                    <p:sldTgt/>
+                  </p:tgtEl>
+                </p:cond>
+              </p:nextCondLst>
+            </p:seq>
+          </p:childTnLst>
+        </p:cTn>
+      </p:par>
+    </p:tnLst>
+    <p:bldLst>
+      <p:bldP spid="15" grpId="0" uiExpand="1" build="p" bldLvl="2"/>
+    </p:bldLst>
+  </p:timing>
+</p:sld>
+</file>
+
+<file path=ppt/slides/slide17.xml><?xml version="1.0" encoding="utf-8"?>
+<p:sld xmlns:a="http://schemas.openxmlformats.org/drawingml/2006/main" xmlns:r="http://schemas.openxmlformats.org/officeDocument/2006/relationships" xmlns:p="http://schemas.openxmlformats.org/presentationml/2006/main">
+  <p:cSld>
+    <p:spTree>
+      <p:nvGrpSpPr>
+        <p:cNvPr id="1" name=""/>
+        <p:cNvGrpSpPr/>
+        <p:nvPr/>
+      </p:nvGrpSpPr>
+      <p:grpSpPr>
+        <a:xfrm>
+          <a:off x="0" y="0"/>
+          <a:ext cx="0" cy="0"/>
+          <a:chOff x="0" y="0"/>
+          <a:chExt cx="0" cy="0"/>
+        </a:xfrm>
+      </p:grpSpPr>
+      <p:pic>
+        <p:nvPicPr>
+          <p:cNvPr id="23" name="Grafik 22">
+            <a:extLst>
+              <a:ext uri="{FF2B5EF4-FFF2-40B4-BE49-F238E27FC236}">
+                <a16:creationId xmlns:a16="http://schemas.microsoft.com/office/drawing/2014/main" id="{F28CC799-C0B0-FB4D-A89F-6F795FD1D656}"/>
+              </a:ext>
+            </a:extLst>
+          </p:cNvPr>
+          <p:cNvPicPr>
+            <a:picLocks noChangeAspect="1"/>
+          </p:cNvPicPr>
+          <p:nvPr/>
+        </p:nvPicPr>
+        <p:blipFill>
+          <a:blip r:embed="rId3">
+            <a:extLst>
+              <a:ext uri="{28A0092B-C50C-407E-A947-70E740481C1C}">
+                <a14:useLocalDpi xmlns:a14="http://schemas.microsoft.com/office/drawing/2010/main" val="0"/>
+              </a:ext>
+            </a:extLst>
+          </a:blip>
+          <a:stretch>
+            <a:fillRect/>
+          </a:stretch>
+        </p:blipFill>
+        <p:spPr>
+          <a:xfrm>
+            <a:off x="1662872" y="990000"/>
+            <a:ext cx="5808156" cy="5454000"/>
+          </a:xfrm>
+          <a:prstGeom prst="rect">
+            <a:avLst/>
+          </a:prstGeom>
+        </p:spPr>
+      </p:pic>
+      <p:pic>
+        <p:nvPicPr>
+          <p:cNvPr id="12" name="Grafik 11">
+            <a:extLst>
+              <a:ext uri="{FF2B5EF4-FFF2-40B4-BE49-F238E27FC236}">
+                <a16:creationId xmlns:a16="http://schemas.microsoft.com/office/drawing/2014/main" id="{63518878-B2F8-9E42-B6D4-7C199E65E901}"/>
+              </a:ext>
+            </a:extLst>
+          </p:cNvPr>
+          <p:cNvPicPr>
+            <a:picLocks noChangeAspect="1"/>
+          </p:cNvPicPr>
+          <p:nvPr/>
+        </p:nvPicPr>
+        <p:blipFill>
+          <a:blip r:embed="rId4">
+            <a:extLst>
+              <a:ext uri="{28A0092B-C50C-407E-A947-70E740481C1C}">
+                <a14:useLocalDpi xmlns:a14="http://schemas.microsoft.com/office/drawing/2010/main" val="0"/>
+              </a:ext>
+            </a:extLst>
+          </a:blip>
+          <a:stretch>
+            <a:fillRect/>
+          </a:stretch>
+        </p:blipFill>
+        <p:spPr>
+          <a:xfrm>
+            <a:off x="0" y="-3571"/>
+            <a:ext cx="1066800" cy="406400"/>
+          </a:xfrm>
+          <a:prstGeom prst="rect">
+            <a:avLst/>
+          </a:prstGeom>
+        </p:spPr>
+      </p:pic>
+      <p:cxnSp>
+        <p:nvCxnSpPr>
+          <p:cNvPr id="5" name="Gerade Verbindung 4"/>
+          <p:cNvCxnSpPr/>
+          <p:nvPr/>
+        </p:nvCxnSpPr>
+        <p:spPr>
+          <a:xfrm>
+            <a:off x="0" y="6525344"/>
+            <a:ext cx="9144000" cy="0"/>
+          </a:xfrm>
+          <a:prstGeom prst="line">
+            <a:avLst/>
+          </a:prstGeom>
+          <a:ln>
+            <a:solidFill>
+              <a:schemeClr val="tx1"/>
+            </a:solidFill>
+          </a:ln>
+        </p:spPr>
+        <p:style>
+          <a:lnRef idx="1">
+            <a:schemeClr val="accent1"/>
+          </a:lnRef>
+          <a:fillRef idx="0">
+            <a:schemeClr val="accent1"/>
+          </a:fillRef>
+          <a:effectRef idx="0">
+            <a:schemeClr val="accent1"/>
+          </a:effectRef>
+          <a:fontRef idx="minor">
+            <a:schemeClr val="tx1"/>
+          </a:fontRef>
+        </p:style>
+      </p:cxnSp>
+      <p:sp>
+        <p:nvSpPr>
+          <p:cNvPr id="6" name="Textfeld 5"/>
+          <p:cNvSpPr txBox="1"/>
+          <p:nvPr/>
+        </p:nvSpPr>
+        <p:spPr>
+          <a:xfrm>
+            <a:off x="287830" y="6542726"/>
+            <a:ext cx="1208792" cy="276999"/>
+          </a:xfrm>
+          <a:prstGeom prst="rect">
+            <a:avLst/>
+          </a:prstGeom>
+          <a:noFill/>
+        </p:spPr>
+        <p:txBody>
+          <a:bodyPr wrap="none" rtlCol="0">
+            <a:spAutoFit/>
+          </a:bodyPr>
+          <a:lstStyle/>
+          <a:p>
+            <a:r>
+              <a:rPr lang="de-CH" sz="1200" dirty="0">
+                <a:latin typeface="Calibri" panose="020F0502020204030204" pitchFamily="34" charset="0"/>
+              </a:rPr>
+              <a:t>Meilenstein_M2</a:t>
+            </a:r>
+          </a:p>
+        </p:txBody>
+      </p:sp>
+      <p:sp>
+        <p:nvSpPr>
+          <p:cNvPr id="8" name="Textfeld 7"/>
+          <p:cNvSpPr txBox="1"/>
+          <p:nvPr/>
+        </p:nvSpPr>
+        <p:spPr>
+          <a:xfrm>
+            <a:off x="3627204" y="6542724"/>
+            <a:ext cx="1800200" cy="276999"/>
+          </a:xfrm>
+          <a:prstGeom prst="rect">
+            <a:avLst/>
+          </a:prstGeom>
+          <a:noFill/>
+        </p:spPr>
+        <p:txBody>
+          <a:bodyPr wrap="square" rtlCol="0">
+            <a:spAutoFit/>
+          </a:bodyPr>
+          <a:lstStyle/>
+          <a:p>
+            <a:pPr algn="ctr"/>
+            <a:r>
+              <a:rPr lang="de-CH" sz="1200" dirty="0">
+                <a:latin typeface="Calibri" panose="020F0502020204030204" pitchFamily="34" charset="0"/>
+              </a:rPr>
+              <a:t>Seite 2/??</a:t>
+            </a:r>
+          </a:p>
+        </p:txBody>
+      </p:sp>
+      <p:cxnSp>
+        <p:nvCxnSpPr>
+          <p:cNvPr id="9" name="Gerade Verbindung 4"/>
+          <p:cNvCxnSpPr/>
+          <p:nvPr/>
+        </p:nvCxnSpPr>
+        <p:spPr>
+          <a:xfrm>
+            <a:off x="-5050" y="421597"/>
+            <a:ext cx="9144000" cy="0"/>
+          </a:xfrm>
+          <a:prstGeom prst="line">
+            <a:avLst/>
+          </a:prstGeom>
+          <a:ln>
+            <a:solidFill>
+              <a:schemeClr val="tx1"/>
+            </a:solidFill>
+          </a:ln>
+        </p:spPr>
+        <p:style>
+          <a:lnRef idx="1">
+            <a:schemeClr val="accent1"/>
+          </a:lnRef>
+          <a:fillRef idx="0">
+            <a:schemeClr val="accent1"/>
+          </a:fillRef>
+          <a:effectRef idx="0">
+            <a:schemeClr val="accent1"/>
+          </a:effectRef>
+          <a:fontRef idx="minor">
+            <a:schemeClr val="tx1"/>
+          </a:fontRef>
+        </p:style>
+      </p:cxnSp>
+      <p:sp>
+        <p:nvSpPr>
+          <p:cNvPr id="10" name="Textfeld 9"/>
+          <p:cNvSpPr txBox="1"/>
+          <p:nvPr/>
+        </p:nvSpPr>
+        <p:spPr>
+          <a:xfrm>
+            <a:off x="7615828" y="144598"/>
+            <a:ext cx="1265796" cy="276999"/>
+          </a:xfrm>
+          <a:prstGeom prst="rect">
+            <a:avLst/>
+          </a:prstGeom>
+          <a:noFill/>
+        </p:spPr>
+        <p:txBody>
+          <a:bodyPr wrap="none" rtlCol="0">
+            <a:spAutoFit/>
+          </a:bodyPr>
+          <a:lstStyle/>
+          <a:p>
+            <a:pPr algn="r"/>
+            <a:r>
+              <a:rPr lang="de-CH" sz="1200" dirty="0">
+                <a:latin typeface="Calibri" panose="020F0502020204030204" pitchFamily="34" charset="0"/>
+              </a:rPr>
+              <a:t>SysP18_Team_10</a:t>
+            </a:r>
+          </a:p>
+        </p:txBody>
+      </p:sp>
+      <p:sp>
+        <p:nvSpPr>
+          <p:cNvPr id="14" name="Textfeld 13"/>
+          <p:cNvSpPr txBox="1"/>
+          <p:nvPr/>
+        </p:nvSpPr>
+        <p:spPr>
+          <a:xfrm>
+            <a:off x="360000" y="468000"/>
+            <a:ext cx="8074519" cy="523220"/>
+          </a:xfrm>
+          <a:prstGeom prst="rect">
+            <a:avLst/>
+          </a:prstGeom>
+          <a:noFill/>
+        </p:spPr>
+        <p:txBody>
+          <a:bodyPr wrap="square" rtlCol="0">
+            <a:spAutoFit/>
+          </a:bodyPr>
+          <a:lstStyle/>
+          <a:p>
+            <a:r>
+              <a:rPr lang="de-CH" sz="2800" b="1" dirty="0">
+                <a:latin typeface="+mj-lt"/>
+              </a:rPr>
+              <a:t>Informatik - Klassendiagramm</a:t>
+            </a:r>
+          </a:p>
+        </p:txBody>
+      </p:sp>
+      <p:sp>
+        <p:nvSpPr>
+          <p:cNvPr id="15" name="Textfeld 14">
+            <a:extLst>
+              <a:ext uri="{FF2B5EF4-FFF2-40B4-BE49-F238E27FC236}">
+                <a16:creationId xmlns:a16="http://schemas.microsoft.com/office/drawing/2014/main" id="{23C33090-455A-9B46-96E1-618074619DB9}"/>
+              </a:ext>
+            </a:extLst>
+          </p:cNvPr>
+          <p:cNvSpPr txBox="1"/>
+          <p:nvPr/>
+        </p:nvSpPr>
+        <p:spPr>
+          <a:xfrm>
+            <a:off x="633368" y="1623458"/>
+            <a:ext cx="6264696" cy="1200329"/>
+          </a:xfrm>
+          <a:prstGeom prst="rect">
+            <a:avLst/>
+          </a:prstGeom>
+          <a:noFill/>
+        </p:spPr>
+        <p:txBody>
+          <a:bodyPr wrap="square" rtlCol="0" anchor="t">
+            <a:spAutoFit/>
+          </a:bodyPr>
+          <a:lstStyle/>
+          <a:p>
+            <a:pPr marL="342900" indent="-342900">
+              <a:buFont typeface="Symbol" pitchFamily="2" charset="2"/>
+              <a:buChar char="-"/>
+            </a:pPr>
+            <a:r>
+              <a:rPr lang="de-CH" sz="2400" dirty="0">
+                <a:latin typeface="Calibri" panose="020F0502020204030204" pitchFamily="34" charset="0"/>
+              </a:rPr>
+              <a:t>Mehr und kleiner Klasse</a:t>
+            </a:r>
+          </a:p>
+          <a:p>
+            <a:pPr marL="342900" indent="-342900">
+              <a:buFont typeface="Symbol" pitchFamily="2" charset="2"/>
+              <a:buChar char="-"/>
+            </a:pPr>
+            <a:r>
+              <a:rPr lang="de-CH" sz="2400" dirty="0">
+                <a:latin typeface="Calibri" panose="020F0502020204030204" pitchFamily="34" charset="0"/>
+              </a:rPr>
+              <a:t>Weniger zentrierte Struktur </a:t>
+            </a:r>
+          </a:p>
+          <a:p>
+            <a:pPr marL="342900" indent="-342900">
+              <a:buFont typeface="Symbol" pitchFamily="2" charset="2"/>
+              <a:buChar char="-"/>
+            </a:pPr>
+            <a:r>
+              <a:rPr lang="de-CH" sz="2400" dirty="0" err="1">
+                <a:latin typeface="Calibri" panose="020F0502020204030204" pitchFamily="34" charset="0"/>
+              </a:rPr>
+              <a:t>PinMap</a:t>
+            </a:r>
+            <a:endParaRPr lang="de-CH" sz="2400" dirty="0">
+              <a:latin typeface="Calibri" panose="020F0502020204030204" pitchFamily="34" charset="0"/>
+            </a:endParaRPr>
+          </a:p>
+        </p:txBody>
+      </p:sp>
+      <p:sp>
+        <p:nvSpPr>
+          <p:cNvPr id="16" name="Textfeld 15">
+            <a:extLst>
+              <a:ext uri="{FF2B5EF4-FFF2-40B4-BE49-F238E27FC236}">
+                <a16:creationId xmlns:a16="http://schemas.microsoft.com/office/drawing/2014/main" id="{2EBD323C-4D9D-5D42-9645-414FFBB7D04B}"/>
+              </a:ext>
+            </a:extLst>
+          </p:cNvPr>
+          <p:cNvSpPr txBox="1"/>
+          <p:nvPr/>
+        </p:nvSpPr>
+        <p:spPr>
+          <a:xfrm>
+            <a:off x="7840953" y="6542725"/>
+            <a:ext cx="1040671" cy="276999"/>
+          </a:xfrm>
+          <a:prstGeom prst="rect">
+            <a:avLst/>
+          </a:prstGeom>
+          <a:noFill/>
+        </p:spPr>
+        <p:txBody>
+          <a:bodyPr wrap="none" rtlCol="0">
+            <a:spAutoFit/>
+          </a:bodyPr>
+          <a:lstStyle/>
+          <a:p>
+            <a:pPr algn="r"/>
+            <a:r>
+              <a:rPr lang="de-CH" sz="1200" dirty="0">
+                <a:latin typeface="Calibri" panose="020F0502020204030204" pitchFamily="34" charset="0"/>
+              </a:rPr>
+              <a:t>3.  März 2018</a:t>
+            </a:r>
+          </a:p>
+        </p:txBody>
+      </p:sp>
+      <p:pic>
+        <p:nvPicPr>
+          <p:cNvPr id="13" name="Grafik 12">
+            <a:extLst>
+              <a:ext uri="{FF2B5EF4-FFF2-40B4-BE49-F238E27FC236}">
+                <a16:creationId xmlns:a16="http://schemas.microsoft.com/office/drawing/2014/main" id="{8212A49E-9FF6-E641-A494-F0864780C112}"/>
+              </a:ext>
+            </a:extLst>
+          </p:cNvPr>
+          <p:cNvPicPr>
+            <a:picLocks noChangeAspect="1"/>
+          </p:cNvPicPr>
+          <p:nvPr/>
+        </p:nvPicPr>
+        <p:blipFill>
+          <a:blip r:embed="rId5">
+            <a:extLst>
+              <a:ext uri="{28A0092B-C50C-407E-A947-70E740481C1C}">
+                <a14:useLocalDpi xmlns:a14="http://schemas.microsoft.com/office/drawing/2010/main" val="0"/>
+              </a:ext>
+            </a:extLst>
+          </a:blip>
+          <a:stretch>
+            <a:fillRect/>
+          </a:stretch>
+        </p:blipFill>
+        <p:spPr>
+          <a:xfrm>
+            <a:off x="3293166" y="2373104"/>
+            <a:ext cx="5723090" cy="4013760"/>
+          </a:xfrm>
+          <a:prstGeom prst="rect">
+            <a:avLst/>
+          </a:prstGeom>
+        </p:spPr>
+      </p:pic>
+    </p:spTree>
+    <p:extLst>
+      <p:ext uri="{BB962C8B-B14F-4D97-AF65-F5344CB8AC3E}">
+        <p14:creationId xmlns:p14="http://schemas.microsoft.com/office/powerpoint/2010/main" val="3253322901"/>
+      </p:ext>
+    </p:extLst>
+  </p:cSld>
+  <p:clrMapOvr>
+    <a:masterClrMapping/>
+  </p:clrMapOvr>
+  <p:timing>
+    <p:tnLst>
+      <p:par>
+        <p:cTn id="1" dur="indefinite" restart="never" nodeType="tmRoot">
+          <p:childTnLst>
+            <p:seq concurrent="1" nextAc="seek">
+              <p:cTn id="2" dur="indefinite" nodeType="mainSeq">
+                <p:childTnLst>
+                  <p:par>
+                    <p:cTn id="3" fill="hold">
+                      <p:stCondLst>
+                        <p:cond delay="indefinite"/>
+                        <p:cond evt="onBegin" delay="0">
+                          <p:tn val="2"/>
+                        </p:cond>
+                      </p:stCondLst>
+                      <p:childTnLst>
+                        <p:par>
+                          <p:cTn id="4" fill="hold">
+                            <p:stCondLst>
+                              <p:cond delay="0"/>
+                            </p:stCondLst>
+                            <p:childTnLst>
+                              <p:par>
+                                <p:cTn id="5" presetID="1" presetClass="entr" presetSubtype="0" fill="hold" grpId="0" nodeType="afterEffect">
+                                  <p:stCondLst>
+                                    <p:cond delay="500"/>
+                                  </p:stCondLst>
+                                  <p:childTnLst>
+                                    <p:set>
+                                      <p:cBhvr>
+                                        <p:cTn id="6" dur="1" fill="hold">
+                                          <p:stCondLst>
+                                            <p:cond delay="0"/>
+                                          </p:stCondLst>
+                                        </p:cTn>
+                                        <p:tgtEl>
+                                          <p:spTgt spid="15">
+                                            <p:txEl>
+                                              <p:pRg st="0" end="0"/>
+                                            </p:txEl>
+                                          </p:spTgt>
+                                        </p:tgtEl>
+                                        <p:attrNameLst>
+                                          <p:attrName>style.visibility</p:attrName>
+                                        </p:attrNameLst>
+                                      </p:cBhvr>
+                                      <p:to>
+                                        <p:strVal val="visible"/>
+                                      </p:to>
+                                    </p:set>
+                                  </p:childTnLst>
+                                </p:cTn>
+                              </p:par>
+                            </p:childTnLst>
+                          </p:cTn>
+                        </p:par>
+                      </p:childTnLst>
+                    </p:cTn>
+                  </p:par>
+                  <p:par>
+                    <p:cTn id="7" fill="hold">
+                      <p:stCondLst>
+                        <p:cond delay="indefinite"/>
+                      </p:stCondLst>
+                      <p:childTnLst>
+                        <p:par>
+                          <p:cTn id="8" fill="hold">
+                            <p:stCondLst>
+                              <p:cond delay="0"/>
+                            </p:stCondLst>
+                            <p:childTnLst>
+                              <p:par>
+                                <p:cTn id="9" presetID="1" presetClass="entr" presetSubtype="0" fill="hold" grpId="0" nodeType="clickEffect">
+                                  <p:stCondLst>
+                                    <p:cond delay="0"/>
+                                  </p:stCondLst>
+                                  <p:childTnLst>
+                                    <p:set>
+                                      <p:cBhvr>
+                                        <p:cTn id="10" dur="1" fill="hold">
+                                          <p:stCondLst>
+                                            <p:cond delay="0"/>
+                                          </p:stCondLst>
+                                        </p:cTn>
+                                        <p:tgtEl>
+                                          <p:spTgt spid="15">
+                                            <p:txEl>
+                                              <p:pRg st="1" end="1"/>
+                                            </p:txEl>
+                                          </p:spTgt>
+                                        </p:tgtEl>
+                                        <p:attrNameLst>
+                                          <p:attrName>style.visibility</p:attrName>
+                                        </p:attrNameLst>
+                                      </p:cBhvr>
+                                      <p:to>
+                                        <p:strVal val="visible"/>
+                                      </p:to>
+                                    </p:set>
+                                  </p:childTnLst>
+                                </p:cTn>
+                              </p:par>
+                            </p:childTnLst>
+                          </p:cTn>
+                        </p:par>
+                      </p:childTnLst>
+                    </p:cTn>
+                  </p:par>
+                  <p:par>
+                    <p:cTn id="11" fill="hold">
+                      <p:stCondLst>
+                        <p:cond delay="indefinite"/>
+                      </p:stCondLst>
+                      <p:childTnLst>
+                        <p:par>
+                          <p:cTn id="12" fill="hold">
+                            <p:stCondLst>
+                              <p:cond delay="0"/>
+                            </p:stCondLst>
+                            <p:childTnLst>
+                              <p:par>
+                                <p:cTn id="13" presetID="1" presetClass="entr" presetSubtype="0" fill="hold" grpId="0" nodeType="clickEffect">
+                                  <p:stCondLst>
+                                    <p:cond delay="0"/>
+                                  </p:stCondLst>
+                                  <p:childTnLst>
+                                    <p:set>
+                                      <p:cBhvr>
+                                        <p:cTn id="14" dur="1" fill="hold">
+                                          <p:stCondLst>
+                                            <p:cond delay="0"/>
+                                          </p:stCondLst>
+                                        </p:cTn>
+                                        <p:tgtEl>
+                                          <p:spTgt spid="15">
+                                            <p:txEl>
+                                              <p:pRg st="2" end="2"/>
+                                            </p:txEl>
+                                          </p:spTgt>
+                                        </p:tgtEl>
+                                        <p:attrNameLst>
+                                          <p:attrName>style.visibility</p:attrName>
+                                        </p:attrNameLst>
+                                      </p:cBhvr>
+                                      <p:to>
+                                        <p:strVal val="visible"/>
+                                      </p:to>
+                                    </p:set>
+                                  </p:childTnLst>
+                                </p:cTn>
+                              </p:par>
+                            </p:childTnLst>
+                          </p:cTn>
+                        </p:par>
+                      </p:childTnLst>
+                    </p:cTn>
+                  </p:par>
+                  <p:par>
+                    <p:cTn id="15" fill="hold">
+                      <p:stCondLst>
+                        <p:cond delay="indefinite"/>
+                      </p:stCondLst>
+                      <p:childTnLst>
+                        <p:par>
+                          <p:cTn id="16" fill="hold">
+                            <p:stCondLst>
+                              <p:cond delay="0"/>
+                            </p:stCondLst>
+                            <p:childTnLst>
+                              <p:par>
+                                <p:cTn id="17" presetID="1" presetClass="exit" presetSubtype="0" fill="hold" nodeType="clickEffect">
+                                  <p:stCondLst>
+                                    <p:cond delay="0"/>
+                                  </p:stCondLst>
+                                  <p:childTnLst>
+                                    <p:set>
+                                      <p:cBhvr>
+                                        <p:cTn id="18" dur="1" fill="hold">
+                                          <p:stCondLst>
+                                            <p:cond delay="0"/>
+                                          </p:stCondLst>
+                                        </p:cTn>
+                                        <p:tgtEl>
+                                          <p:spTgt spid="13"/>
+                                        </p:tgtEl>
+                                        <p:attrNameLst>
+                                          <p:attrName>style.visibility</p:attrName>
+                                        </p:attrNameLst>
+                                      </p:cBhvr>
+                                      <p:to>
+                                        <p:strVal val="hidden"/>
+                                      </p:to>
+                                    </p:set>
+                                  </p:childTnLst>
+                                </p:cTn>
+                              </p:par>
+                              <p:par>
+                                <p:cTn id="19" presetID="1" presetClass="exit" presetSubtype="0" fill="hold" grpId="1" nodeType="withEffect">
+                                  <p:stCondLst>
+                                    <p:cond delay="0"/>
+                                  </p:stCondLst>
+                                  <p:childTnLst>
+                                    <p:set>
+                                      <p:cBhvr>
+                                        <p:cTn id="20" dur="1" fill="hold">
+                                          <p:stCondLst>
+                                            <p:cond delay="0"/>
+                                          </p:stCondLst>
+                                        </p:cTn>
+                                        <p:tgtEl>
+                                          <p:spTgt spid="15">
+                                            <p:txEl>
+                                              <p:pRg st="0" end="0"/>
+                                            </p:txEl>
+                                          </p:spTgt>
+                                        </p:tgtEl>
+                                        <p:attrNameLst>
+                                          <p:attrName>style.visibility</p:attrName>
+                                        </p:attrNameLst>
+                                      </p:cBhvr>
+                                      <p:to>
+                                        <p:strVal val="hidden"/>
+                                      </p:to>
+                                    </p:set>
+                                  </p:childTnLst>
+                                </p:cTn>
+                              </p:par>
+                              <p:par>
+                                <p:cTn id="21" presetID="1" presetClass="exit" presetSubtype="0" fill="hold" grpId="1" nodeType="withEffect">
+                                  <p:stCondLst>
+                                    <p:cond delay="0"/>
+                                  </p:stCondLst>
+                                  <p:childTnLst>
+                                    <p:set>
+                                      <p:cBhvr>
+                                        <p:cTn id="22" dur="1" fill="hold">
+                                          <p:stCondLst>
+                                            <p:cond delay="0"/>
+                                          </p:stCondLst>
+                                        </p:cTn>
+                                        <p:tgtEl>
+                                          <p:spTgt spid="15">
+                                            <p:txEl>
+                                              <p:pRg st="1" end="1"/>
+                                            </p:txEl>
+                                          </p:spTgt>
+                                        </p:tgtEl>
+                                        <p:attrNameLst>
+                                          <p:attrName>style.visibility</p:attrName>
+                                        </p:attrNameLst>
+                                      </p:cBhvr>
+                                      <p:to>
+                                        <p:strVal val="hidden"/>
+                                      </p:to>
+                                    </p:set>
+                                  </p:childTnLst>
+                                </p:cTn>
+                              </p:par>
+                              <p:par>
+                                <p:cTn id="23" presetID="1" presetClass="exit" presetSubtype="0" fill="hold" grpId="1" nodeType="withEffect">
+                                  <p:stCondLst>
+                                    <p:cond delay="0"/>
+                                  </p:stCondLst>
+                                  <p:childTnLst>
+                                    <p:set>
+                                      <p:cBhvr>
+                                        <p:cTn id="24" dur="1" fill="hold">
+                                          <p:stCondLst>
+                                            <p:cond delay="0"/>
+                                          </p:stCondLst>
+                                        </p:cTn>
+                                        <p:tgtEl>
+                                          <p:spTgt spid="15">
+                                            <p:txEl>
+                                              <p:pRg st="2" end="2"/>
+                                            </p:txEl>
+                                          </p:spTgt>
+                                        </p:tgtEl>
+                                        <p:attrNameLst>
+                                          <p:attrName>style.visibility</p:attrName>
+                                        </p:attrNameLst>
+                                      </p:cBhvr>
+                                      <p:to>
+                                        <p:strVal val="hidden"/>
+                                      </p:to>
+                                    </p:set>
+                                  </p:childTnLst>
+                                </p:cTn>
+                              </p:par>
+                            </p:childTnLst>
+                          </p:cTn>
+                        </p:par>
+                        <p:par>
+                          <p:cTn id="25" fill="hold">
+                            <p:stCondLst>
+                              <p:cond delay="0"/>
+                            </p:stCondLst>
+                            <p:childTnLst>
+                              <p:par>
+                                <p:cTn id="26" presetID="1" presetClass="entr" presetSubtype="0" fill="hold" nodeType="afterEffect">
+                                  <p:stCondLst>
+                                    <p:cond delay="500"/>
+                                  </p:stCondLst>
+                                  <p:childTnLst>
+                                    <p:set>
+                                      <p:cBhvr>
+                                        <p:cTn id="27" dur="1" fill="hold">
+                                          <p:stCondLst>
+                                            <p:cond delay="0"/>
+                                          </p:stCondLst>
+                                        </p:cTn>
+                                        <p:tgtEl>
+                                          <p:spTgt spid="23"/>
+                                        </p:tgtEl>
+                                        <p:attrNameLst>
+                                          <p:attrName>style.visibility</p:attrName>
+                                        </p:attrNameLst>
+                                      </p:cBhvr>
+                                      <p:to>
+                                        <p:strVal val="visible"/>
+                                      </p:to>
+                                    </p:set>
+                                  </p:childTnLst>
+                                </p:cTn>
+                              </p:par>
+                            </p:childTnLst>
+                          </p:cTn>
+                        </p:par>
+                      </p:childTnLst>
+                    </p:cTn>
+                  </p:par>
+                </p:childTnLst>
+              </p:cTn>
+              <p:prevCondLst>
+                <p:cond evt="onPrev" delay="0">
+                  <p:tgtEl>
+                    <p:sldTgt/>
+                  </p:tgtEl>
+                </p:cond>
+              </p:prevCondLst>
+              <p:nextCondLst>
+                <p:cond evt="onNext" delay="0">
+                  <p:tgtEl>
+                    <p:sldTgt/>
+                  </p:tgtEl>
+                </p:cond>
+              </p:nextCondLst>
+            </p:seq>
+          </p:childTnLst>
+        </p:cTn>
+      </p:par>
+    </p:tnLst>
+    <p:bldLst>
+      <p:bldP spid="15" grpId="0" uiExpand="1" build="p" bldLvl="2"/>
+      <p:bldP spid="15" grpId="1" build="allAtOnce"/>
+    </p:bldLst>
+  </p:timing>
+</p:sld>
+</file>
+
+<file path=ppt/slides/slide18.xml><?xml version="1.0" encoding="utf-8"?>
+<p:sld xmlns:a="http://schemas.openxmlformats.org/drawingml/2006/main" xmlns:r="http://schemas.openxmlformats.org/officeDocument/2006/relationships" xmlns:p="http://schemas.openxmlformats.org/presentationml/2006/main">
+  <p:cSld>
+    <p:spTree>
+      <p:nvGrpSpPr>
+        <p:cNvPr id="1" name=""/>
+        <p:cNvGrpSpPr/>
+        <p:nvPr/>
+      </p:nvGrpSpPr>
+      <p:grpSpPr>
+        <a:xfrm>
+          <a:off x="0" y="0"/>
+          <a:ext cx="0" cy="0"/>
+          <a:chOff x="0" y="0"/>
+          <a:chExt cx="0" cy="0"/>
+        </a:xfrm>
+      </p:grpSpPr>
+      <p:pic>
+        <p:nvPicPr>
+          <p:cNvPr id="13" name="Grafik 12">
+            <a:extLst>
+              <a:ext uri="{FF2B5EF4-FFF2-40B4-BE49-F238E27FC236}">
+                <a16:creationId xmlns:a16="http://schemas.microsoft.com/office/drawing/2014/main" id="{8BB93136-C36D-4F4A-BA90-AB6BA24E7305}"/>
+              </a:ext>
+            </a:extLst>
+          </p:cNvPr>
+          <p:cNvPicPr>
+            <a:picLocks noChangeAspect="1"/>
+          </p:cNvPicPr>
+          <p:nvPr/>
+        </p:nvPicPr>
+        <p:blipFill>
+          <a:blip r:embed="rId3">
+            <a:extLst>
+              <a:ext uri="{28A0092B-C50C-407E-A947-70E740481C1C}">
+                <a14:useLocalDpi xmlns:a14="http://schemas.microsoft.com/office/drawing/2010/main" val="0"/>
+              </a:ext>
+            </a:extLst>
+          </a:blip>
+          <a:stretch>
+            <a:fillRect/>
+          </a:stretch>
+        </p:blipFill>
+        <p:spPr>
+          <a:xfrm>
+            <a:off x="2422648" y="990000"/>
+            <a:ext cx="4209311" cy="5454000"/>
+          </a:xfrm>
+          <a:prstGeom prst="rect">
+            <a:avLst/>
+          </a:prstGeom>
+        </p:spPr>
+      </p:pic>
+      <p:pic>
+        <p:nvPicPr>
+          <p:cNvPr id="12" name="Grafik 11">
+            <a:extLst>
+              <a:ext uri="{FF2B5EF4-FFF2-40B4-BE49-F238E27FC236}">
+                <a16:creationId xmlns:a16="http://schemas.microsoft.com/office/drawing/2014/main" id="{63518878-B2F8-9E42-B6D4-7C199E65E901}"/>
+              </a:ext>
+            </a:extLst>
+          </p:cNvPr>
+          <p:cNvPicPr>
+            <a:picLocks noChangeAspect="1"/>
+          </p:cNvPicPr>
+          <p:nvPr/>
+        </p:nvPicPr>
+        <p:blipFill>
+          <a:blip r:embed="rId4">
+            <a:extLst>
+              <a:ext uri="{28A0092B-C50C-407E-A947-70E740481C1C}">
+                <a14:useLocalDpi xmlns:a14="http://schemas.microsoft.com/office/drawing/2010/main" val="0"/>
+              </a:ext>
+            </a:extLst>
+          </a:blip>
+          <a:stretch>
+            <a:fillRect/>
+          </a:stretch>
+        </p:blipFill>
+        <p:spPr>
+          <a:xfrm>
+            <a:off x="0" y="-3571"/>
+            <a:ext cx="1066800" cy="406400"/>
+          </a:xfrm>
+          <a:prstGeom prst="rect">
+            <a:avLst/>
+          </a:prstGeom>
+        </p:spPr>
+      </p:pic>
+      <p:cxnSp>
+        <p:nvCxnSpPr>
+          <p:cNvPr id="5" name="Gerade Verbindung 4"/>
+          <p:cNvCxnSpPr/>
+          <p:nvPr/>
+        </p:nvCxnSpPr>
+        <p:spPr>
+          <a:xfrm>
+            <a:off x="0" y="6525344"/>
+            <a:ext cx="9144000" cy="0"/>
+          </a:xfrm>
+          <a:prstGeom prst="line">
+            <a:avLst/>
+          </a:prstGeom>
+          <a:ln>
+            <a:solidFill>
+              <a:schemeClr val="tx1"/>
+            </a:solidFill>
+          </a:ln>
+        </p:spPr>
+        <p:style>
+          <a:lnRef idx="1">
+            <a:schemeClr val="accent1"/>
+          </a:lnRef>
+          <a:fillRef idx="0">
+            <a:schemeClr val="accent1"/>
+          </a:fillRef>
+          <a:effectRef idx="0">
+            <a:schemeClr val="accent1"/>
+          </a:effectRef>
+          <a:fontRef idx="minor">
+            <a:schemeClr val="tx1"/>
+          </a:fontRef>
+        </p:style>
+      </p:cxnSp>
+      <p:sp>
+        <p:nvSpPr>
+          <p:cNvPr id="6" name="Textfeld 5"/>
+          <p:cNvSpPr txBox="1"/>
+          <p:nvPr/>
+        </p:nvSpPr>
+        <p:spPr>
+          <a:xfrm>
+            <a:off x="287830" y="6542726"/>
+            <a:ext cx="1208792" cy="276999"/>
+          </a:xfrm>
+          <a:prstGeom prst="rect">
+            <a:avLst/>
+          </a:prstGeom>
+          <a:noFill/>
+        </p:spPr>
+        <p:txBody>
+          <a:bodyPr wrap="none" rtlCol="0">
+            <a:spAutoFit/>
+          </a:bodyPr>
+          <a:lstStyle/>
+          <a:p>
+            <a:r>
+              <a:rPr lang="de-CH" sz="1200" dirty="0">
+                <a:latin typeface="Calibri" panose="020F0502020204030204" pitchFamily="34" charset="0"/>
+              </a:rPr>
+              <a:t>Meilenstein_M2</a:t>
+            </a:r>
+          </a:p>
+        </p:txBody>
+      </p:sp>
+      <p:sp>
+        <p:nvSpPr>
+          <p:cNvPr id="8" name="Textfeld 7"/>
+          <p:cNvSpPr txBox="1"/>
+          <p:nvPr/>
+        </p:nvSpPr>
+        <p:spPr>
+          <a:xfrm>
+            <a:off x="3627204" y="6542724"/>
+            <a:ext cx="1800200" cy="276999"/>
+          </a:xfrm>
+          <a:prstGeom prst="rect">
+            <a:avLst/>
+          </a:prstGeom>
+          <a:noFill/>
+        </p:spPr>
+        <p:txBody>
+          <a:bodyPr wrap="square" rtlCol="0">
+            <a:spAutoFit/>
+          </a:bodyPr>
+          <a:lstStyle/>
+          <a:p>
+            <a:pPr algn="ctr"/>
+            <a:r>
+              <a:rPr lang="de-CH" sz="1200" dirty="0">
+                <a:latin typeface="Calibri" panose="020F0502020204030204" pitchFamily="34" charset="0"/>
+              </a:rPr>
+              <a:t>Seite 2/??</a:t>
+            </a:r>
+          </a:p>
+        </p:txBody>
+      </p:sp>
+      <p:cxnSp>
+        <p:nvCxnSpPr>
+          <p:cNvPr id="9" name="Gerade Verbindung 4"/>
+          <p:cNvCxnSpPr/>
+          <p:nvPr/>
+        </p:nvCxnSpPr>
+        <p:spPr>
+          <a:xfrm>
+            <a:off x="-5050" y="421597"/>
+            <a:ext cx="9144000" cy="0"/>
+          </a:xfrm>
+          <a:prstGeom prst="line">
+            <a:avLst/>
+          </a:prstGeom>
+          <a:ln>
+            <a:solidFill>
+              <a:schemeClr val="tx1"/>
+            </a:solidFill>
+          </a:ln>
+        </p:spPr>
+        <p:style>
+          <a:lnRef idx="1">
+            <a:schemeClr val="accent1"/>
+          </a:lnRef>
+          <a:fillRef idx="0">
+            <a:schemeClr val="accent1"/>
+          </a:fillRef>
+          <a:effectRef idx="0">
+            <a:schemeClr val="accent1"/>
+          </a:effectRef>
+          <a:fontRef idx="minor">
+            <a:schemeClr val="tx1"/>
+          </a:fontRef>
+        </p:style>
+      </p:cxnSp>
+      <p:sp>
+        <p:nvSpPr>
+          <p:cNvPr id="10" name="Textfeld 9"/>
+          <p:cNvSpPr txBox="1"/>
+          <p:nvPr/>
+        </p:nvSpPr>
+        <p:spPr>
+          <a:xfrm>
+            <a:off x="7615828" y="144598"/>
+            <a:ext cx="1265796" cy="276999"/>
+          </a:xfrm>
+          <a:prstGeom prst="rect">
+            <a:avLst/>
+          </a:prstGeom>
+          <a:noFill/>
+        </p:spPr>
+        <p:txBody>
+          <a:bodyPr wrap="none" rtlCol="0">
+            <a:spAutoFit/>
+          </a:bodyPr>
+          <a:lstStyle/>
+          <a:p>
+            <a:pPr algn="r"/>
+            <a:r>
+              <a:rPr lang="de-CH" sz="1200" dirty="0">
+                <a:latin typeface="Calibri" panose="020F0502020204030204" pitchFamily="34" charset="0"/>
+              </a:rPr>
+              <a:t>SysP18_Team_10</a:t>
+            </a:r>
+          </a:p>
+        </p:txBody>
+      </p:sp>
+      <p:sp>
+        <p:nvSpPr>
+          <p:cNvPr id="16" name="Textfeld 15">
+            <a:extLst>
+              <a:ext uri="{FF2B5EF4-FFF2-40B4-BE49-F238E27FC236}">
+                <a16:creationId xmlns:a16="http://schemas.microsoft.com/office/drawing/2014/main" id="{2EBD323C-4D9D-5D42-9645-414FFBB7D04B}"/>
+              </a:ext>
+            </a:extLst>
+          </p:cNvPr>
+          <p:cNvSpPr txBox="1"/>
+          <p:nvPr/>
+        </p:nvSpPr>
+        <p:spPr>
+          <a:xfrm>
+            <a:off x="7840953" y="6542725"/>
+            <a:ext cx="1040671" cy="276999"/>
+          </a:xfrm>
+          <a:prstGeom prst="rect">
+            <a:avLst/>
+          </a:prstGeom>
+          <a:noFill/>
+        </p:spPr>
+        <p:txBody>
+          <a:bodyPr wrap="none" rtlCol="0">
+            <a:spAutoFit/>
+          </a:bodyPr>
+          <a:lstStyle/>
+          <a:p>
+            <a:pPr algn="r"/>
+            <a:r>
+              <a:rPr lang="de-CH" sz="1200" dirty="0">
+                <a:latin typeface="Calibri" panose="020F0502020204030204" pitchFamily="34" charset="0"/>
+              </a:rPr>
+              <a:t>3.  März 2018</a:t>
+            </a:r>
+          </a:p>
+        </p:txBody>
+      </p:sp>
+      <p:pic>
+        <p:nvPicPr>
+          <p:cNvPr id="3" name="Grafik 2">
+            <a:extLst>
+              <a:ext uri="{FF2B5EF4-FFF2-40B4-BE49-F238E27FC236}">
+                <a16:creationId xmlns:a16="http://schemas.microsoft.com/office/drawing/2014/main" id="{DD555EA4-A3AF-634D-B1AF-746450916B60}"/>
+              </a:ext>
+            </a:extLst>
+          </p:cNvPr>
+          <p:cNvPicPr>
+            <a:picLocks noChangeAspect="1"/>
+          </p:cNvPicPr>
+          <p:nvPr/>
+        </p:nvPicPr>
+        <p:blipFill>
+          <a:blip r:embed="rId5">
+            <a:extLst>
+              <a:ext uri="{28A0092B-C50C-407E-A947-70E740481C1C}">
+                <a14:useLocalDpi xmlns:a14="http://schemas.microsoft.com/office/drawing/2010/main" val="0"/>
+              </a:ext>
+            </a:extLst>
+          </a:blip>
+          <a:stretch>
+            <a:fillRect/>
+          </a:stretch>
+        </p:blipFill>
+        <p:spPr>
+          <a:xfrm>
+            <a:off x="4566950" y="991220"/>
+            <a:ext cx="4368813" cy="5454000"/>
+          </a:xfrm>
+          <a:prstGeom prst="rect">
+            <a:avLst/>
+          </a:prstGeom>
+        </p:spPr>
+      </p:pic>
+      <p:sp>
+        <p:nvSpPr>
+          <p:cNvPr id="15" name="Textfeld 14">
+            <a:extLst>
+              <a:ext uri="{FF2B5EF4-FFF2-40B4-BE49-F238E27FC236}">
+                <a16:creationId xmlns:a16="http://schemas.microsoft.com/office/drawing/2014/main" id="{23C33090-455A-9B46-96E1-618074619DB9}"/>
+              </a:ext>
+            </a:extLst>
+          </p:cNvPr>
+          <p:cNvSpPr txBox="1"/>
+          <p:nvPr/>
+        </p:nvSpPr>
+        <p:spPr>
+          <a:xfrm>
+            <a:off x="633368" y="1623458"/>
+            <a:ext cx="6264696" cy="1200329"/>
+          </a:xfrm>
+          <a:prstGeom prst="rect">
+            <a:avLst/>
+          </a:prstGeom>
+          <a:noFill/>
+        </p:spPr>
+        <p:txBody>
+          <a:bodyPr wrap="square" rtlCol="0" anchor="t">
+            <a:spAutoFit/>
+          </a:bodyPr>
+          <a:lstStyle/>
+          <a:p>
+            <a:pPr marL="342900" indent="-342900">
+              <a:buFont typeface="Symbol" pitchFamily="2" charset="2"/>
+              <a:buChar char="-"/>
+            </a:pPr>
+            <a:r>
+              <a:rPr lang="de-CH" sz="2400" dirty="0">
+                <a:latin typeface="Calibri" panose="020F0502020204030204" pitchFamily="34" charset="0"/>
+              </a:rPr>
+              <a:t>Komplikationen vermeiden</a:t>
+            </a:r>
+          </a:p>
+          <a:p>
+            <a:pPr marL="342900" indent="-342900">
+              <a:buFont typeface="Symbol" pitchFamily="2" charset="2"/>
+              <a:buChar char="-"/>
+            </a:pPr>
+            <a:r>
+              <a:rPr lang="de-CH" sz="2400" dirty="0">
+                <a:latin typeface="Calibri" panose="020F0502020204030204" pitchFamily="34" charset="0"/>
+              </a:rPr>
+              <a:t>Je früher desto besser</a:t>
+            </a:r>
+          </a:p>
+          <a:p>
+            <a:pPr marL="342900" indent="-342900">
+              <a:buFont typeface="Symbol" pitchFamily="2" charset="2"/>
+              <a:buChar char="-"/>
+            </a:pPr>
+            <a:r>
+              <a:rPr lang="de-CH" sz="2400" dirty="0">
+                <a:latin typeface="Calibri" panose="020F0502020204030204" pitchFamily="34" charset="0"/>
+              </a:rPr>
+              <a:t>Bedingung &amp; Aktivitäten</a:t>
+            </a:r>
+          </a:p>
+        </p:txBody>
+      </p:sp>
+      <p:sp>
+        <p:nvSpPr>
+          <p:cNvPr id="14" name="Textfeld 13"/>
+          <p:cNvSpPr txBox="1"/>
+          <p:nvPr/>
+        </p:nvSpPr>
+        <p:spPr>
+          <a:xfrm>
+            <a:off x="360000" y="468000"/>
+            <a:ext cx="4474119" cy="523220"/>
+          </a:xfrm>
+          <a:prstGeom prst="rect">
+            <a:avLst/>
+          </a:prstGeom>
+          <a:noFill/>
+        </p:spPr>
+        <p:txBody>
+          <a:bodyPr wrap="square" rtlCol="0">
+            <a:spAutoFit/>
+          </a:bodyPr>
+          <a:lstStyle/>
+          <a:p>
+            <a:r>
+              <a:rPr lang="de-CH" sz="2800" b="1" dirty="0">
+                <a:latin typeface="+mj-lt"/>
+              </a:rPr>
+              <a:t>Informatik - Ablaufdiagramm</a:t>
+            </a:r>
+          </a:p>
+        </p:txBody>
+      </p:sp>
+    </p:spTree>
+    <p:extLst>
+      <p:ext uri="{BB962C8B-B14F-4D97-AF65-F5344CB8AC3E}">
+        <p14:creationId xmlns:p14="http://schemas.microsoft.com/office/powerpoint/2010/main" val="2982883018"/>
+      </p:ext>
+    </p:extLst>
+  </p:cSld>
+  <p:clrMapOvr>
+    <a:masterClrMapping/>
+  </p:clrMapOvr>
+  <p:timing>
+    <p:tnLst>
+      <p:par>
+        <p:cTn id="1" dur="indefinite" restart="never" nodeType="tmRoot">
+          <p:childTnLst>
+            <p:seq concurrent="1" nextAc="seek">
+              <p:cTn id="2" dur="indefinite" nodeType="mainSeq">
+                <p:childTnLst>
+                  <p:par>
+                    <p:cTn id="3" fill="hold">
+                      <p:stCondLst>
+                        <p:cond delay="indefinite"/>
+                        <p:cond evt="onBegin" delay="0">
+                          <p:tn val="2"/>
+                        </p:cond>
+                      </p:stCondLst>
+                      <p:childTnLst>
+                        <p:par>
+                          <p:cTn id="4" fill="hold">
+                            <p:stCondLst>
+                              <p:cond delay="0"/>
+                            </p:stCondLst>
+                            <p:childTnLst>
+                              <p:par>
+                                <p:cTn id="5" presetID="1" presetClass="entr" presetSubtype="0" fill="hold" grpId="0" nodeType="afterEffect">
+                                  <p:stCondLst>
+                                    <p:cond delay="500"/>
+                                  </p:stCondLst>
+                                  <p:childTnLst>
+                                    <p:set>
+                                      <p:cBhvr>
+                                        <p:cTn id="6" dur="1" fill="hold">
+                                          <p:stCondLst>
+                                            <p:cond delay="0"/>
+                                          </p:stCondLst>
+                                        </p:cTn>
+                                        <p:tgtEl>
+                                          <p:spTgt spid="15">
+                                            <p:txEl>
+                                              <p:pRg st="0" end="0"/>
+                                            </p:txEl>
+                                          </p:spTgt>
+                                        </p:tgtEl>
+                                        <p:attrNameLst>
+                                          <p:attrName>style.visibility</p:attrName>
+                                        </p:attrNameLst>
+                                      </p:cBhvr>
+                                      <p:to>
+                                        <p:strVal val="visible"/>
+                                      </p:to>
+                                    </p:set>
+                                  </p:childTnLst>
+                                </p:cTn>
+                              </p:par>
+                            </p:childTnLst>
+                          </p:cTn>
+                        </p:par>
+                      </p:childTnLst>
+                    </p:cTn>
+                  </p:par>
+                  <p:par>
+                    <p:cTn id="7" fill="hold">
+                      <p:stCondLst>
+                        <p:cond delay="indefinite"/>
+                      </p:stCondLst>
+                      <p:childTnLst>
+                        <p:par>
+                          <p:cTn id="8" fill="hold">
+                            <p:stCondLst>
+                              <p:cond delay="0"/>
+                            </p:stCondLst>
+                            <p:childTnLst>
+                              <p:par>
+                                <p:cTn id="9" presetID="1" presetClass="entr" presetSubtype="0" fill="hold" grpId="0" nodeType="clickEffect">
+                                  <p:stCondLst>
+                                    <p:cond delay="0"/>
+                                  </p:stCondLst>
+                                  <p:childTnLst>
+                                    <p:set>
+                                      <p:cBhvr>
+                                        <p:cTn id="10" dur="1" fill="hold">
+                                          <p:stCondLst>
+                                            <p:cond delay="0"/>
+                                          </p:stCondLst>
+                                        </p:cTn>
+                                        <p:tgtEl>
+                                          <p:spTgt spid="15">
+                                            <p:txEl>
+                                              <p:pRg st="1" end="1"/>
+                                            </p:txEl>
+                                          </p:spTgt>
+                                        </p:tgtEl>
+                                        <p:attrNameLst>
+                                          <p:attrName>style.visibility</p:attrName>
+                                        </p:attrNameLst>
+                                      </p:cBhvr>
+                                      <p:to>
+                                        <p:strVal val="visible"/>
+                                      </p:to>
+                                    </p:set>
+                                  </p:childTnLst>
+                                </p:cTn>
+                              </p:par>
+                            </p:childTnLst>
+                          </p:cTn>
+                        </p:par>
+                      </p:childTnLst>
+                    </p:cTn>
+                  </p:par>
+                  <p:par>
+                    <p:cTn id="11" fill="hold">
+                      <p:stCondLst>
+                        <p:cond delay="indefinite"/>
+                      </p:stCondLst>
+                      <p:childTnLst>
+                        <p:par>
+                          <p:cTn id="12" fill="hold">
+                            <p:stCondLst>
+                              <p:cond delay="0"/>
+                            </p:stCondLst>
+                            <p:childTnLst>
+                              <p:par>
+                                <p:cTn id="13" presetID="1" presetClass="entr" presetSubtype="0" fill="hold" grpId="0" nodeType="clickEffect">
+                                  <p:stCondLst>
+                                    <p:cond delay="0"/>
+                                  </p:stCondLst>
+                                  <p:childTnLst>
+                                    <p:set>
+                                      <p:cBhvr>
+                                        <p:cTn id="14" dur="1" fill="hold">
+                                          <p:stCondLst>
+                                            <p:cond delay="0"/>
+                                          </p:stCondLst>
+                                        </p:cTn>
+                                        <p:tgtEl>
+                                          <p:spTgt spid="15">
+                                            <p:txEl>
+                                              <p:pRg st="2" end="2"/>
+                                            </p:txEl>
+                                          </p:spTgt>
+                                        </p:tgtEl>
+                                        <p:attrNameLst>
+                                          <p:attrName>style.visibility</p:attrName>
+                                        </p:attrNameLst>
+                                      </p:cBhvr>
+                                      <p:to>
+                                        <p:strVal val="visible"/>
+                                      </p:to>
+                                    </p:set>
+                                  </p:childTnLst>
+                                </p:cTn>
+                              </p:par>
+                            </p:childTnLst>
+                          </p:cTn>
+                        </p:par>
+                      </p:childTnLst>
+                    </p:cTn>
+                  </p:par>
+                  <p:par>
+                    <p:cTn id="15" fill="hold">
+                      <p:stCondLst>
+                        <p:cond delay="indefinite"/>
+                      </p:stCondLst>
+                      <p:childTnLst>
+                        <p:par>
+                          <p:cTn id="16" fill="hold">
+                            <p:stCondLst>
+                              <p:cond delay="0"/>
+                            </p:stCondLst>
+                            <p:childTnLst>
+                              <p:par>
+                                <p:cTn id="17" presetID="1" presetClass="exit" presetSubtype="0" fill="hold" grpId="1" nodeType="clickEffect">
+                                  <p:stCondLst>
+                                    <p:cond delay="0"/>
+                                  </p:stCondLst>
+                                  <p:childTnLst>
+                                    <p:set>
+                                      <p:cBhvr>
+                                        <p:cTn id="18" dur="1" fill="hold">
+                                          <p:stCondLst>
+                                            <p:cond delay="0"/>
+                                          </p:stCondLst>
+                                        </p:cTn>
+                                        <p:tgtEl>
+                                          <p:spTgt spid="15">
+                                            <p:txEl>
+                                              <p:pRg st="0" end="0"/>
+                                            </p:txEl>
+                                          </p:spTgt>
+                                        </p:tgtEl>
+                                        <p:attrNameLst>
+                                          <p:attrName>style.visibility</p:attrName>
+                                        </p:attrNameLst>
+                                      </p:cBhvr>
+                                      <p:to>
+                                        <p:strVal val="hidden"/>
+                                      </p:to>
+                                    </p:set>
+                                  </p:childTnLst>
+                                </p:cTn>
+                              </p:par>
+                              <p:par>
+                                <p:cTn id="19" presetID="1" presetClass="exit" presetSubtype="0" fill="hold" grpId="1" nodeType="withEffect">
+                                  <p:stCondLst>
+                                    <p:cond delay="0"/>
+                                  </p:stCondLst>
+                                  <p:childTnLst>
+                                    <p:set>
+                                      <p:cBhvr>
+                                        <p:cTn id="20" dur="1" fill="hold">
+                                          <p:stCondLst>
+                                            <p:cond delay="0"/>
+                                          </p:stCondLst>
+                                        </p:cTn>
+                                        <p:tgtEl>
+                                          <p:spTgt spid="15">
+                                            <p:txEl>
+                                              <p:pRg st="1" end="1"/>
+                                            </p:txEl>
+                                          </p:spTgt>
+                                        </p:tgtEl>
+                                        <p:attrNameLst>
+                                          <p:attrName>style.visibility</p:attrName>
+                                        </p:attrNameLst>
+                                      </p:cBhvr>
+                                      <p:to>
+                                        <p:strVal val="hidden"/>
+                                      </p:to>
+                                    </p:set>
+                                  </p:childTnLst>
+                                </p:cTn>
+                              </p:par>
+                              <p:par>
+                                <p:cTn id="21" presetID="1" presetClass="exit" presetSubtype="0" fill="hold" grpId="1" nodeType="withEffect">
+                                  <p:stCondLst>
+                                    <p:cond delay="0"/>
+                                  </p:stCondLst>
+                                  <p:childTnLst>
+                                    <p:set>
+                                      <p:cBhvr>
+                                        <p:cTn id="22" dur="1" fill="hold">
+                                          <p:stCondLst>
+                                            <p:cond delay="0"/>
+                                          </p:stCondLst>
+                                        </p:cTn>
+                                        <p:tgtEl>
+                                          <p:spTgt spid="15">
+                                            <p:txEl>
+                                              <p:pRg st="2" end="2"/>
+                                            </p:txEl>
+                                          </p:spTgt>
+                                        </p:tgtEl>
+                                        <p:attrNameLst>
+                                          <p:attrName>style.visibility</p:attrName>
+                                        </p:attrNameLst>
+                                      </p:cBhvr>
+                                      <p:to>
+                                        <p:strVal val="hidden"/>
+                                      </p:to>
+                                    </p:set>
+                                  </p:childTnLst>
+                                </p:cTn>
+                              </p:par>
+                              <p:par>
+                                <p:cTn id="23" presetID="1" presetClass="exit" presetSubtype="0" fill="hold" nodeType="withEffect">
+                                  <p:stCondLst>
+                                    <p:cond delay="0"/>
+                                  </p:stCondLst>
+                                  <p:childTnLst>
+                                    <p:set>
+                                      <p:cBhvr>
+                                        <p:cTn id="24" dur="1" fill="hold">
+                                          <p:stCondLst>
+                                            <p:cond delay="0"/>
+                                          </p:stCondLst>
+                                        </p:cTn>
+                                        <p:tgtEl>
+                                          <p:spTgt spid="3"/>
+                                        </p:tgtEl>
+                                        <p:attrNameLst>
+                                          <p:attrName>style.visibility</p:attrName>
+                                        </p:attrNameLst>
+                                      </p:cBhvr>
+                                      <p:to>
+                                        <p:strVal val="hidden"/>
+                                      </p:to>
+                                    </p:set>
+                                  </p:childTnLst>
+                                </p:cTn>
+                              </p:par>
+                            </p:childTnLst>
+                          </p:cTn>
+                        </p:par>
+                        <p:par>
+                          <p:cTn id="25" fill="hold">
+                            <p:stCondLst>
+                              <p:cond delay="0"/>
+                            </p:stCondLst>
+                            <p:childTnLst>
+                              <p:par>
+                                <p:cTn id="26" presetID="1" presetClass="entr" presetSubtype="0" fill="hold" nodeType="afterEffect">
+                                  <p:stCondLst>
+                                    <p:cond delay="500"/>
+                                  </p:stCondLst>
+                                  <p:childTnLst>
+                                    <p:set>
+                                      <p:cBhvr>
+                                        <p:cTn id="27" dur="1" fill="hold">
+                                          <p:stCondLst>
+                                            <p:cond delay="0"/>
+                                          </p:stCondLst>
+                                        </p:cTn>
+                                        <p:tgtEl>
+                                          <p:spTgt spid="13"/>
+                                        </p:tgtEl>
+                                        <p:attrNameLst>
+                                          <p:attrName>style.visibility</p:attrName>
+                                        </p:attrNameLst>
+                                      </p:cBhvr>
+                                      <p:to>
+                                        <p:strVal val="visible"/>
+                                      </p:to>
+                                    </p:set>
+                                  </p:childTnLst>
+                                </p:cTn>
+                              </p:par>
+                            </p:childTnLst>
+                          </p:cTn>
+                        </p:par>
+                      </p:childTnLst>
+                    </p:cTn>
+                  </p:par>
+                </p:childTnLst>
+              </p:cTn>
+              <p:prevCondLst>
+                <p:cond evt="onPrev" delay="0">
+                  <p:tgtEl>
+                    <p:sldTgt/>
+                  </p:tgtEl>
+                </p:cond>
+              </p:prevCondLst>
+              <p:nextCondLst>
+                <p:cond evt="onNext" delay="0">
+                  <p:tgtEl>
+                    <p:sldTgt/>
+                  </p:tgtEl>
+                </p:cond>
+              </p:nextCondLst>
+            </p:seq>
+          </p:childTnLst>
+        </p:cTn>
+      </p:par>
+    </p:tnLst>
+    <p:bldLst>
+      <p:bldP spid="15" grpId="0" uiExpand="1" build="p" bldLvl="2"/>
+      <p:bldP spid="15" grpId="1" build="allAtOnce"/>
+    </p:bldLst>
+  </p:timing>
+</p:sld>
+</file>
+
+<file path=ppt/slides/slide19.xml><?xml version="1.0" encoding="utf-8"?>
+<p:sld xmlns:a="http://schemas.openxmlformats.org/drawingml/2006/main" xmlns:r="http://schemas.openxmlformats.org/officeDocument/2006/relationships" xmlns:p="http://schemas.openxmlformats.org/presentationml/2006/main">
+  <p:cSld>
+    <p:spTree>
+      <p:nvGrpSpPr>
+        <p:cNvPr id="1" name=""/>
+        <p:cNvGrpSpPr/>
+        <p:nvPr/>
+      </p:nvGrpSpPr>
+      <p:grpSpPr>
+        <a:xfrm>
+          <a:off x="0" y="0"/>
+          <a:ext cx="0" cy="0"/>
+          <a:chOff x="0" y="0"/>
+          <a:chExt cx="0" cy="0"/>
+        </a:xfrm>
+      </p:grpSpPr>
+      <p:pic>
+        <p:nvPicPr>
+          <p:cNvPr id="12" name="Grafik 11">
+            <a:extLst>
+              <a:ext uri="{FF2B5EF4-FFF2-40B4-BE49-F238E27FC236}">
+                <a16:creationId xmlns:a16="http://schemas.microsoft.com/office/drawing/2014/main" id="{63518878-B2F8-9E42-B6D4-7C199E65E901}"/>
+              </a:ext>
+            </a:extLst>
+          </p:cNvPr>
+          <p:cNvPicPr>
+            <a:picLocks noChangeAspect="1"/>
+          </p:cNvPicPr>
+          <p:nvPr/>
+        </p:nvPicPr>
+        <p:blipFill>
+          <a:blip r:embed="rId3">
+            <a:extLst>
+              <a:ext uri="{28A0092B-C50C-407E-A947-70E740481C1C}">
+                <a14:useLocalDpi xmlns:a14="http://schemas.microsoft.com/office/drawing/2010/main" val="0"/>
+              </a:ext>
+            </a:extLst>
+          </a:blip>
+          <a:stretch>
+            <a:fillRect/>
+          </a:stretch>
+        </p:blipFill>
+        <p:spPr>
+          <a:xfrm>
+            <a:off x="0" y="-3571"/>
+            <a:ext cx="1066800" cy="406400"/>
+          </a:xfrm>
+          <a:prstGeom prst="rect">
+            <a:avLst/>
+          </a:prstGeom>
+        </p:spPr>
+      </p:pic>
+      <p:cxnSp>
+        <p:nvCxnSpPr>
+          <p:cNvPr id="5" name="Gerade Verbindung 4"/>
+          <p:cNvCxnSpPr/>
+          <p:nvPr/>
+        </p:nvCxnSpPr>
+        <p:spPr>
+          <a:xfrm>
+            <a:off x="0" y="6525344"/>
+            <a:ext cx="9144000" cy="0"/>
+          </a:xfrm>
+          <a:prstGeom prst="line">
+            <a:avLst/>
+          </a:prstGeom>
+          <a:ln>
+            <a:solidFill>
+              <a:schemeClr val="tx1"/>
+            </a:solidFill>
+          </a:ln>
+        </p:spPr>
+        <p:style>
+          <a:lnRef idx="1">
+            <a:schemeClr val="accent1"/>
+          </a:lnRef>
+          <a:fillRef idx="0">
+            <a:schemeClr val="accent1"/>
+          </a:fillRef>
+          <a:effectRef idx="0">
+            <a:schemeClr val="accent1"/>
+          </a:effectRef>
+          <a:fontRef idx="minor">
+            <a:schemeClr val="tx1"/>
+          </a:fontRef>
+        </p:style>
+      </p:cxnSp>
+      <p:sp>
+        <p:nvSpPr>
+          <p:cNvPr id="6" name="Textfeld 5"/>
+          <p:cNvSpPr txBox="1"/>
+          <p:nvPr/>
+        </p:nvSpPr>
+        <p:spPr>
+          <a:xfrm>
+            <a:off x="287830" y="6542726"/>
+            <a:ext cx="1208792" cy="276999"/>
+          </a:xfrm>
+          <a:prstGeom prst="rect">
+            <a:avLst/>
+          </a:prstGeom>
+          <a:noFill/>
+        </p:spPr>
+        <p:txBody>
+          <a:bodyPr wrap="none" rtlCol="0">
+            <a:spAutoFit/>
+          </a:bodyPr>
+          <a:lstStyle/>
+          <a:p>
+            <a:r>
+              <a:rPr lang="de-CH" sz="1200" dirty="0">
+                <a:latin typeface="Calibri" panose="020F0502020204030204" pitchFamily="34" charset="0"/>
+              </a:rPr>
+              <a:t>Meilenstein_M2</a:t>
+            </a:r>
+          </a:p>
+        </p:txBody>
+      </p:sp>
+      <p:sp>
+        <p:nvSpPr>
+          <p:cNvPr id="8" name="Textfeld 7"/>
+          <p:cNvSpPr txBox="1"/>
+          <p:nvPr/>
+        </p:nvSpPr>
+        <p:spPr>
+          <a:xfrm>
+            <a:off x="3627204" y="6542724"/>
+            <a:ext cx="1800200" cy="276999"/>
+          </a:xfrm>
+          <a:prstGeom prst="rect">
+            <a:avLst/>
+          </a:prstGeom>
+          <a:noFill/>
+        </p:spPr>
+        <p:txBody>
+          <a:bodyPr wrap="square" rtlCol="0">
+            <a:spAutoFit/>
+          </a:bodyPr>
+          <a:lstStyle/>
+          <a:p>
+            <a:pPr algn="ctr"/>
+            <a:r>
+              <a:rPr lang="de-CH" sz="1200" dirty="0">
+                <a:latin typeface="Calibri" panose="020F0502020204030204" pitchFamily="34" charset="0"/>
+              </a:rPr>
+              <a:t>Seite 2/??</a:t>
+            </a:r>
+          </a:p>
+        </p:txBody>
+      </p:sp>
+      <p:cxnSp>
+        <p:nvCxnSpPr>
+          <p:cNvPr id="9" name="Gerade Verbindung 4"/>
+          <p:cNvCxnSpPr/>
+          <p:nvPr/>
+        </p:nvCxnSpPr>
+        <p:spPr>
+          <a:xfrm>
+            <a:off x="-5050" y="421597"/>
+            <a:ext cx="9144000" cy="0"/>
+          </a:xfrm>
+          <a:prstGeom prst="line">
+            <a:avLst/>
+          </a:prstGeom>
+          <a:ln>
+            <a:solidFill>
+              <a:schemeClr val="tx1"/>
+            </a:solidFill>
+          </a:ln>
+        </p:spPr>
+        <p:style>
+          <a:lnRef idx="1">
+            <a:schemeClr val="accent1"/>
+          </a:lnRef>
+          <a:fillRef idx="0">
+            <a:schemeClr val="accent1"/>
+          </a:fillRef>
+          <a:effectRef idx="0">
+            <a:schemeClr val="accent1"/>
+          </a:effectRef>
+          <a:fontRef idx="minor">
+            <a:schemeClr val="tx1"/>
+          </a:fontRef>
+        </p:style>
+      </p:cxnSp>
+      <p:sp>
+        <p:nvSpPr>
+          <p:cNvPr id="10" name="Textfeld 9"/>
+          <p:cNvSpPr txBox="1"/>
+          <p:nvPr/>
+        </p:nvSpPr>
+        <p:spPr>
+          <a:xfrm>
+            <a:off x="7615828" y="144598"/>
+            <a:ext cx="1265796" cy="276999"/>
+          </a:xfrm>
+          <a:prstGeom prst="rect">
+            <a:avLst/>
+          </a:prstGeom>
+          <a:noFill/>
+        </p:spPr>
+        <p:txBody>
+          <a:bodyPr wrap="none" rtlCol="0">
+            <a:spAutoFit/>
+          </a:bodyPr>
+          <a:lstStyle/>
+          <a:p>
+            <a:pPr algn="r"/>
+            <a:r>
+              <a:rPr lang="de-CH" sz="1200" dirty="0">
+                <a:latin typeface="Calibri" panose="020F0502020204030204" pitchFamily="34" charset="0"/>
+              </a:rPr>
+              <a:t>SysP18_Team_10</a:t>
+            </a:r>
+          </a:p>
+        </p:txBody>
+      </p:sp>
+      <p:sp>
+        <p:nvSpPr>
+          <p:cNvPr id="14" name="Textfeld 13"/>
+          <p:cNvSpPr txBox="1"/>
+          <p:nvPr/>
+        </p:nvSpPr>
+        <p:spPr>
+          <a:xfrm>
+            <a:off x="360000" y="468000"/>
+            <a:ext cx="6418336" cy="523220"/>
+          </a:xfrm>
+          <a:prstGeom prst="rect">
+            <a:avLst/>
+          </a:prstGeom>
+          <a:noFill/>
+        </p:spPr>
+        <p:txBody>
+          <a:bodyPr wrap="square" rtlCol="0">
+            <a:spAutoFit/>
+          </a:bodyPr>
+          <a:lstStyle/>
+          <a:p>
+            <a:r>
+              <a:rPr lang="de-CH" sz="2800" b="1" dirty="0">
+                <a:latin typeface="+mj-lt"/>
+              </a:rPr>
+              <a:t>Informatik - Kommunikationsprotokoll</a:t>
+            </a:r>
+          </a:p>
+        </p:txBody>
+      </p:sp>
+      <p:sp>
+        <p:nvSpPr>
+          <p:cNvPr id="15" name="Textfeld 14">
+            <a:extLst>
+              <a:ext uri="{FF2B5EF4-FFF2-40B4-BE49-F238E27FC236}">
+                <a16:creationId xmlns:a16="http://schemas.microsoft.com/office/drawing/2014/main" id="{23C33090-455A-9B46-96E1-618074619DB9}"/>
+              </a:ext>
+            </a:extLst>
+          </p:cNvPr>
+          <p:cNvSpPr txBox="1"/>
+          <p:nvPr/>
+        </p:nvSpPr>
+        <p:spPr>
+          <a:xfrm>
+            <a:off x="633368" y="1623458"/>
+            <a:ext cx="6264696" cy="1569660"/>
+          </a:xfrm>
+          <a:prstGeom prst="rect">
+            <a:avLst/>
+          </a:prstGeom>
+          <a:noFill/>
+        </p:spPr>
+        <p:txBody>
+          <a:bodyPr wrap="square" rtlCol="0" anchor="t">
+            <a:spAutoFit/>
+          </a:bodyPr>
+          <a:lstStyle/>
+          <a:p>
+            <a:pPr marL="342900" indent="-342900">
+              <a:buFont typeface="Symbol" pitchFamily="2" charset="2"/>
+              <a:buChar char="-"/>
+            </a:pPr>
+            <a:r>
+              <a:rPr lang="de-CH" sz="2400" dirty="0">
+                <a:latin typeface="Calibri" panose="020F0502020204030204" pitchFamily="34" charset="0"/>
+              </a:rPr>
+              <a:t>Kontrollsignal</a:t>
+            </a:r>
+          </a:p>
+          <a:p>
+            <a:pPr marL="342900" indent="-342900">
+              <a:buFont typeface="Symbol" pitchFamily="2" charset="2"/>
+              <a:buChar char="-"/>
+            </a:pPr>
+            <a:r>
+              <a:rPr lang="de-CH" sz="2400" dirty="0">
+                <a:latin typeface="Calibri" panose="020F0502020204030204" pitchFamily="34" charset="0"/>
+              </a:rPr>
+              <a:t>Startsignal</a:t>
+            </a:r>
+          </a:p>
+          <a:p>
+            <a:pPr marL="342900" indent="-342900">
+              <a:buFont typeface="Symbol" pitchFamily="2" charset="2"/>
+              <a:buChar char="-"/>
+            </a:pPr>
+            <a:r>
+              <a:rPr lang="de-CH" sz="2400" dirty="0">
+                <a:latin typeface="Calibri" panose="020F0502020204030204" pitchFamily="34" charset="0"/>
+              </a:rPr>
+              <a:t>Stein-Gesetzt-Signal</a:t>
+            </a:r>
+          </a:p>
+          <a:p>
+            <a:pPr marL="342900" indent="-342900">
+              <a:buFont typeface="Symbol" pitchFamily="2" charset="2"/>
+              <a:buChar char="-"/>
+            </a:pPr>
+            <a:r>
+              <a:rPr lang="de-CH" sz="2400" dirty="0">
+                <a:latin typeface="Calibri" panose="020F0502020204030204" pitchFamily="34" charset="0"/>
+              </a:rPr>
+              <a:t>Stoppsignal</a:t>
+            </a:r>
+          </a:p>
+        </p:txBody>
+      </p:sp>
+      <p:sp>
+        <p:nvSpPr>
+          <p:cNvPr id="16" name="Textfeld 15">
+            <a:extLst>
+              <a:ext uri="{FF2B5EF4-FFF2-40B4-BE49-F238E27FC236}">
+                <a16:creationId xmlns:a16="http://schemas.microsoft.com/office/drawing/2014/main" id="{2EBD323C-4D9D-5D42-9645-414FFBB7D04B}"/>
+              </a:ext>
+            </a:extLst>
+          </p:cNvPr>
+          <p:cNvSpPr txBox="1"/>
+          <p:nvPr/>
+        </p:nvSpPr>
+        <p:spPr>
+          <a:xfrm>
+            <a:off x="7840953" y="6542725"/>
+            <a:ext cx="1040671" cy="276999"/>
+          </a:xfrm>
+          <a:prstGeom prst="rect">
+            <a:avLst/>
+          </a:prstGeom>
+          <a:noFill/>
+        </p:spPr>
+        <p:txBody>
+          <a:bodyPr wrap="none" rtlCol="0">
+            <a:spAutoFit/>
+          </a:bodyPr>
+          <a:lstStyle/>
+          <a:p>
+            <a:pPr algn="r"/>
+            <a:r>
+              <a:rPr lang="de-CH" sz="1200" dirty="0">
+                <a:latin typeface="Calibri" panose="020F0502020204030204" pitchFamily="34" charset="0"/>
+              </a:rPr>
+              <a:t>3.  März 2018</a:t>
+            </a:r>
+          </a:p>
+        </p:txBody>
+      </p:sp>
+      <p:pic>
+        <p:nvPicPr>
+          <p:cNvPr id="11" name="Grafik 10">
+            <a:extLst>
+              <a:ext uri="{FF2B5EF4-FFF2-40B4-BE49-F238E27FC236}">
+                <a16:creationId xmlns:a16="http://schemas.microsoft.com/office/drawing/2014/main" id="{746B1BFB-700D-1843-ABBF-409DBAA57B5D}"/>
+              </a:ext>
+            </a:extLst>
+          </p:cNvPr>
+          <p:cNvPicPr>
+            <a:picLocks noChangeAspect="1"/>
+          </p:cNvPicPr>
+          <p:nvPr/>
+        </p:nvPicPr>
+        <p:blipFill rotWithShape="1">
+          <a:blip r:embed="rId4">
+            <a:extLst>
+              <a:ext uri="{28A0092B-C50C-407E-A947-70E740481C1C}">
+                <a14:useLocalDpi xmlns:a14="http://schemas.microsoft.com/office/drawing/2010/main" val="0"/>
+              </a:ext>
+            </a:extLst>
+          </a:blip>
+          <a:srcRect l="4074" t="5804" r="25526" b="75495"/>
+          <a:stretch/>
+        </p:blipFill>
+        <p:spPr>
+          <a:xfrm>
+            <a:off x="107504" y="4566374"/>
+            <a:ext cx="4968552" cy="1870958"/>
+          </a:xfrm>
+          <a:prstGeom prst="rect">
+            <a:avLst/>
+          </a:prstGeom>
+          <a:solidFill>
+            <a:schemeClr val="bg1"/>
+          </a:solidFill>
+        </p:spPr>
+      </p:pic>
+      <p:pic>
+        <p:nvPicPr>
+          <p:cNvPr id="21" name="Grafik 20">
+            <a:extLst>
+              <a:ext uri="{FF2B5EF4-FFF2-40B4-BE49-F238E27FC236}">
+                <a16:creationId xmlns:a16="http://schemas.microsoft.com/office/drawing/2014/main" id="{A1B87B0A-425D-2446-9578-CB3755F82E77}"/>
+              </a:ext>
+            </a:extLst>
+          </p:cNvPr>
+          <p:cNvPicPr>
+            <a:picLocks noChangeAspect="1"/>
+          </p:cNvPicPr>
+          <p:nvPr/>
+        </p:nvPicPr>
+        <p:blipFill>
+          <a:blip r:embed="rId5">
+            <a:extLst>
+              <a:ext uri="{28A0092B-C50C-407E-A947-70E740481C1C}">
+                <a14:useLocalDpi xmlns:a14="http://schemas.microsoft.com/office/drawing/2010/main" val="0"/>
+              </a:ext>
+            </a:extLst>
+          </a:blip>
+          <a:stretch>
+            <a:fillRect/>
+          </a:stretch>
+        </p:blipFill>
+        <p:spPr>
+          <a:xfrm>
+            <a:off x="5076056" y="991220"/>
+            <a:ext cx="3957476" cy="5454000"/>
+          </a:xfrm>
+          <a:prstGeom prst="rect">
+            <a:avLst/>
+          </a:prstGeom>
+        </p:spPr>
+      </p:pic>
+    </p:spTree>
+    <p:extLst>
+      <p:ext uri="{BB962C8B-B14F-4D97-AF65-F5344CB8AC3E}">
+        <p14:creationId xmlns:p14="http://schemas.microsoft.com/office/powerpoint/2010/main" val="2056837422"/>
+      </p:ext>
+    </p:extLst>
+  </p:cSld>
+  <p:clrMapOvr>
+    <a:masterClrMapping/>
+  </p:clrMapOvr>
+  <p:timing>
+    <p:tnLst>
+      <p:par>
+        <p:cTn id="1" dur="indefinite" restart="never" nodeType="tmRoot">
+          <p:childTnLst>
+            <p:seq concurrent="1" nextAc="seek">
+              <p:cTn id="2" dur="indefinite" nodeType="mainSeq">
+                <p:childTnLst>
+                  <p:par>
+                    <p:cTn id="3" fill="hold">
+                      <p:stCondLst>
+                        <p:cond delay="indefinite"/>
+                        <p:cond evt="onBegin" delay="0">
+                          <p:tn val="2"/>
+                        </p:cond>
+                      </p:stCondLst>
+                      <p:childTnLst>
+                        <p:par>
+                          <p:cTn id="4" fill="hold">
+                            <p:stCondLst>
+                              <p:cond delay="0"/>
+                            </p:stCondLst>
+                            <p:childTnLst>
+                              <p:par>
+                                <p:cTn id="5" presetID="1" presetClass="entr" presetSubtype="0" fill="hold" grpId="0" nodeType="afterEffect">
+                                  <p:stCondLst>
+                                    <p:cond delay="500"/>
+                                  </p:stCondLst>
+                                  <p:childTnLst>
+                                    <p:set>
+                                      <p:cBhvr>
+                                        <p:cTn id="6" dur="1" fill="hold">
+                                          <p:stCondLst>
+                                            <p:cond delay="0"/>
+                                          </p:stCondLst>
+                                        </p:cTn>
+                                        <p:tgtEl>
+                                          <p:spTgt spid="15">
+                                            <p:txEl>
+                                              <p:pRg st="0" end="0"/>
+                                            </p:txEl>
+                                          </p:spTgt>
+                                        </p:tgtEl>
+                                        <p:attrNameLst>
+                                          <p:attrName>style.visibility</p:attrName>
+                                        </p:attrNameLst>
+                                      </p:cBhvr>
+                                      <p:to>
+                                        <p:strVal val="visible"/>
+                                      </p:to>
+                                    </p:set>
+                                  </p:childTnLst>
+                                </p:cTn>
+                              </p:par>
+                            </p:childTnLst>
+                          </p:cTn>
+                        </p:par>
+                      </p:childTnLst>
+                    </p:cTn>
+                  </p:par>
+                  <p:par>
+                    <p:cTn id="7" fill="hold">
+                      <p:stCondLst>
+                        <p:cond delay="indefinite"/>
+                      </p:stCondLst>
+                      <p:childTnLst>
+                        <p:par>
+                          <p:cTn id="8" fill="hold">
+                            <p:stCondLst>
+                              <p:cond delay="0"/>
+                            </p:stCondLst>
+                            <p:childTnLst>
+                              <p:par>
+                                <p:cTn id="9" presetID="1" presetClass="entr" presetSubtype="0" fill="hold" grpId="0" nodeType="clickEffect">
+                                  <p:stCondLst>
+                                    <p:cond delay="0"/>
+                                  </p:stCondLst>
+                                  <p:childTnLst>
+                                    <p:set>
+                                      <p:cBhvr>
+                                        <p:cTn id="10" dur="1" fill="hold">
+                                          <p:stCondLst>
+                                            <p:cond delay="0"/>
+                                          </p:stCondLst>
+                                        </p:cTn>
+                                        <p:tgtEl>
+                                          <p:spTgt spid="15">
+                                            <p:txEl>
+                                              <p:pRg st="1" end="1"/>
+                                            </p:txEl>
+                                          </p:spTgt>
+                                        </p:tgtEl>
+                                        <p:attrNameLst>
+                                          <p:attrName>style.visibility</p:attrName>
+                                        </p:attrNameLst>
+                                      </p:cBhvr>
+                                      <p:to>
+                                        <p:strVal val="visible"/>
+                                      </p:to>
+                                    </p:set>
+                                  </p:childTnLst>
+                                </p:cTn>
+                              </p:par>
+                            </p:childTnLst>
+                          </p:cTn>
+                        </p:par>
+                      </p:childTnLst>
+                    </p:cTn>
+                  </p:par>
+                  <p:par>
+                    <p:cTn id="11" fill="hold">
+                      <p:stCondLst>
+                        <p:cond delay="indefinite"/>
+                      </p:stCondLst>
+                      <p:childTnLst>
+                        <p:par>
+                          <p:cTn id="12" fill="hold">
+                            <p:stCondLst>
+                              <p:cond delay="0"/>
+                            </p:stCondLst>
+                            <p:childTnLst>
+                              <p:par>
+                                <p:cTn id="13" presetID="1" presetClass="entr" presetSubtype="0" fill="hold" grpId="0" nodeType="clickEffect">
+                                  <p:stCondLst>
+                                    <p:cond delay="0"/>
+                                  </p:stCondLst>
+                                  <p:childTnLst>
+                                    <p:set>
+                                      <p:cBhvr>
+                                        <p:cTn id="14" dur="1" fill="hold">
+                                          <p:stCondLst>
+                                            <p:cond delay="0"/>
+                                          </p:stCondLst>
+                                        </p:cTn>
+                                        <p:tgtEl>
+                                          <p:spTgt spid="15">
+                                            <p:txEl>
+                                              <p:pRg st="2" end="2"/>
+                                            </p:txEl>
+                                          </p:spTgt>
+                                        </p:tgtEl>
+                                        <p:attrNameLst>
+                                          <p:attrName>style.visibility</p:attrName>
+                                        </p:attrNameLst>
+                                      </p:cBhvr>
+                                      <p:to>
+                                        <p:strVal val="visible"/>
+                                      </p:to>
+                                    </p:set>
+                                  </p:childTnLst>
+                                </p:cTn>
+                              </p:par>
+                            </p:childTnLst>
+                          </p:cTn>
+                        </p:par>
+                      </p:childTnLst>
+                    </p:cTn>
+                  </p:par>
+                  <p:par>
+                    <p:cTn id="15" fill="hold">
+                      <p:stCondLst>
+                        <p:cond delay="indefinite"/>
+                      </p:stCondLst>
+                      <p:childTnLst>
+                        <p:par>
+                          <p:cTn id="16" fill="hold">
+                            <p:stCondLst>
+                              <p:cond delay="0"/>
+                            </p:stCondLst>
+                            <p:childTnLst>
+                              <p:par>
+                                <p:cTn id="17" presetID="1" presetClass="entr" presetSubtype="0" fill="hold" grpId="0" nodeType="clickEffect">
+                                  <p:stCondLst>
+                                    <p:cond delay="0"/>
+                                  </p:stCondLst>
+                                  <p:childTnLst>
+                                    <p:set>
+                                      <p:cBhvr>
+                                        <p:cTn id="18" dur="1" fill="hold">
+                                          <p:stCondLst>
+                                            <p:cond delay="0"/>
+                                          </p:stCondLst>
+                                        </p:cTn>
+                                        <p:tgtEl>
+                                          <p:spTgt spid="15">
+                                            <p:txEl>
+                                              <p:pRg st="3" end="3"/>
+                                            </p:txEl>
+                                          </p:spTgt>
+                                        </p:tgtEl>
+                                        <p:attrNameLst>
+                                          <p:attrName>style.visibility</p:attrName>
+                                        </p:attrNameLst>
+                                      </p:cBhvr>
+                                      <p:to>
+                                        <p:strVal val="visible"/>
+                                      </p:to>
+                                    </p:set>
+                                  </p:childTnLst>
+                                </p:cTn>
+                              </p:par>
+                            </p:childTnLst>
+                          </p:cTn>
+                        </p:par>
+                      </p:childTnLst>
+                    </p:cTn>
+                  </p:par>
+                </p:childTnLst>
+              </p:cTn>
+              <p:prevCondLst>
+                <p:cond evt="onPrev" delay="0">
+                  <p:tgtEl>
+                    <p:sldTgt/>
+                  </p:tgtEl>
+                </p:cond>
+              </p:prevCondLst>
+              <p:nextCondLst>
+                <p:cond evt="onNext" delay="0">
+                  <p:tgtEl>
+                    <p:sldTgt/>
+                  </p:tgtEl>
+                </p:cond>
+              </p:nextCondLst>
+            </p:seq>
+          </p:childTnLst>
+        </p:cTn>
+      </p:par>
+    </p:tnLst>
+    <p:bldLst>
+      <p:bldP spid="15" grpId="0" uiExpand="1" build="p" bldLvl="2"/>
+    </p:bldLst>
+  </p:timing>
+</p:sld>
+</file>
+
 <file path=ppt/slides/slide2.xml><?xml version="1.0" encoding="utf-8"?>
 <p:sld xmlns:a="http://schemas.openxmlformats.org/drawingml/2006/main" xmlns:r="http://schemas.openxmlformats.org/officeDocument/2006/relationships" xmlns:p="http://schemas.openxmlformats.org/presentationml/2006/main">
   <p:cSld>
@@ -3945,7 +9938,7 @@
         </p:nvSpPr>
         <p:spPr>
           <a:xfrm>
-            <a:off x="313905" y="1124744"/>
+            <a:off x="360000" y="468000"/>
             <a:ext cx="3492082" cy="523220"/>
           </a:xfrm>
           <a:prstGeom prst="rect">
@@ -3977,7 +9970,7 @@
         <p:spPr>
           <a:xfrm>
             <a:off x="633368" y="1623458"/>
-            <a:ext cx="6264696" cy="2821285"/>
+            <a:ext cx="6264696" cy="2349361"/>
           </a:xfrm>
           <a:prstGeom prst="rect">
             <a:avLst/>
@@ -3994,14 +9987,14 @@
               <a:spcAft>
                 <a:spcPts val="800"/>
               </a:spcAft>
-              <a:buFont typeface="Arial" panose="020B0604020202020204" pitchFamily="34" charset="0"/>
-              <a:buChar char="•"/>
+              <a:buFont typeface="Symbol" pitchFamily="2" charset="2"/>
+              <a:buChar char="-"/>
             </a:pPr>
             <a:r>
               <a:rPr lang="de-CH" sz="2400" dirty="0">
                 <a:latin typeface="Calibri" panose="020F0502020204030204" pitchFamily="34" charset="0"/>
               </a:rPr>
-              <a:t>Einführung ??</a:t>
+              <a:t>Einführung</a:t>
             </a:r>
           </a:p>
           <a:p>
@@ -4009,8 +10002,8 @@
               <a:spcAft>
                 <a:spcPts val="800"/>
               </a:spcAft>
-              <a:buFont typeface="Arial" panose="020B0604020202020204" pitchFamily="34" charset="0"/>
-              <a:buChar char="•"/>
+              <a:buFont typeface="Symbol" pitchFamily="2" charset="2"/>
+              <a:buChar char="-"/>
             </a:pPr>
             <a:r>
               <a:rPr lang="de-CH" sz="2400" dirty="0">
@@ -4024,8 +10017,8 @@
               <a:spcAft>
                 <a:spcPts val="800"/>
               </a:spcAft>
-              <a:buFont typeface="Arial" panose="020B0604020202020204" pitchFamily="34" charset="0"/>
-              <a:buChar char="•"/>
+              <a:buFont typeface="Symbol" pitchFamily="2" charset="2"/>
+              <a:buChar char="-"/>
             </a:pPr>
             <a:r>
               <a:rPr lang="de-CH" sz="2400" dirty="0">
@@ -4039,8 +10032,8 @@
               <a:spcAft>
                 <a:spcPts val="800"/>
               </a:spcAft>
-              <a:buFont typeface="Arial" panose="020B0604020202020204" pitchFamily="34" charset="0"/>
-              <a:buChar char="•"/>
+              <a:buFont typeface="Symbol" pitchFamily="2" charset="2"/>
+              <a:buChar char="-"/>
             </a:pPr>
             <a:r>
               <a:rPr lang="de-CH" sz="2400" dirty="0">
@@ -4054,21 +10047,15 @@
               <a:spcAft>
                 <a:spcPts val="800"/>
               </a:spcAft>
-              <a:buFont typeface="Arial" panose="020B0604020202020204" pitchFamily="34" charset="0"/>
-              <a:buChar char="•"/>
+              <a:buFont typeface="Symbol" pitchFamily="2" charset="2"/>
+              <a:buChar char="-"/>
             </a:pPr>
             <a:r>
               <a:rPr lang="de-CH" sz="2400" dirty="0">
                 <a:latin typeface="Calibri" panose="020F0502020204030204" pitchFamily="34" charset="0"/>
               </a:rPr>
-              <a:t>Aussichten ??</a:t>
-            </a:r>
-          </a:p>
-          <a:p>
-            <a:pPr lvl="1"/>
-            <a:endParaRPr lang="de-CH" sz="2400" dirty="0">
-              <a:latin typeface="Calibri" panose="020F0502020204030204" pitchFamily="34" charset="0"/>
-            </a:endParaRPr>
+              <a:t>Zeitplan</a:t>
+            </a:r>
           </a:p>
         </p:txBody>
       </p:sp>
@@ -4404,7 +10391,7 @@
 </p:sld>
 </file>
 
-<file path=ppt/slides/slide3.xml><?xml version="1.0" encoding="utf-8"?>
+<file path=ppt/slides/slide20.xml><?xml version="1.0" encoding="utf-8"?>
 <p:sld xmlns:a="http://schemas.openxmlformats.org/drawingml/2006/main" xmlns:r="http://schemas.openxmlformats.org/officeDocument/2006/relationships" xmlns:p="http://schemas.openxmlformats.org/presentationml/2006/main">
   <p:cSld>
     <p:spTree>
@@ -4630,7 +10617,7 @@
         </p:nvSpPr>
         <p:spPr>
           <a:xfrm>
-            <a:off x="313905" y="1124744"/>
+            <a:off x="360000" y="468000"/>
             <a:ext cx="3492082" cy="523220"/>
           </a:xfrm>
           <a:prstGeom prst="rect">
@@ -4760,6 +10747,646 @@
     <p:extLst>
       <p:ext uri="{BB962C8B-B14F-4D97-AF65-F5344CB8AC3E}">
         <p14:creationId xmlns:p14="http://schemas.microsoft.com/office/powerpoint/2010/main" val="3181953008"/>
+      </p:ext>
+    </p:extLst>
+  </p:cSld>
+  <p:clrMapOvr>
+    <a:masterClrMapping/>
+  </p:clrMapOvr>
+</p:sld>
+</file>
+
+<file path=ppt/slides/slide21.xml><?xml version="1.0" encoding="utf-8"?>
+<p:sld xmlns:a="http://schemas.openxmlformats.org/drawingml/2006/main" xmlns:r="http://schemas.openxmlformats.org/officeDocument/2006/relationships" xmlns:p="http://schemas.openxmlformats.org/presentationml/2006/main">
+  <p:cSld>
+    <p:spTree>
+      <p:nvGrpSpPr>
+        <p:cNvPr id="1" name=""/>
+        <p:cNvGrpSpPr/>
+        <p:nvPr/>
+      </p:nvGrpSpPr>
+      <p:grpSpPr>
+        <a:xfrm>
+          <a:off x="0" y="0"/>
+          <a:ext cx="0" cy="0"/>
+          <a:chOff x="0" y="0"/>
+          <a:chExt cx="0" cy="0"/>
+        </a:xfrm>
+      </p:grpSpPr>
+      <p:pic>
+        <p:nvPicPr>
+          <p:cNvPr id="13" name="Grafik 12">
+            <a:extLst>
+              <a:ext uri="{FF2B5EF4-FFF2-40B4-BE49-F238E27FC236}">
+                <a16:creationId xmlns:a16="http://schemas.microsoft.com/office/drawing/2014/main" id="{00453448-D0BE-BC4A-91C8-50E637D2FFD5}"/>
+              </a:ext>
+            </a:extLst>
+          </p:cNvPr>
+          <p:cNvPicPr>
+            <a:picLocks noChangeAspect="1"/>
+          </p:cNvPicPr>
+          <p:nvPr/>
+        </p:nvPicPr>
+        <p:blipFill>
+          <a:blip r:embed="rId2">
+            <a:extLst>
+              <a:ext uri="{28A0092B-C50C-407E-A947-70E740481C1C}">
+                <a14:useLocalDpi xmlns:a14="http://schemas.microsoft.com/office/drawing/2010/main" val="0"/>
+              </a:ext>
+            </a:extLst>
+          </a:blip>
+          <a:stretch>
+            <a:fillRect/>
+          </a:stretch>
+        </p:blipFill>
+        <p:spPr>
+          <a:xfrm>
+            <a:off x="0" y="-3571"/>
+            <a:ext cx="1066800" cy="406400"/>
+          </a:xfrm>
+          <a:prstGeom prst="rect">
+            <a:avLst/>
+          </a:prstGeom>
+        </p:spPr>
+      </p:pic>
+      <p:sp>
+        <p:nvSpPr>
+          <p:cNvPr id="11" name="Textfeld 10"/>
+          <p:cNvSpPr txBox="1"/>
+          <p:nvPr/>
+        </p:nvSpPr>
+        <p:spPr>
+          <a:xfrm>
+            <a:off x="633368" y="1623458"/>
+            <a:ext cx="6264696" cy="1200329"/>
+          </a:xfrm>
+          <a:prstGeom prst="rect">
+            <a:avLst/>
+          </a:prstGeom>
+          <a:noFill/>
+        </p:spPr>
+        <p:txBody>
+          <a:bodyPr wrap="square" rtlCol="0" anchor="t">
+            <a:spAutoFit/>
+          </a:bodyPr>
+          <a:lstStyle/>
+          <a:p>
+            <a:endParaRPr lang="de-CH" sz="2400" dirty="0">
+              <a:latin typeface="Calibri" panose="020F0502020204030204" pitchFamily="34" charset="0"/>
+            </a:endParaRPr>
+          </a:p>
+          <a:p>
+            <a:pPr lvl="1"/>
+            <a:endParaRPr lang="de-CH" sz="2400" dirty="0">
+              <a:latin typeface="Calibri" panose="020F0502020204030204" pitchFamily="34" charset="0"/>
+            </a:endParaRPr>
+          </a:p>
+          <a:p>
+            <a:pPr lvl="1"/>
+            <a:endParaRPr lang="de-CH" sz="2400" dirty="0">
+              <a:latin typeface="Calibri" panose="020F0502020204030204" pitchFamily="34" charset="0"/>
+            </a:endParaRPr>
+          </a:p>
+        </p:txBody>
+      </p:sp>
+      <p:cxnSp>
+        <p:nvCxnSpPr>
+          <p:cNvPr id="5" name="Gerade Verbindung 4"/>
+          <p:cNvCxnSpPr/>
+          <p:nvPr/>
+        </p:nvCxnSpPr>
+        <p:spPr>
+          <a:xfrm>
+            <a:off x="0" y="6525344"/>
+            <a:ext cx="9144000" cy="0"/>
+          </a:xfrm>
+          <a:prstGeom prst="line">
+            <a:avLst/>
+          </a:prstGeom>
+          <a:ln>
+            <a:solidFill>
+              <a:schemeClr val="tx1"/>
+            </a:solidFill>
+          </a:ln>
+        </p:spPr>
+        <p:style>
+          <a:lnRef idx="1">
+            <a:schemeClr val="accent1"/>
+          </a:lnRef>
+          <a:fillRef idx="0">
+            <a:schemeClr val="accent1"/>
+          </a:fillRef>
+          <a:effectRef idx="0">
+            <a:schemeClr val="accent1"/>
+          </a:effectRef>
+          <a:fontRef idx="minor">
+            <a:schemeClr val="tx1"/>
+          </a:fontRef>
+        </p:style>
+      </p:cxnSp>
+      <p:sp>
+        <p:nvSpPr>
+          <p:cNvPr id="6" name="Textfeld 5"/>
+          <p:cNvSpPr txBox="1"/>
+          <p:nvPr/>
+        </p:nvSpPr>
+        <p:spPr>
+          <a:xfrm>
+            <a:off x="287830" y="6542726"/>
+            <a:ext cx="1208792" cy="276999"/>
+          </a:xfrm>
+          <a:prstGeom prst="rect">
+            <a:avLst/>
+          </a:prstGeom>
+          <a:noFill/>
+        </p:spPr>
+        <p:txBody>
+          <a:bodyPr wrap="none" rtlCol="0">
+            <a:spAutoFit/>
+          </a:bodyPr>
+          <a:lstStyle/>
+          <a:p>
+            <a:r>
+              <a:rPr lang="de-CH" sz="1200" dirty="0">
+                <a:latin typeface="Calibri" panose="020F0502020204030204" pitchFamily="34" charset="0"/>
+              </a:rPr>
+              <a:t>Meilenstein_M2</a:t>
+            </a:r>
+          </a:p>
+        </p:txBody>
+      </p:sp>
+      <p:sp>
+        <p:nvSpPr>
+          <p:cNvPr id="8" name="Textfeld 7"/>
+          <p:cNvSpPr txBox="1"/>
+          <p:nvPr/>
+        </p:nvSpPr>
+        <p:spPr>
+          <a:xfrm>
+            <a:off x="3627204" y="6542724"/>
+            <a:ext cx="1800200" cy="276999"/>
+          </a:xfrm>
+          <a:prstGeom prst="rect">
+            <a:avLst/>
+          </a:prstGeom>
+          <a:noFill/>
+        </p:spPr>
+        <p:txBody>
+          <a:bodyPr wrap="square" rtlCol="0">
+            <a:spAutoFit/>
+          </a:bodyPr>
+          <a:lstStyle/>
+          <a:p>
+            <a:pPr algn="ctr"/>
+            <a:r>
+              <a:rPr lang="de-CH" sz="1200" dirty="0">
+                <a:latin typeface="Calibri" panose="020F0502020204030204" pitchFamily="34" charset="0"/>
+              </a:rPr>
+              <a:t>Seite 3/??</a:t>
+            </a:r>
+          </a:p>
+        </p:txBody>
+      </p:sp>
+      <p:cxnSp>
+        <p:nvCxnSpPr>
+          <p:cNvPr id="9" name="Gerade Verbindung 4"/>
+          <p:cNvCxnSpPr/>
+          <p:nvPr/>
+        </p:nvCxnSpPr>
+        <p:spPr>
+          <a:xfrm>
+            <a:off x="-5050" y="421597"/>
+            <a:ext cx="9144000" cy="0"/>
+          </a:xfrm>
+          <a:prstGeom prst="line">
+            <a:avLst/>
+          </a:prstGeom>
+          <a:ln>
+            <a:solidFill>
+              <a:schemeClr val="tx1"/>
+            </a:solidFill>
+          </a:ln>
+        </p:spPr>
+        <p:style>
+          <a:lnRef idx="1">
+            <a:schemeClr val="accent1"/>
+          </a:lnRef>
+          <a:fillRef idx="0">
+            <a:schemeClr val="accent1"/>
+          </a:fillRef>
+          <a:effectRef idx="0">
+            <a:schemeClr val="accent1"/>
+          </a:effectRef>
+          <a:fontRef idx="minor">
+            <a:schemeClr val="tx1"/>
+          </a:fontRef>
+        </p:style>
+      </p:cxnSp>
+      <p:sp>
+        <p:nvSpPr>
+          <p:cNvPr id="10" name="Textfeld 9"/>
+          <p:cNvSpPr txBox="1"/>
+          <p:nvPr/>
+        </p:nvSpPr>
+        <p:spPr>
+          <a:xfrm>
+            <a:off x="7615828" y="144598"/>
+            <a:ext cx="1265796" cy="276999"/>
+          </a:xfrm>
+          <a:prstGeom prst="rect">
+            <a:avLst/>
+          </a:prstGeom>
+          <a:noFill/>
+        </p:spPr>
+        <p:txBody>
+          <a:bodyPr wrap="none" rtlCol="0">
+            <a:spAutoFit/>
+          </a:bodyPr>
+          <a:lstStyle/>
+          <a:p>
+            <a:pPr algn="r"/>
+            <a:r>
+              <a:rPr lang="de-CH" sz="1200" dirty="0">
+                <a:latin typeface="Calibri" panose="020F0502020204030204" pitchFamily="34" charset="0"/>
+              </a:rPr>
+              <a:t>SysP18_Team_10</a:t>
+            </a:r>
+          </a:p>
+        </p:txBody>
+      </p:sp>
+      <p:sp>
+        <p:nvSpPr>
+          <p:cNvPr id="14" name="Textfeld 13"/>
+          <p:cNvSpPr txBox="1"/>
+          <p:nvPr/>
+        </p:nvSpPr>
+        <p:spPr>
+          <a:xfrm>
+            <a:off x="360000" y="468000"/>
+            <a:ext cx="4402111" cy="523220"/>
+          </a:xfrm>
+          <a:prstGeom prst="rect">
+            <a:avLst/>
+          </a:prstGeom>
+          <a:noFill/>
+        </p:spPr>
+        <p:txBody>
+          <a:bodyPr wrap="square" rtlCol="0">
+            <a:spAutoFit/>
+          </a:bodyPr>
+          <a:lstStyle/>
+          <a:p>
+            <a:r>
+              <a:rPr lang="de-CH" sz="2800" b="1" dirty="0">
+                <a:latin typeface="+mj-lt"/>
+              </a:rPr>
+              <a:t>Folie leer</a:t>
+            </a:r>
+          </a:p>
+        </p:txBody>
+      </p:sp>
+      <p:sp>
+        <p:nvSpPr>
+          <p:cNvPr id="16" name="Textfeld 15">
+            <a:extLst>
+              <a:ext uri="{FF2B5EF4-FFF2-40B4-BE49-F238E27FC236}">
+                <a16:creationId xmlns:a16="http://schemas.microsoft.com/office/drawing/2014/main" id="{0C9772D5-2A6B-4A49-9CE3-63851BD26ABD}"/>
+              </a:ext>
+            </a:extLst>
+          </p:cNvPr>
+          <p:cNvSpPr txBox="1"/>
+          <p:nvPr/>
+        </p:nvSpPr>
+        <p:spPr>
+          <a:xfrm>
+            <a:off x="7840953" y="6542725"/>
+            <a:ext cx="1040671" cy="276999"/>
+          </a:xfrm>
+          <a:prstGeom prst="rect">
+            <a:avLst/>
+          </a:prstGeom>
+          <a:noFill/>
+        </p:spPr>
+        <p:txBody>
+          <a:bodyPr wrap="none" rtlCol="0">
+            <a:spAutoFit/>
+          </a:bodyPr>
+          <a:lstStyle/>
+          <a:p>
+            <a:pPr algn="r"/>
+            <a:r>
+              <a:rPr lang="de-CH" sz="1200" dirty="0">
+                <a:latin typeface="Calibri" panose="020F0502020204030204" pitchFamily="34" charset="0"/>
+              </a:rPr>
+              <a:t>3.  März 2018</a:t>
+            </a:r>
+          </a:p>
+        </p:txBody>
+      </p:sp>
+    </p:spTree>
+    <p:extLst>
+      <p:ext uri="{BB962C8B-B14F-4D97-AF65-F5344CB8AC3E}">
+        <p14:creationId xmlns:p14="http://schemas.microsoft.com/office/powerpoint/2010/main" val="1373219488"/>
+      </p:ext>
+    </p:extLst>
+  </p:cSld>
+  <p:clrMapOvr>
+    <a:masterClrMapping/>
+  </p:clrMapOvr>
+</p:sld>
+</file>
+
+<file path=ppt/slides/slide3.xml><?xml version="1.0" encoding="utf-8"?>
+<p:sld xmlns:a="http://schemas.openxmlformats.org/drawingml/2006/main" xmlns:r="http://schemas.openxmlformats.org/officeDocument/2006/relationships" xmlns:p="http://schemas.openxmlformats.org/presentationml/2006/main">
+  <p:cSld>
+    <p:spTree>
+      <p:nvGrpSpPr>
+        <p:cNvPr id="1" name=""/>
+        <p:cNvGrpSpPr/>
+        <p:nvPr/>
+      </p:nvGrpSpPr>
+      <p:grpSpPr>
+        <a:xfrm>
+          <a:off x="0" y="0"/>
+          <a:ext cx="0" cy="0"/>
+          <a:chOff x="0" y="0"/>
+          <a:chExt cx="0" cy="0"/>
+        </a:xfrm>
+      </p:grpSpPr>
+      <p:pic>
+        <p:nvPicPr>
+          <p:cNvPr id="13" name="Grafik 12">
+            <a:extLst>
+              <a:ext uri="{FF2B5EF4-FFF2-40B4-BE49-F238E27FC236}">
+                <a16:creationId xmlns:a16="http://schemas.microsoft.com/office/drawing/2014/main" id="{00453448-D0BE-BC4A-91C8-50E637D2FFD5}"/>
+              </a:ext>
+            </a:extLst>
+          </p:cNvPr>
+          <p:cNvPicPr>
+            <a:picLocks noChangeAspect="1"/>
+          </p:cNvPicPr>
+          <p:nvPr/>
+        </p:nvPicPr>
+        <p:blipFill>
+          <a:blip r:embed="rId2">
+            <a:extLst>
+              <a:ext uri="{28A0092B-C50C-407E-A947-70E740481C1C}">
+                <a14:useLocalDpi xmlns:a14="http://schemas.microsoft.com/office/drawing/2010/main" val="0"/>
+              </a:ext>
+            </a:extLst>
+          </a:blip>
+          <a:stretch>
+            <a:fillRect/>
+          </a:stretch>
+        </p:blipFill>
+        <p:spPr>
+          <a:xfrm>
+            <a:off x="0" y="-3571"/>
+            <a:ext cx="1066800" cy="406400"/>
+          </a:xfrm>
+          <a:prstGeom prst="rect">
+            <a:avLst/>
+          </a:prstGeom>
+        </p:spPr>
+      </p:pic>
+      <p:cxnSp>
+        <p:nvCxnSpPr>
+          <p:cNvPr id="5" name="Gerade Verbindung 4"/>
+          <p:cNvCxnSpPr/>
+          <p:nvPr/>
+        </p:nvCxnSpPr>
+        <p:spPr>
+          <a:xfrm>
+            <a:off x="0" y="6525344"/>
+            <a:ext cx="9144000" cy="0"/>
+          </a:xfrm>
+          <a:prstGeom prst="line">
+            <a:avLst/>
+          </a:prstGeom>
+          <a:ln>
+            <a:solidFill>
+              <a:schemeClr val="tx1"/>
+            </a:solidFill>
+          </a:ln>
+        </p:spPr>
+        <p:style>
+          <a:lnRef idx="1">
+            <a:schemeClr val="accent1"/>
+          </a:lnRef>
+          <a:fillRef idx="0">
+            <a:schemeClr val="accent1"/>
+          </a:fillRef>
+          <a:effectRef idx="0">
+            <a:schemeClr val="accent1"/>
+          </a:effectRef>
+          <a:fontRef idx="minor">
+            <a:schemeClr val="tx1"/>
+          </a:fontRef>
+        </p:style>
+      </p:cxnSp>
+      <p:sp>
+        <p:nvSpPr>
+          <p:cNvPr id="6" name="Textfeld 5"/>
+          <p:cNvSpPr txBox="1"/>
+          <p:nvPr/>
+        </p:nvSpPr>
+        <p:spPr>
+          <a:xfrm>
+            <a:off x="287830" y="6542726"/>
+            <a:ext cx="1208792" cy="276999"/>
+          </a:xfrm>
+          <a:prstGeom prst="rect">
+            <a:avLst/>
+          </a:prstGeom>
+          <a:noFill/>
+        </p:spPr>
+        <p:txBody>
+          <a:bodyPr wrap="none" rtlCol="0">
+            <a:spAutoFit/>
+          </a:bodyPr>
+          <a:lstStyle/>
+          <a:p>
+            <a:r>
+              <a:rPr lang="de-CH" sz="1200" dirty="0">
+                <a:latin typeface="Calibri" panose="020F0502020204030204" pitchFamily="34" charset="0"/>
+              </a:rPr>
+              <a:t>Meilenstein_M2</a:t>
+            </a:r>
+          </a:p>
+        </p:txBody>
+      </p:sp>
+      <p:sp>
+        <p:nvSpPr>
+          <p:cNvPr id="8" name="Textfeld 7"/>
+          <p:cNvSpPr txBox="1"/>
+          <p:nvPr/>
+        </p:nvSpPr>
+        <p:spPr>
+          <a:xfrm>
+            <a:off x="3627204" y="6542724"/>
+            <a:ext cx="1800200" cy="276999"/>
+          </a:xfrm>
+          <a:prstGeom prst="rect">
+            <a:avLst/>
+          </a:prstGeom>
+          <a:noFill/>
+        </p:spPr>
+        <p:txBody>
+          <a:bodyPr wrap="square" rtlCol="0">
+            <a:spAutoFit/>
+          </a:bodyPr>
+          <a:lstStyle/>
+          <a:p>
+            <a:pPr algn="ctr"/>
+            <a:r>
+              <a:rPr lang="de-CH" sz="1200" dirty="0">
+                <a:latin typeface="Calibri" panose="020F0502020204030204" pitchFamily="34" charset="0"/>
+              </a:rPr>
+              <a:t>Seite 2/??</a:t>
+            </a:r>
+          </a:p>
+        </p:txBody>
+      </p:sp>
+      <p:cxnSp>
+        <p:nvCxnSpPr>
+          <p:cNvPr id="9" name="Gerade Verbindung 4"/>
+          <p:cNvCxnSpPr/>
+          <p:nvPr/>
+        </p:nvCxnSpPr>
+        <p:spPr>
+          <a:xfrm>
+            <a:off x="-5050" y="421597"/>
+            <a:ext cx="9144000" cy="0"/>
+          </a:xfrm>
+          <a:prstGeom prst="line">
+            <a:avLst/>
+          </a:prstGeom>
+          <a:ln>
+            <a:solidFill>
+              <a:schemeClr val="tx1"/>
+            </a:solidFill>
+          </a:ln>
+        </p:spPr>
+        <p:style>
+          <a:lnRef idx="1">
+            <a:schemeClr val="accent1"/>
+          </a:lnRef>
+          <a:fillRef idx="0">
+            <a:schemeClr val="accent1"/>
+          </a:fillRef>
+          <a:effectRef idx="0">
+            <a:schemeClr val="accent1"/>
+          </a:effectRef>
+          <a:fontRef idx="minor">
+            <a:schemeClr val="tx1"/>
+          </a:fontRef>
+        </p:style>
+      </p:cxnSp>
+      <p:sp>
+        <p:nvSpPr>
+          <p:cNvPr id="10" name="Textfeld 9"/>
+          <p:cNvSpPr txBox="1"/>
+          <p:nvPr/>
+        </p:nvSpPr>
+        <p:spPr>
+          <a:xfrm>
+            <a:off x="7615828" y="144598"/>
+            <a:ext cx="1265796" cy="276999"/>
+          </a:xfrm>
+          <a:prstGeom prst="rect">
+            <a:avLst/>
+          </a:prstGeom>
+          <a:noFill/>
+        </p:spPr>
+        <p:txBody>
+          <a:bodyPr wrap="none" rtlCol="0">
+            <a:spAutoFit/>
+          </a:bodyPr>
+          <a:lstStyle/>
+          <a:p>
+            <a:pPr algn="r"/>
+            <a:r>
+              <a:rPr lang="de-CH" sz="1200" dirty="0">
+                <a:latin typeface="Calibri" panose="020F0502020204030204" pitchFamily="34" charset="0"/>
+              </a:rPr>
+              <a:t>SysP18_Team_10</a:t>
+            </a:r>
+          </a:p>
+        </p:txBody>
+      </p:sp>
+      <p:sp>
+        <p:nvSpPr>
+          <p:cNvPr id="14" name="Textfeld 13"/>
+          <p:cNvSpPr txBox="1"/>
+          <p:nvPr/>
+        </p:nvSpPr>
+        <p:spPr>
+          <a:xfrm>
+            <a:off x="360000" y="468000"/>
+            <a:ext cx="4402111" cy="523220"/>
+          </a:xfrm>
+          <a:prstGeom prst="rect">
+            <a:avLst/>
+          </a:prstGeom>
+          <a:noFill/>
+        </p:spPr>
+        <p:txBody>
+          <a:bodyPr wrap="square" rtlCol="0">
+            <a:spAutoFit/>
+          </a:bodyPr>
+          <a:lstStyle/>
+          <a:p>
+            <a:r>
+              <a:rPr lang="de-CH" sz="2800" b="1" dirty="0">
+                <a:latin typeface="+mj-lt"/>
+              </a:rPr>
+              <a:t>Einführung</a:t>
+            </a:r>
+          </a:p>
+        </p:txBody>
+      </p:sp>
+      <p:sp>
+        <p:nvSpPr>
+          <p:cNvPr id="16" name="Textfeld 15">
+            <a:extLst>
+              <a:ext uri="{FF2B5EF4-FFF2-40B4-BE49-F238E27FC236}">
+                <a16:creationId xmlns:a16="http://schemas.microsoft.com/office/drawing/2014/main" id="{0C9772D5-2A6B-4A49-9CE3-63851BD26ABD}"/>
+              </a:ext>
+            </a:extLst>
+          </p:cNvPr>
+          <p:cNvSpPr txBox="1"/>
+          <p:nvPr/>
+        </p:nvSpPr>
+        <p:spPr>
+          <a:xfrm>
+            <a:off x="7840953" y="6542725"/>
+            <a:ext cx="1040671" cy="276999"/>
+          </a:xfrm>
+          <a:prstGeom prst="rect">
+            <a:avLst/>
+          </a:prstGeom>
+          <a:noFill/>
+        </p:spPr>
+        <p:txBody>
+          <a:bodyPr wrap="none" rtlCol="0">
+            <a:spAutoFit/>
+          </a:bodyPr>
+          <a:lstStyle/>
+          <a:p>
+            <a:pPr algn="r"/>
+            <a:r>
+              <a:rPr lang="de-CH" sz="1200" dirty="0">
+                <a:latin typeface="Calibri" panose="020F0502020204030204" pitchFamily="34" charset="0"/>
+              </a:rPr>
+              <a:t>3.  März 2018</a:t>
+            </a:r>
+          </a:p>
+        </p:txBody>
+      </p:sp>
+    </p:spTree>
+    <p:extLst>
+      <p:ext uri="{BB962C8B-B14F-4D97-AF65-F5344CB8AC3E}">
+        <p14:creationId xmlns:p14="http://schemas.microsoft.com/office/powerpoint/2010/main" val="553484321"/>
       </p:ext>
     </p:extLst>
   </p:cSld>
@@ -4788,10 +11415,10 @@
       </p:grpSpPr>
       <p:pic>
         <p:nvPicPr>
-          <p:cNvPr id="13" name="Grafik 12">
+          <p:cNvPr id="12" name="Grafik 11">
             <a:extLst>
               <a:ext uri="{FF2B5EF4-FFF2-40B4-BE49-F238E27FC236}">
-                <a16:creationId xmlns:a16="http://schemas.microsoft.com/office/drawing/2014/main" id="{00453448-D0BE-BC4A-91C8-50E637D2FFD5}"/>
+                <a16:creationId xmlns:a16="http://schemas.microsoft.com/office/drawing/2014/main" id="{63518878-B2F8-9E42-B6D4-7C199E65E901}"/>
               </a:ext>
             </a:extLst>
           </p:cNvPr>
@@ -4801,7 +11428,7 @@
           <p:nvPr/>
         </p:nvPicPr>
         <p:blipFill>
-          <a:blip r:embed="rId2">
+          <a:blip r:embed="rId3">
             <a:extLst>
               <a:ext uri="{28A0092B-C50C-407E-A947-70E740481C1C}">
                 <a14:useLocalDpi xmlns:a14="http://schemas.microsoft.com/office/drawing/2010/main" val="0"/>
@@ -4822,46 +11449,6 @@
           </a:prstGeom>
         </p:spPr>
       </p:pic>
-      <p:sp>
-        <p:nvSpPr>
-          <p:cNvPr id="11" name="Textfeld 10"/>
-          <p:cNvSpPr txBox="1"/>
-          <p:nvPr/>
-        </p:nvSpPr>
-        <p:spPr>
-          <a:xfrm>
-            <a:off x="633368" y="1623458"/>
-            <a:ext cx="6264696" cy="1200329"/>
-          </a:xfrm>
-          <a:prstGeom prst="rect">
-            <a:avLst/>
-          </a:prstGeom>
-          <a:noFill/>
-        </p:spPr>
-        <p:txBody>
-          <a:bodyPr wrap="square" rtlCol="0" anchor="t">
-            <a:spAutoFit/>
-          </a:bodyPr>
-          <a:lstStyle/>
-          <a:p>
-            <a:endParaRPr lang="de-CH" sz="2400" dirty="0">
-              <a:latin typeface="Calibri" panose="020F0502020204030204" pitchFamily="34" charset="0"/>
-            </a:endParaRPr>
-          </a:p>
-          <a:p>
-            <a:pPr lvl="1"/>
-            <a:endParaRPr lang="de-CH" sz="2400" dirty="0">
-              <a:latin typeface="Calibri" panose="020F0502020204030204" pitchFamily="34" charset="0"/>
-            </a:endParaRPr>
-          </a:p>
-          <a:p>
-            <a:pPr lvl="1"/>
-            <a:endParaRPr lang="de-CH" sz="2400" dirty="0">
-              <a:latin typeface="Calibri" panose="020F0502020204030204" pitchFamily="34" charset="0"/>
-            </a:endParaRPr>
-          </a:p>
-        </p:txBody>
-      </p:sp>
       <p:cxnSp>
         <p:nvCxnSpPr>
           <p:cNvPr id="5" name="Gerade Verbindung 4"/>
@@ -4955,7 +11542,7 @@
               <a:rPr lang="de-CH" sz="1200" dirty="0">
                 <a:latin typeface="Calibri" panose="020F0502020204030204" pitchFamily="34" charset="0"/>
               </a:rPr>
-              <a:t>Seite 3/??</a:t>
+              <a:t>Seite 2/??</a:t>
             </a:r>
           </a:p>
         </p:txBody>
@@ -5035,8 +11622,8 @@
         </p:nvSpPr>
         <p:spPr>
           <a:xfrm>
-            <a:off x="313904" y="1124744"/>
-            <a:ext cx="4402111" cy="523220"/>
+            <a:off x="360000" y="468000"/>
+            <a:ext cx="5113499" cy="523220"/>
           </a:xfrm>
           <a:prstGeom prst="rect">
             <a:avLst/>
@@ -5053,17 +11640,17 @@
               <a:rPr lang="de-CH" sz="2800" b="1" dirty="0">
                 <a:latin typeface="+mj-lt"/>
               </a:rPr>
-              <a:t>Folie leer</a:t>
-            </a:r>
-          </a:p>
-        </p:txBody>
-      </p:sp>
-      <p:sp>
-        <p:nvSpPr>
-          <p:cNvPr id="16" name="Textfeld 15">
+              <a:t>Mechanik</a:t>
+            </a:r>
+          </a:p>
+        </p:txBody>
+      </p:sp>
+      <p:sp>
+        <p:nvSpPr>
+          <p:cNvPr id="15" name="Textfeld 14">
             <a:extLst>
               <a:ext uri="{FF2B5EF4-FFF2-40B4-BE49-F238E27FC236}">
-                <a16:creationId xmlns:a16="http://schemas.microsoft.com/office/drawing/2014/main" id="{0C9772D5-2A6B-4A49-9CE3-63851BD26ABD}"/>
+                <a16:creationId xmlns:a16="http://schemas.microsoft.com/office/drawing/2014/main" id="{23C33090-455A-9B46-96E1-618074619DB9}"/>
               </a:ext>
             </a:extLst>
           </p:cNvPr>
@@ -5072,6 +11659,83 @@
         </p:nvSpPr>
         <p:spPr>
           <a:xfrm>
+            <a:off x="633368" y="1623458"/>
+            <a:ext cx="6264696" cy="1200329"/>
+          </a:xfrm>
+          <a:prstGeom prst="rect">
+            <a:avLst/>
+          </a:prstGeom>
+          <a:noFill/>
+        </p:spPr>
+        <p:txBody>
+          <a:bodyPr wrap="square" rtlCol="0" anchor="t">
+            <a:spAutoFit/>
+          </a:bodyPr>
+          <a:lstStyle/>
+          <a:p>
+            <a:pPr marL="342900" indent="-342900">
+              <a:buFont typeface="Symbol" pitchFamily="2" charset="2"/>
+              <a:buChar char="-"/>
+            </a:pPr>
+            <a:r>
+              <a:rPr lang="de-CH" sz="2400" dirty="0">
+                <a:latin typeface="Calibri" panose="020F0502020204030204" pitchFamily="34" charset="0"/>
+              </a:rPr>
+              <a:t>Produktionsaspekte mehr beachten</a:t>
+            </a:r>
+          </a:p>
+          <a:p>
+            <a:pPr marL="342900" indent="-342900">
+              <a:buFont typeface="Symbol" pitchFamily="2" charset="2"/>
+              <a:buChar char="-"/>
+            </a:pPr>
+            <a:r>
+              <a:rPr lang="de-CH" sz="2400" dirty="0" err="1">
+                <a:latin typeface="Calibri" panose="020F0502020204030204" pitchFamily="34" charset="0"/>
+              </a:rPr>
+              <a:t>Murphy’s</a:t>
+            </a:r>
+            <a:r>
+              <a:rPr lang="de-CH" sz="2400" dirty="0">
+                <a:latin typeface="Calibri" panose="020F0502020204030204" pitchFamily="34" charset="0"/>
+              </a:rPr>
+              <a:t> </a:t>
+            </a:r>
+            <a:r>
+              <a:rPr lang="de-CH" sz="2400" dirty="0" err="1">
+                <a:latin typeface="Calibri" panose="020F0502020204030204" pitchFamily="34" charset="0"/>
+              </a:rPr>
+              <a:t>law</a:t>
+            </a:r>
+            <a:endParaRPr lang="de-CH" sz="2400" dirty="0">
+              <a:latin typeface="Calibri" panose="020F0502020204030204" pitchFamily="34" charset="0"/>
+            </a:endParaRPr>
+          </a:p>
+          <a:p>
+            <a:pPr marL="342900" indent="-342900">
+              <a:buFont typeface="Symbol" pitchFamily="2" charset="2"/>
+              <a:buChar char="-"/>
+            </a:pPr>
+            <a:endParaRPr lang="de-CH" sz="2400" dirty="0">
+              <a:latin typeface="Calibri" panose="020F0502020204030204" pitchFamily="34" charset="0"/>
+            </a:endParaRPr>
+          </a:p>
+        </p:txBody>
+      </p:sp>
+      <p:sp>
+        <p:nvSpPr>
+          <p:cNvPr id="16" name="Textfeld 15">
+            <a:extLst>
+              <a:ext uri="{FF2B5EF4-FFF2-40B4-BE49-F238E27FC236}">
+                <a16:creationId xmlns:a16="http://schemas.microsoft.com/office/drawing/2014/main" id="{2EBD323C-4D9D-5D42-9645-414FFBB7D04B}"/>
+              </a:ext>
+            </a:extLst>
+          </p:cNvPr>
+          <p:cNvSpPr txBox="1"/>
+          <p:nvPr/>
+        </p:nvSpPr>
+        <p:spPr>
+          <a:xfrm>
             <a:off x="7840953" y="6542725"/>
             <a:ext cx="1040671" cy="276999"/>
           </a:xfrm>
@@ -5096,10 +11760,2574 @@
           </a:p>
         </p:txBody>
       </p:sp>
+      <p:pic>
+        <p:nvPicPr>
+          <p:cNvPr id="13" name="Grafik 12">
+            <a:extLst>
+              <a:ext uri="{FF2B5EF4-FFF2-40B4-BE49-F238E27FC236}">
+                <a16:creationId xmlns:a16="http://schemas.microsoft.com/office/drawing/2014/main" id="{230CFCD7-FED5-4FC7-B3C3-1E6952FB01DD}"/>
+              </a:ext>
+            </a:extLst>
+          </p:cNvPr>
+          <p:cNvPicPr>
+            <a:picLocks noChangeAspect="1"/>
+          </p:cNvPicPr>
+          <p:nvPr/>
+        </p:nvPicPr>
+        <p:blipFill>
+          <a:blip r:embed="rId4" cstate="print">
+            <a:extLst>
+              <a:ext uri="{28A0092B-C50C-407E-A947-70E740481C1C}">
+                <a14:useLocalDpi xmlns:a14="http://schemas.microsoft.com/office/drawing/2010/main" val="0"/>
+              </a:ext>
+            </a:extLst>
+          </a:blip>
+          <a:stretch>
+            <a:fillRect/>
+          </a:stretch>
+        </p:blipFill>
+        <p:spPr>
+          <a:xfrm>
+            <a:off x="3059832" y="2176001"/>
+            <a:ext cx="5821792" cy="4124784"/>
+          </a:xfrm>
+          <a:prstGeom prst="rect">
+            <a:avLst/>
+          </a:prstGeom>
+        </p:spPr>
+      </p:pic>
+      <mc:AlternateContent xmlns:mc="http://schemas.openxmlformats.org/markup-compatibility/2006">
+        <mc:Choice xmlns:p14="http://schemas.microsoft.com/office/powerpoint/2010/main" Requires="p14">
+          <p:contentPart p14:bwMode="auto" r:id="rId5">
+            <p14:nvContentPartPr>
+              <p14:cNvPr id="17" name="Freihand 16">
+                <a:extLst>
+                  <a:ext uri="{FF2B5EF4-FFF2-40B4-BE49-F238E27FC236}">
+                    <a16:creationId xmlns:a16="http://schemas.microsoft.com/office/drawing/2014/main" id="{2B780955-A353-1A4C-A4C9-B25DC2EE3896}"/>
+                  </a:ext>
+                </a:extLst>
+              </p14:cNvPr>
+              <p14:cNvContentPartPr/>
+              <p14:nvPr/>
+            </p14:nvContentPartPr>
+            <p14:xfrm>
+              <a:off x="294646" y="2823787"/>
+              <a:ext cx="3298688" cy="2897460"/>
+            </p14:xfrm>
+          </p:contentPart>
+        </mc:Choice>
+        <mc:Fallback>
+          <p:pic>
+            <p:nvPicPr>
+              <p:cNvPr id="17" name="Freihand 16">
+                <a:extLst>
+                  <a:ext uri="{FF2B5EF4-FFF2-40B4-BE49-F238E27FC236}">
+                    <a16:creationId xmlns:a16="http://schemas.microsoft.com/office/drawing/2014/main" id="{2B780955-A353-1A4C-A4C9-B25DC2EE3896}"/>
+                  </a:ext>
+                </a:extLst>
+              </p:cNvPr>
+              <p:cNvPicPr/>
+              <p:nvPr/>
+            </p:nvPicPr>
+            <p:blipFill>
+              <a:blip r:embed="rId6"/>
+              <a:stretch>
+                <a:fillRect/>
+              </a:stretch>
+            </p:blipFill>
+            <p:spPr>
+              <a:xfrm>
+                <a:off x="285646" y="2814786"/>
+                <a:ext cx="3316328" cy="2915101"/>
+              </a:xfrm>
+              <a:prstGeom prst="rect">
+                <a:avLst/>
+              </a:prstGeom>
+            </p:spPr>
+          </p:pic>
+        </mc:Fallback>
+      </mc:AlternateContent>
     </p:spTree>
     <p:extLst>
       <p:ext uri="{BB962C8B-B14F-4D97-AF65-F5344CB8AC3E}">
-        <p14:creationId xmlns:p14="http://schemas.microsoft.com/office/powerpoint/2010/main" val="1373219488"/>
+        <p14:creationId xmlns:p14="http://schemas.microsoft.com/office/powerpoint/2010/main" val="93673929"/>
+      </p:ext>
+    </p:extLst>
+  </p:cSld>
+  <p:clrMapOvr>
+    <a:masterClrMapping/>
+  </p:clrMapOvr>
+  <p:timing>
+    <p:tnLst>
+      <p:par>
+        <p:cTn id="1" dur="indefinite" restart="never" nodeType="tmRoot">
+          <p:childTnLst>
+            <p:seq concurrent="1" nextAc="seek">
+              <p:cTn id="2" dur="indefinite" nodeType="mainSeq">
+                <p:childTnLst>
+                  <p:par>
+                    <p:cTn id="3" fill="hold">
+                      <p:stCondLst>
+                        <p:cond delay="indefinite"/>
+                        <p:cond evt="onBegin" delay="0">
+                          <p:tn val="2"/>
+                        </p:cond>
+                      </p:stCondLst>
+                      <p:childTnLst>
+                        <p:par>
+                          <p:cTn id="4" fill="hold">
+                            <p:stCondLst>
+                              <p:cond delay="0"/>
+                            </p:stCondLst>
+                            <p:childTnLst>
+                              <p:par>
+                                <p:cTn id="5" presetID="1" presetClass="entr" presetSubtype="0" fill="hold" grpId="0" nodeType="afterEffect">
+                                  <p:stCondLst>
+                                    <p:cond delay="500"/>
+                                  </p:stCondLst>
+                                  <p:childTnLst>
+                                    <p:set>
+                                      <p:cBhvr>
+                                        <p:cTn id="6" dur="1" fill="hold">
+                                          <p:stCondLst>
+                                            <p:cond delay="0"/>
+                                          </p:stCondLst>
+                                        </p:cTn>
+                                        <p:tgtEl>
+                                          <p:spTgt spid="15">
+                                            <p:txEl>
+                                              <p:pRg st="0" end="0"/>
+                                            </p:txEl>
+                                          </p:spTgt>
+                                        </p:tgtEl>
+                                        <p:attrNameLst>
+                                          <p:attrName>style.visibility</p:attrName>
+                                        </p:attrNameLst>
+                                      </p:cBhvr>
+                                      <p:to>
+                                        <p:strVal val="visible"/>
+                                      </p:to>
+                                    </p:set>
+                                  </p:childTnLst>
+                                </p:cTn>
+                              </p:par>
+                            </p:childTnLst>
+                          </p:cTn>
+                        </p:par>
+                      </p:childTnLst>
+                    </p:cTn>
+                  </p:par>
+                  <p:par>
+                    <p:cTn id="7" fill="hold">
+                      <p:stCondLst>
+                        <p:cond delay="indefinite"/>
+                      </p:stCondLst>
+                      <p:childTnLst>
+                        <p:par>
+                          <p:cTn id="8" fill="hold">
+                            <p:stCondLst>
+                              <p:cond delay="0"/>
+                            </p:stCondLst>
+                            <p:childTnLst>
+                              <p:par>
+                                <p:cTn id="9" presetID="1" presetClass="entr" presetSubtype="0" fill="hold" grpId="0" nodeType="clickEffect">
+                                  <p:stCondLst>
+                                    <p:cond delay="0"/>
+                                  </p:stCondLst>
+                                  <p:childTnLst>
+                                    <p:set>
+                                      <p:cBhvr>
+                                        <p:cTn id="10" dur="1" fill="hold">
+                                          <p:stCondLst>
+                                            <p:cond delay="0"/>
+                                          </p:stCondLst>
+                                        </p:cTn>
+                                        <p:tgtEl>
+                                          <p:spTgt spid="15">
+                                            <p:txEl>
+                                              <p:pRg st="1" end="1"/>
+                                            </p:txEl>
+                                          </p:spTgt>
+                                        </p:tgtEl>
+                                        <p:attrNameLst>
+                                          <p:attrName>style.visibility</p:attrName>
+                                        </p:attrNameLst>
+                                      </p:cBhvr>
+                                      <p:to>
+                                        <p:strVal val="visible"/>
+                                      </p:to>
+                                    </p:set>
+                                  </p:childTnLst>
+                                </p:cTn>
+                              </p:par>
+                            </p:childTnLst>
+                          </p:cTn>
+                        </p:par>
+                      </p:childTnLst>
+                    </p:cTn>
+                  </p:par>
+                </p:childTnLst>
+              </p:cTn>
+              <p:prevCondLst>
+                <p:cond evt="onPrev" delay="0">
+                  <p:tgtEl>
+                    <p:sldTgt/>
+                  </p:tgtEl>
+                </p:cond>
+              </p:prevCondLst>
+              <p:nextCondLst>
+                <p:cond evt="onNext" delay="0">
+                  <p:tgtEl>
+                    <p:sldTgt/>
+                  </p:tgtEl>
+                </p:cond>
+              </p:nextCondLst>
+            </p:seq>
+          </p:childTnLst>
+        </p:cTn>
+      </p:par>
+    </p:tnLst>
+    <p:bldLst>
+      <p:bldP spid="15" grpId="0" uiExpand="1" build="p" bldLvl="2"/>
+    </p:bldLst>
+  </p:timing>
+</p:sld>
+</file>
+
+<file path=ppt/slides/slide5.xml><?xml version="1.0" encoding="utf-8"?>
+<p:sld xmlns:a="http://schemas.openxmlformats.org/drawingml/2006/main" xmlns:r="http://schemas.openxmlformats.org/officeDocument/2006/relationships" xmlns:p="http://schemas.openxmlformats.org/presentationml/2006/main">
+  <p:cSld>
+    <p:spTree>
+      <p:nvGrpSpPr>
+        <p:cNvPr id="1" name=""/>
+        <p:cNvGrpSpPr/>
+        <p:nvPr/>
+      </p:nvGrpSpPr>
+      <p:grpSpPr>
+        <a:xfrm>
+          <a:off x="0" y="0"/>
+          <a:ext cx="0" cy="0"/>
+          <a:chOff x="0" y="0"/>
+          <a:chExt cx="0" cy="0"/>
+        </a:xfrm>
+      </p:grpSpPr>
+      <p:pic>
+        <p:nvPicPr>
+          <p:cNvPr id="12" name="Grafik 11">
+            <a:extLst>
+              <a:ext uri="{FF2B5EF4-FFF2-40B4-BE49-F238E27FC236}">
+                <a16:creationId xmlns:a16="http://schemas.microsoft.com/office/drawing/2014/main" id="{3CAD2387-56CE-894F-B3B7-96EC9F4BCD2B}"/>
+              </a:ext>
+            </a:extLst>
+          </p:cNvPr>
+          <p:cNvPicPr>
+            <a:picLocks noChangeAspect="1"/>
+          </p:cNvPicPr>
+          <p:nvPr/>
+        </p:nvPicPr>
+        <p:blipFill>
+          <a:blip r:embed="rId2">
+            <a:extLst>
+              <a:ext uri="{28A0092B-C50C-407E-A947-70E740481C1C}">
+                <a14:useLocalDpi xmlns:a14="http://schemas.microsoft.com/office/drawing/2010/main" val="0"/>
+              </a:ext>
+            </a:extLst>
+          </a:blip>
+          <a:stretch>
+            <a:fillRect/>
+          </a:stretch>
+        </p:blipFill>
+        <p:spPr>
+          <a:xfrm>
+            <a:off x="0" y="-3571"/>
+            <a:ext cx="1066800" cy="406400"/>
+          </a:xfrm>
+          <a:prstGeom prst="rect">
+            <a:avLst/>
+          </a:prstGeom>
+        </p:spPr>
+      </p:pic>
+      <p:cxnSp>
+        <p:nvCxnSpPr>
+          <p:cNvPr id="5" name="Gerade Verbindung 4"/>
+          <p:cNvCxnSpPr/>
+          <p:nvPr/>
+        </p:nvCxnSpPr>
+        <p:spPr>
+          <a:xfrm>
+            <a:off x="0" y="6525344"/>
+            <a:ext cx="9144000" cy="0"/>
+          </a:xfrm>
+          <a:prstGeom prst="line">
+            <a:avLst/>
+          </a:prstGeom>
+          <a:ln>
+            <a:solidFill>
+              <a:schemeClr val="tx1"/>
+            </a:solidFill>
+          </a:ln>
+        </p:spPr>
+        <p:style>
+          <a:lnRef idx="1">
+            <a:schemeClr val="accent1"/>
+          </a:lnRef>
+          <a:fillRef idx="0">
+            <a:schemeClr val="accent1"/>
+          </a:fillRef>
+          <a:effectRef idx="0">
+            <a:schemeClr val="accent1"/>
+          </a:effectRef>
+          <a:fontRef idx="minor">
+            <a:schemeClr val="tx1"/>
+          </a:fontRef>
+        </p:style>
+      </p:cxnSp>
+      <p:sp>
+        <p:nvSpPr>
+          <p:cNvPr id="6" name="Textfeld 5"/>
+          <p:cNvSpPr txBox="1"/>
+          <p:nvPr/>
+        </p:nvSpPr>
+        <p:spPr>
+          <a:xfrm>
+            <a:off x="287830" y="6542726"/>
+            <a:ext cx="1208792" cy="276999"/>
+          </a:xfrm>
+          <a:prstGeom prst="rect">
+            <a:avLst/>
+          </a:prstGeom>
+          <a:noFill/>
+        </p:spPr>
+        <p:txBody>
+          <a:bodyPr wrap="none" rtlCol="0">
+            <a:spAutoFit/>
+          </a:bodyPr>
+          <a:lstStyle/>
+          <a:p>
+            <a:r>
+              <a:rPr lang="de-CH" sz="1200" dirty="0">
+                <a:latin typeface="Calibri" panose="020F0502020204030204" pitchFamily="34" charset="0"/>
+              </a:rPr>
+              <a:t>Meilenstein_M2</a:t>
+            </a:r>
+          </a:p>
+        </p:txBody>
+      </p:sp>
+      <p:sp>
+        <p:nvSpPr>
+          <p:cNvPr id="8" name="Textfeld 7"/>
+          <p:cNvSpPr txBox="1"/>
+          <p:nvPr/>
+        </p:nvSpPr>
+        <p:spPr>
+          <a:xfrm>
+            <a:off x="3627204" y="6542724"/>
+            <a:ext cx="1800200" cy="276999"/>
+          </a:xfrm>
+          <a:prstGeom prst="rect">
+            <a:avLst/>
+          </a:prstGeom>
+          <a:noFill/>
+        </p:spPr>
+        <p:txBody>
+          <a:bodyPr wrap="square" rtlCol="0">
+            <a:spAutoFit/>
+          </a:bodyPr>
+          <a:lstStyle/>
+          <a:p>
+            <a:pPr algn="ctr"/>
+            <a:r>
+              <a:rPr lang="de-CH" sz="1200" dirty="0">
+                <a:latin typeface="Calibri" panose="020F0502020204030204" pitchFamily="34" charset="0"/>
+              </a:rPr>
+              <a:t>Seite 1/??</a:t>
+            </a:r>
+          </a:p>
+        </p:txBody>
+      </p:sp>
+      <p:cxnSp>
+        <p:nvCxnSpPr>
+          <p:cNvPr id="9" name="Gerade Verbindung 4"/>
+          <p:cNvCxnSpPr/>
+          <p:nvPr/>
+        </p:nvCxnSpPr>
+        <p:spPr>
+          <a:xfrm>
+            <a:off x="-5050" y="421597"/>
+            <a:ext cx="9144000" cy="0"/>
+          </a:xfrm>
+          <a:prstGeom prst="line">
+            <a:avLst/>
+          </a:prstGeom>
+          <a:ln>
+            <a:solidFill>
+              <a:schemeClr val="tx1"/>
+            </a:solidFill>
+          </a:ln>
+        </p:spPr>
+        <p:style>
+          <a:lnRef idx="1">
+            <a:schemeClr val="accent1"/>
+          </a:lnRef>
+          <a:fillRef idx="0">
+            <a:schemeClr val="accent1"/>
+          </a:fillRef>
+          <a:effectRef idx="0">
+            <a:schemeClr val="accent1"/>
+          </a:effectRef>
+          <a:fontRef idx="minor">
+            <a:schemeClr val="tx1"/>
+          </a:fontRef>
+        </p:style>
+      </p:cxnSp>
+      <p:sp>
+        <p:nvSpPr>
+          <p:cNvPr id="10" name="Textfeld 9"/>
+          <p:cNvSpPr txBox="1"/>
+          <p:nvPr/>
+        </p:nvSpPr>
+        <p:spPr>
+          <a:xfrm>
+            <a:off x="7615828" y="144598"/>
+            <a:ext cx="1265796" cy="276999"/>
+          </a:xfrm>
+          <a:prstGeom prst="rect">
+            <a:avLst/>
+          </a:prstGeom>
+          <a:noFill/>
+        </p:spPr>
+        <p:txBody>
+          <a:bodyPr wrap="none" rtlCol="0">
+            <a:spAutoFit/>
+          </a:bodyPr>
+          <a:lstStyle/>
+          <a:p>
+            <a:pPr algn="r"/>
+            <a:r>
+              <a:rPr lang="de-CH" sz="1200" dirty="0">
+                <a:latin typeface="Calibri" panose="020F0502020204030204" pitchFamily="34" charset="0"/>
+              </a:rPr>
+              <a:t>SysP18_Team_10</a:t>
+            </a:r>
+          </a:p>
+        </p:txBody>
+      </p:sp>
+      <p:sp>
+        <p:nvSpPr>
+          <p:cNvPr id="14" name="Textfeld 13"/>
+          <p:cNvSpPr txBox="1"/>
+          <p:nvPr/>
+        </p:nvSpPr>
+        <p:spPr>
+          <a:xfrm>
+            <a:off x="360000" y="468000"/>
+            <a:ext cx="3492082" cy="523220"/>
+          </a:xfrm>
+          <a:prstGeom prst="rect">
+            <a:avLst/>
+          </a:prstGeom>
+          <a:noFill/>
+        </p:spPr>
+        <p:txBody>
+          <a:bodyPr wrap="square" rtlCol="0">
+            <a:spAutoFit/>
+          </a:bodyPr>
+          <a:lstStyle/>
+          <a:p>
+            <a:r>
+              <a:rPr lang="de-CH" sz="2800" b="1" dirty="0">
+                <a:latin typeface="+mj-lt"/>
+              </a:rPr>
+              <a:t>Elektronik</a:t>
+            </a:r>
+          </a:p>
+        </p:txBody>
+      </p:sp>
+      <p:sp>
+        <p:nvSpPr>
+          <p:cNvPr id="15" name="Textfeld 14"/>
+          <p:cNvSpPr txBox="1"/>
+          <p:nvPr/>
+        </p:nvSpPr>
+        <p:spPr>
+          <a:xfrm>
+            <a:off x="633367" y="1623458"/>
+            <a:ext cx="7207585" cy="4708981"/>
+          </a:xfrm>
+          <a:prstGeom prst="rect">
+            <a:avLst/>
+          </a:prstGeom>
+          <a:noFill/>
+        </p:spPr>
+        <p:txBody>
+          <a:bodyPr wrap="square" rtlCol="0" anchor="t">
+            <a:spAutoFit/>
+          </a:bodyPr>
+          <a:lstStyle/>
+          <a:p>
+            <a:pPr marL="342900" indent="-342900">
+              <a:spcAft>
+                <a:spcPts val="800"/>
+              </a:spcAft>
+              <a:buFont typeface="Symbol" pitchFamily="2" charset="2"/>
+              <a:buChar char="-"/>
+            </a:pPr>
+            <a:r>
+              <a:rPr lang="de-CH" sz="2400" dirty="0">
+                <a:latin typeface="Calibri" panose="020F0502020204030204" pitchFamily="34" charset="0"/>
+              </a:rPr>
+              <a:t>Erster Entwurf Sensoren und Diverses</a:t>
+            </a:r>
+          </a:p>
+          <a:p>
+            <a:pPr marL="342900" indent="-342900">
+              <a:spcAft>
+                <a:spcPts val="800"/>
+              </a:spcAft>
+              <a:buFont typeface="Symbol" pitchFamily="2" charset="2"/>
+              <a:buChar char="-"/>
+            </a:pPr>
+            <a:r>
+              <a:rPr lang="de-CH" sz="2400" dirty="0">
+                <a:latin typeface="Calibri" panose="020F0502020204030204" pitchFamily="34" charset="0"/>
+              </a:rPr>
+              <a:t>Entwurf Top Sheet</a:t>
+            </a:r>
+          </a:p>
+          <a:p>
+            <a:pPr marL="342900" indent="-342900">
+              <a:spcAft>
+                <a:spcPts val="800"/>
+              </a:spcAft>
+              <a:buFont typeface="Symbol" pitchFamily="2" charset="2"/>
+              <a:buChar char="-"/>
+            </a:pPr>
+            <a:r>
+              <a:rPr lang="de-CH" sz="2400" dirty="0">
+                <a:latin typeface="Calibri" panose="020F0502020204030204" pitchFamily="34" charset="0"/>
+              </a:rPr>
+              <a:t>Top Sheet Aktuell</a:t>
+            </a:r>
+          </a:p>
+          <a:p>
+            <a:pPr marL="342900" indent="-342900">
+              <a:spcAft>
+                <a:spcPts val="800"/>
+              </a:spcAft>
+              <a:buFont typeface="Symbol" pitchFamily="2" charset="2"/>
+              <a:buChar char="-"/>
+            </a:pPr>
+            <a:r>
+              <a:rPr lang="de-CH" sz="2400" dirty="0">
+                <a:latin typeface="Calibri" panose="020F0502020204030204" pitchFamily="34" charset="0"/>
+              </a:rPr>
+              <a:t>MPC 55 und Diverses</a:t>
+            </a:r>
+          </a:p>
+          <a:p>
+            <a:pPr marL="342900" indent="-342900">
+              <a:spcAft>
+                <a:spcPts val="800"/>
+              </a:spcAft>
+              <a:buFont typeface="Symbol" pitchFamily="2" charset="2"/>
+              <a:buChar char="-"/>
+            </a:pPr>
+            <a:r>
+              <a:rPr lang="de-CH" sz="2400" dirty="0">
+                <a:latin typeface="Calibri" panose="020F0502020204030204" pitchFamily="34" charset="0"/>
+              </a:rPr>
+              <a:t>PCB Layout</a:t>
+            </a:r>
+          </a:p>
+          <a:p>
+            <a:pPr marL="342900" indent="-342900">
+              <a:spcAft>
+                <a:spcPts val="800"/>
+              </a:spcAft>
+              <a:buFont typeface="Symbol" pitchFamily="2" charset="2"/>
+              <a:buChar char="-"/>
+            </a:pPr>
+            <a:r>
+              <a:rPr lang="de-CH" sz="2400" dirty="0">
+                <a:latin typeface="Calibri" panose="020F0502020204030204" pitchFamily="34" charset="0"/>
+              </a:rPr>
+              <a:t>PCB 3D Modell</a:t>
+            </a:r>
+          </a:p>
+          <a:p>
+            <a:pPr marL="342900" indent="-342900">
+              <a:spcAft>
+                <a:spcPts val="800"/>
+              </a:spcAft>
+              <a:buFont typeface="Symbol" pitchFamily="2" charset="2"/>
+              <a:buChar char="-"/>
+            </a:pPr>
+            <a:r>
+              <a:rPr lang="de-CH" sz="2400" dirty="0">
+                <a:latin typeface="Calibri" panose="020F0502020204030204" pitchFamily="34" charset="0"/>
+              </a:rPr>
+              <a:t>Motorentreiber Schema</a:t>
+            </a:r>
+          </a:p>
+          <a:p>
+            <a:pPr marL="342900" indent="-342900">
+              <a:spcAft>
+                <a:spcPts val="800"/>
+              </a:spcAft>
+              <a:buFont typeface="Symbol" pitchFamily="2" charset="2"/>
+              <a:buChar char="-"/>
+            </a:pPr>
+            <a:r>
+              <a:rPr lang="de-CH" sz="2400" dirty="0">
+                <a:latin typeface="Calibri" panose="020F0502020204030204" pitchFamily="34" charset="0"/>
+              </a:rPr>
+              <a:t>Motorentreiber PCB Layout</a:t>
+            </a:r>
+          </a:p>
+          <a:p>
+            <a:pPr marL="342900" indent="-342900">
+              <a:spcAft>
+                <a:spcPts val="800"/>
+              </a:spcAft>
+              <a:buFont typeface="Symbol" pitchFamily="2" charset="2"/>
+              <a:buChar char="-"/>
+            </a:pPr>
+            <a:r>
+              <a:rPr lang="de-CH" sz="2400" dirty="0">
+                <a:latin typeface="Calibri" panose="020F0502020204030204" pitchFamily="34" charset="0"/>
+              </a:rPr>
+              <a:t>Fehlerquelle Spannungsversorgung (Switch-Loop)</a:t>
+            </a:r>
+          </a:p>
+          <a:p>
+            <a:pPr marL="342900" indent="-342900">
+              <a:spcAft>
+                <a:spcPts val="800"/>
+              </a:spcAft>
+              <a:buFont typeface="Symbol" pitchFamily="2" charset="2"/>
+              <a:buChar char="-"/>
+            </a:pPr>
+            <a:r>
+              <a:rPr lang="de-CH" sz="2400" dirty="0">
+                <a:latin typeface="Calibri" panose="020F0502020204030204" pitchFamily="34" charset="0"/>
+              </a:rPr>
+              <a:t>Motorentreiber PCB 3D</a:t>
+            </a:r>
+          </a:p>
+        </p:txBody>
+      </p:sp>
+      <p:sp>
+        <p:nvSpPr>
+          <p:cNvPr id="13" name="Textfeld 12">
+            <a:extLst>
+              <a:ext uri="{FF2B5EF4-FFF2-40B4-BE49-F238E27FC236}">
+                <a16:creationId xmlns:a16="http://schemas.microsoft.com/office/drawing/2014/main" id="{B9888DC2-2AAA-F34E-A3D1-EBAE77A31728}"/>
+              </a:ext>
+            </a:extLst>
+          </p:cNvPr>
+          <p:cNvSpPr txBox="1"/>
+          <p:nvPr/>
+        </p:nvSpPr>
+        <p:spPr>
+          <a:xfrm>
+            <a:off x="7840953" y="6542725"/>
+            <a:ext cx="1040671" cy="276999"/>
+          </a:xfrm>
+          <a:prstGeom prst="rect">
+            <a:avLst/>
+          </a:prstGeom>
+          <a:noFill/>
+        </p:spPr>
+        <p:txBody>
+          <a:bodyPr wrap="none" rtlCol="0">
+            <a:spAutoFit/>
+          </a:bodyPr>
+          <a:lstStyle/>
+          <a:p>
+            <a:pPr algn="r"/>
+            <a:r>
+              <a:rPr lang="de-CH" sz="1200" dirty="0">
+                <a:latin typeface="Calibri" panose="020F0502020204030204" pitchFamily="34" charset="0"/>
+              </a:rPr>
+              <a:t>3.  März 2018</a:t>
+            </a:r>
+          </a:p>
+        </p:txBody>
+      </p:sp>
+    </p:spTree>
+    <p:extLst>
+      <p:ext uri="{BB962C8B-B14F-4D97-AF65-F5344CB8AC3E}">
+        <p14:creationId xmlns:p14="http://schemas.microsoft.com/office/powerpoint/2010/main" val="662107483"/>
+      </p:ext>
+    </p:extLst>
+  </p:cSld>
+  <p:clrMapOvr>
+    <a:masterClrMapping/>
+  </p:clrMapOvr>
+  <p:timing>
+    <p:tnLst>
+      <p:par>
+        <p:cTn id="1" dur="indefinite" restart="never" nodeType="tmRoot">
+          <p:childTnLst>
+            <p:seq concurrent="1" nextAc="seek">
+              <p:cTn id="2" dur="indefinite" nodeType="mainSeq">
+                <p:childTnLst>
+                  <p:par>
+                    <p:cTn id="3" fill="hold">
+                      <p:stCondLst>
+                        <p:cond delay="indefinite"/>
+                        <p:cond evt="onBegin" delay="0">
+                          <p:tn val="2"/>
+                        </p:cond>
+                      </p:stCondLst>
+                      <p:childTnLst>
+                        <p:par>
+                          <p:cTn id="4" fill="hold">
+                            <p:stCondLst>
+                              <p:cond delay="0"/>
+                            </p:stCondLst>
+                            <p:childTnLst>
+                              <p:par>
+                                <p:cTn id="5" presetID="1" presetClass="entr" presetSubtype="0" fill="hold" grpId="0" nodeType="afterEffect">
+                                  <p:stCondLst>
+                                    <p:cond delay="0"/>
+                                  </p:stCondLst>
+                                  <p:childTnLst>
+                                    <p:set>
+                                      <p:cBhvr>
+                                        <p:cTn id="6" dur="1" fill="hold">
+                                          <p:stCondLst>
+                                            <p:cond delay="0"/>
+                                          </p:stCondLst>
+                                        </p:cTn>
+                                        <p:tgtEl>
+                                          <p:spTgt spid="15">
+                                            <p:txEl>
+                                              <p:pRg st="0" end="0"/>
+                                            </p:txEl>
+                                          </p:spTgt>
+                                        </p:tgtEl>
+                                        <p:attrNameLst>
+                                          <p:attrName>style.visibility</p:attrName>
+                                        </p:attrNameLst>
+                                      </p:cBhvr>
+                                      <p:to>
+                                        <p:strVal val="visible"/>
+                                      </p:to>
+                                    </p:set>
+                                  </p:childTnLst>
+                                </p:cTn>
+                              </p:par>
+                            </p:childTnLst>
+                          </p:cTn>
+                        </p:par>
+                      </p:childTnLst>
+                    </p:cTn>
+                  </p:par>
+                  <p:par>
+                    <p:cTn id="7" fill="hold">
+                      <p:stCondLst>
+                        <p:cond delay="indefinite"/>
+                      </p:stCondLst>
+                      <p:childTnLst>
+                        <p:par>
+                          <p:cTn id="8" fill="hold">
+                            <p:stCondLst>
+                              <p:cond delay="0"/>
+                            </p:stCondLst>
+                            <p:childTnLst>
+                              <p:par>
+                                <p:cTn id="9" presetID="1" presetClass="entr" presetSubtype="0" fill="hold" grpId="0" nodeType="clickEffect">
+                                  <p:stCondLst>
+                                    <p:cond delay="0"/>
+                                  </p:stCondLst>
+                                  <p:childTnLst>
+                                    <p:set>
+                                      <p:cBhvr>
+                                        <p:cTn id="10" dur="1" fill="hold">
+                                          <p:stCondLst>
+                                            <p:cond delay="0"/>
+                                          </p:stCondLst>
+                                        </p:cTn>
+                                        <p:tgtEl>
+                                          <p:spTgt spid="15">
+                                            <p:txEl>
+                                              <p:pRg st="1" end="1"/>
+                                            </p:txEl>
+                                          </p:spTgt>
+                                        </p:tgtEl>
+                                        <p:attrNameLst>
+                                          <p:attrName>style.visibility</p:attrName>
+                                        </p:attrNameLst>
+                                      </p:cBhvr>
+                                      <p:to>
+                                        <p:strVal val="visible"/>
+                                      </p:to>
+                                    </p:set>
+                                  </p:childTnLst>
+                                </p:cTn>
+                              </p:par>
+                            </p:childTnLst>
+                          </p:cTn>
+                        </p:par>
+                      </p:childTnLst>
+                    </p:cTn>
+                  </p:par>
+                  <p:par>
+                    <p:cTn id="11" fill="hold">
+                      <p:stCondLst>
+                        <p:cond delay="indefinite"/>
+                      </p:stCondLst>
+                      <p:childTnLst>
+                        <p:par>
+                          <p:cTn id="12" fill="hold">
+                            <p:stCondLst>
+                              <p:cond delay="0"/>
+                            </p:stCondLst>
+                            <p:childTnLst>
+                              <p:par>
+                                <p:cTn id="13" presetID="1" presetClass="entr" presetSubtype="0" fill="hold" grpId="0" nodeType="clickEffect">
+                                  <p:stCondLst>
+                                    <p:cond delay="0"/>
+                                  </p:stCondLst>
+                                  <p:childTnLst>
+                                    <p:set>
+                                      <p:cBhvr>
+                                        <p:cTn id="14" dur="1" fill="hold">
+                                          <p:stCondLst>
+                                            <p:cond delay="0"/>
+                                          </p:stCondLst>
+                                        </p:cTn>
+                                        <p:tgtEl>
+                                          <p:spTgt spid="15">
+                                            <p:txEl>
+                                              <p:pRg st="2" end="2"/>
+                                            </p:txEl>
+                                          </p:spTgt>
+                                        </p:tgtEl>
+                                        <p:attrNameLst>
+                                          <p:attrName>style.visibility</p:attrName>
+                                        </p:attrNameLst>
+                                      </p:cBhvr>
+                                      <p:to>
+                                        <p:strVal val="visible"/>
+                                      </p:to>
+                                    </p:set>
+                                  </p:childTnLst>
+                                </p:cTn>
+                              </p:par>
+                            </p:childTnLst>
+                          </p:cTn>
+                        </p:par>
+                      </p:childTnLst>
+                    </p:cTn>
+                  </p:par>
+                  <p:par>
+                    <p:cTn id="15" fill="hold">
+                      <p:stCondLst>
+                        <p:cond delay="indefinite"/>
+                      </p:stCondLst>
+                      <p:childTnLst>
+                        <p:par>
+                          <p:cTn id="16" fill="hold">
+                            <p:stCondLst>
+                              <p:cond delay="0"/>
+                            </p:stCondLst>
+                            <p:childTnLst>
+                              <p:par>
+                                <p:cTn id="17" presetID="1" presetClass="entr" presetSubtype="0" fill="hold" grpId="0" nodeType="clickEffect">
+                                  <p:stCondLst>
+                                    <p:cond delay="0"/>
+                                  </p:stCondLst>
+                                  <p:childTnLst>
+                                    <p:set>
+                                      <p:cBhvr>
+                                        <p:cTn id="18" dur="1" fill="hold">
+                                          <p:stCondLst>
+                                            <p:cond delay="0"/>
+                                          </p:stCondLst>
+                                        </p:cTn>
+                                        <p:tgtEl>
+                                          <p:spTgt spid="15">
+                                            <p:txEl>
+                                              <p:pRg st="3" end="3"/>
+                                            </p:txEl>
+                                          </p:spTgt>
+                                        </p:tgtEl>
+                                        <p:attrNameLst>
+                                          <p:attrName>style.visibility</p:attrName>
+                                        </p:attrNameLst>
+                                      </p:cBhvr>
+                                      <p:to>
+                                        <p:strVal val="visible"/>
+                                      </p:to>
+                                    </p:set>
+                                  </p:childTnLst>
+                                </p:cTn>
+                              </p:par>
+                            </p:childTnLst>
+                          </p:cTn>
+                        </p:par>
+                      </p:childTnLst>
+                    </p:cTn>
+                  </p:par>
+                  <p:par>
+                    <p:cTn id="19" fill="hold">
+                      <p:stCondLst>
+                        <p:cond delay="indefinite"/>
+                      </p:stCondLst>
+                      <p:childTnLst>
+                        <p:par>
+                          <p:cTn id="20" fill="hold">
+                            <p:stCondLst>
+                              <p:cond delay="0"/>
+                            </p:stCondLst>
+                            <p:childTnLst>
+                              <p:par>
+                                <p:cTn id="21" presetID="1" presetClass="entr" presetSubtype="0" fill="hold" grpId="0" nodeType="clickEffect">
+                                  <p:stCondLst>
+                                    <p:cond delay="0"/>
+                                  </p:stCondLst>
+                                  <p:childTnLst>
+                                    <p:set>
+                                      <p:cBhvr>
+                                        <p:cTn id="22" dur="1" fill="hold">
+                                          <p:stCondLst>
+                                            <p:cond delay="0"/>
+                                          </p:stCondLst>
+                                        </p:cTn>
+                                        <p:tgtEl>
+                                          <p:spTgt spid="15">
+                                            <p:txEl>
+                                              <p:pRg st="4" end="4"/>
+                                            </p:txEl>
+                                          </p:spTgt>
+                                        </p:tgtEl>
+                                        <p:attrNameLst>
+                                          <p:attrName>style.visibility</p:attrName>
+                                        </p:attrNameLst>
+                                      </p:cBhvr>
+                                      <p:to>
+                                        <p:strVal val="visible"/>
+                                      </p:to>
+                                    </p:set>
+                                  </p:childTnLst>
+                                </p:cTn>
+                              </p:par>
+                            </p:childTnLst>
+                          </p:cTn>
+                        </p:par>
+                      </p:childTnLst>
+                    </p:cTn>
+                  </p:par>
+                  <p:par>
+                    <p:cTn id="23" fill="hold">
+                      <p:stCondLst>
+                        <p:cond delay="indefinite"/>
+                      </p:stCondLst>
+                      <p:childTnLst>
+                        <p:par>
+                          <p:cTn id="24" fill="hold">
+                            <p:stCondLst>
+                              <p:cond delay="0"/>
+                            </p:stCondLst>
+                            <p:childTnLst>
+                              <p:par>
+                                <p:cTn id="25" presetID="1" presetClass="entr" presetSubtype="0" fill="hold" grpId="0" nodeType="clickEffect">
+                                  <p:stCondLst>
+                                    <p:cond delay="0"/>
+                                  </p:stCondLst>
+                                  <p:childTnLst>
+                                    <p:set>
+                                      <p:cBhvr>
+                                        <p:cTn id="26" dur="1" fill="hold">
+                                          <p:stCondLst>
+                                            <p:cond delay="0"/>
+                                          </p:stCondLst>
+                                        </p:cTn>
+                                        <p:tgtEl>
+                                          <p:spTgt spid="15">
+                                            <p:txEl>
+                                              <p:pRg st="5" end="5"/>
+                                            </p:txEl>
+                                          </p:spTgt>
+                                        </p:tgtEl>
+                                        <p:attrNameLst>
+                                          <p:attrName>style.visibility</p:attrName>
+                                        </p:attrNameLst>
+                                      </p:cBhvr>
+                                      <p:to>
+                                        <p:strVal val="visible"/>
+                                      </p:to>
+                                    </p:set>
+                                  </p:childTnLst>
+                                </p:cTn>
+                              </p:par>
+                            </p:childTnLst>
+                          </p:cTn>
+                        </p:par>
+                      </p:childTnLst>
+                    </p:cTn>
+                  </p:par>
+                  <p:par>
+                    <p:cTn id="27" fill="hold">
+                      <p:stCondLst>
+                        <p:cond delay="indefinite"/>
+                      </p:stCondLst>
+                      <p:childTnLst>
+                        <p:par>
+                          <p:cTn id="28" fill="hold">
+                            <p:stCondLst>
+                              <p:cond delay="0"/>
+                            </p:stCondLst>
+                            <p:childTnLst>
+                              <p:par>
+                                <p:cTn id="29" presetID="1" presetClass="entr" presetSubtype="0" fill="hold" grpId="0" nodeType="clickEffect">
+                                  <p:stCondLst>
+                                    <p:cond delay="0"/>
+                                  </p:stCondLst>
+                                  <p:childTnLst>
+                                    <p:set>
+                                      <p:cBhvr>
+                                        <p:cTn id="30" dur="1" fill="hold">
+                                          <p:stCondLst>
+                                            <p:cond delay="0"/>
+                                          </p:stCondLst>
+                                        </p:cTn>
+                                        <p:tgtEl>
+                                          <p:spTgt spid="15">
+                                            <p:txEl>
+                                              <p:pRg st="6" end="6"/>
+                                            </p:txEl>
+                                          </p:spTgt>
+                                        </p:tgtEl>
+                                        <p:attrNameLst>
+                                          <p:attrName>style.visibility</p:attrName>
+                                        </p:attrNameLst>
+                                      </p:cBhvr>
+                                      <p:to>
+                                        <p:strVal val="visible"/>
+                                      </p:to>
+                                    </p:set>
+                                  </p:childTnLst>
+                                </p:cTn>
+                              </p:par>
+                            </p:childTnLst>
+                          </p:cTn>
+                        </p:par>
+                      </p:childTnLst>
+                    </p:cTn>
+                  </p:par>
+                  <p:par>
+                    <p:cTn id="31" fill="hold">
+                      <p:stCondLst>
+                        <p:cond delay="indefinite"/>
+                      </p:stCondLst>
+                      <p:childTnLst>
+                        <p:par>
+                          <p:cTn id="32" fill="hold">
+                            <p:stCondLst>
+                              <p:cond delay="0"/>
+                            </p:stCondLst>
+                            <p:childTnLst>
+                              <p:par>
+                                <p:cTn id="33" presetID="1" presetClass="entr" presetSubtype="0" fill="hold" grpId="0" nodeType="clickEffect">
+                                  <p:stCondLst>
+                                    <p:cond delay="0"/>
+                                  </p:stCondLst>
+                                  <p:childTnLst>
+                                    <p:set>
+                                      <p:cBhvr>
+                                        <p:cTn id="34" dur="1" fill="hold">
+                                          <p:stCondLst>
+                                            <p:cond delay="0"/>
+                                          </p:stCondLst>
+                                        </p:cTn>
+                                        <p:tgtEl>
+                                          <p:spTgt spid="15">
+                                            <p:txEl>
+                                              <p:pRg st="7" end="7"/>
+                                            </p:txEl>
+                                          </p:spTgt>
+                                        </p:tgtEl>
+                                        <p:attrNameLst>
+                                          <p:attrName>style.visibility</p:attrName>
+                                        </p:attrNameLst>
+                                      </p:cBhvr>
+                                      <p:to>
+                                        <p:strVal val="visible"/>
+                                      </p:to>
+                                    </p:set>
+                                  </p:childTnLst>
+                                </p:cTn>
+                              </p:par>
+                            </p:childTnLst>
+                          </p:cTn>
+                        </p:par>
+                      </p:childTnLst>
+                    </p:cTn>
+                  </p:par>
+                  <p:par>
+                    <p:cTn id="35" fill="hold">
+                      <p:stCondLst>
+                        <p:cond delay="indefinite"/>
+                      </p:stCondLst>
+                      <p:childTnLst>
+                        <p:par>
+                          <p:cTn id="36" fill="hold">
+                            <p:stCondLst>
+                              <p:cond delay="0"/>
+                            </p:stCondLst>
+                            <p:childTnLst>
+                              <p:par>
+                                <p:cTn id="37" presetID="1" presetClass="entr" presetSubtype="0" fill="hold" grpId="0" nodeType="clickEffect">
+                                  <p:stCondLst>
+                                    <p:cond delay="0"/>
+                                  </p:stCondLst>
+                                  <p:childTnLst>
+                                    <p:set>
+                                      <p:cBhvr>
+                                        <p:cTn id="38" dur="1" fill="hold">
+                                          <p:stCondLst>
+                                            <p:cond delay="0"/>
+                                          </p:stCondLst>
+                                        </p:cTn>
+                                        <p:tgtEl>
+                                          <p:spTgt spid="15">
+                                            <p:txEl>
+                                              <p:pRg st="8" end="8"/>
+                                            </p:txEl>
+                                          </p:spTgt>
+                                        </p:tgtEl>
+                                        <p:attrNameLst>
+                                          <p:attrName>style.visibility</p:attrName>
+                                        </p:attrNameLst>
+                                      </p:cBhvr>
+                                      <p:to>
+                                        <p:strVal val="visible"/>
+                                      </p:to>
+                                    </p:set>
+                                  </p:childTnLst>
+                                </p:cTn>
+                              </p:par>
+                            </p:childTnLst>
+                          </p:cTn>
+                        </p:par>
+                      </p:childTnLst>
+                    </p:cTn>
+                  </p:par>
+                  <p:par>
+                    <p:cTn id="39" fill="hold">
+                      <p:stCondLst>
+                        <p:cond delay="indefinite"/>
+                      </p:stCondLst>
+                      <p:childTnLst>
+                        <p:par>
+                          <p:cTn id="40" fill="hold">
+                            <p:stCondLst>
+                              <p:cond delay="0"/>
+                            </p:stCondLst>
+                            <p:childTnLst>
+                              <p:par>
+                                <p:cTn id="41" presetID="1" presetClass="entr" presetSubtype="0" fill="hold" grpId="0" nodeType="clickEffect">
+                                  <p:stCondLst>
+                                    <p:cond delay="0"/>
+                                  </p:stCondLst>
+                                  <p:childTnLst>
+                                    <p:set>
+                                      <p:cBhvr>
+                                        <p:cTn id="42" dur="1" fill="hold">
+                                          <p:stCondLst>
+                                            <p:cond delay="0"/>
+                                          </p:stCondLst>
+                                        </p:cTn>
+                                        <p:tgtEl>
+                                          <p:spTgt spid="15">
+                                            <p:txEl>
+                                              <p:pRg st="9" end="9"/>
+                                            </p:txEl>
+                                          </p:spTgt>
+                                        </p:tgtEl>
+                                        <p:attrNameLst>
+                                          <p:attrName>style.visibility</p:attrName>
+                                        </p:attrNameLst>
+                                      </p:cBhvr>
+                                      <p:to>
+                                        <p:strVal val="visible"/>
+                                      </p:to>
+                                    </p:set>
+                                  </p:childTnLst>
+                                </p:cTn>
+                              </p:par>
+                            </p:childTnLst>
+                          </p:cTn>
+                        </p:par>
+                      </p:childTnLst>
+                    </p:cTn>
+                  </p:par>
+                </p:childTnLst>
+              </p:cTn>
+              <p:prevCondLst>
+                <p:cond evt="onPrev" delay="0">
+                  <p:tgtEl>
+                    <p:sldTgt/>
+                  </p:tgtEl>
+                </p:cond>
+              </p:prevCondLst>
+              <p:nextCondLst>
+                <p:cond evt="onNext" delay="0">
+                  <p:tgtEl>
+                    <p:sldTgt/>
+                  </p:tgtEl>
+                </p:cond>
+              </p:nextCondLst>
+            </p:seq>
+          </p:childTnLst>
+        </p:cTn>
+      </p:par>
+    </p:tnLst>
+    <p:bldLst>
+      <p:bldP spid="15" grpId="0" uiExpand="1" build="p" bldLvl="5"/>
+    </p:bldLst>
+  </p:timing>
+</p:sld>
+</file>
+
+<file path=ppt/slides/slide6.xml><?xml version="1.0" encoding="utf-8"?>
+<p:sld xmlns:a="http://schemas.openxmlformats.org/drawingml/2006/main" xmlns:r="http://schemas.openxmlformats.org/officeDocument/2006/relationships" xmlns:p="http://schemas.openxmlformats.org/presentationml/2006/main">
+  <p:cSld>
+    <p:spTree>
+      <p:nvGrpSpPr>
+        <p:cNvPr id="1" name=""/>
+        <p:cNvGrpSpPr/>
+        <p:nvPr/>
+      </p:nvGrpSpPr>
+      <p:grpSpPr>
+        <a:xfrm>
+          <a:off x="0" y="0"/>
+          <a:ext cx="0" cy="0"/>
+          <a:chOff x="0" y="0"/>
+          <a:chExt cx="0" cy="0"/>
+        </a:xfrm>
+      </p:grpSpPr>
+      <p:pic>
+        <p:nvPicPr>
+          <p:cNvPr id="12" name="Grafik 11">
+            <a:extLst>
+              <a:ext uri="{FF2B5EF4-FFF2-40B4-BE49-F238E27FC236}">
+                <a16:creationId xmlns:a16="http://schemas.microsoft.com/office/drawing/2014/main" id="{63518878-B2F8-9E42-B6D4-7C199E65E901}"/>
+              </a:ext>
+            </a:extLst>
+          </p:cNvPr>
+          <p:cNvPicPr>
+            <a:picLocks noChangeAspect="1"/>
+          </p:cNvPicPr>
+          <p:nvPr/>
+        </p:nvPicPr>
+        <p:blipFill>
+          <a:blip r:embed="rId3">
+            <a:extLst>
+              <a:ext uri="{28A0092B-C50C-407E-A947-70E740481C1C}">
+                <a14:useLocalDpi xmlns:a14="http://schemas.microsoft.com/office/drawing/2010/main" val="0"/>
+              </a:ext>
+            </a:extLst>
+          </a:blip>
+          <a:stretch>
+            <a:fillRect/>
+          </a:stretch>
+        </p:blipFill>
+        <p:spPr>
+          <a:xfrm>
+            <a:off x="0" y="-3571"/>
+            <a:ext cx="1066800" cy="406400"/>
+          </a:xfrm>
+          <a:prstGeom prst="rect">
+            <a:avLst/>
+          </a:prstGeom>
+        </p:spPr>
+      </p:pic>
+      <p:cxnSp>
+        <p:nvCxnSpPr>
+          <p:cNvPr id="5" name="Gerade Verbindung 4"/>
+          <p:cNvCxnSpPr/>
+          <p:nvPr/>
+        </p:nvCxnSpPr>
+        <p:spPr>
+          <a:xfrm>
+            <a:off x="0" y="6525344"/>
+            <a:ext cx="9144000" cy="0"/>
+          </a:xfrm>
+          <a:prstGeom prst="line">
+            <a:avLst/>
+          </a:prstGeom>
+          <a:ln>
+            <a:solidFill>
+              <a:schemeClr val="tx1"/>
+            </a:solidFill>
+          </a:ln>
+        </p:spPr>
+        <p:style>
+          <a:lnRef idx="1">
+            <a:schemeClr val="accent1"/>
+          </a:lnRef>
+          <a:fillRef idx="0">
+            <a:schemeClr val="accent1"/>
+          </a:fillRef>
+          <a:effectRef idx="0">
+            <a:schemeClr val="accent1"/>
+          </a:effectRef>
+          <a:fontRef idx="minor">
+            <a:schemeClr val="tx1"/>
+          </a:fontRef>
+        </p:style>
+      </p:cxnSp>
+      <p:sp>
+        <p:nvSpPr>
+          <p:cNvPr id="6" name="Textfeld 5"/>
+          <p:cNvSpPr txBox="1"/>
+          <p:nvPr/>
+        </p:nvSpPr>
+        <p:spPr>
+          <a:xfrm>
+            <a:off x="287830" y="6542726"/>
+            <a:ext cx="1208792" cy="276999"/>
+          </a:xfrm>
+          <a:prstGeom prst="rect">
+            <a:avLst/>
+          </a:prstGeom>
+          <a:noFill/>
+        </p:spPr>
+        <p:txBody>
+          <a:bodyPr wrap="none" rtlCol="0">
+            <a:spAutoFit/>
+          </a:bodyPr>
+          <a:lstStyle/>
+          <a:p>
+            <a:r>
+              <a:rPr lang="de-CH" sz="1200" dirty="0">
+                <a:latin typeface="Calibri" panose="020F0502020204030204" pitchFamily="34" charset="0"/>
+              </a:rPr>
+              <a:t>Meilenstein_M2</a:t>
+            </a:r>
+          </a:p>
+        </p:txBody>
+      </p:sp>
+      <p:sp>
+        <p:nvSpPr>
+          <p:cNvPr id="8" name="Textfeld 7"/>
+          <p:cNvSpPr txBox="1"/>
+          <p:nvPr/>
+        </p:nvSpPr>
+        <p:spPr>
+          <a:xfrm>
+            <a:off x="3627204" y="6542724"/>
+            <a:ext cx="1800200" cy="276999"/>
+          </a:xfrm>
+          <a:prstGeom prst="rect">
+            <a:avLst/>
+          </a:prstGeom>
+          <a:noFill/>
+        </p:spPr>
+        <p:txBody>
+          <a:bodyPr wrap="square" rtlCol="0">
+            <a:spAutoFit/>
+          </a:bodyPr>
+          <a:lstStyle/>
+          <a:p>
+            <a:pPr algn="ctr"/>
+            <a:r>
+              <a:rPr lang="de-CH" sz="1200" dirty="0">
+                <a:latin typeface="Calibri" panose="020F0502020204030204" pitchFamily="34" charset="0"/>
+              </a:rPr>
+              <a:t>Seite 2/??</a:t>
+            </a:r>
+          </a:p>
+        </p:txBody>
+      </p:sp>
+      <p:cxnSp>
+        <p:nvCxnSpPr>
+          <p:cNvPr id="9" name="Gerade Verbindung 4"/>
+          <p:cNvCxnSpPr/>
+          <p:nvPr/>
+        </p:nvCxnSpPr>
+        <p:spPr>
+          <a:xfrm>
+            <a:off x="-5050" y="421597"/>
+            <a:ext cx="9144000" cy="0"/>
+          </a:xfrm>
+          <a:prstGeom prst="line">
+            <a:avLst/>
+          </a:prstGeom>
+          <a:ln>
+            <a:solidFill>
+              <a:schemeClr val="tx1"/>
+            </a:solidFill>
+          </a:ln>
+        </p:spPr>
+        <p:style>
+          <a:lnRef idx="1">
+            <a:schemeClr val="accent1"/>
+          </a:lnRef>
+          <a:fillRef idx="0">
+            <a:schemeClr val="accent1"/>
+          </a:fillRef>
+          <a:effectRef idx="0">
+            <a:schemeClr val="accent1"/>
+          </a:effectRef>
+          <a:fontRef idx="minor">
+            <a:schemeClr val="tx1"/>
+          </a:fontRef>
+        </p:style>
+      </p:cxnSp>
+      <p:sp>
+        <p:nvSpPr>
+          <p:cNvPr id="10" name="Textfeld 9"/>
+          <p:cNvSpPr txBox="1"/>
+          <p:nvPr/>
+        </p:nvSpPr>
+        <p:spPr>
+          <a:xfrm>
+            <a:off x="7615828" y="144598"/>
+            <a:ext cx="1265796" cy="276999"/>
+          </a:xfrm>
+          <a:prstGeom prst="rect">
+            <a:avLst/>
+          </a:prstGeom>
+          <a:noFill/>
+        </p:spPr>
+        <p:txBody>
+          <a:bodyPr wrap="none" rtlCol="0">
+            <a:spAutoFit/>
+          </a:bodyPr>
+          <a:lstStyle/>
+          <a:p>
+            <a:pPr algn="r"/>
+            <a:r>
+              <a:rPr lang="de-CH" sz="1200" dirty="0">
+                <a:latin typeface="Calibri" panose="020F0502020204030204" pitchFamily="34" charset="0"/>
+              </a:rPr>
+              <a:t>SysP18_Team_10</a:t>
+            </a:r>
+          </a:p>
+        </p:txBody>
+      </p:sp>
+      <p:sp>
+        <p:nvSpPr>
+          <p:cNvPr id="14" name="Textfeld 13"/>
+          <p:cNvSpPr txBox="1"/>
+          <p:nvPr/>
+        </p:nvSpPr>
+        <p:spPr>
+          <a:xfrm>
+            <a:off x="360000" y="468000"/>
+            <a:ext cx="5850823" cy="523220"/>
+          </a:xfrm>
+          <a:prstGeom prst="rect">
+            <a:avLst/>
+          </a:prstGeom>
+          <a:noFill/>
+        </p:spPr>
+        <p:txBody>
+          <a:bodyPr wrap="square" rtlCol="0">
+            <a:spAutoFit/>
+          </a:bodyPr>
+          <a:lstStyle/>
+          <a:p>
+            <a:r>
+              <a:rPr lang="de-CH" sz="2800" b="1" dirty="0">
+                <a:latin typeface="+mj-lt"/>
+              </a:rPr>
+              <a:t>Erster Entwurf Sensoren und Diverses</a:t>
+            </a:r>
+          </a:p>
+        </p:txBody>
+      </p:sp>
+      <p:sp>
+        <p:nvSpPr>
+          <p:cNvPr id="16" name="Textfeld 15">
+            <a:extLst>
+              <a:ext uri="{FF2B5EF4-FFF2-40B4-BE49-F238E27FC236}">
+                <a16:creationId xmlns:a16="http://schemas.microsoft.com/office/drawing/2014/main" id="{2EBD323C-4D9D-5D42-9645-414FFBB7D04B}"/>
+              </a:ext>
+            </a:extLst>
+          </p:cNvPr>
+          <p:cNvSpPr txBox="1"/>
+          <p:nvPr/>
+        </p:nvSpPr>
+        <p:spPr>
+          <a:xfrm>
+            <a:off x="7840953" y="6542725"/>
+            <a:ext cx="1040671" cy="276999"/>
+          </a:xfrm>
+          <a:prstGeom prst="rect">
+            <a:avLst/>
+          </a:prstGeom>
+          <a:noFill/>
+        </p:spPr>
+        <p:txBody>
+          <a:bodyPr wrap="none" rtlCol="0">
+            <a:spAutoFit/>
+          </a:bodyPr>
+          <a:lstStyle/>
+          <a:p>
+            <a:pPr algn="r"/>
+            <a:r>
+              <a:rPr lang="de-CH" sz="1200" dirty="0">
+                <a:latin typeface="Calibri" panose="020F0502020204030204" pitchFamily="34" charset="0"/>
+              </a:rPr>
+              <a:t>3.  März 2018</a:t>
+            </a:r>
+          </a:p>
+        </p:txBody>
+      </p:sp>
+      <p:pic>
+        <p:nvPicPr>
+          <p:cNvPr id="3" name="Grafik 2">
+            <a:extLst>
+              <a:ext uri="{FF2B5EF4-FFF2-40B4-BE49-F238E27FC236}">
+                <a16:creationId xmlns:a16="http://schemas.microsoft.com/office/drawing/2014/main" id="{31BC6C3F-F926-43EC-84AF-1E6AA750ED55}"/>
+              </a:ext>
+            </a:extLst>
+          </p:cNvPr>
+          <p:cNvPicPr>
+            <a:picLocks noChangeAspect="1"/>
+          </p:cNvPicPr>
+          <p:nvPr/>
+        </p:nvPicPr>
+        <p:blipFill>
+          <a:blip r:embed="rId4">
+            <a:extLst>
+              <a:ext uri="{28A0092B-C50C-407E-A947-70E740481C1C}">
+                <a14:useLocalDpi xmlns:a14="http://schemas.microsoft.com/office/drawing/2010/main" val="0"/>
+              </a:ext>
+            </a:extLst>
+          </a:blip>
+          <a:stretch>
+            <a:fillRect/>
+          </a:stretch>
+        </p:blipFill>
+        <p:spPr>
+          <a:xfrm>
+            <a:off x="426950" y="990000"/>
+            <a:ext cx="8280000" cy="5465292"/>
+          </a:xfrm>
+          <a:prstGeom prst="rect">
+            <a:avLst/>
+          </a:prstGeom>
+        </p:spPr>
+      </p:pic>
+    </p:spTree>
+    <p:extLst>
+      <p:ext uri="{BB962C8B-B14F-4D97-AF65-F5344CB8AC3E}">
+        <p14:creationId xmlns:p14="http://schemas.microsoft.com/office/powerpoint/2010/main" val="2999569921"/>
+      </p:ext>
+    </p:extLst>
+  </p:cSld>
+  <p:clrMapOvr>
+    <a:masterClrMapping/>
+  </p:clrMapOvr>
+</p:sld>
+</file>
+
+<file path=ppt/slides/slide7.xml><?xml version="1.0" encoding="utf-8"?>
+<p:sld xmlns:a="http://schemas.openxmlformats.org/drawingml/2006/main" xmlns:r="http://schemas.openxmlformats.org/officeDocument/2006/relationships" xmlns:p="http://schemas.openxmlformats.org/presentationml/2006/main">
+  <p:cSld>
+    <p:spTree>
+      <p:nvGrpSpPr>
+        <p:cNvPr id="1" name=""/>
+        <p:cNvGrpSpPr/>
+        <p:nvPr/>
+      </p:nvGrpSpPr>
+      <p:grpSpPr>
+        <a:xfrm>
+          <a:off x="0" y="0"/>
+          <a:ext cx="0" cy="0"/>
+          <a:chOff x="0" y="0"/>
+          <a:chExt cx="0" cy="0"/>
+        </a:xfrm>
+      </p:grpSpPr>
+      <p:pic>
+        <p:nvPicPr>
+          <p:cNvPr id="12" name="Grafik 11">
+            <a:extLst>
+              <a:ext uri="{FF2B5EF4-FFF2-40B4-BE49-F238E27FC236}">
+                <a16:creationId xmlns:a16="http://schemas.microsoft.com/office/drawing/2014/main" id="{63518878-B2F8-9E42-B6D4-7C199E65E901}"/>
+              </a:ext>
+            </a:extLst>
+          </p:cNvPr>
+          <p:cNvPicPr>
+            <a:picLocks noChangeAspect="1"/>
+          </p:cNvPicPr>
+          <p:nvPr/>
+        </p:nvPicPr>
+        <p:blipFill>
+          <a:blip r:embed="rId3">
+            <a:extLst>
+              <a:ext uri="{28A0092B-C50C-407E-A947-70E740481C1C}">
+                <a14:useLocalDpi xmlns:a14="http://schemas.microsoft.com/office/drawing/2010/main" val="0"/>
+              </a:ext>
+            </a:extLst>
+          </a:blip>
+          <a:stretch>
+            <a:fillRect/>
+          </a:stretch>
+        </p:blipFill>
+        <p:spPr>
+          <a:xfrm>
+            <a:off x="0" y="-3571"/>
+            <a:ext cx="1066800" cy="406400"/>
+          </a:xfrm>
+          <a:prstGeom prst="rect">
+            <a:avLst/>
+          </a:prstGeom>
+        </p:spPr>
+      </p:pic>
+      <p:cxnSp>
+        <p:nvCxnSpPr>
+          <p:cNvPr id="5" name="Gerade Verbindung 4"/>
+          <p:cNvCxnSpPr/>
+          <p:nvPr/>
+        </p:nvCxnSpPr>
+        <p:spPr>
+          <a:xfrm>
+            <a:off x="0" y="6525344"/>
+            <a:ext cx="9144000" cy="0"/>
+          </a:xfrm>
+          <a:prstGeom prst="line">
+            <a:avLst/>
+          </a:prstGeom>
+          <a:ln>
+            <a:solidFill>
+              <a:schemeClr val="tx1"/>
+            </a:solidFill>
+          </a:ln>
+        </p:spPr>
+        <p:style>
+          <a:lnRef idx="1">
+            <a:schemeClr val="accent1"/>
+          </a:lnRef>
+          <a:fillRef idx="0">
+            <a:schemeClr val="accent1"/>
+          </a:fillRef>
+          <a:effectRef idx="0">
+            <a:schemeClr val="accent1"/>
+          </a:effectRef>
+          <a:fontRef idx="minor">
+            <a:schemeClr val="tx1"/>
+          </a:fontRef>
+        </p:style>
+      </p:cxnSp>
+      <p:sp>
+        <p:nvSpPr>
+          <p:cNvPr id="6" name="Textfeld 5"/>
+          <p:cNvSpPr txBox="1"/>
+          <p:nvPr/>
+        </p:nvSpPr>
+        <p:spPr>
+          <a:xfrm>
+            <a:off x="287830" y="6542726"/>
+            <a:ext cx="1208792" cy="276999"/>
+          </a:xfrm>
+          <a:prstGeom prst="rect">
+            <a:avLst/>
+          </a:prstGeom>
+          <a:noFill/>
+        </p:spPr>
+        <p:txBody>
+          <a:bodyPr wrap="none" rtlCol="0">
+            <a:spAutoFit/>
+          </a:bodyPr>
+          <a:lstStyle/>
+          <a:p>
+            <a:r>
+              <a:rPr lang="de-CH" sz="1200" dirty="0">
+                <a:latin typeface="Calibri" panose="020F0502020204030204" pitchFamily="34" charset="0"/>
+              </a:rPr>
+              <a:t>Meilenstein_M2</a:t>
+            </a:r>
+          </a:p>
+        </p:txBody>
+      </p:sp>
+      <p:sp>
+        <p:nvSpPr>
+          <p:cNvPr id="8" name="Textfeld 7"/>
+          <p:cNvSpPr txBox="1"/>
+          <p:nvPr/>
+        </p:nvSpPr>
+        <p:spPr>
+          <a:xfrm>
+            <a:off x="3627204" y="6542724"/>
+            <a:ext cx="1800200" cy="276999"/>
+          </a:xfrm>
+          <a:prstGeom prst="rect">
+            <a:avLst/>
+          </a:prstGeom>
+          <a:noFill/>
+        </p:spPr>
+        <p:txBody>
+          <a:bodyPr wrap="square" rtlCol="0">
+            <a:spAutoFit/>
+          </a:bodyPr>
+          <a:lstStyle/>
+          <a:p>
+            <a:pPr algn="ctr"/>
+            <a:r>
+              <a:rPr lang="de-CH" sz="1200" dirty="0">
+                <a:latin typeface="Calibri" panose="020F0502020204030204" pitchFamily="34" charset="0"/>
+              </a:rPr>
+              <a:t>Seite 2/??</a:t>
+            </a:r>
+          </a:p>
+        </p:txBody>
+      </p:sp>
+      <p:cxnSp>
+        <p:nvCxnSpPr>
+          <p:cNvPr id="9" name="Gerade Verbindung 4"/>
+          <p:cNvCxnSpPr/>
+          <p:nvPr/>
+        </p:nvCxnSpPr>
+        <p:spPr>
+          <a:xfrm>
+            <a:off x="-5050" y="421597"/>
+            <a:ext cx="9144000" cy="0"/>
+          </a:xfrm>
+          <a:prstGeom prst="line">
+            <a:avLst/>
+          </a:prstGeom>
+          <a:ln>
+            <a:solidFill>
+              <a:schemeClr val="tx1"/>
+            </a:solidFill>
+          </a:ln>
+        </p:spPr>
+        <p:style>
+          <a:lnRef idx="1">
+            <a:schemeClr val="accent1"/>
+          </a:lnRef>
+          <a:fillRef idx="0">
+            <a:schemeClr val="accent1"/>
+          </a:fillRef>
+          <a:effectRef idx="0">
+            <a:schemeClr val="accent1"/>
+          </a:effectRef>
+          <a:fontRef idx="minor">
+            <a:schemeClr val="tx1"/>
+          </a:fontRef>
+        </p:style>
+      </p:cxnSp>
+      <p:sp>
+        <p:nvSpPr>
+          <p:cNvPr id="10" name="Textfeld 9"/>
+          <p:cNvSpPr txBox="1"/>
+          <p:nvPr/>
+        </p:nvSpPr>
+        <p:spPr>
+          <a:xfrm>
+            <a:off x="7615828" y="144598"/>
+            <a:ext cx="1265796" cy="276999"/>
+          </a:xfrm>
+          <a:prstGeom prst="rect">
+            <a:avLst/>
+          </a:prstGeom>
+          <a:noFill/>
+        </p:spPr>
+        <p:txBody>
+          <a:bodyPr wrap="none" rtlCol="0">
+            <a:spAutoFit/>
+          </a:bodyPr>
+          <a:lstStyle/>
+          <a:p>
+            <a:pPr algn="r"/>
+            <a:r>
+              <a:rPr lang="de-CH" sz="1200" dirty="0">
+                <a:latin typeface="Calibri" panose="020F0502020204030204" pitchFamily="34" charset="0"/>
+              </a:rPr>
+              <a:t>SysP18_Team_10</a:t>
+            </a:r>
+          </a:p>
+        </p:txBody>
+      </p:sp>
+      <p:sp>
+        <p:nvSpPr>
+          <p:cNvPr id="14" name="Textfeld 13"/>
+          <p:cNvSpPr txBox="1"/>
+          <p:nvPr/>
+        </p:nvSpPr>
+        <p:spPr>
+          <a:xfrm>
+            <a:off x="360000" y="468000"/>
+            <a:ext cx="3492082" cy="523220"/>
+          </a:xfrm>
+          <a:prstGeom prst="rect">
+            <a:avLst/>
+          </a:prstGeom>
+          <a:noFill/>
+        </p:spPr>
+        <p:txBody>
+          <a:bodyPr wrap="square" rtlCol="0">
+            <a:spAutoFit/>
+          </a:bodyPr>
+          <a:lstStyle/>
+          <a:p>
+            <a:r>
+              <a:rPr lang="de-CH" sz="2800" b="1" dirty="0">
+                <a:latin typeface="+mj-lt"/>
+              </a:rPr>
+              <a:t>Entwurf Top Sheet</a:t>
+            </a:r>
+          </a:p>
+        </p:txBody>
+      </p:sp>
+      <p:sp>
+        <p:nvSpPr>
+          <p:cNvPr id="16" name="Textfeld 15">
+            <a:extLst>
+              <a:ext uri="{FF2B5EF4-FFF2-40B4-BE49-F238E27FC236}">
+                <a16:creationId xmlns:a16="http://schemas.microsoft.com/office/drawing/2014/main" id="{2EBD323C-4D9D-5D42-9645-414FFBB7D04B}"/>
+              </a:ext>
+            </a:extLst>
+          </p:cNvPr>
+          <p:cNvSpPr txBox="1"/>
+          <p:nvPr/>
+        </p:nvSpPr>
+        <p:spPr>
+          <a:xfrm>
+            <a:off x="7840953" y="6542725"/>
+            <a:ext cx="1040671" cy="276999"/>
+          </a:xfrm>
+          <a:prstGeom prst="rect">
+            <a:avLst/>
+          </a:prstGeom>
+          <a:noFill/>
+        </p:spPr>
+        <p:txBody>
+          <a:bodyPr wrap="none" rtlCol="0">
+            <a:spAutoFit/>
+          </a:bodyPr>
+          <a:lstStyle/>
+          <a:p>
+            <a:pPr algn="r"/>
+            <a:r>
+              <a:rPr lang="de-CH" sz="1200" dirty="0">
+                <a:latin typeface="Calibri" panose="020F0502020204030204" pitchFamily="34" charset="0"/>
+              </a:rPr>
+              <a:t>3.  März 2018</a:t>
+            </a:r>
+          </a:p>
+        </p:txBody>
+      </p:sp>
+      <p:pic>
+        <p:nvPicPr>
+          <p:cNvPr id="3" name="Grafik 2">
+            <a:extLst>
+              <a:ext uri="{FF2B5EF4-FFF2-40B4-BE49-F238E27FC236}">
+                <a16:creationId xmlns:a16="http://schemas.microsoft.com/office/drawing/2014/main" id="{75C94E6E-AA38-40A8-BB2C-2B8DDD9C949A}"/>
+              </a:ext>
+            </a:extLst>
+          </p:cNvPr>
+          <p:cNvPicPr>
+            <a:picLocks noChangeAspect="1"/>
+          </p:cNvPicPr>
+          <p:nvPr/>
+        </p:nvPicPr>
+        <p:blipFill>
+          <a:blip r:embed="rId4">
+            <a:extLst>
+              <a:ext uri="{28A0092B-C50C-407E-A947-70E740481C1C}">
+                <a14:useLocalDpi xmlns:a14="http://schemas.microsoft.com/office/drawing/2010/main" val="0"/>
+              </a:ext>
+            </a:extLst>
+          </a:blip>
+          <a:stretch>
+            <a:fillRect/>
+          </a:stretch>
+        </p:blipFill>
+        <p:spPr>
+          <a:xfrm>
+            <a:off x="387304" y="991220"/>
+            <a:ext cx="8280000" cy="5455151"/>
+          </a:xfrm>
+          <a:prstGeom prst="rect">
+            <a:avLst/>
+          </a:prstGeom>
+        </p:spPr>
+      </p:pic>
+    </p:spTree>
+    <p:extLst>
+      <p:ext uri="{BB962C8B-B14F-4D97-AF65-F5344CB8AC3E}">
+        <p14:creationId xmlns:p14="http://schemas.microsoft.com/office/powerpoint/2010/main" val="26860099"/>
+      </p:ext>
+    </p:extLst>
+  </p:cSld>
+  <p:clrMapOvr>
+    <a:masterClrMapping/>
+  </p:clrMapOvr>
+</p:sld>
+</file>
+
+<file path=ppt/slides/slide8.xml><?xml version="1.0" encoding="utf-8"?>
+<p:sld xmlns:a="http://schemas.openxmlformats.org/drawingml/2006/main" xmlns:r="http://schemas.openxmlformats.org/officeDocument/2006/relationships" xmlns:p="http://schemas.openxmlformats.org/presentationml/2006/main">
+  <p:cSld>
+    <p:spTree>
+      <p:nvGrpSpPr>
+        <p:cNvPr id="1" name=""/>
+        <p:cNvGrpSpPr/>
+        <p:nvPr/>
+      </p:nvGrpSpPr>
+      <p:grpSpPr>
+        <a:xfrm>
+          <a:off x="0" y="0"/>
+          <a:ext cx="0" cy="0"/>
+          <a:chOff x="0" y="0"/>
+          <a:chExt cx="0" cy="0"/>
+        </a:xfrm>
+      </p:grpSpPr>
+      <p:pic>
+        <p:nvPicPr>
+          <p:cNvPr id="12" name="Grafik 11">
+            <a:extLst>
+              <a:ext uri="{FF2B5EF4-FFF2-40B4-BE49-F238E27FC236}">
+                <a16:creationId xmlns:a16="http://schemas.microsoft.com/office/drawing/2014/main" id="{63518878-B2F8-9E42-B6D4-7C199E65E901}"/>
+              </a:ext>
+            </a:extLst>
+          </p:cNvPr>
+          <p:cNvPicPr>
+            <a:picLocks noChangeAspect="1"/>
+          </p:cNvPicPr>
+          <p:nvPr/>
+        </p:nvPicPr>
+        <p:blipFill>
+          <a:blip r:embed="rId3">
+            <a:extLst>
+              <a:ext uri="{28A0092B-C50C-407E-A947-70E740481C1C}">
+                <a14:useLocalDpi xmlns:a14="http://schemas.microsoft.com/office/drawing/2010/main" val="0"/>
+              </a:ext>
+            </a:extLst>
+          </a:blip>
+          <a:stretch>
+            <a:fillRect/>
+          </a:stretch>
+        </p:blipFill>
+        <p:spPr>
+          <a:xfrm>
+            <a:off x="0" y="-3571"/>
+            <a:ext cx="1066800" cy="406400"/>
+          </a:xfrm>
+          <a:prstGeom prst="rect">
+            <a:avLst/>
+          </a:prstGeom>
+        </p:spPr>
+      </p:pic>
+      <p:cxnSp>
+        <p:nvCxnSpPr>
+          <p:cNvPr id="5" name="Gerade Verbindung 4"/>
+          <p:cNvCxnSpPr/>
+          <p:nvPr/>
+        </p:nvCxnSpPr>
+        <p:spPr>
+          <a:xfrm>
+            <a:off x="0" y="6525344"/>
+            <a:ext cx="9144000" cy="0"/>
+          </a:xfrm>
+          <a:prstGeom prst="line">
+            <a:avLst/>
+          </a:prstGeom>
+          <a:ln>
+            <a:solidFill>
+              <a:schemeClr val="tx1"/>
+            </a:solidFill>
+          </a:ln>
+        </p:spPr>
+        <p:style>
+          <a:lnRef idx="1">
+            <a:schemeClr val="accent1"/>
+          </a:lnRef>
+          <a:fillRef idx="0">
+            <a:schemeClr val="accent1"/>
+          </a:fillRef>
+          <a:effectRef idx="0">
+            <a:schemeClr val="accent1"/>
+          </a:effectRef>
+          <a:fontRef idx="minor">
+            <a:schemeClr val="tx1"/>
+          </a:fontRef>
+        </p:style>
+      </p:cxnSp>
+      <p:sp>
+        <p:nvSpPr>
+          <p:cNvPr id="6" name="Textfeld 5"/>
+          <p:cNvSpPr txBox="1"/>
+          <p:nvPr/>
+        </p:nvSpPr>
+        <p:spPr>
+          <a:xfrm>
+            <a:off x="287830" y="6542726"/>
+            <a:ext cx="1208792" cy="276999"/>
+          </a:xfrm>
+          <a:prstGeom prst="rect">
+            <a:avLst/>
+          </a:prstGeom>
+          <a:noFill/>
+        </p:spPr>
+        <p:txBody>
+          <a:bodyPr wrap="none" rtlCol="0">
+            <a:spAutoFit/>
+          </a:bodyPr>
+          <a:lstStyle/>
+          <a:p>
+            <a:r>
+              <a:rPr lang="de-CH" sz="1200" dirty="0">
+                <a:latin typeface="Calibri" panose="020F0502020204030204" pitchFamily="34" charset="0"/>
+              </a:rPr>
+              <a:t>Meilenstein_M2</a:t>
+            </a:r>
+          </a:p>
+        </p:txBody>
+      </p:sp>
+      <p:sp>
+        <p:nvSpPr>
+          <p:cNvPr id="8" name="Textfeld 7"/>
+          <p:cNvSpPr txBox="1"/>
+          <p:nvPr/>
+        </p:nvSpPr>
+        <p:spPr>
+          <a:xfrm>
+            <a:off x="3627204" y="6542724"/>
+            <a:ext cx="1800200" cy="276999"/>
+          </a:xfrm>
+          <a:prstGeom prst="rect">
+            <a:avLst/>
+          </a:prstGeom>
+          <a:noFill/>
+        </p:spPr>
+        <p:txBody>
+          <a:bodyPr wrap="square" rtlCol="0">
+            <a:spAutoFit/>
+          </a:bodyPr>
+          <a:lstStyle/>
+          <a:p>
+            <a:pPr algn="ctr"/>
+            <a:r>
+              <a:rPr lang="de-CH" sz="1200" dirty="0">
+                <a:latin typeface="Calibri" panose="020F0502020204030204" pitchFamily="34" charset="0"/>
+              </a:rPr>
+              <a:t>Seite 2/??</a:t>
+            </a:r>
+          </a:p>
+        </p:txBody>
+      </p:sp>
+      <p:cxnSp>
+        <p:nvCxnSpPr>
+          <p:cNvPr id="9" name="Gerade Verbindung 4"/>
+          <p:cNvCxnSpPr/>
+          <p:nvPr/>
+        </p:nvCxnSpPr>
+        <p:spPr>
+          <a:xfrm>
+            <a:off x="-5050" y="421597"/>
+            <a:ext cx="9144000" cy="0"/>
+          </a:xfrm>
+          <a:prstGeom prst="line">
+            <a:avLst/>
+          </a:prstGeom>
+          <a:ln>
+            <a:solidFill>
+              <a:schemeClr val="tx1"/>
+            </a:solidFill>
+          </a:ln>
+        </p:spPr>
+        <p:style>
+          <a:lnRef idx="1">
+            <a:schemeClr val="accent1"/>
+          </a:lnRef>
+          <a:fillRef idx="0">
+            <a:schemeClr val="accent1"/>
+          </a:fillRef>
+          <a:effectRef idx="0">
+            <a:schemeClr val="accent1"/>
+          </a:effectRef>
+          <a:fontRef idx="minor">
+            <a:schemeClr val="tx1"/>
+          </a:fontRef>
+        </p:style>
+      </p:cxnSp>
+      <p:sp>
+        <p:nvSpPr>
+          <p:cNvPr id="10" name="Textfeld 9"/>
+          <p:cNvSpPr txBox="1"/>
+          <p:nvPr/>
+        </p:nvSpPr>
+        <p:spPr>
+          <a:xfrm>
+            <a:off x="7615828" y="144598"/>
+            <a:ext cx="1265796" cy="276999"/>
+          </a:xfrm>
+          <a:prstGeom prst="rect">
+            <a:avLst/>
+          </a:prstGeom>
+          <a:noFill/>
+        </p:spPr>
+        <p:txBody>
+          <a:bodyPr wrap="none" rtlCol="0">
+            <a:spAutoFit/>
+          </a:bodyPr>
+          <a:lstStyle/>
+          <a:p>
+            <a:pPr algn="r"/>
+            <a:r>
+              <a:rPr lang="de-CH" sz="1200" dirty="0">
+                <a:latin typeface="Calibri" panose="020F0502020204030204" pitchFamily="34" charset="0"/>
+              </a:rPr>
+              <a:t>SysP18_Team_10</a:t>
+            </a:r>
+          </a:p>
+        </p:txBody>
+      </p:sp>
+      <p:sp>
+        <p:nvSpPr>
+          <p:cNvPr id="14" name="Textfeld 13"/>
+          <p:cNvSpPr txBox="1"/>
+          <p:nvPr/>
+        </p:nvSpPr>
+        <p:spPr>
+          <a:xfrm>
+            <a:off x="360000" y="468000"/>
+            <a:ext cx="3492082" cy="523220"/>
+          </a:xfrm>
+          <a:prstGeom prst="rect">
+            <a:avLst/>
+          </a:prstGeom>
+          <a:noFill/>
+        </p:spPr>
+        <p:txBody>
+          <a:bodyPr wrap="square" rtlCol="0">
+            <a:spAutoFit/>
+          </a:bodyPr>
+          <a:lstStyle/>
+          <a:p>
+            <a:r>
+              <a:rPr lang="de-CH" sz="2800" b="1" dirty="0">
+                <a:latin typeface="+mj-lt"/>
+              </a:rPr>
+              <a:t>Top Sheet Aktuell</a:t>
+            </a:r>
+          </a:p>
+        </p:txBody>
+      </p:sp>
+      <p:sp>
+        <p:nvSpPr>
+          <p:cNvPr id="16" name="Textfeld 15">
+            <a:extLst>
+              <a:ext uri="{FF2B5EF4-FFF2-40B4-BE49-F238E27FC236}">
+                <a16:creationId xmlns:a16="http://schemas.microsoft.com/office/drawing/2014/main" id="{2EBD323C-4D9D-5D42-9645-414FFBB7D04B}"/>
+              </a:ext>
+            </a:extLst>
+          </p:cNvPr>
+          <p:cNvSpPr txBox="1"/>
+          <p:nvPr/>
+        </p:nvSpPr>
+        <p:spPr>
+          <a:xfrm>
+            <a:off x="7840953" y="6542725"/>
+            <a:ext cx="1040671" cy="276999"/>
+          </a:xfrm>
+          <a:prstGeom prst="rect">
+            <a:avLst/>
+          </a:prstGeom>
+          <a:noFill/>
+        </p:spPr>
+        <p:txBody>
+          <a:bodyPr wrap="none" rtlCol="0">
+            <a:spAutoFit/>
+          </a:bodyPr>
+          <a:lstStyle/>
+          <a:p>
+            <a:pPr algn="r"/>
+            <a:r>
+              <a:rPr lang="de-CH" sz="1200" dirty="0">
+                <a:latin typeface="Calibri" panose="020F0502020204030204" pitchFamily="34" charset="0"/>
+              </a:rPr>
+              <a:t>3.  März 2018</a:t>
+            </a:r>
+          </a:p>
+        </p:txBody>
+      </p:sp>
+      <p:pic>
+        <p:nvPicPr>
+          <p:cNvPr id="11" name="Grafik 10">
+            <a:extLst>
+              <a:ext uri="{FF2B5EF4-FFF2-40B4-BE49-F238E27FC236}">
+                <a16:creationId xmlns:a16="http://schemas.microsoft.com/office/drawing/2014/main" id="{D367EEA3-40E9-47DF-8CB4-6354EA244FEF}"/>
+              </a:ext>
+            </a:extLst>
+          </p:cNvPr>
+          <p:cNvPicPr>
+            <a:picLocks noChangeAspect="1"/>
+          </p:cNvPicPr>
+          <p:nvPr/>
+        </p:nvPicPr>
+        <p:blipFill>
+          <a:blip r:embed="rId4">
+            <a:extLst>
+              <a:ext uri="{28A0092B-C50C-407E-A947-70E740481C1C}">
+                <a14:useLocalDpi xmlns:a14="http://schemas.microsoft.com/office/drawing/2010/main" val="0"/>
+              </a:ext>
+            </a:extLst>
+          </a:blip>
+          <a:stretch>
+            <a:fillRect/>
+          </a:stretch>
+        </p:blipFill>
+        <p:spPr>
+          <a:xfrm>
+            <a:off x="387304" y="1364135"/>
+            <a:ext cx="8280000" cy="4218670"/>
+          </a:xfrm>
+          <a:prstGeom prst="rect">
+            <a:avLst/>
+          </a:prstGeom>
+        </p:spPr>
+      </p:pic>
+    </p:spTree>
+    <p:extLst>
+      <p:ext uri="{BB962C8B-B14F-4D97-AF65-F5344CB8AC3E}">
+        <p14:creationId xmlns:p14="http://schemas.microsoft.com/office/powerpoint/2010/main" val="3900356613"/>
+      </p:ext>
+    </p:extLst>
+  </p:cSld>
+  <p:clrMapOvr>
+    <a:masterClrMapping/>
+  </p:clrMapOvr>
+</p:sld>
+</file>
+
+<file path=ppt/slides/slide9.xml><?xml version="1.0" encoding="utf-8"?>
+<p:sld xmlns:a="http://schemas.openxmlformats.org/drawingml/2006/main" xmlns:r="http://schemas.openxmlformats.org/officeDocument/2006/relationships" xmlns:p="http://schemas.openxmlformats.org/presentationml/2006/main">
+  <p:cSld>
+    <p:spTree>
+      <p:nvGrpSpPr>
+        <p:cNvPr id="1" name=""/>
+        <p:cNvGrpSpPr/>
+        <p:nvPr/>
+      </p:nvGrpSpPr>
+      <p:grpSpPr>
+        <a:xfrm>
+          <a:off x="0" y="0"/>
+          <a:ext cx="0" cy="0"/>
+          <a:chOff x="0" y="0"/>
+          <a:chExt cx="0" cy="0"/>
+        </a:xfrm>
+      </p:grpSpPr>
+      <p:pic>
+        <p:nvPicPr>
+          <p:cNvPr id="12" name="Grafik 11">
+            <a:extLst>
+              <a:ext uri="{FF2B5EF4-FFF2-40B4-BE49-F238E27FC236}">
+                <a16:creationId xmlns:a16="http://schemas.microsoft.com/office/drawing/2014/main" id="{63518878-B2F8-9E42-B6D4-7C199E65E901}"/>
+              </a:ext>
+            </a:extLst>
+          </p:cNvPr>
+          <p:cNvPicPr>
+            <a:picLocks noChangeAspect="1"/>
+          </p:cNvPicPr>
+          <p:nvPr/>
+        </p:nvPicPr>
+        <p:blipFill>
+          <a:blip r:embed="rId3">
+            <a:extLst>
+              <a:ext uri="{28A0092B-C50C-407E-A947-70E740481C1C}">
+                <a14:useLocalDpi xmlns:a14="http://schemas.microsoft.com/office/drawing/2010/main" val="0"/>
+              </a:ext>
+            </a:extLst>
+          </a:blip>
+          <a:stretch>
+            <a:fillRect/>
+          </a:stretch>
+        </p:blipFill>
+        <p:spPr>
+          <a:xfrm>
+            <a:off x="0" y="-3571"/>
+            <a:ext cx="1066800" cy="406400"/>
+          </a:xfrm>
+          <a:prstGeom prst="rect">
+            <a:avLst/>
+          </a:prstGeom>
+        </p:spPr>
+      </p:pic>
+      <p:cxnSp>
+        <p:nvCxnSpPr>
+          <p:cNvPr id="5" name="Gerade Verbindung 4"/>
+          <p:cNvCxnSpPr/>
+          <p:nvPr/>
+        </p:nvCxnSpPr>
+        <p:spPr>
+          <a:xfrm>
+            <a:off x="0" y="6525344"/>
+            <a:ext cx="9144000" cy="0"/>
+          </a:xfrm>
+          <a:prstGeom prst="line">
+            <a:avLst/>
+          </a:prstGeom>
+          <a:ln>
+            <a:solidFill>
+              <a:schemeClr val="tx1"/>
+            </a:solidFill>
+          </a:ln>
+        </p:spPr>
+        <p:style>
+          <a:lnRef idx="1">
+            <a:schemeClr val="accent1"/>
+          </a:lnRef>
+          <a:fillRef idx="0">
+            <a:schemeClr val="accent1"/>
+          </a:fillRef>
+          <a:effectRef idx="0">
+            <a:schemeClr val="accent1"/>
+          </a:effectRef>
+          <a:fontRef idx="minor">
+            <a:schemeClr val="tx1"/>
+          </a:fontRef>
+        </p:style>
+      </p:cxnSp>
+      <p:sp>
+        <p:nvSpPr>
+          <p:cNvPr id="6" name="Textfeld 5"/>
+          <p:cNvSpPr txBox="1"/>
+          <p:nvPr/>
+        </p:nvSpPr>
+        <p:spPr>
+          <a:xfrm>
+            <a:off x="287830" y="6542726"/>
+            <a:ext cx="1208792" cy="276999"/>
+          </a:xfrm>
+          <a:prstGeom prst="rect">
+            <a:avLst/>
+          </a:prstGeom>
+          <a:noFill/>
+        </p:spPr>
+        <p:txBody>
+          <a:bodyPr wrap="none" rtlCol="0">
+            <a:spAutoFit/>
+          </a:bodyPr>
+          <a:lstStyle/>
+          <a:p>
+            <a:r>
+              <a:rPr lang="de-CH" sz="1200" dirty="0">
+                <a:latin typeface="Calibri" panose="020F0502020204030204" pitchFamily="34" charset="0"/>
+              </a:rPr>
+              <a:t>Meilenstein_M2</a:t>
+            </a:r>
+          </a:p>
+        </p:txBody>
+      </p:sp>
+      <p:sp>
+        <p:nvSpPr>
+          <p:cNvPr id="8" name="Textfeld 7"/>
+          <p:cNvSpPr txBox="1"/>
+          <p:nvPr/>
+        </p:nvSpPr>
+        <p:spPr>
+          <a:xfrm>
+            <a:off x="3627204" y="6542724"/>
+            <a:ext cx="1800200" cy="276999"/>
+          </a:xfrm>
+          <a:prstGeom prst="rect">
+            <a:avLst/>
+          </a:prstGeom>
+          <a:noFill/>
+        </p:spPr>
+        <p:txBody>
+          <a:bodyPr wrap="square" rtlCol="0">
+            <a:spAutoFit/>
+          </a:bodyPr>
+          <a:lstStyle/>
+          <a:p>
+            <a:pPr algn="ctr"/>
+            <a:r>
+              <a:rPr lang="de-CH" sz="1200" dirty="0">
+                <a:latin typeface="Calibri" panose="020F0502020204030204" pitchFamily="34" charset="0"/>
+              </a:rPr>
+              <a:t>Seite 2/??</a:t>
+            </a:r>
+          </a:p>
+        </p:txBody>
+      </p:sp>
+      <p:cxnSp>
+        <p:nvCxnSpPr>
+          <p:cNvPr id="9" name="Gerade Verbindung 4"/>
+          <p:cNvCxnSpPr/>
+          <p:nvPr/>
+        </p:nvCxnSpPr>
+        <p:spPr>
+          <a:xfrm>
+            <a:off x="-5050" y="421597"/>
+            <a:ext cx="9144000" cy="0"/>
+          </a:xfrm>
+          <a:prstGeom prst="line">
+            <a:avLst/>
+          </a:prstGeom>
+          <a:ln>
+            <a:solidFill>
+              <a:schemeClr val="tx1"/>
+            </a:solidFill>
+          </a:ln>
+        </p:spPr>
+        <p:style>
+          <a:lnRef idx="1">
+            <a:schemeClr val="accent1"/>
+          </a:lnRef>
+          <a:fillRef idx="0">
+            <a:schemeClr val="accent1"/>
+          </a:fillRef>
+          <a:effectRef idx="0">
+            <a:schemeClr val="accent1"/>
+          </a:effectRef>
+          <a:fontRef idx="minor">
+            <a:schemeClr val="tx1"/>
+          </a:fontRef>
+        </p:style>
+      </p:cxnSp>
+      <p:sp>
+        <p:nvSpPr>
+          <p:cNvPr id="10" name="Textfeld 9"/>
+          <p:cNvSpPr txBox="1"/>
+          <p:nvPr/>
+        </p:nvSpPr>
+        <p:spPr>
+          <a:xfrm>
+            <a:off x="7615828" y="144598"/>
+            <a:ext cx="1265796" cy="276999"/>
+          </a:xfrm>
+          <a:prstGeom prst="rect">
+            <a:avLst/>
+          </a:prstGeom>
+          <a:noFill/>
+        </p:spPr>
+        <p:txBody>
+          <a:bodyPr wrap="none" rtlCol="0">
+            <a:spAutoFit/>
+          </a:bodyPr>
+          <a:lstStyle/>
+          <a:p>
+            <a:pPr algn="r"/>
+            <a:r>
+              <a:rPr lang="de-CH" sz="1200" dirty="0">
+                <a:latin typeface="Calibri" panose="020F0502020204030204" pitchFamily="34" charset="0"/>
+              </a:rPr>
+              <a:t>SysP18_Team_10</a:t>
+            </a:r>
+          </a:p>
+        </p:txBody>
+      </p:sp>
+      <p:sp>
+        <p:nvSpPr>
+          <p:cNvPr id="14" name="Textfeld 13"/>
+          <p:cNvSpPr txBox="1"/>
+          <p:nvPr/>
+        </p:nvSpPr>
+        <p:spPr>
+          <a:xfrm>
+            <a:off x="360000" y="468000"/>
+            <a:ext cx="3492082" cy="523220"/>
+          </a:xfrm>
+          <a:prstGeom prst="rect">
+            <a:avLst/>
+          </a:prstGeom>
+          <a:noFill/>
+        </p:spPr>
+        <p:txBody>
+          <a:bodyPr wrap="square" rtlCol="0">
+            <a:spAutoFit/>
+          </a:bodyPr>
+          <a:lstStyle/>
+          <a:p>
+            <a:r>
+              <a:rPr lang="de-CH" sz="2800" b="1" dirty="0">
+                <a:latin typeface="+mj-lt"/>
+              </a:rPr>
+              <a:t>MPC 555 und Diverses</a:t>
+            </a:r>
+          </a:p>
+        </p:txBody>
+      </p:sp>
+      <p:sp>
+        <p:nvSpPr>
+          <p:cNvPr id="16" name="Textfeld 15">
+            <a:extLst>
+              <a:ext uri="{FF2B5EF4-FFF2-40B4-BE49-F238E27FC236}">
+                <a16:creationId xmlns:a16="http://schemas.microsoft.com/office/drawing/2014/main" id="{2EBD323C-4D9D-5D42-9645-414FFBB7D04B}"/>
+              </a:ext>
+            </a:extLst>
+          </p:cNvPr>
+          <p:cNvSpPr txBox="1"/>
+          <p:nvPr/>
+        </p:nvSpPr>
+        <p:spPr>
+          <a:xfrm>
+            <a:off x="7840953" y="6542725"/>
+            <a:ext cx="1040671" cy="276999"/>
+          </a:xfrm>
+          <a:prstGeom prst="rect">
+            <a:avLst/>
+          </a:prstGeom>
+          <a:noFill/>
+        </p:spPr>
+        <p:txBody>
+          <a:bodyPr wrap="none" rtlCol="0">
+            <a:spAutoFit/>
+          </a:bodyPr>
+          <a:lstStyle/>
+          <a:p>
+            <a:pPr algn="r"/>
+            <a:r>
+              <a:rPr lang="de-CH" sz="1200" dirty="0">
+                <a:latin typeface="Calibri" panose="020F0502020204030204" pitchFamily="34" charset="0"/>
+              </a:rPr>
+              <a:t>3.  März 2018</a:t>
+            </a:r>
+          </a:p>
+        </p:txBody>
+      </p:sp>
+      <p:pic>
+        <p:nvPicPr>
+          <p:cNvPr id="11" name="Grafik 10">
+            <a:extLst>
+              <a:ext uri="{FF2B5EF4-FFF2-40B4-BE49-F238E27FC236}">
+                <a16:creationId xmlns:a16="http://schemas.microsoft.com/office/drawing/2014/main" id="{CFCE9FE3-A7BF-41AF-9AF2-EB3C904F44D0}"/>
+              </a:ext>
+            </a:extLst>
+          </p:cNvPr>
+          <p:cNvPicPr>
+            <a:picLocks noChangeAspect="1"/>
+          </p:cNvPicPr>
+          <p:nvPr/>
+        </p:nvPicPr>
+        <p:blipFill>
+          <a:blip r:embed="rId4">
+            <a:extLst>
+              <a:ext uri="{28A0092B-C50C-407E-A947-70E740481C1C}">
+                <a14:useLocalDpi xmlns:a14="http://schemas.microsoft.com/office/drawing/2010/main" val="0"/>
+              </a:ext>
+            </a:extLst>
+          </a:blip>
+          <a:stretch>
+            <a:fillRect/>
+          </a:stretch>
+        </p:blipFill>
+        <p:spPr>
+          <a:xfrm>
+            <a:off x="426950" y="991220"/>
+            <a:ext cx="8280000" cy="5489822"/>
+          </a:xfrm>
+          <a:prstGeom prst="rect">
+            <a:avLst/>
+          </a:prstGeom>
+        </p:spPr>
+      </p:pic>
+    </p:spTree>
+    <p:extLst>
+      <p:ext uri="{BB962C8B-B14F-4D97-AF65-F5344CB8AC3E}">
+        <p14:creationId xmlns:p14="http://schemas.microsoft.com/office/powerpoint/2010/main" val="1721672034"/>
       </p:ext>
     </p:extLst>
   </p:cSld>

--- a/01_Organisation/02_Meilensteine/m2/Praesentation_m2.pptx
+++ b/01_Organisation/02_Meilensteine/m2/Praesentation_m2.pptx
@@ -269,7 +269,7 @@
           <a:p>
             <a:fld id="{056AEFA0-306F-4413-9CBC-3BA55C168B73}" type="datetimeFigureOut">
               <a:rPr lang="de-CH" smtClean="0"/>
-              <a:t>29.03.18</a:t>
+              <a:t>31.03.2018</a:t>
             </a:fld>
             <a:endParaRPr lang="de-CH"/>
           </a:p>
@@ -1844,7 +1844,7 @@
           <a:p>
             <a:fld id="{20FD5246-4265-435A-B901-A38BFD400D8A}" type="datetimeFigureOut">
               <a:rPr lang="de-CH" smtClean="0"/>
-              <a:t>29.03.18</a:t>
+              <a:t>31.03.2018</a:t>
             </a:fld>
             <a:endParaRPr lang="de-CH"/>
           </a:p>
@@ -2014,7 +2014,7 @@
           <a:p>
             <a:fld id="{20FD5246-4265-435A-B901-A38BFD400D8A}" type="datetimeFigureOut">
               <a:rPr lang="de-CH" smtClean="0"/>
-              <a:t>29.03.18</a:t>
+              <a:t>31.03.2018</a:t>
             </a:fld>
             <a:endParaRPr lang="de-CH"/>
           </a:p>
@@ -2194,7 +2194,7 @@
           <a:p>
             <a:fld id="{20FD5246-4265-435A-B901-A38BFD400D8A}" type="datetimeFigureOut">
               <a:rPr lang="de-CH" smtClean="0"/>
-              <a:t>29.03.18</a:t>
+              <a:t>31.03.2018</a:t>
             </a:fld>
             <a:endParaRPr lang="de-CH"/>
           </a:p>
@@ -2364,7 +2364,7 @@
           <a:p>
             <a:fld id="{20FD5246-4265-435A-B901-A38BFD400D8A}" type="datetimeFigureOut">
               <a:rPr lang="de-CH" smtClean="0"/>
-              <a:t>29.03.18</a:t>
+              <a:t>31.03.2018</a:t>
             </a:fld>
             <a:endParaRPr lang="de-CH"/>
           </a:p>
@@ -2608,7 +2608,7 @@
           <a:p>
             <a:fld id="{20FD5246-4265-435A-B901-A38BFD400D8A}" type="datetimeFigureOut">
               <a:rPr lang="de-CH" smtClean="0"/>
-              <a:t>29.03.18</a:t>
+              <a:t>31.03.2018</a:t>
             </a:fld>
             <a:endParaRPr lang="de-CH"/>
           </a:p>
@@ -2840,7 +2840,7 @@
           <a:p>
             <a:fld id="{20FD5246-4265-435A-B901-A38BFD400D8A}" type="datetimeFigureOut">
               <a:rPr lang="de-CH" smtClean="0"/>
-              <a:t>29.03.18</a:t>
+              <a:t>31.03.2018</a:t>
             </a:fld>
             <a:endParaRPr lang="de-CH"/>
           </a:p>
@@ -3207,7 +3207,7 @@
           <a:p>
             <a:fld id="{20FD5246-4265-435A-B901-A38BFD400D8A}" type="datetimeFigureOut">
               <a:rPr lang="de-CH" smtClean="0"/>
-              <a:t>29.03.18</a:t>
+              <a:t>31.03.2018</a:t>
             </a:fld>
             <a:endParaRPr lang="de-CH"/>
           </a:p>
@@ -3325,7 +3325,7 @@
           <a:p>
             <a:fld id="{20FD5246-4265-435A-B901-A38BFD400D8A}" type="datetimeFigureOut">
               <a:rPr lang="de-CH" smtClean="0"/>
-              <a:t>29.03.18</a:t>
+              <a:t>31.03.2018</a:t>
             </a:fld>
             <a:endParaRPr lang="de-CH"/>
           </a:p>
@@ -3420,7 +3420,7 @@
           <a:p>
             <a:fld id="{20FD5246-4265-435A-B901-A38BFD400D8A}" type="datetimeFigureOut">
               <a:rPr lang="de-CH" smtClean="0"/>
-              <a:t>29.03.18</a:t>
+              <a:t>31.03.2018</a:t>
             </a:fld>
             <a:endParaRPr lang="de-CH"/>
           </a:p>
@@ -3697,7 +3697,7 @@
           <a:p>
             <a:fld id="{20FD5246-4265-435A-B901-A38BFD400D8A}" type="datetimeFigureOut">
               <a:rPr lang="de-CH" smtClean="0"/>
-              <a:t>29.03.18</a:t>
+              <a:t>31.03.2018</a:t>
             </a:fld>
             <a:endParaRPr lang="de-CH"/>
           </a:p>
@@ -3954,7 +3954,7 @@
           <a:p>
             <a:fld id="{20FD5246-4265-435A-B901-A38BFD400D8A}" type="datetimeFigureOut">
               <a:rPr lang="de-CH" smtClean="0"/>
-              <a:t>29.03.18</a:t>
+              <a:t>31.03.2018</a:t>
             </a:fld>
             <a:endParaRPr lang="de-CH"/>
           </a:p>
@@ -4167,7 +4167,7 @@
           <a:p>
             <a:fld id="{20FD5246-4265-435A-B901-A38BFD400D8A}" type="datetimeFigureOut">
               <a:rPr lang="de-CH" smtClean="0"/>
-              <a:t>29.03.18</a:t>
+              <a:t>31.03.2018</a:t>
             </a:fld>
             <a:endParaRPr lang="de-CH"/>
           </a:p>
@@ -5492,6 +5492,42 @@
           </a:p>
         </p:txBody>
       </p:sp>
+      <p:pic>
+        <p:nvPicPr>
+          <p:cNvPr id="3" name="Grafik 2">
+            <a:extLst>
+              <a:ext uri="{FF2B5EF4-FFF2-40B4-BE49-F238E27FC236}">
+                <a16:creationId xmlns:a16="http://schemas.microsoft.com/office/drawing/2014/main" id="{16492A67-01ED-44BA-A607-3F8533DA4DE8}"/>
+              </a:ext>
+            </a:extLst>
+          </p:cNvPr>
+          <p:cNvPicPr>
+            <a:picLocks noChangeAspect="1"/>
+          </p:cNvPicPr>
+          <p:nvPr/>
+        </p:nvPicPr>
+        <p:blipFill>
+          <a:blip r:embed="rId3">
+            <a:extLst>
+              <a:ext uri="{28A0092B-C50C-407E-A947-70E740481C1C}">
+                <a14:useLocalDpi xmlns:a14="http://schemas.microsoft.com/office/drawing/2010/main" val="0"/>
+              </a:ext>
+            </a:extLst>
+          </a:blip>
+          <a:stretch>
+            <a:fillRect/>
+          </a:stretch>
+        </p:blipFill>
+        <p:spPr>
+          <a:xfrm>
+            <a:off x="1763688" y="991220"/>
+            <a:ext cx="5955698" cy="5512111"/>
+          </a:xfrm>
+          <a:prstGeom prst="rect">
+            <a:avLst/>
+          </a:prstGeom>
+        </p:spPr>
+      </p:pic>
     </p:spTree>
     <p:extLst>
       <p:ext uri="{BB962C8B-B14F-4D97-AF65-F5344CB8AC3E}">
@@ -11383,6 +11419,184 @@
           </a:p>
         </p:txBody>
       </p:sp>
+      <p:pic>
+        <p:nvPicPr>
+          <p:cNvPr id="3" name="Grafik 2">
+            <a:extLst>
+              <a:ext uri="{FF2B5EF4-FFF2-40B4-BE49-F238E27FC236}">
+                <a16:creationId xmlns:a16="http://schemas.microsoft.com/office/drawing/2014/main" id="{8A262149-E9AA-4B2B-8ACD-5817445704EB}"/>
+              </a:ext>
+            </a:extLst>
+          </p:cNvPr>
+          <p:cNvPicPr>
+            <a:picLocks noChangeAspect="1"/>
+          </p:cNvPicPr>
+          <p:nvPr/>
+        </p:nvPicPr>
+        <p:blipFill>
+          <a:blip r:embed="rId3">
+            <a:extLst>
+              <a:ext uri="{28A0092B-C50C-407E-A947-70E740481C1C}">
+                <a14:useLocalDpi xmlns:a14="http://schemas.microsoft.com/office/drawing/2010/main" val="0"/>
+              </a:ext>
+            </a:extLst>
+          </a:blip>
+          <a:stretch>
+            <a:fillRect/>
+          </a:stretch>
+        </p:blipFill>
+        <p:spPr>
+          <a:xfrm>
+            <a:off x="-14381" y="1267716"/>
+            <a:ext cx="4459578" cy="1978371"/>
+          </a:xfrm>
+          <a:prstGeom prst="rect">
+            <a:avLst/>
+          </a:prstGeom>
+        </p:spPr>
+      </p:pic>
+      <p:pic>
+        <p:nvPicPr>
+          <p:cNvPr id="7" name="Grafik 6">
+            <a:extLst>
+              <a:ext uri="{FF2B5EF4-FFF2-40B4-BE49-F238E27FC236}">
+                <a16:creationId xmlns:a16="http://schemas.microsoft.com/office/drawing/2014/main" id="{BFD6F41B-BE75-451A-A1F0-5562B49EF685}"/>
+              </a:ext>
+            </a:extLst>
+          </p:cNvPr>
+          <p:cNvPicPr>
+            <a:picLocks noChangeAspect="1"/>
+          </p:cNvPicPr>
+          <p:nvPr/>
+        </p:nvPicPr>
+        <p:blipFill>
+          <a:blip r:embed="rId4" cstate="print">
+            <a:extLst>
+              <a:ext uri="{28A0092B-C50C-407E-A947-70E740481C1C}">
+                <a14:useLocalDpi xmlns:a14="http://schemas.microsoft.com/office/drawing/2010/main" val="0"/>
+              </a:ext>
+            </a:extLst>
+          </a:blip>
+          <a:stretch>
+            <a:fillRect/>
+          </a:stretch>
+        </p:blipFill>
+        <p:spPr>
+          <a:xfrm>
+            <a:off x="5796136" y="1211273"/>
+            <a:ext cx="3045381" cy="2154681"/>
+          </a:xfrm>
+          <a:prstGeom prst="rect">
+            <a:avLst/>
+          </a:prstGeom>
+        </p:spPr>
+      </p:pic>
+      <p:pic>
+        <p:nvPicPr>
+          <p:cNvPr id="12" name="Grafik 11">
+            <a:extLst>
+              <a:ext uri="{FF2B5EF4-FFF2-40B4-BE49-F238E27FC236}">
+                <a16:creationId xmlns:a16="http://schemas.microsoft.com/office/drawing/2014/main" id="{20983108-3C42-4C2B-AF37-5E063EF882F8}"/>
+              </a:ext>
+            </a:extLst>
+          </p:cNvPr>
+          <p:cNvPicPr>
+            <a:picLocks noChangeAspect="1"/>
+          </p:cNvPicPr>
+          <p:nvPr/>
+        </p:nvPicPr>
+        <p:blipFill>
+          <a:blip r:embed="rId5">
+            <a:extLst>
+              <a:ext uri="{28A0092B-C50C-407E-A947-70E740481C1C}">
+                <a14:useLocalDpi xmlns:a14="http://schemas.microsoft.com/office/drawing/2010/main" val="0"/>
+              </a:ext>
+            </a:extLst>
+          </a:blip>
+          <a:stretch>
+            <a:fillRect/>
+          </a:stretch>
+        </p:blipFill>
+        <p:spPr>
+          <a:xfrm>
+            <a:off x="971600" y="3537635"/>
+            <a:ext cx="3289605" cy="2711213"/>
+          </a:xfrm>
+          <a:prstGeom prst="rect">
+            <a:avLst/>
+          </a:prstGeom>
+        </p:spPr>
+      </p:pic>
+      <p:sp>
+        <p:nvSpPr>
+          <p:cNvPr id="17" name="Textfeld 16">
+            <a:extLst>
+              <a:ext uri="{FF2B5EF4-FFF2-40B4-BE49-F238E27FC236}">
+                <a16:creationId xmlns:a16="http://schemas.microsoft.com/office/drawing/2014/main" id="{DC4CC005-07CF-4CAC-B0E2-F8506963447F}"/>
+              </a:ext>
+            </a:extLst>
+          </p:cNvPr>
+          <p:cNvSpPr txBox="1"/>
+          <p:nvPr/>
+        </p:nvSpPr>
+        <p:spPr>
+          <a:xfrm>
+            <a:off x="5399965" y="4437112"/>
+            <a:ext cx="2215863" cy="369332"/>
+          </a:xfrm>
+          <a:prstGeom prst="rect">
+            <a:avLst/>
+          </a:prstGeom>
+          <a:noFill/>
+        </p:spPr>
+        <p:txBody>
+          <a:bodyPr wrap="none" rtlCol="0">
+            <a:spAutoFit/>
+          </a:bodyPr>
+          <a:lstStyle/>
+          <a:p>
+            <a:r>
+              <a:rPr lang="de-CH" dirty="0"/>
+              <a:t>Bild unseres Roboters</a:t>
+            </a:r>
+          </a:p>
+        </p:txBody>
+      </p:sp>
+      <p:sp>
+        <p:nvSpPr>
+          <p:cNvPr id="18" name="Textfeld 17">
+            <a:extLst>
+              <a:ext uri="{FF2B5EF4-FFF2-40B4-BE49-F238E27FC236}">
+                <a16:creationId xmlns:a16="http://schemas.microsoft.com/office/drawing/2014/main" id="{140AAA1D-0F44-477C-B532-EE643E3D6DA1}"/>
+              </a:ext>
+            </a:extLst>
+          </p:cNvPr>
+          <p:cNvSpPr txBox="1"/>
+          <p:nvPr/>
+        </p:nvSpPr>
+        <p:spPr>
+          <a:xfrm>
+            <a:off x="4698805" y="2140497"/>
+            <a:ext cx="779381" cy="369332"/>
+          </a:xfrm>
+          <a:prstGeom prst="rect">
+            <a:avLst/>
+          </a:prstGeom>
+          <a:noFill/>
+        </p:spPr>
+        <p:txBody>
+          <a:bodyPr wrap="none" rtlCol="0">
+            <a:spAutoFit/>
+          </a:bodyPr>
+          <a:lstStyle/>
+          <a:p>
+            <a:r>
+              <a:rPr lang="de-CH" dirty="0"/>
+              <a:t>ODER:</a:t>
+            </a:r>
+          </a:p>
+        </p:txBody>
+      </p:sp>
     </p:spTree>
     <p:extLst>
       <p:ext uri="{BB962C8B-B14F-4D97-AF65-F5344CB8AC3E}">
@@ -11796,8 +12010,8 @@
           </a:prstGeom>
         </p:spPr>
       </p:pic>
-      <mc:AlternateContent xmlns:mc="http://schemas.openxmlformats.org/markup-compatibility/2006">
-        <mc:Choice xmlns:p14="http://schemas.microsoft.com/office/powerpoint/2010/main" Requires="p14">
+      <mc:AlternateContent xmlns:mc="http://schemas.openxmlformats.org/markup-compatibility/2006" xmlns:p14="http://schemas.microsoft.com/office/powerpoint/2010/main">
+        <mc:Choice Requires="p14">
           <p:contentPart p14:bwMode="auto" r:id="rId5">
             <p14:nvContentPartPr>
               <p14:cNvPr id="17" name="Freihand 16">
@@ -11816,7 +12030,7 @@
             </p14:xfrm>
           </p:contentPart>
         </mc:Choice>
-        <mc:Fallback>
+        <mc:Fallback xmlns="">
           <p:pic>
             <p:nvPicPr>
               <p:cNvPr id="17" name="Freihand 16">

--- a/01_Organisation/02_Meilensteine/m2/Praesentation_m2.pptx
+++ b/01_Organisation/02_Meilensteine/m2/Praesentation_m2.pptx
@@ -5,7 +5,7 @@
     <p:sldMasterId id="2147484208" r:id="rId1"/>
   </p:sldMasterIdLst>
   <p:notesMasterIdLst>
-    <p:notesMasterId r:id="rId23"/>
+    <p:notesMasterId r:id="rId22"/>
   </p:notesMasterIdLst>
   <p:sldIdLst>
     <p:sldId id="280" r:id="rId2"/>
@@ -18,17 +18,16 @@
     <p:sldId id="292" r:id="rId9"/>
     <p:sldId id="293" r:id="rId10"/>
     <p:sldId id="294" r:id="rId11"/>
-    <p:sldId id="295" r:id="rId12"/>
-    <p:sldId id="296" r:id="rId13"/>
-    <p:sldId id="297" r:id="rId14"/>
-    <p:sldId id="298" r:id="rId15"/>
-    <p:sldId id="299" r:id="rId16"/>
-    <p:sldId id="286" r:id="rId17"/>
-    <p:sldId id="287" r:id="rId18"/>
-    <p:sldId id="288" r:id="rId19"/>
-    <p:sldId id="289" r:id="rId20"/>
-    <p:sldId id="284" r:id="rId21"/>
-    <p:sldId id="285" r:id="rId22"/>
+    <p:sldId id="296" r:id="rId12"/>
+    <p:sldId id="297" r:id="rId13"/>
+    <p:sldId id="298" r:id="rId14"/>
+    <p:sldId id="299" r:id="rId15"/>
+    <p:sldId id="286" r:id="rId16"/>
+    <p:sldId id="287" r:id="rId17"/>
+    <p:sldId id="288" r:id="rId18"/>
+    <p:sldId id="289" r:id="rId19"/>
+    <p:sldId id="284" r:id="rId20"/>
+    <p:sldId id="285" r:id="rId21"/>
   </p:sldIdLst>
   <p:sldSz cx="9144000" cy="6858000" type="screen4x3"/>
   <p:notesSz cx="6858000" cy="9144000"/>
@@ -146,47 +145,6 @@
 </p:presentation>
 </file>
 
-<file path=ppt/ink/ink1.xml><?xml version="1.0" encoding="utf-8"?>
-<inkml:ink xmlns:inkml="http://www.w3.org/2003/InkML">
-  <inkml:definitions>
-    <inkml:context xml:id="ctx0">
-      <inkml:inkSource xml:id="inkSrc0">
-        <inkml:traceFormat>
-          <inkml:channel name="X" type="integer" min="-2.14748E9" max="2.14748E9" units="cm"/>
-          <inkml:channel name="Y" type="integer" min="-2.14748E9" max="2.14748E9" units="cm"/>
-          <inkml:channel name="F" type="integer" max="32767" units="dev"/>
-        </inkml:traceFormat>
-        <inkml:channelProperties>
-          <inkml:channelProperty channel="X" name="resolution" value="1000" units="1/cm"/>
-          <inkml:channelProperty channel="Y" name="resolution" value="1000" units="1/cm"/>
-          <inkml:channelProperty channel="F" name="resolution" value="0" units="1/dev"/>
-        </inkml:channelProperties>
-      </inkml:inkSource>
-      <inkml:timestamp xml:id="ts0" timeString="2018-03-29T15:39:57.210"/>
-    </inkml:context>
-    <inkml:brush xml:id="br0">
-      <inkml:brushProperty name="width" value="0.05" units="cm"/>
-      <inkml:brushProperty name="height" value="0.05" units="cm"/>
-    </inkml:brush>
-  </inkml:definitions>
-  <inkml:trace contextRef="#ctx0" brushRef="#br0">1476 3286 1792,'-8'0'355,"-2"0"-3,1 0-92,0-3-83,3-2-73,4 3 1,2 2 51,0 0 102,0 0-64,-2 0-52,2 0-44,-2 0-1,-2 0 25,3 0-19,-5-1 233,3-3-71,1 2-98,-3 0-71,2 0 0,-6-4-10,4 3-34,0 0 60,2 0 14,-1-1 52,-1 0-3,-2 0 35,6 3-143,-1 0 0,0 0-1,1 0 1,-1 0-1,0-1 1,0 1-1,1-1 1,0 1-1,-1-1 1,1 1 0,0-1-1,-1-1-66,-1-1 238,-1 1-55,-1 0 11,-3 0-62,6 3-90,0 0 1,0-1 0,0 0-1,0 0 1,-1 0 0,1-1-43,-9-6 380,4 0-60,-3-3 78,3 6-189,-2-3 84,-3-8 80,4 8-227,-1-1-1,1-3-57,-3-9-83,8 16-25,0 0 0,0 0 0,1 0 0,0-1 20,-5-16-154,0-11 154,3 12-27,3 13 9,0 1 0,0 0 0,1 0 0,0-1-1,0-2 19,1-12-32,0 15 24,-1-1 0,2 0 0,-1 1 1,0 0-1,2-1 8,-1-4-52,13-26 10,-13 29 44,-1 4 3,0 0 0,0 0 0,1 0 0,-1 0 0,1 1 0,0-1 0,1 1 1,-1 0-1,2-3-5,1-1-1,16-20-100,-6 15 59,-4-3-1,4 4-32,-3-4 41,-10 12 32,0 2 1,0-2-1,1 1 0,0 0 1,0-1 1,2 1 1,-1 0 1,-1-1-1,1 1 1,-1-1-1,1 0 1,-1 0-1,-1-1-1,15-15 36,10-9-62,-12 13 0,-3 4-31,1 0-1,7-4 58,-11 8-7,1 1-11,4-3-52,7-3-24,-18 12 87,-1-1 0,0 1 0,0 0 0,0 0 0,1 0 0,-1 0 0,1 1 7,17-3-6,-9 3 53,0 2 0,9 1-47,-9 0 95,-1-2 1,10 1-96,7-1 226,-24-1-203,1 1-1,-1 0 1,1 0 0,-2 0 0,2 0-1,1 2-22,10 4 61,-10-5-27,0 1 1,0 0-1,0 0 0,-1 0 1,1 0-1,3 4-34,-1 1 65,-5-6-49,0 1 0,0-1 0,0 0-1,0 0 1,0 0 0,0-1 0,1 1 0,1 0-16,1 2 35,1 0-1,0 0 1,3 4-35,-4-3 8,1-1 0,0 0 0,3 2-8,-2-2 4,-1 0 1,-1 0-1,1 1 0,1 2-4,-1-2 3,-1 0-1,1 0 0,0-2 1,2 3-3,-6-5 4,0 1 0,0-1 0,0 0 0,0 1 0,0 0 1,0 0-1,0 0 0,0 0 0,-1 0 0,0 1 0,1-1 1,-1 0-1,0 1 0,0-1-4,10 17 80,2 0 112,-7-2 64,6-4 27,-9-1-149,-2-7-87,7 17 85,-6-19-115,-1 0-1,0 1 1,0 0 0,0-1 0,0 1 0,-1-1-1,1 1 1,-1-1 0,1 1-17,-1 1 8,0-2 1,0 1-1,1 0 0,0 0 0,1 2-8,1 8 7,1 7 2,-2-1 0,1 0 0,-2 2-9,-1-16 0,0 0 0,-1-1 0,0 1 0,0 0 0,0 1 0,-1-2 0,1 0 0,0 0 0,1 1 0,0 0 0,-1-1 0,1 2 7,0-2 0,-1 1 1,0 0-1,-1 3-7,-1 6 29,2-3-12,0-7-2,0-1 0,1 1 0,-2-1 1,2 0-1,-1 1 0,-1-1 0,0 1-15,0 0 21,0 0-1,0 0 1,1 1 0,0 0-21,0-2 14,1-1-1,-2 2 1,1-2 0,0 1 0,-1-1-1,-1 4-13,-7 14 39,4-6-5,0-5 24,0-4 26,-1-1 43,0-2-3,1 0-33,-15 2 123,13-5-83,-3-1 87,-2-3-7,1 1-46,2 2-23,-17-1 218,15-1-226,0-1-36,-1 3-13,-1 1-29,-13 1 2,0-3-44,14-2-3,8 3-7,-1 0 0,1 0 0,0 0 0,-5 1-4,-39 0-47,-67 0-194,110-1 134,-3-2-79,4 1 17,2 1-5,0-1-70,0 2-464,0-1 59,-1 2 55,2-1 47,-1 1 42,1 0 36,-3 2-385,-2 1-223,2-3 587,0 1 59,-1 1-28,-3 0-166,9-3 625</inkml:trace>
-  <inkml:trace contextRef="#ctx0" brushRef="#br0" timeOffset="1">4031 3363 3840,'-2'-5'261,"1"0"-28,0-1 24,0 4-126,0 0 41,0-1 11,0 0 44,0 0 50,-1 0 56,0-1-232,-2-5 49,3 6 96,0 0-83,1 2-50,0-1-48,0 0-17,-1 0 48,-8-10 509,4 7-449,1 0-48,1 2-67,-1-1-55,-16-17 393,-1 2 54,-1 4 61,-4 2 66,5 2-218,16 8-249,-1 0 0,1 0 1,-1 0-1,-2 0-93,-2 1 248,-1-2 0,-5-2-248,0-2 288,8 3-78,-6-4 244,1 0-3,4 4-243,7 2-116,-2 1 0,1 0 0,1 0 0,-1 0 0,0-1 0,0 1 0,1-1 0,0 0 0,-1 1 0,0-4-92,-4-8 219,4 7-154,1 0-37,-2-13 30,0-8-95,2 17 13,2 0-1,-1-1 1,2-4 24,-1 1-28,2-20-28,1 20 50,0 0 0,2-2 6,-1 0-12,3-8-88,6-11 100,4-6-2,-3 10 54,25-43 8,-29 53-55,-8 17 0,1-1 1,-1 1-1,2-1 0,-1 0 1,0 1-1,1 0 1,-1 0-1,2 0 1,-1 0-6,46-33-43,-26 20 53,-12 12 36,0-1-1,5 0-45,-8 3 31,-3 1-15,-1 0 1,1 1-1,0 0 0,-1 1 0,3-2-16,6 2 6,1 0-1,0 1 0,-1 0 1,1 2-1,-1 0 0,1 1 1,1 0-6,-3 2 0,-1 0 0,5 3 0,4 2 0,31 10 0,37 9 0,-67-22 0,14 7 0,10 3 0,34 12 0,-74-27 7,0 1 0,0-1 1,0 2-1,-1 0 0,2 1-7,16 12 111,-21-15-93,2 2 11,0-1 1,-1 1-1,-1 0 0,2 0 1,-2 0-1,1 0 0,-1 1 0,0-1 1,1 3-30,1 2 68,0-1 0,5 7-68,-7-12 5,0 1-1,0-2 1,0 2 0,0-1 0,0 1 0,-1-1-1,0 1 1,0 0 0,1-1 0,-2 1-5,8 18 34,-6-17-17,-1 1 0,1-1 0,0 5-17,0 4 15,-1 0-1,-1 0 1,-1 11-15,1 2 31,0-17-4,0-4-19,0 0 0,0-1 0,0 1 0,-1-1 0,0 1 0,0-1 0,0 0 0,-1 1 0,1-1 0,-1 0-8,-3 9 0,0 1 45,-1 2 61,-1 1 49,-8 17 266,12-30-335,1 0 0,-2-1 0,1 1 0,0-1 0,-1 0 0,1 0 0,-1 0 0,-1 0 0,1-1 0,0 1 0,-1-2 0,-1 3-86,-15 5 203,-11 0 58,28-8-223,0-1 0,0 1 0,-1 0 0,-2 3-38,3-3 21,0 0 0,0 1 0,0-1 0,-1 0 0,1-1 0,-1 1-21,-53 7 117,47-8-129,1 0 0,-10-2 12,11 1-3,0 0 1,0 1-1,-4 0 3,7 1 9,-10 0 49,2 0 69,-2-1 91,-3 0 111,-5-1-161,0 0-105,3 0-65,-33 0-72,48 0 89,1-1-1,0 1 1,-1-2-1,1 1-14,-15-3 22,5 3-49,2 1-115,-20 0-117,23 0 124,-1 0-60,0 0-113,5 0 110,1 0-34,-1 0-37,0 0-40,0 0-44,1 0-46,-9 2-744,8 0 714,2 0 204,0 0 54,-2-1 31,-4-1-8</inkml:trace>
-  <inkml:trace contextRef="#ctx0" brushRef="#br0" timeOffset="2">238 4480 6400,'0'-3'790,"-1"0"-123,1 0-114,-1 1-107,0 0-97,0 0-89,-1 1-79,1-1-73,0 2-46,1-1-43,1-1-73,1 0 40,1 0 44,5-8 191,-7 8-165,1 1 59,0 0-41,-1 1-24,1 0-25,0-1 21,1-3 8,-3 4-53,0 0 0,0-1 0,1 1 0,-1 0 0,0-1 0,0 1 0,0 0 0,0-1 0,0 1 0,0 0 0,1 0-1,-1 0 1,1 0 0,-1 0 0,0 0 0,0-1 0,0 1 0,0 0 0,1 0 0,-1 0 0,1 0 0,-1 0 0,0 0 0,0 0 0,0 0 0,1 0 0,-1 0 0,0 0 0,0 0 0,1 0 0,-1 0 0,1 0-1,4 0 2,0 1 61,0 1 52,0 0 42,3 3 209,-6-3-255,0-1-1,0 2 1,-1-1 0,1 0 0,-1 0 0,0 0 0,1 1 0,-1-1 0,0 1-111,8 22 539,-2 16 145,-2-8-149,1-11-127,-1 0-41,0 7 59,-1-2-99,-1-6-77,6 18 112,1 10 73,-1-14-203,4 13-20,-1 5-72,-6-27-80,0 0 0,2-1-1,1 1 1,0-1-1,3-1 1,8 17-60,8 13 157,8 29 208,-31-69-306,12 24 79,-1-3-68,-5-11-65,11 24-101,6-4 4,-13-18 94,0-1 56,-2-1 38,7 12-40,-9-18-84,0 0-48,0-1-2,10 15-9,-6-6 120,3 5 117,-7-12 174,9 10-324,-17-26 20,10 14 106,-2 1 0,2 1-126,17 45 181,-10-27-124,0-1-34,9 16-12,14 27 11,1-1-60,-26-45-5,-1-6 22,12 17 21,8 3 53,3-1 38,-20-25 31,3 7-122,16 26 102,-21-34-105,1-2 0,14 11 3,-8-6 0,-21-20 0,17 16 0,6 1 0,27 16 0,39 33 1,-35-25-18,8 2 17,-5-7-80,-4 6-5,24 6 36,-26-16 29,5 2 17,1-3 0,15 3 3,-5-2 6,80 36 125,-84-46-134,167 43-19,-93-39-90,-44-10 48,32 3-65,5-8-80,-112-12 169,174 7-408,-129-8 355,-2-1 84,105-7 148,-131 5-112,55-2 21,-55-1-78,1 0-38,47-8-151,-62 9 141,33-8-63,-1-3 37,0-2 36,0-2 32,4-1 34,1 1 33,-21 7 57,83-25 432,-100 28-479,0 0-34,16-6-50,53-23-125,-65 26 154,0-1 42,4-2 43,2 1-52,66-27-117,-61 25 66,2-1 44,-14 6 35,0 0 40,29-15 154,2-2-40,0-1-48,-3 0-60,-46 24-83,118-66 127,-84 45-122,-3 1-33,39-30-35,-57 41 22,33-24-71,19-24-48,-9 13-14,-11 8 40,-19 11 71,-13 8 37,8-13 16,-17 20 11,48-53 40,-26 30-90,-1-1-85,63-74-308,-57 65 318,1 0 68,-16 18 89,0-1 54,56-72 345,-49 54-315,-7 6-46,-1 3-50,-1 3-57,9-14-76,9-28-103,-34 63 170,-7 15 34,49-100-148,-3-7 75,-11 23 104,3-7 87,11-41 163,-18 38 14,-8 34 4,-9 22-67,-2-1-61,-1 1-57,-1-1-55,6-19-65,2-1-105,14-29-159,-4 11 1,-12 27 123,6-38-71,-11 35-49,1-23 267,-9 54-61,0 0 41,1-7 54,0 1 68,-1 0 67,-3-1 65,0-23 111,0 11-107,0 15-149,0 19-79,0 0 0,0 0 0,-2-2-10,0 3-20,1 0 1,-1 0-1,0 0 0,-1 1 0,-2-5 20,2 4-15,1 1-56,-1-2-64,0 1-43,1 5 112,1 0 0,1 0 1,-2 0-1,1 1 0,-1-1 1,1 0-1,-1 1 0,0-1 1,1 1-1,-1-1 66,-11-5-160,-2 4 50,6 4 78,-2 1 45,3 1 38,1 2 42,-1 0 47,1 2 52,-6 10-5,1 5-63,2-5-73,1-2-40,4-9-20,-1 1 0,0-1 0,0 0 0,-3 2 9,-9 9-44,13-11 31,0 0 0,0 1 0,-3 7 13,-9 10-4,6-9 4,0 2 0,-9 16 0,13-20 5,0 0-34,-2 2-39,-4 7-76,-2 4-43,5-8 98,7-14 71,-15 29-89,9-18 74,-1-1-1,-5 6 34,-10 13-58,-11 19 58,18-26-3,-15 15 3,6-7 42,3-1 68,4-1 53,1-5-47,2 1-33,0-1-38,1 2-41,-7 9-128,-13 14-160,17-25 163,1 0 58,-6 11-13,-41 67 35,39-57-29,9-20 52,4-10 47,-5 2 69,-1 1 65,-12 24 248,18-29 29,-13 14-440,-2 2 269,10-10-99,1-3-35,-4 5 115,-1 0 0,-16 11-250,-28 24 404,1 2-93,3 2-91,0 2-93,32-33 39,-35 26-166,-38 22 93,39-30-75,-32 26-13,85-67-5,-3 2 0,-9 6 0,-81 42-16,69-41-77,-15 5 93,14-6 6,0 1 49,10-3 11,-5 2 172,-19 7-238,9-9 108,-1 0 44,-101 21 464,84-24-398,-24 5-36,34-7-125,-23 6-14,-24 6-5,17-3 50,2 1 35,-77 28 204,101-31-204,4-3 234,-30 3-357,49-12 86,-12 2 127,-2-1-213,6-3 104,-9 0 0,2 2-45,-197 17 107,133-14-124,79-5-13,-55 2 43,57-5-33,-11 0 50,-1-2-89,15 0 31,-71-3 125,66 4-28,-9-3-128,-61-11 147,39 5-35,0 3 55,46 6-134,2 0 7,0 0-1,-7-3-39,1 0 49,0-3-1,-8-5-48,-23-8 69,3 3 61,-14-10-130,12 5 78,-2 1-19,24 11-6,2-1 0,-23-14-53,25 11 5,-51-31 33,62 37-21,-49-36 0,45 32-64,1-2 1,-11-11 46,-26-37-27,-3-2 86,10 13 3,-23-30-97,38 48 29,12 14 6,-12-18 0,17 17 0,1 0 0,-4-9 0,-6-12-16,11 24-5,5 6-8,-1 0-1,0-3 30,1 0-61,-3-13 61,2 6-24,-11-25-70,-17-32 94,9 25-66,-11-21 32,-30-39 25,34 56 9,25 43 0,3 2 0,-2 1 0,-4-7 0,4 9 2,-1 1-1,-3-4-1,-3-2 8,-3-7 29,0-1 0,-4-8-37,13 19 6,-13-25-10,-7-20-52,9 16 4,11 25-15,1 0 1,1 0-1,1 0 0,-5-14 67,-1-25-133,6 35 79,-3-13-52,2-24-86,-7-1-5,6 28 130,0-6 28,-7-15 22,0 12-3,4 11-13,0-4 33,4 6-5,0 3 5,-1 0-1,-2-3 1,-9-18 16,-3-6 18,10 15-52,3 10 0,-1-12-48,-1 2-36,0-6-108,0 0 0,1-13 210,2 9-180,-3 0-63,5 20 91,-1 0 36,-7-21-42,-7-28-30,12 40 77,-4-29-81,2 7 48,-3 0 48,8 40 33,1 0 1,-6-9 62,-6-19-89,4 7 31,8 26 56,-1-1 0,1 1 0,-6-9 2,6 13 0,-22-32-5,12 21-22,-2 3-37,-8 1-35,17 10 80,1-1 1,0 0 0,-6-4 18,10 6-2,-1-1-1,0 1 1,0 0 0,0 1 0,0-1 0,-1 0 0,1 1 0,0-1-1,0 2 1,-2-2 2,2 1-16,0-1 0,-1 0 0,0 1 1,1-1-1,0-1 0,-1 0 16,-14-8-17,0 1-55,4 2-17,13 7 68,-1 1 0,0 0 0,1-1-1,-1 1 1,0-1 0,0 1 0,1 0 0,-1 0 21,-15 0-233,-4 0 53,1 0 50,2 0 49,8 1 29,1 3 35,0-1 16,-7 0 1,4 3 0,0-1-10,-11 2-76,6-1 25,-10 6 0,24-11 58,0 2 1,0-1-1,1 0 0,-1 0 0,1 0 1,0 0-1,-1 1 0,0 2 3,-5 6 16,1 0-1,-1 4-15,-15 22-52,19-30 16,-1 0 0,1 0 0,1 1 0,-1-1 0,-2 9 36,-1 11-39,2-13 25,1 3-89,-4 17 103,3 5-39,1 3 32,3-22 28,1-1 0,1 1-1,0 0-20,7 37 33,-2-15-87,-4-26 35,-1-6 14,0 0 0,1 0 1,0 0-1,1-1 5,-1 2 0,0 0 0,-1 0 0,1 0 0,-2 0 0,0 11 0,0-6 0,3 14 0,0-11 0,-1-10 0,-1 0 0,0 0 0,-1 5 0,0 29 0,-2-14 0,3 0 0,1 20 0,2-30 0,-3-10 0,0 0 0,0 0 0,0 6 0,0 6-14,2 1 42,4 11 183,0 1-211,1-3 95,-1-7 45,6 15-140,2 11 106,-10-33-85,1-1 0,0 1-21,5 14 27,-4-2 42,14 42 67,-5-21-106,-12-41-31,0 0 1,0 0 0,0 0-1,1-1 1,0 1 0,1-2-1,0 1 1,1 1 0,2 1-24,1 0-1,1-1 1,2 2 24,16 11-104,3-3-61,-1-1-75,1-1-88,0 0-141,-16-8 79,1-1-63,7 4-318,0 0-71,26 13-954,-33-16 1240,-1 0 45,-2-2 131,0 1 51,-1 1 59,0-1 67,13 10-200,11 10-84</inkml:trace>
-  <inkml:trace contextRef="#ctx0" brushRef="#br0" timeOffset="3">4399 6246 5376,'-3'0'357,"-1"0"-33,-2 0 232,2 0-234,0 0-49,0 0-44,0 0-39,-1 0-8,1 0-41,-3 1 11,1 1-49,-7 1 73,4 1 6,1 0 65,4-1-79,0-1 38,-3 3-10,6-5-150,-1 1 1,0 1-1,0-1 0,1 0 0,-1 0 0,1 1 0,-1 0 0,1-1 0,-1 0 1,2 2-1,-2-2-46,-7 14 143,-7 5-36,8-10-52,1 2-44,0-2 36,2-2 64,3-7-123,0 1 88,0 2 151,-6 3 495,6-5-546,-1 0-63,-5 4 527,-1 0-48,6-4-444,-4 6 308,3-4-276,2-3-150,0 0-55,-2 1 92,1 2-37,2-2 48,1 1 78,0-3-32,-1 0-73,-3 0-77,2 0 91,1 0 23,0 0 49,1 0 59,0 0 70,-1-1-15,-5-6 5,4 6-22,2 1-90,0 0-37,0-8 74,0 0-47,0-6 28,0-25 39,0 32-109,0-2 50,0 8-100,0 1-31,0 0-75,2 0 27,-1 0 36,1 0 0,-1 0 0,1 0 0,-1 0 1,1 0-1,-1 0 0,0 1 0,1-1 0,-1 1 0,1 0 0,-1-1 1,1 1-1,-1 0 0,1 0 1,-2 0-5,2 0 1,-2 0 0,1 0-1,0 1 1,0-2 0,0 2-1,-1-1 1,1 0-1,0 0 1,-1 2 4,3 4-35,9 9-3,8 1 32,0 1 18,-1 7 48,-3-6-40,-4-6-14,19 24 20,-13-16-30,10 7-72,-8-9 49,3 5 27,3 6 60,7 12-60,21 35 49,-20-25-94,-15-22-29,21 25 116,-8-13 1,-17-20-40,3 4 25,1 0-28,-13-18-5,2 1 0,5 3 5,1 1-37,23 22-32,-31-29 74,-1-1 0,2 1 0,-1-2 0,3 2-5,9 8 33,5 12-1,-3-7-34,15 6-56,-13-10 33,1 1 19,14 15 6,-8-4 11,3-3 37,-2 10-16,-17-21-22,1 0 0,1-1-10,0 0 9,-1 2-1,1 0-8,23 24-4,3 0-77,-9-5 41,2-3 41,-21-18 6,12 10 52,-3 4 26,8-4-26,-21-14-49,0 0 0,6 7-10,6 8 17,-3-8-11,8 5-6,-7-6-1,7 7 1,26 33 0,-37-40 0,14 12 0,-22-18 9,1-1 0,-1 0 0,1-1 0,1 0-1,7 5-8,-8-7-12,3 4-3,-3-2 11,1 0 0,0-2-1,-1 1 1,10 3 4,2-1 2,13 5 39,-9-3-52,-16-4 0,23 7-3,-28-12 27,1 1 0,-1 0 0,1 0 0,3-1-13,14 0 65,-13 1-35,0-1 0,0 0 0,-1-1 0,2 1 0,-1-1-1,-1-1 1,1 0 0,6-3-30,-9 3 16,11-6 52,-2-1 35,2 0 5,0-1-29,-7 1 22,-2 0 48,-2-3 86,-2 1-240,3-16-72,-4 10 90,0 8 52,0 0 61,0-2 83,-2 1-44,0-1-11,0-4 30,-1-7 54,0 7-110,-3-4-17,1 1-19,2 5 3,0 3 5,-2-1-40,0 2-22,-3-15 54,-7-9-46,3 9 54,2 0 52,-11-24 199,12 34-287,3 6-28,0-1 0,1 1 0,0-1 0,0-2-36,-1-5 33,1 7-3,1-1 1,-1 0-1,0 0 1,-2 0-31,-1-4 24,1 3 28,-1 0 0,-1-10-52,5 13 21,-1 1 0,0 0 1,0 0-1,0 0 0,0 1 1,-1 0-1,-1-1-21,-5-5 16,-12-13 1,-26-35 110,31 39-53,11 14-62,0 0 0,1-1 1,0 1-1,-1-3-12,-33-60 100,2 0 61,33 63-132,-3-7 46,-1 1-1,-6-7-74,11 16 21,0 0-1,-1 0 0,0 0 1,0 0-1,0 1 1,0 0-1,-1 0 0,-3-2-20,2 2 54,1-1-1,-1 0 1,-3-4-54,3 4 39,1 0 0,-1-1 0,-3-1-39,-28-11 96,0 2 68,-2 0 82,20 6-134,-1 2-11,5-5-52,11 10-44,1 0 0,0 0 0,-1 0 0,1 1 0,0-1 0,-1 1-5,-15-8 12,7 2-12,10 5 0,0 1 0,-1-1 0,1 1 0,-1-1 0,1 0 0,1 0 0,-1 0 0,0 0 0,0 0 0,-2-3 0,-4-9 0,-1 8 0,2-4 5,-4-6 38,8 12-56,0 0-1,0-1 0,-1 1 1,1-1-1,1 0 0,-1 0 14,-12-20-3,8 16 8,4 3-1,-1 0 0,0 1 0,1-1 0,-1 0-4,-10-18 102,3 8-33,4-2-22,6 13-45,-1 1 1,0-1-1,0 1 0,0 0 1,-2-2-3,-21-31-80,23 33 78,-1 1 1,0-1-1,0 1 1,-1-2 1,-6-6 0,5 3 0,-1 1 18,1-2 0,-1 1 0,-1 0 1,1 1-1,-6-3-18,-48-37 48,25 25 32,21 10-80,8 7-21,0-1-1,1 0 1,0 1 0,-4-7 21,-3-7 2,-2-11 54,6 12-29,-2-5-11,-5-10-6,5 14-84,7 14 38,-1-4 40,-2-1-8,3 6-88,2 3-39,1 0-99,0 1 65,0-1-40,1 1-47,-1-1-50,0 1-164,1 0 34,0-2-336,1 2 111,-1-1 94,1 1 24,0-1 71,5 1-857,-4 0 703,-1 0 194,-1 1-59,1-1 65,-1 0-50,0 1-56,0-1-62,-1 0-69,1 0-75,0 0-81,-1 1-87,-3-3 472,-1-1 44,-2-1-36,-3-3-164</inkml:trace>
-  <inkml:trace contextRef="#ctx0" brushRef="#br0" timeOffset="4">6471 7755 7296,'-4'-2'740,"0"0"-78,-2-1 48,1-1-110,-1 1-108,0 1-102,1 0-101,0 1-95,0 1-93,1 2-87,1 1 156,3 7 196,1-4-159,0-3-100,-1 0-50,1-1-36,12 18-21,-3 1-15,-7-15-3,0 1 0,0-1 1,1 0-1,2 4 18,6 3-14,0 0 0,0-1 0,11 8 14,-13-11 0,11 9 0,0-1 0,1-2 0,1-1 0,0 1 0,7 0 0,-11-6 0,1-2 0,-1 0 0,1-1 0,10 1 0,9-3 0,-19-3 0,39 4 0,-26-8 3,-17 1 4,-7 1 1,0 1 3,0-1 0,1 0 0,0-2 0,-1 1 0,0 0 0,0-1 0,0-1 0,2-1-11,17-11 99,-2-1 0,8-7-99,-24 15 42,-1 1 0,-1-1 0,1-1 0,-1 0 0,-1 0 0,1 0 0,3-8-42,1-2 52,36-50 140,-29 39-111,-2-1 1,13-31-82,22-77 120,-34 89-73,-5 15-12,0-2 0,-1-7-35,-5 15-3,-1-6 3,1-30-50,-7 61 41,0-1 1,0 1-1,0 0 1,-1-1-1,0 1 1,1-1-1,-2 1 1,1 0-1,-1 0 9,1 0-19,-1 1 0,0-1 0,0 1 0,-1 0 0,1 0 0,-1-1 0,1 2 0,-2-1 0,1 1 0,0-1 0,0 1-1,-1 0 1,0 0 0,1 0 0,-2 0 19,0 1-15,1-1-1,-1 1 0,-4-2 16,-15-2 15,0 6 80,0 4 98,12 0-80,-10 1 151,0 2 42,15-4-129,0 1 0,0-1 1,0 1-1,-6 4-177,6-3 93,1 0 6,-1-1 1,1 2-1,-2 1-99,-2 8 85,8-13-82,1 0-1,0 0 1,1 0 0,-1 0 0,0 1 0,1-1 0,-1 1-3,0 4-11,0 1-1,0 0 1,1 0-1,0-1 1,0 1-1,1 0 1,0 0-1,0 0 1,2 6 11,1-4-14,-1 0 1,1 0-1,0 0 1,0 0 0,1 0-1,6 7 14,-2-4-11,1 1 0,1-2 0,0 0 0,1 0 0,0-1 0,1 0 0,0-2 0,0 1 1,3-1 10,4 3-15,7 1 15,3 0-59,0-2-1,27 6 60,-40-13-19,-1-1-1,1-1 0,0 0 1,1-1-1,9-1 20,9-5 4,1-2 37,-23 4-16,-1-2-1,0 1 1,0-1 0,6-5-25,-5 3 15,-1-1 0,0-1 1,8-8-16,3-5 12,-1-1 0,0-2 0,13-18-12,-3-1 11,-1-1 1,18-38-12,-9 6 89,12-37-89,-33 68 43,-3-1 0,-1 0-1,0-11-42,1-13 86,-3-2-1,-3 0 0,0-27-85,-11 76 52,0-2 0,-4-20-52,2 19 24,2 26-23,-1-12 20,0 0 0,0-1 1,-1 2-1,-1-2 0,0 2 0,-5-13-21,3 15 31,1-1-1,-1 1 1,0 1-1,-6-8-30,9 14 7,1 1-1,-2 0 0,1-1 0,0 1 0,0 0 0,0 0 0,-1 1 1,1-2-1,-1 2 0,-2-1-6,3 1-1,1 1-1,-1-1 1,0 0 0,0 1 0,0 0 0,0-1 0,1 1-1,-1 0 1,0 0 0,0 1 0,0-1 1,0 1-7,0 0 0,-1-1 0,1 1 0,0 0 0,0 0 0,0 0 0,0 1-1,0-1 1,1 1 0,-1-1 0,0 1 0,1 0 0,-1-1 7,-4 7-49,0 0 1,-3 5 48,4-7-24,-8 15-49,1-1 1,-5 11 72,8-12-23,1 0 1,1 1-1,0 0 1,1-1-1,1 2 0,1 0 1,0 0-1,1 4 23,2-7-31,0-1 0,1 1 1,1 0-1,0-1 0,2 2 31,-3-11-16,2-1 0,0 0 0,0 0 0,0 0 0,1 1 0,-1-1 0,2-1 0,0 0 0,-1 1 0,1-1 0,0 0 0,5 6 16,-6-9-3,0-1 1,0 1-1,0-1 1,0 0-1,1 1 1,-1-1-1,1 0 1,0-1-1,-1 1 1,1-1-1,0 0 1,0 0-1,-1 0 3,10 1 0,0-1 1,1 0-1,3-1 0,-17 0 0,10 0 0,-1-1 0,1 1 0,-1-1 0,0-1 0,0 0 0,0 0 0,0-1 0,0-1 0,5-2 0,7-6 0,-1-1 0,0-1 0,0-1 0,4-6 0,-12 12 0,9-9 10,6-7-10,1-5 30,-1-2-1,-1 0 1,5-14-30,-5 6 93,12-26-93,41-92 162,-46 87 38,2-21-200,15-61 260,-12 0 35,-25 88-172,-3 1 72,-3 0 1,-2 0-1,-3-11-195,-3 51 144,-1-9-144,-2-3 150,3 30-124,1-6 30,-4-12 64,-7-5 46,3 12-102,4 7-54,3 10-10,1-1-1,0 0 1,0 1 0,0-1-1,0 1 1,-1-1 0,1 1-1,-1 0 1,1-1 0,0 1 0,0-1-1,-1 0 1,0 1 0,1 0-1,0 0 1,-1-1 0,1 1-1,0 0 1,-1-1 0,0 1-1,1 0 1,0 0 0,-1 0-1,0 0 1,1 0 0,0 0-1,-1 0 1,0 0 0,-1 0-7,1 0 1,-1 1 0,1-1-1,0 1 1,-1-1-1,1 2 1,-1-1-1,0 0 7,0 0-8,-3 3-29,0 0 1,-1 0-1,2 1 0,-1-1 1,1 1-1,-1 0 37,-1 3-61,0 1 0,1 0 0,-4 6 61,-4 12-150,2 1 1,-3 9 149,8-21-50,-10 34-66,11-33 74,1 1 0,1 0 0,0 0 0,1 0 0,0 13 42,2-24-13,0-1-1,1 0 0,-1 1 0,1-1 0,0 0 0,1 0 1,0 0-1,0 2 14,-1-5-1,1 0-1,0 0 1,-1 0 0,1 0 0,0-1 0,0 1 0,0 0 0,0-1-1,0 0 1,0 1 0,1-1 0,-1-1 0,1 2 0,0-1-1,1 0 3,-2-2-2,-1 1 1,1 0-1,0 0 1,0-1 0,0 1-1,0 0 1,0-1 0,0 0-1,0 0 1,0 0 0,1 0-1,-1 0 1,0 0 0,-1-1-1,3 0 1,2-1-11,0 0-1,0-1 1,0 0 0,2-1 11,7-4-35,-3 1 28,0 1-1,-1 0 1,0-2 0,0 0-1,-1 0 1,0-2 7,9-9 1,-1-2 0,8-12-1,54-75-1,-62 80 5,-2 0-1,0-1 1,1-7-4,20-57 48,-32 80-41,8-21 18,1-8-25,0-14 16,-3-1 0,1-18-16,-9 47 18,-1 0-49,0 0-51,-3 1-50,-2-1-49,-1 1-49,-3 1-50,-3 0-50,-2 5 91,9 18 205,1 1-1,0-1 1,0 1 0,-1 0 0,-2-3 34,-4 0-56,2 1 0,-2 0 0,1 0 0,-8-1 56</inkml:trace>
-  <inkml:trace contextRef="#ctx0" brushRef="#br0" timeOffset="5">2784 3458 6272,'-6'-4'842,"2"3"-310,1 0-121,0 1-42,1 0-89,0 0-39,0 1-37,1 0-35,-1-1 25,1 0-62,1-1-53,0-2-44,0 3 99,0-1-36,1 1 15,5-1-18,-5 1-24,-1 0 52,2-1 11,-1 0-193,-1 0 38,1 0 42,0 0 42,0 0 56,0 1 109,1 2 139,-2 0-288,0 0-39,-1 7 161,-3-1-95,-1 6-13,2-6-33,1 2 44,-2 5 113,-3 7 159,-2 0 1,-1 2 4,-5 0-8,2 12-37,7-26-209,-1 2 0,0-2 0,0 0 0,-7 7-127,2-2 156,1 0 1,-1 2-157,0 4 109,0-3 74,1 1 0,-8 8-183,-75 87 656,48-50-267,16-21-169,-1 3-77,9-10-93,-3 4 49,-2-5 19,-4 6-60,-17 27-47,32-46 22,-1 0 37,2-4 28,0 0 42,1-1 52,-1 0 59,4-4 33,-1 3-64,2-1-75,-2-2-90,-7 10-11,11-13-59,0 2-72,-1 1-111,3-6 33,0 0 75,0-1 63,0 0 49,-3 1 53,-14 12 247,12-11-218,2-1-73,-11 10-122,3-7 80,9-9-5,12 0-65,-1 0 50,5 5 42,-8-6-9,0 0-1,0 0 0,0 0 1,0 0-1,1 1 1,-1-1-1,0 0 1,0 0-1,1 0 0,-1 0 1,0 0-1,0 1 1,0-1-1,0 0 1,0 0-1,0 0 1,1 0-1,-1 0 0,0 0 1,1 0-1,-1 0 1,0 0-1,0 0 1,0 0-1,0 0 0,0 0-1,13-4-16,1-1-10,-8 5 24,0-1 0,1 0 1,-1 1-1,7 1 2,-3-1 6,0 0 0,9-1-6,-8-1-1,61-9 126,-48 7-173,-11 3-20,-1-1-36,5 0-70,1-2 103,0 0 89,1-1 71,1 0 69,11-1 158,-14 2-195,7 0 85,-1-2 0,2-2-206,55-15 222,-50 17-187,-1-1-46,109-22 5,-106 22 6,16-3 11,-28 7 2,2-1 87,11-2 175,-6 0 100,-16 3-93,-4 3-90,3 0 43,-1-4-47,-2 1-63,5 2-1,-4 0 8,0 1-1,9-2-131,1-3 79,-16 5-77,-1-1 0,0 0 0,1 1 0,-1 0 1,0-1-1,1 1 0,-1 0 0,1 0 0,-1 0 1,0 1-1,1-1 0,0 1-2,0-1 4,-2 1 1,2-1-1,-2 0 1,1 0-1,0 0 0,0 0 1,0 0-1,0 0 1,0 0-1,0-1 1,0 1-1,0 0 0,0-1 1,0 1-1,0-1 1,0 1-1,0 0-4,3-3 21,3-1 29,-1 2 12,-4 2-41,-2 0 0,2 0 1,-2 0-1,2 0 0,-2 0 0,2-1 0,-2 1 0,1-1 0,0 1 0,0-1 0,1 0-21,-2 0 25,2 1 0,-1-1 1,0 1-1,0-1 0,0 0 0,1 1 0,-1 0 0,0 0 0,0-1 0,1 1 1,-1 0-1,0 0-25,8-3 35,-3-2 36,-4 4 5,-1-1-38,3 3-15,-2-1 9,0 0 45,6 0-35,-1 0-42,-5 0-133,-2 0-12,0 0-57,0 0 6,0 0-52,0 0-41,0 0-34,-1 1-644,0 0 596,0 1 111,-1 0 42,-2 2-115,0 0 133,-1 1-43</inkml:trace>
-  <inkml:trace contextRef="#ctx0" brushRef="#br0" timeOffset="6">1538 1911 7168,'-10'13'968,"4"-4"-357,2-3-140,0-1-47,0 1 92,1-1-112,2-3-160,-1 1-42,0 2 118,-2 2 133,3-5-276,-1 0 35,1-1 47,0 0 69,1-1-134,0 0-41,-1 0 50,-1 0-97,0-1-86,0 0 3,2 1 51,-3-9 161,-1-8-128,0-2-49,0 10-6,4 8-46,-1-1 1,0-1 0,1 1 0,-1 0-1,1 0 1,-1 0 0,1 0 0,0 0-1,0 0-6,0 0 5,0-1-1,0 2 0,0-1 1,0 0-1,-1 0 0,0 1 1,1-1-1,0 0 0,-1 0 1,0-1-5,-1 1 34,1-1 0,-1 1 0,0 0 0,0-1 0,-1 0-34,2 1 129,0 0-42,1 1-26,0 0-21,0-2-7,-1 2 22,0 0 33,-1 1 42,-3 5 342,4-4-345,-1 0-33,1 1-48,-1-2-59,0 2 107,2 1-75,0 0-20,0 4 9,0-5-20,0 1-1,0-1 0,0 0 1,0 0-1,0 1 0,1-1 1,-1 0-1,1 0 0,0 2 13,5 5 15,-4-7-7,0 1 0,-1-1-1,1 1 1,-1-1 0,2 3-8,3 5-29,5 1-45,6 2 46,-6-4 23,0-1 0,1-1 1,7 4 4,110 46-32,-47-20 32,-12-5 0,-26-14 10,32 21-10,-20-4 48,-21-15-24,-9-6-21,18 13-3,120 74-85,-101-66 85,-28-17 0,25 18 0,-14 0 0,21 6 0,7 5 0,63 55-86,-123-91 63,-5-4-59,-2-1-62,0 0-97,0-2-51,-1 1-98,0-1-112,-3-2 204,0 0-34,9 4-1286,-5-4 640,-3-2 436,0-2 69,0 0 82,-2-2 95,1-2-125,-3-5-86</inkml:trace>
-  <inkml:trace contextRef="#ctx0" brushRef="#br0" timeOffset="7">3460 2560 6912,'-2'1'226,"-3"1"248,1-1-138,-2 2 388,2 0-204,3-1-243,-1-1 39,0 1 45,0 1 53,0-2-303,0 0 70,0-1 42,-4-1 358,5-1-276,-1 0-190,2 1-36,-1 0-47,1 0-54,0-22 273,-1-4-21,3 0-84,-1 22-124,0 1 0,0-1 0,0 0 1,0 1-1,1-1 0,0 1 0,0 0 0,0-1 1,1-2-23,0 3 28,-2 1 1,1 0-1,0 0 1,0 0 0,0 0-1,0 0 1,1 1-1,-1-1 1,0 1-1,1-1 1,0 1-1,0 0 1,-1 0 0,2 1-29,14-11 114,-3-2-39,-8 8-31,1 0 0,7-4-44,11-7 67,28-17-5,-28 20-49,0-1 0,7 1-13,2-1 0,-18 5 0,14-12 0,0 0 0,109-71 0,-88 61 0,-6-3-16,60-34-102,-61 41 23,13-3 95,-23 12 0,-1 2 42,30-17 75,-27 13 102,24-8-219,-18 12 60,-6 2 40,2-3-100,-11 4 14,90-48 75,-85 42 37,9-8-126,31-23 100,-41 31-98,3-2-82,-17 12-6,0 0-36,-6 3-17,1 2 1,0-1 138,26-6-228,-13 6 116,0 2 41,29-5-73</inkml:trace>
-  <inkml:trace contextRef="#ctx0" brushRef="#br0" timeOffset="8">677 1396 6016,'-2'0'247,"-9"-2"1274,8 0-803,2-3-68,1 4-575,0 1-34,0 0 8,0 0 154,0 0-147,0 0-48,0 0-56</inkml:trace>
-  <inkml:trace contextRef="#ctx0" brushRef="#br0" timeOffset="9">668 1376 9408,'5'-9'-17,"-1"1"0,2 0 0,2-3 17,4-8-13,1 3 10,-11 15 5,0-1 0,0 0 0,-1 0 0,0 1 0,0-2-1,1 1 1,0 0-2,0-3 89,1-2 21,-2 4-33,0-1 70,0 1 94,0-1 55,-1 1 106,0 0-156,0 1 33,0 0 36,0 0 38,0-11 69,0 0-40,0 0-39,0 0-37,0-13 205,0 0-123,0 11-208,0-1-35,0-15 51,0-7-94,0 10-94,0 1-37,0-31-67,0 19 74,0 7 72,0 0 93,2 2-119,1-10-24,0 8 72,-1-11-72,-2 7 20,3-3 39,8-79 201,-7 75-188,-1 25-58,0 0 0,4-10-14,-2 10 36,1-14-36,-3 6 104,1 2 106,-1 12-54,-2 0 39,2 1 46,0 0 47,1 3 231,-1 0-82,2 3-92,-4 5-335,-1 0-1,0 0 1,0 0-1,0 0 1,1 0-1,-1 0 0,0 0 1,1 0-1,-1 0 1,0 0-1,0 0 1,0 0-1,0 0 1,1 0-1,-1 1 1,0-1-1,1 0 0,-1 0 1,0 0-1,0 1 1,0-1-1,0 0 1,0 0-1,1 0 1,-1 0-1,0 0-9,1 2 62,2 3-1,12 0-72,-9-1-8,-1 0 0,0 1 1,-1 0-1,1 0 0,0 0 0,-1 0 0,0 1 0,1 3 19,4 5-25,9 8 15,16 17 10,-25-30-1,-5-4 1,0 1 1,0 0-1,0 0 0,-1 0 0,2 4 0,8 14 10,37 43 70,-40-52-78,14 21-92,-9-12-109,-1 1 1,4 10 198,-13-24-55,0 0 47,1 1 41,0-1 36,7 13 173,3 11 250,-8-18-263,0-2-58,0-2-48,1 0-36,12 16 28,3 7-83,-13-23 54,6 13-86,-13-18 23,1 0 36,4 9 141,11 15 343,-14-19-350,2 0-6,-6-8-86,1-1 0,-1 1 1,0-1-1,1 5-101,0-1 47,4 5-18,0 2 13,-4-10-48,1-2 49,-3-3-30,-1 0 0,1 0 0,0 1 0,-1-1 0,0 0 0,1 0 0,0 0 0,-1 0 0,1 0 0,-1-1 0,1 1 0,0 0 0,-1 0 0,1 0 0,0-1 0,-1 1 0,0 0 0,1 0 0,0 0 0,-1-1-13,5-3 55,-5 4-52,0 0 1,0 0-1,1 0 1,-1 0-1,0-1 1,0 1-1,0 0 1,0 0-1,0-1 1,0 1-1,0 0 1,0 0-1,0 0 0,0 0 1,0 0-1,0 0 1,0-1-1,0 1 1,0 0-1,0-1 1,0 1-1,0 0 1,0 0-1,0-1 1,0 1-1,0 0-3,0-20 205,0-33 372,0 37-441,0 1-47,0 9-72,1-8 32,2-4-34,0-1-15,2-17 0,-2 26-8,0 0-1,1 1 0,0-1 0,1-1 9,8-17-61,16-44-131,3-8-19,-9 27 108,-4 8 59,1 1 50,2-7-6,-11 25 13,2-3 33,0 5-1,14-13 71,-9 12-26,13-15 81,-24 31-177,0 1-47,0 0 24,-4 5 28,-1 1-1,0-1 1,1 0-1,0 1 1,0-1-1,1 0 2,10-5 32,-2 1-13,-5 3-38,4-2-9,-4 1 33,3-3 45,8 4-7,-17 3-23,8-5-21,-5 5 68,-1 2 4,-1 0 33,8 7 145,-3-4-133,0 2-60,-4-3-57,0-1-1,-1 1 1,1 0-1,-1 0 1,0 0 0,0 0-1,0 0 1,-1 1-1,1-1 1,0 1-1,-1 0 2,3 10 0,0-1 0,4 7 0,4 18 0,-6-11 4,2 14-4,-4-17 66,6 19-66,-3-16 49,9 31 35,3 0-57,0 1 18,-11-30 27,9 18-72,-3-11 12,-2-7 1,0 0-1,3 2-12,-13-28 1,15 32 40,-7-15 83,4 14-124,-4-15 100,6 0-8,-16-18-79,2 1 1,-1-1 0,0 0 0,-1 0 0,2 0 0,-2 1 0,1-1 0,0 1-1,-1 0 1,1-1 0,-1 1 0,1 0 0,-1 1-14,3 5 117,3 2 55,-2-6-75,-2-2-45,-1 0 1,1 0-1,0 0 0,0 0 0,-1 0 1,1 1-53,3 5 227,-2-5-140,-2-3-81,-1 1-1,1-1 0,-1 1 0,0-1 1,0 0-1,0 0 0,0 1 1,0 0-1,1-1 0,-1 1 1,0-1-1,0 0 0,0 1 1,0 0-1,0-1 0,0 0 0,0 1 1,0-1-1,0 1 0,0 0-5,0-1 3,0 0-1,-1 0 0,1 0 0,0 1 0,0-1 1,0 1-1,0-1 0,0 0 0,0 0 0,0 0 1,0 1-1,1-1 0,-1 0 0,0 1 1,0-1-1,0 0 0,0 0 0,0 0 0,1 1 1,-1-1-1,0 0 0,0 1 0,0-1 0,0 0 1,0 0-1,0 1 0,1-1 0,-1 0 0,0 0 1,1 0-1,-1 0 0,0 0 0,0 0 0,0 0 1,1 0-1,-1 1 0,0-1 0,1 0 0,-1 0 1,0 0-1,0 0 0,0 0 0,1 0 1,-1 0-1,0 0 0,0 0 0,0 0 0,1 0 1,-1 0-1,0-1 0,1 1-2,-1 0 4,0 0-1,1 0 1,-1 0 0,1 0-1,-1 0 1,0 0 0,1 0-1,-1 1 1,1-1 0,-1 0-1,0 0 1,1 0 0,-1 1-1,1-1 1,-1 0 0,0 0 0,0 0-1,0 0 1,1 1 0,-1-1-1,1 0 1,-1 1 0,0-1-1,0 1 1,0-1 0,1 0-4,-1 0 1,0 1 1,1-1-1,-1 1 0,0-1 1,0 0-1,0 0 1,1 1-1,-1-1 1,0 0-1,0 1 1,0-1-1,1 0 0,-1 1 1,1-1-1,-1 0 1,0 0-1,1 0 1,-1 0-1,1 0 1,-1 0-1,0 0 0,1 0 1,-1 0-1,1 0 1,-1 0-1,0 0-1,11 0 73,3 0-39,-13 0-32,1 0 0,-2 0 1,2 0-1,-2 0 0,1 0 0,0-1 1,0 1-1,0 0 0,0-1 0,0 0 1,0 1-1,0 0 0,0-1 0,0 0 1,0 1-1,-1-1 0,1 0 0,0 0 1,0 1-1,-1-1 0,1 0-2,8-8 49,-5 6-35,0-2 0,0 2-1,-1-1 1,0-1 0,0 0 0,0 1 0,0-1 0,-1 0 0,0 0-1,1 0 1,-1-1-14,3-6 8,7-20 5,-3 5 6,3-2-16,3 1 0,4-8-3,23-45-1,-16 23-23,-2-3-48,3-10-24,17-28 47,-35 80 40,5-9 3,15-23 6,6-8 0,1-24 0,-7 21 0,-14 27 0,-8 22-9,8-1-47,-7 9 19,0 0 0,5-2 37,-5 3 11,12-5-11,-12 7 0,3-5 0,14-2 0,-24 8 0,1 1 0,-1-1 0,1 1 0,0-1 0,0 1 0,-1 0 0,1 0 0,-1 0 0,1 0 0,-1 0 0,2 1 0,2-1 0,3 0 58,-5-1-34,-1 1 0,0 0-1,0 0 1,0 0 0,0 1-1,2 0-23,-3-1 5,-1 0-1,0 1 1,1-1-1,0 0 1,-1 0 0,1 1-1,0-1 1,-1 1-1,0-1 1,1 0-1,-1 1 1,0-1-1,1 1 1,-1 0 0,1-1-1,-1 0 1,0 1-1,0 0 1,1-1-1,-1 1 1,0 0-1,1-1 1,-1 0 0,0 2-5,3 22 37,3-2-26,-4 3 21,1-11 0,-1-7-19,-1-1 1,0 0-1,0 1 0,-1 4-13,1 15 30,3 23-30,1-7 7,-2-11-6,5 60 4,-3 22-5,-5-94 2,1 0 1,1 8-3,11 35 48,-5-8-21,-4-23-11,5 15-16,5 10 26,13 32-26,-14-45 9,-8-24 11,0-2 0,1 0 1,2 1-21,-7-14 30,1 1 1,-1-1-1,0 0 1,0 2-31,2 7 96,3 1 32,-3 0 0,1-10-29,-3-3-96,-1-1 1,0 0-1,1 0 0,-1 0 1,0 0-1,0 0 1,0 1-1,0-1 0,0 0 1,1 1-1,-1-1 1,0 0-1,0 1 0,1-1 1,-1 0-1,0 0 1,0 0-1,0 1 0,0-1 1,0 1-1,0-1 1,0 0-1,0 0 0,0 0 1,0 1-1,0-1 1,0 1-1,0-1 1,0 0-4,0 0 3,0 0-1,0 1 1,0-1 0,0 0 0,0 1 0,0-1 0,0 0 0,0 1 0,0-1 0,0 0 0,0 0 0,0 0 0,0 0 0,0 1 0,0-1 0,0 0 0,0 1 0,0-1 0,0 0 0,1 0 0,-1 0 0,0 0 0,0 0 0,0 0 0,0 1 0,0-1-3,6-2 29,-6 1-34,2 0 1,-2-1 0,2 2 0,-2-2 0,1 1-1,0 0 1,0-1 0,-1 1 0,1-1 0,0 0 4,3-16-32,9-3 26,-1-15-10,13-35-116,3-7 49,-2-3 69,-12 41 55,4-14-2,-11 29-35,-2 3-33,2 0 1,2-3 28,3-7-20,-8 21 17,0-1 1,1 2-1,-1-1 1,2 1-1,0 0 1,0 0-1,1 0 3,55-60-16,-49 52-19,2 1-1,0 2 1,12-10 35,49-41-6,-62 54 3,1 0-1,8-5 4,16-8-78,-8 7 41,-15 10 34,-1-1 0,7-6 3,-1-3 0,-14 12 0,1-1 0,0 1 0,4-3 0,2 0 0,-1 0 0,13-11 0,-18 12 0,1 1 0,0 1 0,1 0 0,0 0 0,0 0 0,0 1 0,1 1 0,8-3 4,-11 4 17,1-1 1,-1-1 0,0 1 0,0-1-22,0 0 9,-6 4-17,0 0 0,0 0 0,0 0-1,-1 1 1,1 0 0,0-1 0,0 1 0,0 0 0,1 0 8,6 0 3,-1 0 47,1 2 91,-3 5-57,-4-4-72,0 0 0,-1 0 1,0 0-1,0 0 0,0 1-12,3 8 13,3 7-12,-2-1 0,0 1 0,-1 0 0,0 1 0,-1 3-1,11 149 0,-10-131 0,-3-15 2,5 80 66,-6 66-25,0 78-28,0-236-15,0 1 0,2 0 0,-1 0 0,4 13 0,2 5 25,-6-16 16,0 0 0,-1 4-41,0-17 15,0 0 1,1 1-1,-1-1 1,1 0 0,0 0-1,0 0 1,0 0-1,1 0-15,-2-3 4,2 17 82,-2-3 5,0-2 62,0-13-152,0 1 2,0-1 0,0 1 0,0-1 0,0 1 0,0-1 0,0 1 0,0-1 0,0 1 0,0 0 0,0-1 0,0 0 0,1 1 0,-1-1 0,1 1-3,-1-1 0,0 0 0,1 1 0,-1-1 0,1 0 0,-1 0 0,1 0 0,-1 1 0,0-1 0,1 0 0,0 0 0,-1 0 0,0 0 0,1 0 0,0-1 0,-1 1 0,0 0 0,1 0 0,0 0 0,-1-1 0,0 1 0,1 0 0,0 0 0,-1 0 0,0-1 0,11-5-52,-10 5 51,13-11-38,-9 6 37,0-1-1,0 1 1,0-1-1,-1 0 3,5-7-31,39-65-345,-16 26 186,-28 45 169,20-38-72,-5 3 60,-8 17 48,1 1 0,4-6-15,15-19-16,-3-7-13,-9 17 37,-2 1 21,-11 22-33,2 0 0,8-12 4,14-12-26,10-22 15,-5 6-54,-27 46 23,0 1-1,0-1 1,9-6 42,16-16-105,-4-1 55,-23 26 44,2-1-1,0 2 1,0-1 0,0 1-1,6-3 7,-3 1 0,-1 0 0,0-1 0,0-1 0,-1 2 0,0 0 0,10-8 0,-16 15 0,0 1 0,0-1 0,0 0 0,0 1 0,1-1 1,-1 2-1,1-1 0,0 0 0,-1 1 0,1-1 0,7 0-2,0 1 1,6 1 1,4 0-14,-10 0-53,-4 3 41,2-2 23,-1 0 17,1 1 51,-8-3-55,0 0 0,0 1 0,0 0 0,-1 0 0,1-1-1,0 1 1,-1 0 0,1-1 0,-1 1 0,1 0 0,0-1 0,-1 1-10,6 8 70,-2 1 0,0-1 0,0 1 1,1 6-71,4 13 120,-2-1-37,-2-8-55,-2-8-21,-1-1 0,0 1 0,-1 0 0,0 1-7,0 5 9,2 10-5,2 21-3,4 17-1,-2-18 71,-1 10-71,-3-22 20,-2-16-4,0 15-16,-1 6 27,4-11 3,-2-4-34,0 13 4,-2-11-21,-1-12 17,1-1 1,1 0-1,1 8 4,0-8 0,-1-8 0,1-2 0,-2 1 0,1 0 0,0 1 0,-2-2 0,1-4-1,8 22 13,-6-11 37,-2-12-48,0 1 0,0-1 0,0 0 0,0 0 0,0 0-1,0 1 1,0-1 0,0 1 0,0-1 0,0 0 0,0 0 0,0 1-1,0-1 1,0 0 0,0 1 0,0-1 0,0 0 0,0 0 0,0 0-1,1 1 1,-1-1 0,0 0 0,0 1 0,1-1 0,-1 0 0,0 1 0,0-1-1,0 0 1,0 0 0,1 0 0,-1 0 0,1 0 0,-1 0 0,0 0-1,0 0 1,0 0 0,1 1 0,-1-1 0,1 0 0,-1 0 0,0 0-1,0 0 1,0 0 0,1 0 0,-1 0 0,1 0 0,-1-1 0,0 1-1,2 0 1,-1 0 1,1 0-1,0-1 1,-1 0-1,0 0 1,1 1-1,0-1 1,-1 0-1,0 1 1,0-2-1,1 2 1,-1-2-1,0 1 1,1 0-1,-1 0-1,18-23-76,-17 21 60,6-9-41,-1 0 0,0 0 0,-1 0 0,3-8 57,19-55-199,-5 11 114,-22 62 83,5-15-8,2 0 0,0 1 0,6-9 10,-7 15 1,-3 5 2,-1 1 0,-1-1 1,4-4-4,2-17 26,-3 10-15,-1 6-22,1-2-1,5-7 12,3-8-30,-12 25 26,2-7-29,1-1-1,0 2 1,0-1 0,1 1-1,1-3 34,23-30-75,-5 5-26,-7 16 21,10-3 29,-8 8 28,3-5 17,-9 3 6,12-4 59,-24 21-53,0-2 0,0 1 0,0 1 1,1-1-1,-2 0 0,2 1 0,-1-1 0,0 0 0,0 1 0,1 0 1,-1-1-1,0 1 0,0-1 0,1 1-6,5-2 37,0-2-8,-6 4-27,0-1-1,0 1 0,0-1 1,-1 1-1,1 0 1,0-1-1,0 1 0,-1 0 1,2-1-1,-2 1 1,1 0-1,0 0 1,0 0-2,0 0 1,0 0 1,0 0 0,0 0 0,0 0 0,-1 0 0,1-1 0,0 1 0,0-1 0,-1 1 0,2-1 0,-2 1 0,1 0 0,0-1-2,6-3 1,3 4-1,-7 0 2,-1 0-1,0 0 1,0 0-1,0-1 1,0 1-1,1-1 1,-1 1-1,0-1 1,0 0-1,0 1 1,0-1-1,-1-1 1,1 2 0,2-2-2,-4 2 6,0 0 1,1-1-1,0 1 1,-1 0 0,0 0-1,1 0 1,0 0 0,-1 0-1,0 0 1,1 0 0,0 0-1,-1 0 1,0 0 0,1 0-1,-1 0 1,0 0-1,1 1 1,0-1 0,-1 0-1,0 0 1,1 0 0,0 0-1,-1 1 1,0 0-7,11 9 185,-7-5-71,1 2 42,-3 0-46,1 9 4,-4-10-105,1 1 1,-2 0-1,1-1 0,-1 2-9,-1 6 47,2-3-56,0-2 0,0 2-1,1-1 1,1 5 9,0-2 0,-1-1 0,-2 11 0,0-4 22,0-2 7,0 0 0,1 8-29,0 11 23,-2 3-23,-1-3 14,3 2-14,0 24 0,-5 31 0,3-50 0,4 34 0,0-24 0,-1 23 34,0 66 77,0-46-122,1-87 5,5-1-10,-5-6-64,2-2-21,0 0 66,9 0-64,-2-3-18,-5-2 67,0 1-1,1-1 0,-2 0 1,1-1-1,2-3 51,22-34-246,-13 17 143,4-2 10,-2 0 37,6-9 2,32-54-73,-7-1 110,7-8 50,-31 56-67,1-4-45,-5 13-53,6-7 132,20-33-113,-39 62 90,-1 0 1,1 1 0,1 0 0,0 1-1,0 0 1,3-1 22,8-7-37,21-21-54,-23 21 31,5-3 60,6-3 55,-25 22-39,0 1 0,1-1 0,-1 1 0,0 0 0,5-1-16,2-2 43,11-6-24,-18 9-27,0 1 1,-1-1-1,1 1 1,0 0-1,1 0 1,-1 1 0,0 0-1,0 0 1,1 0 7,1 0 9,-1-1 0,1 0 0,-1 1 0,5-3-9,-5 1 17,1 2 1,0-2 0,0 1-1,4 1-17,-8 0 10,-1 0-4,0 0-1,-1 0 1,1 0 0,0 0 0,-1 0 0,1 0-1,-1 0 1,1 0 0,0 0 0,-1 0 0,1 1 0,0-1-1,-1 1 1,1-1-6,4 8 149,1-1-12,-5-5-117,0-1-1,0 0 1,0 0 0,0 0 0,0 1 0,0-2-1,-1 2 1,1-1 0,0 1-20,0 2 39,-1 1 1,1 0-1,-1-1 1,0 1-1,0-1 1,-1 3-40,1 6 62,0 36-13,2-10-46,-3 1 0,-1-1 0,-6 24-3,-3 49 48,3-80-53,3-13-6,-4 23-11,-2 23 22,3-10 49,2-21-20,-1 7 42,0 1-1,3 0 0,2 6-70,2-27 2,0-2-16,-1 1-1,0 0 15,-1 0 16,-1 1 45,1 1 1,2-1-62,-1-3 118,-3 17-118,2-18 90,0 16-90,2-18 35,1-10-12,-1 2 0,-1-1 1,1 1-1,-2 5-23,-12 72 202,13-63-169,1-16-29,0 1 0,0 0 0,-1-1 0,0 1-4,-1 5 9,0-5-5,1 0 1,0 1-1,0-1 0,1 3-4,0-6 6,0 0 0,-1 1 0,0-1 0,1 1 0,-1-2 0,0 2 0,0 0-6,0-2 11,0 0-1,0 1 1,1 0 0,0-1 0,-1 1 0,1 2-11,0 0-75,0 0 77,0 8 215,0-8-190,0-1-75,0-1-66,0 0-100,0 1-113,0-2 115,0-1-35,0 1-37,0 0-41,0-2-229,-1 0 53,1 1 50,0-1 48,0 0 43,0 0 42,0 0 39,-1 0 35,1-1-7,0 1 43,-1 0-103,0 0 75,-1-1 17,1 1 35,1 0-3,-1 0-35,1 0-77,0-2-328,-1 0 116,0 0 179,1 0 48,-3-2-141,-1-2-84</inkml:trace>
-  <inkml:trace contextRef="#ctx0" brushRef="#br0" timeOffset="10">1783 3057 1792,'-9'0'284,"0"1"-64,5 0-129,0-1 1,0 2-1,0-1 0,1 0 0,-1 1 0,-2 0-91,-5 6 292,4-2-64,1 0 57,1-2-152,1 0 1,0 1-1,-1-2 0,1 1 1,-2-1-1,0 2-133,-6 2 177,-1 5 20,-8 7 37,8-13-147,0 0-24,8-1-74,3-4-76,0 0 32,-3-1-42,5 0 74,0 0 19,0 0-1,0 0 1,0 0-1,0 0 1,0 0-1,0 0 1,0 0-1,-1 0 1,1 0-1,0 0 1,0 0-1,0 0 1,0 0-1,0 0 1,0 0-1,0 0 1,0 0-1,0 0 1,0 0-1,0 0 1,0 0-1,-1 0 1,1 0-1,0-1 1,0 1-1,0 0 1,0 0-1,0 0 1,0 0-1,0 0 1,0 0-1,0 0 1,0 0-1,0 0 1,0 0 0,0 0-1,0 0 1,0 0-1,0 0 1,0 0-1,0 0 1,0-1-1,0 1 1,0 0-1,0 0 1,0 0-1,0 0 1,0 0-1,0 0 1,0 0-1,0 0 1,0 0-1,0 0 1,0 0-1,0 0 1,0 0-1,0 0 5,-1-5-192,-2 3-91,3 1 254,0 1 0,-1 0-1,1-1 1,-1 1 0,1-1 0,0 1 0,0 0-1,-1 0 1,1-1 0,0 1 0,-1-1 0,1 1-1,0 0 1,0 0 0,0-1 0,0 0 0,0 1-1,0 0 1,-1 0 0,1-1 0,0 0 0,0 1-1,0-1 1,0 1 0,0 0 29,0-5-127,0 0-18</inkml:trace>
-  <inkml:trace contextRef="#ctx0" brushRef="#br0" timeOffset="11">1608 2808 2688,'3'-2'426,"0"-1"-75,-1 1-69,1 0-61,-1 0-26,1 1-65,0-1-32,1 2-77,2-2-45,-1-1 81,-4 1 9,2 0 35,0 0 41,-1-1 48,5-3 128,0 1-78,5-5 114,8-18 399,-14 20-477,-2 2-72,-1 1 41,-1-2 38,0 2 33,2-7 404,-2 0 91,-1-1 957,0 0 1,-1-12-1769,0 16 573,-1-1-41,1 10-414,0-2-52,0 1-35,0-1-60,-1 1 40,0 1 45,0-1 67,0 1 61,0 0 87,-1 0 100,1 0 118,1 0-247,0 0-55,0 1-47,0 0-41,0 1 13,0 1-50,0-3 40,0 5 163,-1-3-80,-1 1-26,0-1-97,-1 3-30,2-1 33,0 2-5,-5-1-57,5-4-5,0-1 0,1 1 0,-1-1 0,1 0 0,-1 0 0,0 1 0,1 0-1,-1-1 1,1 0 0,-1 1 0,1 0 0,0-1 0,-1 1 0,0-1 0,1 1 2,-9 26-6,9-24 6,-1-2-1,0 1 1,1 0-1,0 0 0,0 0 1,0 1-1,-1-1 1,1 0-1,1 0 0,-1 0 1,0 1 0,1 12-79,0-3 86,0-7-22,0 0 0,0-1 1,1 0-1,0 0 0,1 3 15,2 3-3,1 0 37,0 0 56,0 0 71,-1-2 24,-1-1 60,1 0-124,1 3-26,1 0-71,-4-6-26,0 0-1,-1 0 0,1-1 1,-1 2-1,1-1 0,-1 0 1,-1 0-1,1 0 0,-1 1 1,0 0-1,0 0 0,0 0 3,1 2 7,0 0-48,0 0-47,0-2-48,0 1-48,1-1-49,0 1-47,0-1-50,1 0-514,-1 2-93,1-3 59,-2 0 63,1-1 70,1 0 74,1-1 81,0 0 85,2-1 90,2 2 25,7 2-78</inkml:trace>
-  <inkml:trace contextRef="#ctx0" brushRef="#br0" timeOffset="12">1503 2961 3968,'0'-2'123,"0"-1"76,0-2 259,0-3 427,0 5-529,0-1-50,0 2-89,0 2 109,0-1 90,0 1 10,1-2 635,-1 1-933,2 0 97,-2-1 81,1 1 70,0-1 45,-1 1 39,2-4 1156,-2 3-951,0-1-58,1 1-110,-1 1-269,0-1-60,0 1-69,0 0-76,0-1 478,3 2-182,-1-1-84,0-1-5,0 1-99,1-4 50,0 5-87,-1 0 44,0 0-89,-2 0-1,2-1 1,-2 1 0,2 0 0,-2-1-1,2 1 1,-2 0 0,2 0 0,-2-1-1,2 0 1,-2 1 0,1-1-1,-1 1 1,2-1 0,-2 0 0,1 1-1,0-1 1,-1 0 0,2 0-49,7-8 535,-7 7-447,0 1-1,0 0 1,0 0-1,0 1 1,1-1-1,-1 0 1,1 1-88,15-6 512,-2-3-202,-11 6-205,0 0-1,1 0 1,-1 1-1,1 0 0,1 0-104,20-4 278,-8 0-132,-4 2-71,0-1-59,-2 1-59,-1 1-62,1-2-70,-1 1-80,-2 1-30,0 0-70,0 0-74,0-1-81,-3 2-61,0-1-58,3-2-522,10-8-1673,-15 8 2013,0-1 67,0 2 154,-1-1 87,0-1 104,1 0 120,1-3-256,6-3-114</inkml:trace>
-  <inkml:trace contextRef="#ctx0" brushRef="#br0" timeOffset="13">3811 2799 7808,'-7'-3'1025,"4"1"-378,0 0-146,0 1-50,2 1-211,0 0-33,1-1 117,-2 1-106,1-1-88,1 1-70,-1 0-58,-1-1-154,1 1 137,1-1 55,0 1 50,-1 0 112,1-1-57,0 1 32,0-1 37,0 1 38,0-1 41,0 1 45,0 0 46,0-1 51,0 0 53,0 1 55,-1-1 59,1 0 61,0 0 65,0 0 66,0 0-645,0-1 14,4-1-58,1 0 59,-3 1-162,0 2 0,-1-2 0,1 1 1,-1 0-1,1-1 0,-1 0 0,0 1 0,0-1 0,0 0 0,0 1 0,0-1 0,0 0 0,0-1-2,0 2 7,0-1 1,0 0-1,0 0 0,0 0 1,0 1-1,0-1 1,0 0-1,1 1 0,-1-1 1,0 1-1,1 0 1,0 0-1,0-1-7,9-3 94,2-2-78,-4 0-67,-5 4-48,-2 3 23,1 0-11,-1-3-35,-2 3 117,0-1-1,0 1 1,0 0 0,0 0-1,0-1 1,0 1 0,0 0-1,0 0 1,0 0 0,0 0-1,0 0 1,0-1 0,0 1-1,0 0 1,0 0 0,0 0-1,1-1 1,-1 1 0,0 0-1,0 0 1,0 0 0,1 0-1,-1 0 1,0 0 0,0 0-1,0 0 1,0 0 0,0 0-1,0 0 1,1 0 0,-1-1-1,0 1 1,0 0 0,1 0-1,-1 0 1,0 0 0,0 0-1,0 0 1,0 0 0,0 0-1,1 0 1,-1 1 0,0-1-1,0 0 1,1 0 0,-1 0-1,0 0 1,0 0 0,0 0-1,0 0 1,0 0-1,0 0 1,1 0 0,-1 0 5,2 4-93,1-1 102,-1-2 44,1 1 36,-1-1-26,-1 0-1,1 1 0,-1-1 0,0 1 0,1-1 0,-1 0 0,0 2-62,7 5 229,1-2-77,2-3-72,-8-3-75,-1 1 1,1 0-1,0-1 0,-1 2 1,0-2-1,1 2 1,0 0-6,25 17 28,-1 0-30,27 11 13,-45-23 7,-4-4-6,-1 1 1,2 0-1,-1-2 1,0 1-1,5 1-12,19 8-5,-22-9-11,0 1 0,0 0 0,2 2 16,4 4-20,25 18 13,-26-18 44,1-1 1,1 0-1,0-1 1,1 0-38,-11-5 10,3 0-15,0 0-1,1 0 1,5 1 5,2 0-108,-4-1-77,-5-2 7,0 1-36,6 0-303,0 0-71,15 0-887,-18-1 1051,-1-1 36,1 0 45,0-1 67,-1 1 83,1-1 96,8-2-209,9-2-59,-26 5 364</inkml:trace>
-  <inkml:trace contextRef="#ctx0" brushRef="#br0" timeOffset="14">3846 3066 5632,'-1'0'-285,"1"0"65,0 0 62,-1 0 59,0 0 56,1 0 52,-1 0 49,1 0 47,-2 0 78,2 0 57,-1 0 52,0 0 46,0 0 121,0 0 50,0 0 328,0 0 60,-1 0 1651,2 0-1764,0 0-75,0 0-314,0 0-44,0 0-52,1 0-56,0 0-63,0 0-68,0 0-75,1 0-81,3-1 351,3-2 17,-4 0-118,14-10 440,-4-3-78,-3-3-70,-1-3-66,-6 12-293,0 0-1,1 1 1,1 0 0,4-6-139,-3 4 153,0 1 40,3-3 85,3-5 77,-1 0-87,-9 13-208,0 1-1,0 1 0,0-2 0,0 2 1,2-1-61,17-14 195,-12 10-134,6-4 28,-5 2-63,0 2-33,1 0-34,2 0-32,6-2-197,7-5 271,2-6-108,-1 1 60</inkml:trace>
-</inkml:ink>
-</file>
-
 <file path=ppt/notesMasters/notesMaster1.xml><?xml version="1.0" encoding="utf-8"?>
 <p:notesMaster xmlns:a="http://schemas.openxmlformats.org/drawingml/2006/main" xmlns:r="http://schemas.openxmlformats.org/officeDocument/2006/relationships" xmlns:p="http://schemas.openxmlformats.org/presentationml/2006/main">
   <p:cSld>
@@ -269,7 +227,7 @@
           <a:p>
             <a:fld id="{056AEFA0-306F-4413-9CBC-3BA55C168B73}" type="datetimeFigureOut">
               <a:rPr lang="de-CH" smtClean="0"/>
-              <a:t>31.03.2018</a:t>
+              <a:t>03.04.2018</a:t>
             </a:fld>
             <a:endParaRPr lang="de-CH"/>
           </a:p>
@@ -686,7 +644,7 @@
           <a:p>
             <a:fld id="{7DE258FE-F2E5-45B1-B077-BAB345233DBE}" type="slidenum">
               <a:rPr lang="de-CH" smtClean="0"/>
-              <a:t>16</a:t>
+              <a:t>15</a:t>
             </a:fld>
             <a:endParaRPr lang="de-CH"/>
           </a:p>
@@ -770,7 +728,7 @@
           <a:p>
             <a:fld id="{7DE258FE-F2E5-45B1-B077-BAB345233DBE}" type="slidenum">
               <a:rPr lang="de-CH" smtClean="0"/>
-              <a:t>17</a:t>
+              <a:t>16</a:t>
             </a:fld>
             <a:endParaRPr lang="de-CH"/>
           </a:p>
@@ -854,7 +812,7 @@
           <a:p>
             <a:fld id="{7DE258FE-F2E5-45B1-B077-BAB345233DBE}" type="slidenum">
               <a:rPr lang="de-CH" smtClean="0"/>
-              <a:t>18</a:t>
+              <a:t>17</a:t>
             </a:fld>
             <a:endParaRPr lang="de-CH"/>
           </a:p>
@@ -938,7 +896,7 @@
           <a:p>
             <a:fld id="{7DE258FE-F2E5-45B1-B077-BAB345233DBE}" type="slidenum">
               <a:rPr lang="de-CH" smtClean="0"/>
-              <a:t>19</a:t>
+              <a:t>18</a:t>
             </a:fld>
             <a:endParaRPr lang="de-CH"/>
           </a:p>
@@ -1022,7 +980,7 @@
           <a:p>
             <a:fld id="{7DE258FE-F2E5-45B1-B077-BAB345233DBE}" type="slidenum">
               <a:rPr lang="de-CH" smtClean="0"/>
-              <a:t>20</a:t>
+              <a:t>19</a:t>
             </a:fld>
             <a:endParaRPr lang="de-CH"/>
           </a:p>
@@ -1526,7 +1484,7 @@
           <a:p>
             <a:fld id="{7DE258FE-F2E5-45B1-B077-BAB345233DBE}" type="slidenum">
               <a:rPr lang="de-CH" smtClean="0"/>
-              <a:t>12</a:t>
+              <a:t>11</a:t>
             </a:fld>
             <a:endParaRPr lang="de-CH"/>
           </a:p>
@@ -1610,7 +1568,7 @@
           <a:p>
             <a:fld id="{7DE258FE-F2E5-45B1-B077-BAB345233DBE}" type="slidenum">
               <a:rPr lang="de-CH" smtClean="0"/>
-              <a:t>13</a:t>
+              <a:t>12</a:t>
             </a:fld>
             <a:endParaRPr lang="de-CH"/>
           </a:p>
@@ -1694,7 +1652,7 @@
           <a:p>
             <a:fld id="{7DE258FE-F2E5-45B1-B077-BAB345233DBE}" type="slidenum">
               <a:rPr lang="de-CH" smtClean="0"/>
-              <a:t>14</a:t>
+              <a:t>13</a:t>
             </a:fld>
             <a:endParaRPr lang="de-CH"/>
           </a:p>
@@ -1844,7 +1802,7 @@
           <a:p>
             <a:fld id="{20FD5246-4265-435A-B901-A38BFD400D8A}" type="datetimeFigureOut">
               <a:rPr lang="de-CH" smtClean="0"/>
-              <a:t>31.03.2018</a:t>
+              <a:t>03.04.2018</a:t>
             </a:fld>
             <a:endParaRPr lang="de-CH"/>
           </a:p>
@@ -2014,7 +1972,7 @@
           <a:p>
             <a:fld id="{20FD5246-4265-435A-B901-A38BFD400D8A}" type="datetimeFigureOut">
               <a:rPr lang="de-CH" smtClean="0"/>
-              <a:t>31.03.2018</a:t>
+              <a:t>03.04.2018</a:t>
             </a:fld>
             <a:endParaRPr lang="de-CH"/>
           </a:p>
@@ -2194,7 +2152,7 @@
           <a:p>
             <a:fld id="{20FD5246-4265-435A-B901-A38BFD400D8A}" type="datetimeFigureOut">
               <a:rPr lang="de-CH" smtClean="0"/>
-              <a:t>31.03.2018</a:t>
+              <a:t>03.04.2018</a:t>
             </a:fld>
             <a:endParaRPr lang="de-CH"/>
           </a:p>
@@ -2364,7 +2322,7 @@
           <a:p>
             <a:fld id="{20FD5246-4265-435A-B901-A38BFD400D8A}" type="datetimeFigureOut">
               <a:rPr lang="de-CH" smtClean="0"/>
-              <a:t>31.03.2018</a:t>
+              <a:t>03.04.2018</a:t>
             </a:fld>
             <a:endParaRPr lang="de-CH"/>
           </a:p>
@@ -2608,7 +2566,7 @@
           <a:p>
             <a:fld id="{20FD5246-4265-435A-B901-A38BFD400D8A}" type="datetimeFigureOut">
               <a:rPr lang="de-CH" smtClean="0"/>
-              <a:t>31.03.2018</a:t>
+              <a:t>03.04.2018</a:t>
             </a:fld>
             <a:endParaRPr lang="de-CH"/>
           </a:p>
@@ -2840,7 +2798,7 @@
           <a:p>
             <a:fld id="{20FD5246-4265-435A-B901-A38BFD400D8A}" type="datetimeFigureOut">
               <a:rPr lang="de-CH" smtClean="0"/>
-              <a:t>31.03.2018</a:t>
+              <a:t>03.04.2018</a:t>
             </a:fld>
             <a:endParaRPr lang="de-CH"/>
           </a:p>
@@ -3207,7 +3165,7 @@
           <a:p>
             <a:fld id="{20FD5246-4265-435A-B901-A38BFD400D8A}" type="datetimeFigureOut">
               <a:rPr lang="de-CH" smtClean="0"/>
-              <a:t>31.03.2018</a:t>
+              <a:t>03.04.2018</a:t>
             </a:fld>
             <a:endParaRPr lang="de-CH"/>
           </a:p>
@@ -3325,7 +3283,7 @@
           <a:p>
             <a:fld id="{20FD5246-4265-435A-B901-A38BFD400D8A}" type="datetimeFigureOut">
               <a:rPr lang="de-CH" smtClean="0"/>
-              <a:t>31.03.2018</a:t>
+              <a:t>03.04.2018</a:t>
             </a:fld>
             <a:endParaRPr lang="de-CH"/>
           </a:p>
@@ -3420,7 +3378,7 @@
           <a:p>
             <a:fld id="{20FD5246-4265-435A-B901-A38BFD400D8A}" type="datetimeFigureOut">
               <a:rPr lang="de-CH" smtClean="0"/>
-              <a:t>31.03.2018</a:t>
+              <a:t>03.04.2018</a:t>
             </a:fld>
             <a:endParaRPr lang="de-CH"/>
           </a:p>
@@ -3697,7 +3655,7 @@
           <a:p>
             <a:fld id="{20FD5246-4265-435A-B901-A38BFD400D8A}" type="datetimeFigureOut">
               <a:rPr lang="de-CH" smtClean="0"/>
-              <a:t>31.03.2018</a:t>
+              <a:t>03.04.2018</a:t>
             </a:fld>
             <a:endParaRPr lang="de-CH"/>
           </a:p>
@@ -3954,7 +3912,7 @@
           <a:p>
             <a:fld id="{20FD5246-4265-435A-B901-A38BFD400D8A}" type="datetimeFigureOut">
               <a:rPr lang="de-CH" smtClean="0"/>
-              <a:t>31.03.2018</a:t>
+              <a:t>03.04.2018</a:t>
             </a:fld>
             <a:endParaRPr lang="de-CH"/>
           </a:p>
@@ -4167,7 +4125,7 @@
           <a:p>
             <a:fld id="{20FD5246-4265-435A-B901-A38BFD400D8A}" type="datetimeFigureOut">
               <a:rPr lang="de-CH" smtClean="0"/>
-              <a:t>31.03.2018</a:t>
+              <a:t>03.04.2018</a:t>
             </a:fld>
             <a:endParaRPr lang="de-CH"/>
           </a:p>
@@ -5227,7 +5185,7 @@
           <p:cNvPr id="12" name="Grafik 11">
             <a:extLst>
               <a:ext uri="{FF2B5EF4-FFF2-40B4-BE49-F238E27FC236}">
-                <a16:creationId xmlns:a16="http://schemas.microsoft.com/office/drawing/2014/main" id="{3CAD2387-56CE-894F-B3B7-96EC9F4BCD2B}"/>
+                <a16:creationId xmlns:a16="http://schemas.microsoft.com/office/drawing/2014/main" id="{63518878-B2F8-9E42-B6D4-7C199E65E901}"/>
               </a:ext>
             </a:extLst>
           </p:cNvPr>
@@ -5237,7 +5195,7 @@
           <p:nvPr/>
         </p:nvPicPr>
         <p:blipFill>
-          <a:blip r:embed="rId2">
+          <a:blip r:embed="rId3">
             <a:extLst>
               <a:ext uri="{28A0092B-C50C-407E-A947-70E740481C1C}">
                 <a14:useLocalDpi xmlns:a14="http://schemas.microsoft.com/office/drawing/2010/main" val="0"/>
@@ -5351,7 +5309,7 @@
               <a:rPr lang="de-CH" sz="1200" dirty="0">
                 <a:latin typeface="Calibri" panose="020F0502020204030204" pitchFamily="34" charset="0"/>
               </a:rPr>
-              <a:t>Seite 1/??</a:t>
+              <a:t>Seite 2/??</a:t>
             </a:r>
           </a:p>
         </p:txBody>
@@ -5432,7 +5390,7 @@
         <p:spPr>
           <a:xfrm>
             <a:off x="360000" y="468000"/>
-            <a:ext cx="3492082" cy="523220"/>
+            <a:ext cx="4176464" cy="523220"/>
           </a:xfrm>
           <a:prstGeom prst="rect">
             <a:avLst/>
@@ -5449,17 +5407,17 @@
               <a:rPr lang="de-CH" sz="2800" b="1" dirty="0">
                 <a:latin typeface="+mj-lt"/>
               </a:rPr>
-              <a:t>PCB 3D Modell</a:t>
-            </a:r>
-          </a:p>
-        </p:txBody>
-      </p:sp>
-      <p:sp>
-        <p:nvSpPr>
-          <p:cNvPr id="13" name="Textfeld 12">
+              <a:t>Motorentreiber Schema</a:t>
+            </a:r>
+          </a:p>
+        </p:txBody>
+      </p:sp>
+      <p:sp>
+        <p:nvSpPr>
+          <p:cNvPr id="16" name="Textfeld 15">
             <a:extLst>
               <a:ext uri="{FF2B5EF4-FFF2-40B4-BE49-F238E27FC236}">
-                <a16:creationId xmlns:a16="http://schemas.microsoft.com/office/drawing/2014/main" id="{B9888DC2-2AAA-F34E-A3D1-EBAE77A31728}"/>
+                <a16:creationId xmlns:a16="http://schemas.microsoft.com/office/drawing/2014/main" id="{2EBD323C-4D9D-5D42-9645-414FFBB7D04B}"/>
               </a:ext>
             </a:extLst>
           </p:cNvPr>
@@ -5497,7 +5455,7 @@
           <p:cNvPr id="3" name="Grafik 2">
             <a:extLst>
               <a:ext uri="{FF2B5EF4-FFF2-40B4-BE49-F238E27FC236}">
-                <a16:creationId xmlns:a16="http://schemas.microsoft.com/office/drawing/2014/main" id="{16492A67-01ED-44BA-A607-3F8533DA4DE8}"/>
+                <a16:creationId xmlns:a16="http://schemas.microsoft.com/office/drawing/2014/main" id="{DC4409DB-74CD-464E-8325-21620F50EA5F}"/>
               </a:ext>
             </a:extLst>
           </p:cNvPr>
@@ -5507,7 +5465,7 @@
           <p:nvPr/>
         </p:nvPicPr>
         <p:blipFill>
-          <a:blip r:embed="rId3">
+          <a:blip r:embed="rId4">
             <a:extLst>
               <a:ext uri="{28A0092B-C50C-407E-A947-70E740481C1C}">
                 <a14:useLocalDpi xmlns:a14="http://schemas.microsoft.com/office/drawing/2010/main" val="0"/>
@@ -5520,8 +5478,8 @@
         </p:blipFill>
         <p:spPr>
           <a:xfrm>
-            <a:off x="1763688" y="991220"/>
-            <a:ext cx="5955698" cy="5512111"/>
+            <a:off x="426950" y="991220"/>
+            <a:ext cx="8280000" cy="5454287"/>
           </a:xfrm>
           <a:prstGeom prst="rect">
             <a:avLst/>
@@ -5531,7 +5489,7 @@
     </p:spTree>
     <p:extLst>
       <p:ext uri="{BB962C8B-B14F-4D97-AF65-F5344CB8AC3E}">
-        <p14:creationId xmlns:p14="http://schemas.microsoft.com/office/powerpoint/2010/main" val="885467257"/>
+        <p14:creationId xmlns:p14="http://schemas.microsoft.com/office/powerpoint/2010/main" val="1528423902"/>
       </p:ext>
     </p:extLst>
   </p:cSld>
@@ -5785,7 +5743,7 @@
               <a:rPr lang="de-CH" sz="2800" b="1" dirty="0">
                 <a:latin typeface="+mj-lt"/>
               </a:rPr>
-              <a:t>Motorentreiber Schema</a:t>
+              <a:t>Motorentreiber PCB Layout</a:t>
             </a:r>
           </a:p>
         </p:txBody>
@@ -5830,10 +5788,10 @@
       </p:sp>
       <p:pic>
         <p:nvPicPr>
-          <p:cNvPr id="3" name="Grafik 2">
+          <p:cNvPr id="4" name="Grafik 3">
             <a:extLst>
               <a:ext uri="{FF2B5EF4-FFF2-40B4-BE49-F238E27FC236}">
-                <a16:creationId xmlns:a16="http://schemas.microsoft.com/office/drawing/2014/main" id="{DC4409DB-74CD-464E-8325-21620F50EA5F}"/>
+                <a16:creationId xmlns:a16="http://schemas.microsoft.com/office/drawing/2014/main" id="{2ADF5744-C040-4AEC-B1FA-8FF6E4528092}"/>
               </a:ext>
             </a:extLst>
           </p:cNvPr>
@@ -5842,7 +5800,7 @@
           </p:cNvPicPr>
           <p:nvPr/>
         </p:nvPicPr>
-        <p:blipFill>
+        <p:blipFill rotWithShape="1">
           <a:blip r:embed="rId4">
             <a:extLst>
               <a:ext uri="{28A0092B-C50C-407E-A947-70E740481C1C}">
@@ -5850,14 +5808,13 @@
               </a:ext>
             </a:extLst>
           </a:blip>
-          <a:stretch>
-            <a:fillRect/>
-          </a:stretch>
+          <a:srcRect l="770" t="-397" r="772" b="1"/>
+          <a:stretch/>
         </p:blipFill>
         <p:spPr>
           <a:xfrm>
-            <a:off x="426950" y="991220"/>
-            <a:ext cx="8280000" cy="5454287"/>
+            <a:off x="1368330" y="991220"/>
+            <a:ext cx="6317948" cy="5454000"/>
           </a:xfrm>
           <a:prstGeom prst="rect">
             <a:avLst/>
@@ -5867,7 +5824,7 @@
     </p:spTree>
     <p:extLst>
       <p:ext uri="{BB962C8B-B14F-4D97-AF65-F5344CB8AC3E}">
-        <p14:creationId xmlns:p14="http://schemas.microsoft.com/office/powerpoint/2010/main" val="1528423902"/>
+        <p14:creationId xmlns:p14="http://schemas.microsoft.com/office/powerpoint/2010/main" val="1812423094"/>
       </p:ext>
     </p:extLst>
   </p:cSld>
@@ -6104,7 +6061,7 @@
         <p:spPr>
           <a:xfrm>
             <a:off x="360000" y="468000"/>
-            <a:ext cx="4176464" cy="523220"/>
+            <a:ext cx="7560840" cy="523220"/>
           </a:xfrm>
           <a:prstGeom prst="rect">
             <a:avLst/>
@@ -6121,7 +6078,7 @@
               <a:rPr lang="de-CH" sz="2800" b="1" dirty="0">
                 <a:latin typeface="+mj-lt"/>
               </a:rPr>
-              <a:t>Motorentreiber PCB Layout</a:t>
+              <a:t>Fehlerquelle Spannungsversorgung (Switch-Loop)</a:t>
             </a:r>
           </a:p>
         </p:txBody>
@@ -6166,10 +6123,10 @@
       </p:sp>
       <p:pic>
         <p:nvPicPr>
-          <p:cNvPr id="4" name="Grafik 3">
+          <p:cNvPr id="3" name="Grafik 2">
             <a:extLst>
               <a:ext uri="{FF2B5EF4-FFF2-40B4-BE49-F238E27FC236}">
-                <a16:creationId xmlns:a16="http://schemas.microsoft.com/office/drawing/2014/main" id="{2ADF5744-C040-4AEC-B1FA-8FF6E4528092}"/>
+                <a16:creationId xmlns:a16="http://schemas.microsoft.com/office/drawing/2014/main" id="{8531EF22-365A-4750-B895-14BEE60430CC}"/>
               </a:ext>
             </a:extLst>
           </p:cNvPr>
@@ -6178,7 +6135,7 @@
           </p:cNvPicPr>
           <p:nvPr/>
         </p:nvPicPr>
-        <p:blipFill rotWithShape="1">
+        <p:blipFill>
           <a:blip r:embed="rId4">
             <a:extLst>
               <a:ext uri="{28A0092B-C50C-407E-A947-70E740481C1C}">
@@ -6186,13 +6143,14 @@
               </a:ext>
             </a:extLst>
           </a:blip>
-          <a:srcRect l="770" t="-397" r="772" b="1"/>
-          <a:stretch/>
+          <a:stretch>
+            <a:fillRect/>
+          </a:stretch>
         </p:blipFill>
         <p:spPr>
           <a:xfrm>
-            <a:off x="1368330" y="991220"/>
-            <a:ext cx="6317948" cy="5454000"/>
+            <a:off x="2593176" y="991220"/>
+            <a:ext cx="3868256" cy="5454000"/>
           </a:xfrm>
           <a:prstGeom prst="rect">
             <a:avLst/>
@@ -6202,7 +6160,7 @@
     </p:spTree>
     <p:extLst>
       <p:ext uri="{BB962C8B-B14F-4D97-AF65-F5344CB8AC3E}">
-        <p14:creationId xmlns:p14="http://schemas.microsoft.com/office/powerpoint/2010/main" val="1812423094"/>
+        <p14:creationId xmlns:p14="http://schemas.microsoft.com/office/powerpoint/2010/main" val="4267483695"/>
       </p:ext>
     </p:extLst>
   </p:cSld>
@@ -6231,10 +6189,10 @@
       </p:grpSpPr>
       <p:pic>
         <p:nvPicPr>
-          <p:cNvPr id="12" name="Grafik 11">
+          <p:cNvPr id="13" name="Grafik 12">
             <a:extLst>
               <a:ext uri="{FF2B5EF4-FFF2-40B4-BE49-F238E27FC236}">
-                <a16:creationId xmlns:a16="http://schemas.microsoft.com/office/drawing/2014/main" id="{63518878-B2F8-9E42-B6D4-7C199E65E901}"/>
+                <a16:creationId xmlns:a16="http://schemas.microsoft.com/office/drawing/2014/main" id="{00453448-D0BE-BC4A-91C8-50E637D2FFD5}"/>
               </a:ext>
             </a:extLst>
           </p:cNvPr>
@@ -6244,7 +6202,7 @@
           <p:nvPr/>
         </p:nvPicPr>
         <p:blipFill>
-          <a:blip r:embed="rId3">
+          <a:blip r:embed="rId2">
             <a:extLst>
               <a:ext uri="{28A0092B-C50C-407E-A947-70E740481C1C}">
                 <a14:useLocalDpi xmlns:a14="http://schemas.microsoft.com/office/drawing/2010/main" val="0"/>
@@ -6265,6 +6223,46 @@
           </a:prstGeom>
         </p:spPr>
       </p:pic>
+      <p:sp>
+        <p:nvSpPr>
+          <p:cNvPr id="11" name="Textfeld 10"/>
+          <p:cNvSpPr txBox="1"/>
+          <p:nvPr/>
+        </p:nvSpPr>
+        <p:spPr>
+          <a:xfrm>
+            <a:off x="633368" y="1623458"/>
+            <a:ext cx="6264696" cy="1200329"/>
+          </a:xfrm>
+          <a:prstGeom prst="rect">
+            <a:avLst/>
+          </a:prstGeom>
+          <a:noFill/>
+        </p:spPr>
+        <p:txBody>
+          <a:bodyPr wrap="square" rtlCol="0" anchor="t">
+            <a:spAutoFit/>
+          </a:bodyPr>
+          <a:lstStyle/>
+          <a:p>
+            <a:endParaRPr lang="de-CH" sz="2400" dirty="0">
+              <a:latin typeface="Calibri" panose="020F0502020204030204" pitchFamily="34" charset="0"/>
+            </a:endParaRPr>
+          </a:p>
+          <a:p>
+            <a:pPr lvl="1"/>
+            <a:endParaRPr lang="de-CH" sz="2400" dirty="0">
+              <a:latin typeface="Calibri" panose="020F0502020204030204" pitchFamily="34" charset="0"/>
+            </a:endParaRPr>
+          </a:p>
+          <a:p>
+            <a:pPr lvl="1"/>
+            <a:endParaRPr lang="de-CH" sz="2400" dirty="0">
+              <a:latin typeface="Calibri" panose="020F0502020204030204" pitchFamily="34" charset="0"/>
+            </a:endParaRPr>
+          </a:p>
+        </p:txBody>
+      </p:sp>
       <p:cxnSp>
         <p:nvCxnSpPr>
           <p:cNvPr id="5" name="Gerade Verbindung 4"/>
@@ -6358,7 +6356,7 @@
               <a:rPr lang="de-CH" sz="1200" dirty="0">
                 <a:latin typeface="Calibri" panose="020F0502020204030204" pitchFamily="34" charset="0"/>
               </a:rPr>
-              <a:t>Seite 2/??</a:t>
+              <a:t>Seite 3/??</a:t>
             </a:r>
           </a:p>
         </p:txBody>
@@ -6439,382 +6437,6 @@
         <p:spPr>
           <a:xfrm>
             <a:off x="360000" y="468000"/>
-            <a:ext cx="7560840" cy="523220"/>
-          </a:xfrm>
-          <a:prstGeom prst="rect">
-            <a:avLst/>
-          </a:prstGeom>
-          <a:noFill/>
-        </p:spPr>
-        <p:txBody>
-          <a:bodyPr wrap="square" rtlCol="0">
-            <a:spAutoFit/>
-          </a:bodyPr>
-          <a:lstStyle/>
-          <a:p>
-            <a:r>
-              <a:rPr lang="de-CH" sz="2800" b="1" dirty="0">
-                <a:latin typeface="+mj-lt"/>
-              </a:rPr>
-              <a:t>Fehlerquelle Spannungsversorgung (Switch-Loop)</a:t>
-            </a:r>
-          </a:p>
-        </p:txBody>
-      </p:sp>
-      <p:sp>
-        <p:nvSpPr>
-          <p:cNvPr id="16" name="Textfeld 15">
-            <a:extLst>
-              <a:ext uri="{FF2B5EF4-FFF2-40B4-BE49-F238E27FC236}">
-                <a16:creationId xmlns:a16="http://schemas.microsoft.com/office/drawing/2014/main" id="{2EBD323C-4D9D-5D42-9645-414FFBB7D04B}"/>
-              </a:ext>
-            </a:extLst>
-          </p:cNvPr>
-          <p:cNvSpPr txBox="1"/>
-          <p:nvPr/>
-        </p:nvSpPr>
-        <p:spPr>
-          <a:xfrm>
-            <a:off x="7840953" y="6542725"/>
-            <a:ext cx="1040671" cy="276999"/>
-          </a:xfrm>
-          <a:prstGeom prst="rect">
-            <a:avLst/>
-          </a:prstGeom>
-          <a:noFill/>
-        </p:spPr>
-        <p:txBody>
-          <a:bodyPr wrap="none" rtlCol="0">
-            <a:spAutoFit/>
-          </a:bodyPr>
-          <a:lstStyle/>
-          <a:p>
-            <a:pPr algn="r"/>
-            <a:r>
-              <a:rPr lang="de-CH" sz="1200" dirty="0">
-                <a:latin typeface="Calibri" panose="020F0502020204030204" pitchFamily="34" charset="0"/>
-              </a:rPr>
-              <a:t>3.  März 2018</a:t>
-            </a:r>
-          </a:p>
-        </p:txBody>
-      </p:sp>
-      <p:pic>
-        <p:nvPicPr>
-          <p:cNvPr id="3" name="Grafik 2">
-            <a:extLst>
-              <a:ext uri="{FF2B5EF4-FFF2-40B4-BE49-F238E27FC236}">
-                <a16:creationId xmlns:a16="http://schemas.microsoft.com/office/drawing/2014/main" id="{8531EF22-365A-4750-B895-14BEE60430CC}"/>
-              </a:ext>
-            </a:extLst>
-          </p:cNvPr>
-          <p:cNvPicPr>
-            <a:picLocks noChangeAspect="1"/>
-          </p:cNvPicPr>
-          <p:nvPr/>
-        </p:nvPicPr>
-        <p:blipFill>
-          <a:blip r:embed="rId4">
-            <a:extLst>
-              <a:ext uri="{28A0092B-C50C-407E-A947-70E740481C1C}">
-                <a14:useLocalDpi xmlns:a14="http://schemas.microsoft.com/office/drawing/2010/main" val="0"/>
-              </a:ext>
-            </a:extLst>
-          </a:blip>
-          <a:stretch>
-            <a:fillRect/>
-          </a:stretch>
-        </p:blipFill>
-        <p:spPr>
-          <a:xfrm>
-            <a:off x="2593176" y="991220"/>
-            <a:ext cx="3868256" cy="5454000"/>
-          </a:xfrm>
-          <a:prstGeom prst="rect">
-            <a:avLst/>
-          </a:prstGeom>
-        </p:spPr>
-      </p:pic>
-    </p:spTree>
-    <p:extLst>
-      <p:ext uri="{BB962C8B-B14F-4D97-AF65-F5344CB8AC3E}">
-        <p14:creationId xmlns:p14="http://schemas.microsoft.com/office/powerpoint/2010/main" val="4267483695"/>
-      </p:ext>
-    </p:extLst>
-  </p:cSld>
-  <p:clrMapOvr>
-    <a:masterClrMapping/>
-  </p:clrMapOvr>
-</p:sld>
-</file>
-
-<file path=ppt/slides/slide15.xml><?xml version="1.0" encoding="utf-8"?>
-<p:sld xmlns:a="http://schemas.openxmlformats.org/drawingml/2006/main" xmlns:r="http://schemas.openxmlformats.org/officeDocument/2006/relationships" xmlns:p="http://schemas.openxmlformats.org/presentationml/2006/main">
-  <p:cSld>
-    <p:spTree>
-      <p:nvGrpSpPr>
-        <p:cNvPr id="1" name=""/>
-        <p:cNvGrpSpPr/>
-        <p:nvPr/>
-      </p:nvGrpSpPr>
-      <p:grpSpPr>
-        <a:xfrm>
-          <a:off x="0" y="0"/>
-          <a:ext cx="0" cy="0"/>
-          <a:chOff x="0" y="0"/>
-          <a:chExt cx="0" cy="0"/>
-        </a:xfrm>
-      </p:grpSpPr>
-      <p:pic>
-        <p:nvPicPr>
-          <p:cNvPr id="13" name="Grafik 12">
-            <a:extLst>
-              <a:ext uri="{FF2B5EF4-FFF2-40B4-BE49-F238E27FC236}">
-                <a16:creationId xmlns:a16="http://schemas.microsoft.com/office/drawing/2014/main" id="{00453448-D0BE-BC4A-91C8-50E637D2FFD5}"/>
-              </a:ext>
-            </a:extLst>
-          </p:cNvPr>
-          <p:cNvPicPr>
-            <a:picLocks noChangeAspect="1"/>
-          </p:cNvPicPr>
-          <p:nvPr/>
-        </p:nvPicPr>
-        <p:blipFill>
-          <a:blip r:embed="rId2">
-            <a:extLst>
-              <a:ext uri="{28A0092B-C50C-407E-A947-70E740481C1C}">
-                <a14:useLocalDpi xmlns:a14="http://schemas.microsoft.com/office/drawing/2010/main" val="0"/>
-              </a:ext>
-            </a:extLst>
-          </a:blip>
-          <a:stretch>
-            <a:fillRect/>
-          </a:stretch>
-        </p:blipFill>
-        <p:spPr>
-          <a:xfrm>
-            <a:off x="0" y="-3571"/>
-            <a:ext cx="1066800" cy="406400"/>
-          </a:xfrm>
-          <a:prstGeom prst="rect">
-            <a:avLst/>
-          </a:prstGeom>
-        </p:spPr>
-      </p:pic>
-      <p:sp>
-        <p:nvSpPr>
-          <p:cNvPr id="11" name="Textfeld 10"/>
-          <p:cNvSpPr txBox="1"/>
-          <p:nvPr/>
-        </p:nvSpPr>
-        <p:spPr>
-          <a:xfrm>
-            <a:off x="633368" y="1623458"/>
-            <a:ext cx="6264696" cy="1200329"/>
-          </a:xfrm>
-          <a:prstGeom prst="rect">
-            <a:avLst/>
-          </a:prstGeom>
-          <a:noFill/>
-        </p:spPr>
-        <p:txBody>
-          <a:bodyPr wrap="square" rtlCol="0" anchor="t">
-            <a:spAutoFit/>
-          </a:bodyPr>
-          <a:lstStyle/>
-          <a:p>
-            <a:endParaRPr lang="de-CH" sz="2400" dirty="0">
-              <a:latin typeface="Calibri" panose="020F0502020204030204" pitchFamily="34" charset="0"/>
-            </a:endParaRPr>
-          </a:p>
-          <a:p>
-            <a:pPr lvl="1"/>
-            <a:endParaRPr lang="de-CH" sz="2400" dirty="0">
-              <a:latin typeface="Calibri" panose="020F0502020204030204" pitchFamily="34" charset="0"/>
-            </a:endParaRPr>
-          </a:p>
-          <a:p>
-            <a:pPr lvl="1"/>
-            <a:endParaRPr lang="de-CH" sz="2400" dirty="0">
-              <a:latin typeface="Calibri" panose="020F0502020204030204" pitchFamily="34" charset="0"/>
-            </a:endParaRPr>
-          </a:p>
-        </p:txBody>
-      </p:sp>
-      <p:cxnSp>
-        <p:nvCxnSpPr>
-          <p:cNvPr id="5" name="Gerade Verbindung 4"/>
-          <p:cNvCxnSpPr/>
-          <p:nvPr/>
-        </p:nvCxnSpPr>
-        <p:spPr>
-          <a:xfrm>
-            <a:off x="0" y="6525344"/>
-            <a:ext cx="9144000" cy="0"/>
-          </a:xfrm>
-          <a:prstGeom prst="line">
-            <a:avLst/>
-          </a:prstGeom>
-          <a:ln>
-            <a:solidFill>
-              <a:schemeClr val="tx1"/>
-            </a:solidFill>
-          </a:ln>
-        </p:spPr>
-        <p:style>
-          <a:lnRef idx="1">
-            <a:schemeClr val="accent1"/>
-          </a:lnRef>
-          <a:fillRef idx="0">
-            <a:schemeClr val="accent1"/>
-          </a:fillRef>
-          <a:effectRef idx="0">
-            <a:schemeClr val="accent1"/>
-          </a:effectRef>
-          <a:fontRef idx="minor">
-            <a:schemeClr val="tx1"/>
-          </a:fontRef>
-        </p:style>
-      </p:cxnSp>
-      <p:sp>
-        <p:nvSpPr>
-          <p:cNvPr id="6" name="Textfeld 5"/>
-          <p:cNvSpPr txBox="1"/>
-          <p:nvPr/>
-        </p:nvSpPr>
-        <p:spPr>
-          <a:xfrm>
-            <a:off x="287830" y="6542726"/>
-            <a:ext cx="1208792" cy="276999"/>
-          </a:xfrm>
-          <a:prstGeom prst="rect">
-            <a:avLst/>
-          </a:prstGeom>
-          <a:noFill/>
-        </p:spPr>
-        <p:txBody>
-          <a:bodyPr wrap="none" rtlCol="0">
-            <a:spAutoFit/>
-          </a:bodyPr>
-          <a:lstStyle/>
-          <a:p>
-            <a:r>
-              <a:rPr lang="de-CH" sz="1200" dirty="0">
-                <a:latin typeface="Calibri" panose="020F0502020204030204" pitchFamily="34" charset="0"/>
-              </a:rPr>
-              <a:t>Meilenstein_M2</a:t>
-            </a:r>
-          </a:p>
-        </p:txBody>
-      </p:sp>
-      <p:sp>
-        <p:nvSpPr>
-          <p:cNvPr id="8" name="Textfeld 7"/>
-          <p:cNvSpPr txBox="1"/>
-          <p:nvPr/>
-        </p:nvSpPr>
-        <p:spPr>
-          <a:xfrm>
-            <a:off x="3627204" y="6542724"/>
-            <a:ext cx="1800200" cy="276999"/>
-          </a:xfrm>
-          <a:prstGeom prst="rect">
-            <a:avLst/>
-          </a:prstGeom>
-          <a:noFill/>
-        </p:spPr>
-        <p:txBody>
-          <a:bodyPr wrap="square" rtlCol="0">
-            <a:spAutoFit/>
-          </a:bodyPr>
-          <a:lstStyle/>
-          <a:p>
-            <a:pPr algn="ctr"/>
-            <a:r>
-              <a:rPr lang="de-CH" sz="1200" dirty="0">
-                <a:latin typeface="Calibri" panose="020F0502020204030204" pitchFamily="34" charset="0"/>
-              </a:rPr>
-              <a:t>Seite 3/??</a:t>
-            </a:r>
-          </a:p>
-        </p:txBody>
-      </p:sp>
-      <p:cxnSp>
-        <p:nvCxnSpPr>
-          <p:cNvPr id="9" name="Gerade Verbindung 4"/>
-          <p:cNvCxnSpPr/>
-          <p:nvPr/>
-        </p:nvCxnSpPr>
-        <p:spPr>
-          <a:xfrm>
-            <a:off x="-5050" y="421597"/>
-            <a:ext cx="9144000" cy="0"/>
-          </a:xfrm>
-          <a:prstGeom prst="line">
-            <a:avLst/>
-          </a:prstGeom>
-          <a:ln>
-            <a:solidFill>
-              <a:schemeClr val="tx1"/>
-            </a:solidFill>
-          </a:ln>
-        </p:spPr>
-        <p:style>
-          <a:lnRef idx="1">
-            <a:schemeClr val="accent1"/>
-          </a:lnRef>
-          <a:fillRef idx="0">
-            <a:schemeClr val="accent1"/>
-          </a:fillRef>
-          <a:effectRef idx="0">
-            <a:schemeClr val="accent1"/>
-          </a:effectRef>
-          <a:fontRef idx="minor">
-            <a:schemeClr val="tx1"/>
-          </a:fontRef>
-        </p:style>
-      </p:cxnSp>
-      <p:sp>
-        <p:nvSpPr>
-          <p:cNvPr id="10" name="Textfeld 9"/>
-          <p:cNvSpPr txBox="1"/>
-          <p:nvPr/>
-        </p:nvSpPr>
-        <p:spPr>
-          <a:xfrm>
-            <a:off x="7615828" y="144598"/>
-            <a:ext cx="1265796" cy="276999"/>
-          </a:xfrm>
-          <a:prstGeom prst="rect">
-            <a:avLst/>
-          </a:prstGeom>
-          <a:noFill/>
-        </p:spPr>
-        <p:txBody>
-          <a:bodyPr wrap="none" rtlCol="0">
-            <a:spAutoFit/>
-          </a:bodyPr>
-          <a:lstStyle/>
-          <a:p>
-            <a:pPr algn="r"/>
-            <a:r>
-              <a:rPr lang="de-CH" sz="1200" dirty="0">
-                <a:latin typeface="Calibri" panose="020F0502020204030204" pitchFamily="34" charset="0"/>
-              </a:rPr>
-              <a:t>SysP18_Team_10</a:t>
-            </a:r>
-          </a:p>
-        </p:txBody>
-      </p:sp>
-      <p:sp>
-        <p:nvSpPr>
-          <p:cNvPr id="14" name="Textfeld 13"/>
-          <p:cNvSpPr txBox="1"/>
-          <p:nvPr/>
-        </p:nvSpPr>
-        <p:spPr>
-          <a:xfrm>
-            <a:off x="360000" y="468000"/>
             <a:ext cx="4402111" cy="523220"/>
           </a:xfrm>
           <a:prstGeom prst="rect">
@@ -6924,7 +6546,7 @@
 </p:sld>
 </file>
 
-<file path=ppt/slides/slide16.xml><?xml version="1.0" encoding="utf-8"?>
+<file path=ppt/slides/slide15.xml><?xml version="1.0" encoding="utf-8"?>
 <p:sld xmlns:a="http://schemas.openxmlformats.org/drawingml/2006/main" xmlns:r="http://schemas.openxmlformats.org/officeDocument/2006/relationships" xmlns:p="http://schemas.openxmlformats.org/presentationml/2006/main">
   <p:cSld>
     <p:spTree>
@@ -7472,7 +7094,7 @@
 </p:sld>
 </file>
 
-<file path=ppt/slides/slide17.xml><?xml version="1.0" encoding="utf-8"?>
+<file path=ppt/slides/slide16.xml><?xml version="1.0" encoding="utf-8"?>
 <p:sld xmlns:a="http://schemas.openxmlformats.org/drawingml/2006/main" xmlns:r="http://schemas.openxmlformats.org/officeDocument/2006/relationships" xmlns:p="http://schemas.openxmlformats.org/presentationml/2006/main">
   <p:cSld>
     <p:spTree>
@@ -8270,7 +7892,7 @@
 </p:sld>
 </file>
 
-<file path=ppt/slides/slide18.xml><?xml version="1.0" encoding="utf-8"?>
+<file path=ppt/slides/slide17.xml><?xml version="1.0" encoding="utf-8"?>
 <p:sld xmlns:a="http://schemas.openxmlformats.org/drawingml/2006/main" xmlns:r="http://schemas.openxmlformats.org/officeDocument/2006/relationships" xmlns:p="http://schemas.openxmlformats.org/presentationml/2006/main">
   <p:cSld>
     <p:spTree>
@@ -9065,7 +8687,7 @@
 </p:sld>
 </file>
 
-<file path=ppt/slides/slide19.xml><?xml version="1.0" encoding="utf-8"?>
+<file path=ppt/slides/slide18.xml><?xml version="1.0" encoding="utf-8"?>
 <p:sld xmlns:a="http://schemas.openxmlformats.org/drawingml/2006/main" xmlns:r="http://schemas.openxmlformats.org/officeDocument/2006/relationships" xmlns:p="http://schemas.openxmlformats.org/presentationml/2006/main">
   <p:cSld>
     <p:spTree>
@@ -9745,6 +9367,371 @@
       <p:bldP spid="15" grpId="0" uiExpand="1" build="p" bldLvl="2"/>
     </p:bldLst>
   </p:timing>
+</p:sld>
+</file>
+
+<file path=ppt/slides/slide19.xml><?xml version="1.0" encoding="utf-8"?>
+<p:sld xmlns:a="http://schemas.openxmlformats.org/drawingml/2006/main" xmlns:r="http://schemas.openxmlformats.org/officeDocument/2006/relationships" xmlns:p="http://schemas.openxmlformats.org/presentationml/2006/main">
+  <p:cSld>
+    <p:spTree>
+      <p:nvGrpSpPr>
+        <p:cNvPr id="1" name=""/>
+        <p:cNvGrpSpPr/>
+        <p:nvPr/>
+      </p:nvGrpSpPr>
+      <p:grpSpPr>
+        <a:xfrm>
+          <a:off x="0" y="0"/>
+          <a:ext cx="0" cy="0"/>
+          <a:chOff x="0" y="0"/>
+          <a:chExt cx="0" cy="0"/>
+        </a:xfrm>
+      </p:grpSpPr>
+      <p:pic>
+        <p:nvPicPr>
+          <p:cNvPr id="12" name="Grafik 11">
+            <a:extLst>
+              <a:ext uri="{FF2B5EF4-FFF2-40B4-BE49-F238E27FC236}">
+                <a16:creationId xmlns:a16="http://schemas.microsoft.com/office/drawing/2014/main" id="{63518878-B2F8-9E42-B6D4-7C199E65E901}"/>
+              </a:ext>
+            </a:extLst>
+          </p:cNvPr>
+          <p:cNvPicPr>
+            <a:picLocks noChangeAspect="1"/>
+          </p:cNvPicPr>
+          <p:nvPr/>
+        </p:nvPicPr>
+        <p:blipFill>
+          <a:blip r:embed="rId3">
+            <a:extLst>
+              <a:ext uri="{28A0092B-C50C-407E-A947-70E740481C1C}">
+                <a14:useLocalDpi xmlns:a14="http://schemas.microsoft.com/office/drawing/2010/main" val="0"/>
+              </a:ext>
+            </a:extLst>
+          </a:blip>
+          <a:stretch>
+            <a:fillRect/>
+          </a:stretch>
+        </p:blipFill>
+        <p:spPr>
+          <a:xfrm>
+            <a:off x="0" y="-3571"/>
+            <a:ext cx="1066800" cy="406400"/>
+          </a:xfrm>
+          <a:prstGeom prst="rect">
+            <a:avLst/>
+          </a:prstGeom>
+        </p:spPr>
+      </p:pic>
+      <p:cxnSp>
+        <p:nvCxnSpPr>
+          <p:cNvPr id="5" name="Gerade Verbindung 4"/>
+          <p:cNvCxnSpPr/>
+          <p:nvPr/>
+        </p:nvCxnSpPr>
+        <p:spPr>
+          <a:xfrm>
+            <a:off x="0" y="6525344"/>
+            <a:ext cx="9144000" cy="0"/>
+          </a:xfrm>
+          <a:prstGeom prst="line">
+            <a:avLst/>
+          </a:prstGeom>
+          <a:ln>
+            <a:solidFill>
+              <a:schemeClr val="tx1"/>
+            </a:solidFill>
+          </a:ln>
+        </p:spPr>
+        <p:style>
+          <a:lnRef idx="1">
+            <a:schemeClr val="accent1"/>
+          </a:lnRef>
+          <a:fillRef idx="0">
+            <a:schemeClr val="accent1"/>
+          </a:fillRef>
+          <a:effectRef idx="0">
+            <a:schemeClr val="accent1"/>
+          </a:effectRef>
+          <a:fontRef idx="minor">
+            <a:schemeClr val="tx1"/>
+          </a:fontRef>
+        </p:style>
+      </p:cxnSp>
+      <p:sp>
+        <p:nvSpPr>
+          <p:cNvPr id="6" name="Textfeld 5"/>
+          <p:cNvSpPr txBox="1"/>
+          <p:nvPr/>
+        </p:nvSpPr>
+        <p:spPr>
+          <a:xfrm>
+            <a:off x="287830" y="6542726"/>
+            <a:ext cx="1208792" cy="276999"/>
+          </a:xfrm>
+          <a:prstGeom prst="rect">
+            <a:avLst/>
+          </a:prstGeom>
+          <a:noFill/>
+        </p:spPr>
+        <p:txBody>
+          <a:bodyPr wrap="none" rtlCol="0">
+            <a:spAutoFit/>
+          </a:bodyPr>
+          <a:lstStyle/>
+          <a:p>
+            <a:r>
+              <a:rPr lang="de-CH" sz="1200" dirty="0">
+                <a:latin typeface="Calibri" panose="020F0502020204030204" pitchFamily="34" charset="0"/>
+              </a:rPr>
+              <a:t>Meilenstein_M2</a:t>
+            </a:r>
+          </a:p>
+        </p:txBody>
+      </p:sp>
+      <p:sp>
+        <p:nvSpPr>
+          <p:cNvPr id="8" name="Textfeld 7"/>
+          <p:cNvSpPr txBox="1"/>
+          <p:nvPr/>
+        </p:nvSpPr>
+        <p:spPr>
+          <a:xfrm>
+            <a:off x="3627204" y="6542724"/>
+            <a:ext cx="1800200" cy="276999"/>
+          </a:xfrm>
+          <a:prstGeom prst="rect">
+            <a:avLst/>
+          </a:prstGeom>
+          <a:noFill/>
+        </p:spPr>
+        <p:txBody>
+          <a:bodyPr wrap="square" rtlCol="0">
+            <a:spAutoFit/>
+          </a:bodyPr>
+          <a:lstStyle/>
+          <a:p>
+            <a:pPr algn="ctr"/>
+            <a:r>
+              <a:rPr lang="de-CH" sz="1200" dirty="0">
+                <a:latin typeface="Calibri" panose="020F0502020204030204" pitchFamily="34" charset="0"/>
+              </a:rPr>
+              <a:t>Seite 2/??</a:t>
+            </a:r>
+          </a:p>
+        </p:txBody>
+      </p:sp>
+      <p:cxnSp>
+        <p:nvCxnSpPr>
+          <p:cNvPr id="9" name="Gerade Verbindung 4"/>
+          <p:cNvCxnSpPr/>
+          <p:nvPr/>
+        </p:nvCxnSpPr>
+        <p:spPr>
+          <a:xfrm>
+            <a:off x="-5050" y="421597"/>
+            <a:ext cx="9144000" cy="0"/>
+          </a:xfrm>
+          <a:prstGeom prst="line">
+            <a:avLst/>
+          </a:prstGeom>
+          <a:ln>
+            <a:solidFill>
+              <a:schemeClr val="tx1"/>
+            </a:solidFill>
+          </a:ln>
+        </p:spPr>
+        <p:style>
+          <a:lnRef idx="1">
+            <a:schemeClr val="accent1"/>
+          </a:lnRef>
+          <a:fillRef idx="0">
+            <a:schemeClr val="accent1"/>
+          </a:fillRef>
+          <a:effectRef idx="0">
+            <a:schemeClr val="accent1"/>
+          </a:effectRef>
+          <a:fontRef idx="minor">
+            <a:schemeClr val="tx1"/>
+          </a:fontRef>
+        </p:style>
+      </p:cxnSp>
+      <p:sp>
+        <p:nvSpPr>
+          <p:cNvPr id="10" name="Textfeld 9"/>
+          <p:cNvSpPr txBox="1"/>
+          <p:nvPr/>
+        </p:nvSpPr>
+        <p:spPr>
+          <a:xfrm>
+            <a:off x="7615828" y="144598"/>
+            <a:ext cx="1265796" cy="276999"/>
+          </a:xfrm>
+          <a:prstGeom prst="rect">
+            <a:avLst/>
+          </a:prstGeom>
+          <a:noFill/>
+        </p:spPr>
+        <p:txBody>
+          <a:bodyPr wrap="none" rtlCol="0">
+            <a:spAutoFit/>
+          </a:bodyPr>
+          <a:lstStyle/>
+          <a:p>
+            <a:pPr algn="r"/>
+            <a:r>
+              <a:rPr lang="de-CH" sz="1200" dirty="0">
+                <a:latin typeface="Calibri" panose="020F0502020204030204" pitchFamily="34" charset="0"/>
+              </a:rPr>
+              <a:t>SysP18_Team_10</a:t>
+            </a:r>
+          </a:p>
+        </p:txBody>
+      </p:sp>
+      <p:sp>
+        <p:nvSpPr>
+          <p:cNvPr id="14" name="Textfeld 13"/>
+          <p:cNvSpPr txBox="1"/>
+          <p:nvPr/>
+        </p:nvSpPr>
+        <p:spPr>
+          <a:xfrm>
+            <a:off x="360000" y="468000"/>
+            <a:ext cx="3492082" cy="523220"/>
+          </a:xfrm>
+          <a:prstGeom prst="rect">
+            <a:avLst/>
+          </a:prstGeom>
+          <a:noFill/>
+        </p:spPr>
+        <p:txBody>
+          <a:bodyPr wrap="square" rtlCol="0">
+            <a:spAutoFit/>
+          </a:bodyPr>
+          <a:lstStyle/>
+          <a:p>
+            <a:r>
+              <a:rPr lang="de-CH" sz="2800" b="1" dirty="0">
+                <a:latin typeface="+mj-lt"/>
+              </a:rPr>
+              <a:t>Folie mit Aufzählung</a:t>
+            </a:r>
+          </a:p>
+        </p:txBody>
+      </p:sp>
+      <p:sp>
+        <p:nvSpPr>
+          <p:cNvPr id="15" name="Textfeld 14">
+            <a:extLst>
+              <a:ext uri="{FF2B5EF4-FFF2-40B4-BE49-F238E27FC236}">
+                <a16:creationId xmlns:a16="http://schemas.microsoft.com/office/drawing/2014/main" id="{23C33090-455A-9B46-96E1-618074619DB9}"/>
+              </a:ext>
+            </a:extLst>
+          </p:cNvPr>
+          <p:cNvSpPr txBox="1"/>
+          <p:nvPr/>
+        </p:nvSpPr>
+        <p:spPr>
+          <a:xfrm>
+            <a:off x="633368" y="1623458"/>
+            <a:ext cx="6264696" cy="1200329"/>
+          </a:xfrm>
+          <a:prstGeom prst="rect">
+            <a:avLst/>
+          </a:prstGeom>
+          <a:noFill/>
+        </p:spPr>
+        <p:txBody>
+          <a:bodyPr wrap="square" rtlCol="0" anchor="t">
+            <a:spAutoFit/>
+          </a:bodyPr>
+          <a:lstStyle/>
+          <a:p>
+            <a:pPr marL="342900" indent="-342900">
+              <a:buFont typeface="Symbol" pitchFamily="2" charset="2"/>
+              <a:buChar char="-"/>
+            </a:pPr>
+            <a:r>
+              <a:rPr lang="de-CH" sz="2400" dirty="0">
+                <a:latin typeface="Calibri" panose="020F0502020204030204" pitchFamily="34" charset="0"/>
+              </a:rPr>
+              <a:t>Aufzählung</a:t>
+            </a:r>
+          </a:p>
+          <a:p>
+            <a:pPr marL="342900" indent="-342900">
+              <a:buFont typeface="Symbol" pitchFamily="2" charset="2"/>
+              <a:buChar char="-"/>
+            </a:pPr>
+            <a:r>
+              <a:rPr lang="de-CH" sz="2400" dirty="0">
+                <a:latin typeface="Calibri" panose="020F0502020204030204" pitchFamily="34" charset="0"/>
+              </a:rPr>
+              <a:t>Aufzählung</a:t>
+            </a:r>
+          </a:p>
+          <a:p>
+            <a:pPr marL="342900" indent="-342900">
+              <a:buFont typeface="Symbol" pitchFamily="2" charset="2"/>
+              <a:buChar char="-"/>
+            </a:pPr>
+            <a:r>
+              <a:rPr lang="de-CH" sz="2400" dirty="0">
+                <a:latin typeface="Calibri" panose="020F0502020204030204" pitchFamily="34" charset="0"/>
+              </a:rPr>
+              <a:t>Aufzählung</a:t>
+            </a:r>
+          </a:p>
+        </p:txBody>
+      </p:sp>
+      <p:sp>
+        <p:nvSpPr>
+          <p:cNvPr id="16" name="Textfeld 15">
+            <a:extLst>
+              <a:ext uri="{FF2B5EF4-FFF2-40B4-BE49-F238E27FC236}">
+                <a16:creationId xmlns:a16="http://schemas.microsoft.com/office/drawing/2014/main" id="{2EBD323C-4D9D-5D42-9645-414FFBB7D04B}"/>
+              </a:ext>
+            </a:extLst>
+          </p:cNvPr>
+          <p:cNvSpPr txBox="1"/>
+          <p:nvPr/>
+        </p:nvSpPr>
+        <p:spPr>
+          <a:xfrm>
+            <a:off x="7840953" y="6542725"/>
+            <a:ext cx="1040671" cy="276999"/>
+          </a:xfrm>
+          <a:prstGeom prst="rect">
+            <a:avLst/>
+          </a:prstGeom>
+          <a:noFill/>
+        </p:spPr>
+        <p:txBody>
+          <a:bodyPr wrap="none" rtlCol="0">
+            <a:spAutoFit/>
+          </a:bodyPr>
+          <a:lstStyle/>
+          <a:p>
+            <a:pPr algn="r"/>
+            <a:r>
+              <a:rPr lang="de-CH" sz="1200" dirty="0">
+                <a:latin typeface="Calibri" panose="020F0502020204030204" pitchFamily="34" charset="0"/>
+              </a:rPr>
+              <a:t>3.  März 2018</a:t>
+            </a:r>
+          </a:p>
+        </p:txBody>
+      </p:sp>
+    </p:spTree>
+    <p:extLst>
+      <p:ext uri="{BB962C8B-B14F-4D97-AF65-F5344CB8AC3E}">
+        <p14:creationId xmlns:p14="http://schemas.microsoft.com/office/powerpoint/2010/main" val="3181953008"/>
+      </p:ext>
+    </p:extLst>
+  </p:cSld>
+  <p:clrMapOvr>
+    <a:masterClrMapping/>
+  </p:clrMapOvr>
 </p:sld>
 </file>
 
@@ -10446,371 +10433,6 @@
       </p:grpSpPr>
       <p:pic>
         <p:nvPicPr>
-          <p:cNvPr id="12" name="Grafik 11">
-            <a:extLst>
-              <a:ext uri="{FF2B5EF4-FFF2-40B4-BE49-F238E27FC236}">
-                <a16:creationId xmlns:a16="http://schemas.microsoft.com/office/drawing/2014/main" id="{63518878-B2F8-9E42-B6D4-7C199E65E901}"/>
-              </a:ext>
-            </a:extLst>
-          </p:cNvPr>
-          <p:cNvPicPr>
-            <a:picLocks noChangeAspect="1"/>
-          </p:cNvPicPr>
-          <p:nvPr/>
-        </p:nvPicPr>
-        <p:blipFill>
-          <a:blip r:embed="rId3">
-            <a:extLst>
-              <a:ext uri="{28A0092B-C50C-407E-A947-70E740481C1C}">
-                <a14:useLocalDpi xmlns:a14="http://schemas.microsoft.com/office/drawing/2010/main" val="0"/>
-              </a:ext>
-            </a:extLst>
-          </a:blip>
-          <a:stretch>
-            <a:fillRect/>
-          </a:stretch>
-        </p:blipFill>
-        <p:spPr>
-          <a:xfrm>
-            <a:off x="0" y="-3571"/>
-            <a:ext cx="1066800" cy="406400"/>
-          </a:xfrm>
-          <a:prstGeom prst="rect">
-            <a:avLst/>
-          </a:prstGeom>
-        </p:spPr>
-      </p:pic>
-      <p:cxnSp>
-        <p:nvCxnSpPr>
-          <p:cNvPr id="5" name="Gerade Verbindung 4"/>
-          <p:cNvCxnSpPr/>
-          <p:nvPr/>
-        </p:nvCxnSpPr>
-        <p:spPr>
-          <a:xfrm>
-            <a:off x="0" y="6525344"/>
-            <a:ext cx="9144000" cy="0"/>
-          </a:xfrm>
-          <a:prstGeom prst="line">
-            <a:avLst/>
-          </a:prstGeom>
-          <a:ln>
-            <a:solidFill>
-              <a:schemeClr val="tx1"/>
-            </a:solidFill>
-          </a:ln>
-        </p:spPr>
-        <p:style>
-          <a:lnRef idx="1">
-            <a:schemeClr val="accent1"/>
-          </a:lnRef>
-          <a:fillRef idx="0">
-            <a:schemeClr val="accent1"/>
-          </a:fillRef>
-          <a:effectRef idx="0">
-            <a:schemeClr val="accent1"/>
-          </a:effectRef>
-          <a:fontRef idx="minor">
-            <a:schemeClr val="tx1"/>
-          </a:fontRef>
-        </p:style>
-      </p:cxnSp>
-      <p:sp>
-        <p:nvSpPr>
-          <p:cNvPr id="6" name="Textfeld 5"/>
-          <p:cNvSpPr txBox="1"/>
-          <p:nvPr/>
-        </p:nvSpPr>
-        <p:spPr>
-          <a:xfrm>
-            <a:off x="287830" y="6542726"/>
-            <a:ext cx="1208792" cy="276999"/>
-          </a:xfrm>
-          <a:prstGeom prst="rect">
-            <a:avLst/>
-          </a:prstGeom>
-          <a:noFill/>
-        </p:spPr>
-        <p:txBody>
-          <a:bodyPr wrap="none" rtlCol="0">
-            <a:spAutoFit/>
-          </a:bodyPr>
-          <a:lstStyle/>
-          <a:p>
-            <a:r>
-              <a:rPr lang="de-CH" sz="1200" dirty="0">
-                <a:latin typeface="Calibri" panose="020F0502020204030204" pitchFamily="34" charset="0"/>
-              </a:rPr>
-              <a:t>Meilenstein_M2</a:t>
-            </a:r>
-          </a:p>
-        </p:txBody>
-      </p:sp>
-      <p:sp>
-        <p:nvSpPr>
-          <p:cNvPr id="8" name="Textfeld 7"/>
-          <p:cNvSpPr txBox="1"/>
-          <p:nvPr/>
-        </p:nvSpPr>
-        <p:spPr>
-          <a:xfrm>
-            <a:off x="3627204" y="6542724"/>
-            <a:ext cx="1800200" cy="276999"/>
-          </a:xfrm>
-          <a:prstGeom prst="rect">
-            <a:avLst/>
-          </a:prstGeom>
-          <a:noFill/>
-        </p:spPr>
-        <p:txBody>
-          <a:bodyPr wrap="square" rtlCol="0">
-            <a:spAutoFit/>
-          </a:bodyPr>
-          <a:lstStyle/>
-          <a:p>
-            <a:pPr algn="ctr"/>
-            <a:r>
-              <a:rPr lang="de-CH" sz="1200" dirty="0">
-                <a:latin typeface="Calibri" panose="020F0502020204030204" pitchFamily="34" charset="0"/>
-              </a:rPr>
-              <a:t>Seite 2/??</a:t>
-            </a:r>
-          </a:p>
-        </p:txBody>
-      </p:sp>
-      <p:cxnSp>
-        <p:nvCxnSpPr>
-          <p:cNvPr id="9" name="Gerade Verbindung 4"/>
-          <p:cNvCxnSpPr/>
-          <p:nvPr/>
-        </p:nvCxnSpPr>
-        <p:spPr>
-          <a:xfrm>
-            <a:off x="-5050" y="421597"/>
-            <a:ext cx="9144000" cy="0"/>
-          </a:xfrm>
-          <a:prstGeom prst="line">
-            <a:avLst/>
-          </a:prstGeom>
-          <a:ln>
-            <a:solidFill>
-              <a:schemeClr val="tx1"/>
-            </a:solidFill>
-          </a:ln>
-        </p:spPr>
-        <p:style>
-          <a:lnRef idx="1">
-            <a:schemeClr val="accent1"/>
-          </a:lnRef>
-          <a:fillRef idx="0">
-            <a:schemeClr val="accent1"/>
-          </a:fillRef>
-          <a:effectRef idx="0">
-            <a:schemeClr val="accent1"/>
-          </a:effectRef>
-          <a:fontRef idx="minor">
-            <a:schemeClr val="tx1"/>
-          </a:fontRef>
-        </p:style>
-      </p:cxnSp>
-      <p:sp>
-        <p:nvSpPr>
-          <p:cNvPr id="10" name="Textfeld 9"/>
-          <p:cNvSpPr txBox="1"/>
-          <p:nvPr/>
-        </p:nvSpPr>
-        <p:spPr>
-          <a:xfrm>
-            <a:off x="7615828" y="144598"/>
-            <a:ext cx="1265796" cy="276999"/>
-          </a:xfrm>
-          <a:prstGeom prst="rect">
-            <a:avLst/>
-          </a:prstGeom>
-          <a:noFill/>
-        </p:spPr>
-        <p:txBody>
-          <a:bodyPr wrap="none" rtlCol="0">
-            <a:spAutoFit/>
-          </a:bodyPr>
-          <a:lstStyle/>
-          <a:p>
-            <a:pPr algn="r"/>
-            <a:r>
-              <a:rPr lang="de-CH" sz="1200" dirty="0">
-                <a:latin typeface="Calibri" panose="020F0502020204030204" pitchFamily="34" charset="0"/>
-              </a:rPr>
-              <a:t>SysP18_Team_10</a:t>
-            </a:r>
-          </a:p>
-        </p:txBody>
-      </p:sp>
-      <p:sp>
-        <p:nvSpPr>
-          <p:cNvPr id="14" name="Textfeld 13"/>
-          <p:cNvSpPr txBox="1"/>
-          <p:nvPr/>
-        </p:nvSpPr>
-        <p:spPr>
-          <a:xfrm>
-            <a:off x="360000" y="468000"/>
-            <a:ext cx="3492082" cy="523220"/>
-          </a:xfrm>
-          <a:prstGeom prst="rect">
-            <a:avLst/>
-          </a:prstGeom>
-          <a:noFill/>
-        </p:spPr>
-        <p:txBody>
-          <a:bodyPr wrap="square" rtlCol="0">
-            <a:spAutoFit/>
-          </a:bodyPr>
-          <a:lstStyle/>
-          <a:p>
-            <a:r>
-              <a:rPr lang="de-CH" sz="2800" b="1" dirty="0">
-                <a:latin typeface="+mj-lt"/>
-              </a:rPr>
-              <a:t>Folie mit Aufzählung</a:t>
-            </a:r>
-          </a:p>
-        </p:txBody>
-      </p:sp>
-      <p:sp>
-        <p:nvSpPr>
-          <p:cNvPr id="15" name="Textfeld 14">
-            <a:extLst>
-              <a:ext uri="{FF2B5EF4-FFF2-40B4-BE49-F238E27FC236}">
-                <a16:creationId xmlns:a16="http://schemas.microsoft.com/office/drawing/2014/main" id="{23C33090-455A-9B46-96E1-618074619DB9}"/>
-              </a:ext>
-            </a:extLst>
-          </p:cNvPr>
-          <p:cNvSpPr txBox="1"/>
-          <p:nvPr/>
-        </p:nvSpPr>
-        <p:spPr>
-          <a:xfrm>
-            <a:off x="633368" y="1623458"/>
-            <a:ext cx="6264696" cy="1200329"/>
-          </a:xfrm>
-          <a:prstGeom prst="rect">
-            <a:avLst/>
-          </a:prstGeom>
-          <a:noFill/>
-        </p:spPr>
-        <p:txBody>
-          <a:bodyPr wrap="square" rtlCol="0" anchor="t">
-            <a:spAutoFit/>
-          </a:bodyPr>
-          <a:lstStyle/>
-          <a:p>
-            <a:pPr marL="342900" indent="-342900">
-              <a:buFont typeface="Symbol" pitchFamily="2" charset="2"/>
-              <a:buChar char="-"/>
-            </a:pPr>
-            <a:r>
-              <a:rPr lang="de-CH" sz="2400" dirty="0">
-                <a:latin typeface="Calibri" panose="020F0502020204030204" pitchFamily="34" charset="0"/>
-              </a:rPr>
-              <a:t>Aufzählung</a:t>
-            </a:r>
-          </a:p>
-          <a:p>
-            <a:pPr marL="342900" indent="-342900">
-              <a:buFont typeface="Symbol" pitchFamily="2" charset="2"/>
-              <a:buChar char="-"/>
-            </a:pPr>
-            <a:r>
-              <a:rPr lang="de-CH" sz="2400" dirty="0">
-                <a:latin typeface="Calibri" panose="020F0502020204030204" pitchFamily="34" charset="0"/>
-              </a:rPr>
-              <a:t>Aufzählung</a:t>
-            </a:r>
-          </a:p>
-          <a:p>
-            <a:pPr marL="342900" indent="-342900">
-              <a:buFont typeface="Symbol" pitchFamily="2" charset="2"/>
-              <a:buChar char="-"/>
-            </a:pPr>
-            <a:r>
-              <a:rPr lang="de-CH" sz="2400" dirty="0">
-                <a:latin typeface="Calibri" panose="020F0502020204030204" pitchFamily="34" charset="0"/>
-              </a:rPr>
-              <a:t>Aufzählung</a:t>
-            </a:r>
-          </a:p>
-        </p:txBody>
-      </p:sp>
-      <p:sp>
-        <p:nvSpPr>
-          <p:cNvPr id="16" name="Textfeld 15">
-            <a:extLst>
-              <a:ext uri="{FF2B5EF4-FFF2-40B4-BE49-F238E27FC236}">
-                <a16:creationId xmlns:a16="http://schemas.microsoft.com/office/drawing/2014/main" id="{2EBD323C-4D9D-5D42-9645-414FFBB7D04B}"/>
-              </a:ext>
-            </a:extLst>
-          </p:cNvPr>
-          <p:cNvSpPr txBox="1"/>
-          <p:nvPr/>
-        </p:nvSpPr>
-        <p:spPr>
-          <a:xfrm>
-            <a:off x="7840953" y="6542725"/>
-            <a:ext cx="1040671" cy="276999"/>
-          </a:xfrm>
-          <a:prstGeom prst="rect">
-            <a:avLst/>
-          </a:prstGeom>
-          <a:noFill/>
-        </p:spPr>
-        <p:txBody>
-          <a:bodyPr wrap="none" rtlCol="0">
-            <a:spAutoFit/>
-          </a:bodyPr>
-          <a:lstStyle/>
-          <a:p>
-            <a:pPr algn="r"/>
-            <a:r>
-              <a:rPr lang="de-CH" sz="1200" dirty="0">
-                <a:latin typeface="Calibri" panose="020F0502020204030204" pitchFamily="34" charset="0"/>
-              </a:rPr>
-              <a:t>3.  März 2018</a:t>
-            </a:r>
-          </a:p>
-        </p:txBody>
-      </p:sp>
-    </p:spTree>
-    <p:extLst>
-      <p:ext uri="{BB962C8B-B14F-4D97-AF65-F5344CB8AC3E}">
-        <p14:creationId xmlns:p14="http://schemas.microsoft.com/office/powerpoint/2010/main" val="3181953008"/>
-      </p:ext>
-    </p:extLst>
-  </p:cSld>
-  <p:clrMapOvr>
-    <a:masterClrMapping/>
-  </p:clrMapOvr>
-</p:sld>
-</file>
-
-<file path=ppt/slides/slide21.xml><?xml version="1.0" encoding="utf-8"?>
-<p:sld xmlns:a="http://schemas.openxmlformats.org/drawingml/2006/main" xmlns:r="http://schemas.openxmlformats.org/officeDocument/2006/relationships" xmlns:p="http://schemas.openxmlformats.org/presentationml/2006/main">
-  <p:cSld>
-    <p:spTree>
-      <p:nvGrpSpPr>
-        <p:cNvPr id="1" name=""/>
-        <p:cNvGrpSpPr/>
-        <p:nvPr/>
-      </p:nvGrpSpPr>
-      <p:grpSpPr>
-        <a:xfrm>
-          <a:off x="0" y="0"/>
-          <a:ext cx="0" cy="0"/>
-          <a:chOff x="0" y="0"/>
-          <a:chExt cx="0" cy="0"/>
-        </a:xfrm>
-      </p:grpSpPr>
-      <p:pic>
-        <p:nvPicPr>
           <p:cNvPr id="13" name="Grafik 12">
             <a:extLst>
               <a:ext uri="{FF2B5EF4-FFF2-40B4-BE49-F238E27FC236}">
@@ -12010,57 +11632,6 @@
           </a:prstGeom>
         </p:spPr>
       </p:pic>
-      <mc:AlternateContent xmlns:mc="http://schemas.openxmlformats.org/markup-compatibility/2006" xmlns:p14="http://schemas.microsoft.com/office/powerpoint/2010/main">
-        <mc:Choice Requires="p14">
-          <p:contentPart p14:bwMode="auto" r:id="rId5">
-            <p14:nvContentPartPr>
-              <p14:cNvPr id="17" name="Freihand 16">
-                <a:extLst>
-                  <a:ext uri="{FF2B5EF4-FFF2-40B4-BE49-F238E27FC236}">
-                    <a16:creationId xmlns:a16="http://schemas.microsoft.com/office/drawing/2014/main" id="{2B780955-A353-1A4C-A4C9-B25DC2EE3896}"/>
-                  </a:ext>
-                </a:extLst>
-              </p14:cNvPr>
-              <p14:cNvContentPartPr/>
-              <p14:nvPr/>
-            </p14:nvContentPartPr>
-            <p14:xfrm>
-              <a:off x="294646" y="2823787"/>
-              <a:ext cx="3298688" cy="2897460"/>
-            </p14:xfrm>
-          </p:contentPart>
-        </mc:Choice>
-        <mc:Fallback xmlns="">
-          <p:pic>
-            <p:nvPicPr>
-              <p:cNvPr id="17" name="Freihand 16">
-                <a:extLst>
-                  <a:ext uri="{FF2B5EF4-FFF2-40B4-BE49-F238E27FC236}">
-                    <a16:creationId xmlns:a16="http://schemas.microsoft.com/office/drawing/2014/main" id="{2B780955-A353-1A4C-A4C9-B25DC2EE3896}"/>
-                  </a:ext>
-                </a:extLst>
-              </p:cNvPr>
-              <p:cNvPicPr/>
-              <p:nvPr/>
-            </p:nvPicPr>
-            <p:blipFill>
-              <a:blip r:embed="rId6"/>
-              <a:stretch>
-                <a:fillRect/>
-              </a:stretch>
-            </p:blipFill>
-            <p:spPr>
-              <a:xfrm>
-                <a:off x="285646" y="2814786"/>
-                <a:ext cx="3316328" cy="2915101"/>
-              </a:xfrm>
-              <a:prstGeom prst="rect">
-                <a:avLst/>
-              </a:prstGeom>
-            </p:spPr>
-          </p:pic>
-        </mc:Fallback>
-      </mc:AlternateContent>
     </p:spTree>
     <p:extLst>
       <p:ext uri="{BB962C8B-B14F-4D97-AF65-F5344CB8AC3E}">
@@ -12466,7 +12037,7 @@
         <p:spPr>
           <a:xfrm>
             <a:off x="633367" y="1623458"/>
-            <a:ext cx="7207585" cy="4708981"/>
+            <a:ext cx="7207585" cy="4237057"/>
           </a:xfrm>
           <a:prstGeom prst="rect">
             <a:avLst/>
@@ -12551,21 +12122,6 @@
                 <a:latin typeface="Calibri" panose="020F0502020204030204" pitchFamily="34" charset="0"/>
               </a:rPr>
               <a:t>PCB Layout</a:t>
-            </a:r>
-          </a:p>
-          <a:p>
-            <a:pPr marL="342900" indent="-342900">
-              <a:spcAft>
-                <a:spcPts val="800"/>
-              </a:spcAft>
-              <a:buFont typeface="Symbol" pitchFamily="2" charset="2"/>
-              <a:buChar char="-"/>
-            </a:pPr>
-            <a:r>
-              <a:rPr lang="de-CH" sz="2400" dirty="0">
-                <a:latin typeface="Calibri" panose="020F0502020204030204" pitchFamily="34" charset="0"/>
-              </a:rPr>
-              <a:t>PCB 3D Modell</a:t>
             </a:r>
           </a:p>
           <a:p>
@@ -12678,532 +12234,6 @@
   <p:clrMapOvr>
     <a:masterClrMapping/>
   </p:clrMapOvr>
-  <p:timing>
-    <p:tnLst>
-      <p:par>
-        <p:cTn id="1" dur="indefinite" restart="never" nodeType="tmRoot">
-          <p:childTnLst>
-            <p:seq concurrent="1" nextAc="seek">
-              <p:cTn id="2" dur="indefinite" nodeType="mainSeq">
-                <p:childTnLst>
-                  <p:par>
-                    <p:cTn id="3" fill="hold">
-                      <p:stCondLst>
-                        <p:cond delay="indefinite"/>
-                        <p:cond evt="onBegin" delay="0">
-                          <p:tn val="2"/>
-                        </p:cond>
-                      </p:stCondLst>
-                      <p:childTnLst>
-                        <p:par>
-                          <p:cTn id="4" fill="hold">
-                            <p:stCondLst>
-                              <p:cond delay="0"/>
-                            </p:stCondLst>
-                            <p:childTnLst>
-                              <p:par>
-                                <p:cTn id="5" presetID="1" presetClass="entr" presetSubtype="0" fill="hold" grpId="0" nodeType="afterEffect">
-                                  <p:stCondLst>
-                                    <p:cond delay="0"/>
-                                  </p:stCondLst>
-                                  <p:childTnLst>
-                                    <p:set>
-                                      <p:cBhvr>
-                                        <p:cTn id="6" dur="1" fill="hold">
-                                          <p:stCondLst>
-                                            <p:cond delay="0"/>
-                                          </p:stCondLst>
-                                        </p:cTn>
-                                        <p:tgtEl>
-                                          <p:spTgt spid="15">
-                                            <p:txEl>
-                                              <p:pRg st="0" end="0"/>
-                                            </p:txEl>
-                                          </p:spTgt>
-                                        </p:tgtEl>
-                                        <p:attrNameLst>
-                                          <p:attrName>style.visibility</p:attrName>
-                                        </p:attrNameLst>
-                                      </p:cBhvr>
-                                      <p:to>
-                                        <p:strVal val="visible"/>
-                                      </p:to>
-                                    </p:set>
-                                  </p:childTnLst>
-                                </p:cTn>
-                              </p:par>
-                            </p:childTnLst>
-                          </p:cTn>
-                        </p:par>
-                      </p:childTnLst>
-                    </p:cTn>
-                  </p:par>
-                  <p:par>
-                    <p:cTn id="7" fill="hold">
-                      <p:stCondLst>
-                        <p:cond delay="indefinite"/>
-                      </p:stCondLst>
-                      <p:childTnLst>
-                        <p:par>
-                          <p:cTn id="8" fill="hold">
-                            <p:stCondLst>
-                              <p:cond delay="0"/>
-                            </p:stCondLst>
-                            <p:childTnLst>
-                              <p:par>
-                                <p:cTn id="9" presetID="1" presetClass="entr" presetSubtype="0" fill="hold" grpId="0" nodeType="clickEffect">
-                                  <p:stCondLst>
-                                    <p:cond delay="0"/>
-                                  </p:stCondLst>
-                                  <p:childTnLst>
-                                    <p:set>
-                                      <p:cBhvr>
-                                        <p:cTn id="10" dur="1" fill="hold">
-                                          <p:stCondLst>
-                                            <p:cond delay="0"/>
-                                          </p:stCondLst>
-                                        </p:cTn>
-                                        <p:tgtEl>
-                                          <p:spTgt spid="15">
-                                            <p:txEl>
-                                              <p:pRg st="1" end="1"/>
-                                            </p:txEl>
-                                          </p:spTgt>
-                                        </p:tgtEl>
-                                        <p:attrNameLst>
-                                          <p:attrName>style.visibility</p:attrName>
-                                        </p:attrNameLst>
-                                      </p:cBhvr>
-                                      <p:to>
-                                        <p:strVal val="visible"/>
-                                      </p:to>
-                                    </p:set>
-                                  </p:childTnLst>
-                                </p:cTn>
-                              </p:par>
-                            </p:childTnLst>
-                          </p:cTn>
-                        </p:par>
-                      </p:childTnLst>
-                    </p:cTn>
-                  </p:par>
-                  <p:par>
-                    <p:cTn id="11" fill="hold">
-                      <p:stCondLst>
-                        <p:cond delay="indefinite"/>
-                      </p:stCondLst>
-                      <p:childTnLst>
-                        <p:par>
-                          <p:cTn id="12" fill="hold">
-                            <p:stCondLst>
-                              <p:cond delay="0"/>
-                            </p:stCondLst>
-                            <p:childTnLst>
-                              <p:par>
-                                <p:cTn id="13" presetID="1" presetClass="entr" presetSubtype="0" fill="hold" grpId="0" nodeType="clickEffect">
-                                  <p:stCondLst>
-                                    <p:cond delay="0"/>
-                                  </p:stCondLst>
-                                  <p:childTnLst>
-                                    <p:set>
-                                      <p:cBhvr>
-                                        <p:cTn id="14" dur="1" fill="hold">
-                                          <p:stCondLst>
-                                            <p:cond delay="0"/>
-                                          </p:stCondLst>
-                                        </p:cTn>
-                                        <p:tgtEl>
-                                          <p:spTgt spid="15">
-                                            <p:txEl>
-                                              <p:pRg st="2" end="2"/>
-                                            </p:txEl>
-                                          </p:spTgt>
-                                        </p:tgtEl>
-                                        <p:attrNameLst>
-                                          <p:attrName>style.visibility</p:attrName>
-                                        </p:attrNameLst>
-                                      </p:cBhvr>
-                                      <p:to>
-                                        <p:strVal val="visible"/>
-                                      </p:to>
-                                    </p:set>
-                                  </p:childTnLst>
-                                </p:cTn>
-                              </p:par>
-                            </p:childTnLst>
-                          </p:cTn>
-                        </p:par>
-                      </p:childTnLst>
-                    </p:cTn>
-                  </p:par>
-                  <p:par>
-                    <p:cTn id="15" fill="hold">
-                      <p:stCondLst>
-                        <p:cond delay="indefinite"/>
-                      </p:stCondLst>
-                      <p:childTnLst>
-                        <p:par>
-                          <p:cTn id="16" fill="hold">
-                            <p:stCondLst>
-                              <p:cond delay="0"/>
-                            </p:stCondLst>
-                            <p:childTnLst>
-                              <p:par>
-                                <p:cTn id="17" presetID="1" presetClass="entr" presetSubtype="0" fill="hold" grpId="0" nodeType="clickEffect">
-                                  <p:stCondLst>
-                                    <p:cond delay="0"/>
-                                  </p:stCondLst>
-                                  <p:childTnLst>
-                                    <p:set>
-                                      <p:cBhvr>
-                                        <p:cTn id="18" dur="1" fill="hold">
-                                          <p:stCondLst>
-                                            <p:cond delay="0"/>
-                                          </p:stCondLst>
-                                        </p:cTn>
-                                        <p:tgtEl>
-                                          <p:spTgt spid="15">
-                                            <p:txEl>
-                                              <p:pRg st="3" end="3"/>
-                                            </p:txEl>
-                                          </p:spTgt>
-                                        </p:tgtEl>
-                                        <p:attrNameLst>
-                                          <p:attrName>style.visibility</p:attrName>
-                                        </p:attrNameLst>
-                                      </p:cBhvr>
-                                      <p:to>
-                                        <p:strVal val="visible"/>
-                                      </p:to>
-                                    </p:set>
-                                  </p:childTnLst>
-                                </p:cTn>
-                              </p:par>
-                            </p:childTnLst>
-                          </p:cTn>
-                        </p:par>
-                      </p:childTnLst>
-                    </p:cTn>
-                  </p:par>
-                  <p:par>
-                    <p:cTn id="19" fill="hold">
-                      <p:stCondLst>
-                        <p:cond delay="indefinite"/>
-                      </p:stCondLst>
-                      <p:childTnLst>
-                        <p:par>
-                          <p:cTn id="20" fill="hold">
-                            <p:stCondLst>
-                              <p:cond delay="0"/>
-                            </p:stCondLst>
-                            <p:childTnLst>
-                              <p:par>
-                                <p:cTn id="21" presetID="1" presetClass="entr" presetSubtype="0" fill="hold" grpId="0" nodeType="clickEffect">
-                                  <p:stCondLst>
-                                    <p:cond delay="0"/>
-                                  </p:stCondLst>
-                                  <p:childTnLst>
-                                    <p:set>
-                                      <p:cBhvr>
-                                        <p:cTn id="22" dur="1" fill="hold">
-                                          <p:stCondLst>
-                                            <p:cond delay="0"/>
-                                          </p:stCondLst>
-                                        </p:cTn>
-                                        <p:tgtEl>
-                                          <p:spTgt spid="15">
-                                            <p:txEl>
-                                              <p:pRg st="4" end="4"/>
-                                            </p:txEl>
-                                          </p:spTgt>
-                                        </p:tgtEl>
-                                        <p:attrNameLst>
-                                          <p:attrName>style.visibility</p:attrName>
-                                        </p:attrNameLst>
-                                      </p:cBhvr>
-                                      <p:to>
-                                        <p:strVal val="visible"/>
-                                      </p:to>
-                                    </p:set>
-                                  </p:childTnLst>
-                                </p:cTn>
-                              </p:par>
-                            </p:childTnLst>
-                          </p:cTn>
-                        </p:par>
-                      </p:childTnLst>
-                    </p:cTn>
-                  </p:par>
-                  <p:par>
-                    <p:cTn id="23" fill="hold">
-                      <p:stCondLst>
-                        <p:cond delay="indefinite"/>
-                      </p:stCondLst>
-                      <p:childTnLst>
-                        <p:par>
-                          <p:cTn id="24" fill="hold">
-                            <p:stCondLst>
-                              <p:cond delay="0"/>
-                            </p:stCondLst>
-                            <p:childTnLst>
-                              <p:par>
-                                <p:cTn id="25" presetID="1" presetClass="entr" presetSubtype="0" fill="hold" grpId="0" nodeType="clickEffect">
-                                  <p:stCondLst>
-                                    <p:cond delay="0"/>
-                                  </p:stCondLst>
-                                  <p:childTnLst>
-                                    <p:set>
-                                      <p:cBhvr>
-                                        <p:cTn id="26" dur="1" fill="hold">
-                                          <p:stCondLst>
-                                            <p:cond delay="0"/>
-                                          </p:stCondLst>
-                                        </p:cTn>
-                                        <p:tgtEl>
-                                          <p:spTgt spid="15">
-                                            <p:txEl>
-                                              <p:pRg st="5" end="5"/>
-                                            </p:txEl>
-                                          </p:spTgt>
-                                        </p:tgtEl>
-                                        <p:attrNameLst>
-                                          <p:attrName>style.visibility</p:attrName>
-                                        </p:attrNameLst>
-                                      </p:cBhvr>
-                                      <p:to>
-                                        <p:strVal val="visible"/>
-                                      </p:to>
-                                    </p:set>
-                                  </p:childTnLst>
-                                </p:cTn>
-                              </p:par>
-                            </p:childTnLst>
-                          </p:cTn>
-                        </p:par>
-                      </p:childTnLst>
-                    </p:cTn>
-                  </p:par>
-                  <p:par>
-                    <p:cTn id="27" fill="hold">
-                      <p:stCondLst>
-                        <p:cond delay="indefinite"/>
-                      </p:stCondLst>
-                      <p:childTnLst>
-                        <p:par>
-                          <p:cTn id="28" fill="hold">
-                            <p:stCondLst>
-                              <p:cond delay="0"/>
-                            </p:stCondLst>
-                            <p:childTnLst>
-                              <p:par>
-                                <p:cTn id="29" presetID="1" presetClass="entr" presetSubtype="0" fill="hold" grpId="0" nodeType="clickEffect">
-                                  <p:stCondLst>
-                                    <p:cond delay="0"/>
-                                  </p:stCondLst>
-                                  <p:childTnLst>
-                                    <p:set>
-                                      <p:cBhvr>
-                                        <p:cTn id="30" dur="1" fill="hold">
-                                          <p:stCondLst>
-                                            <p:cond delay="0"/>
-                                          </p:stCondLst>
-                                        </p:cTn>
-                                        <p:tgtEl>
-                                          <p:spTgt spid="15">
-                                            <p:txEl>
-                                              <p:pRg st="6" end="6"/>
-                                            </p:txEl>
-                                          </p:spTgt>
-                                        </p:tgtEl>
-                                        <p:attrNameLst>
-                                          <p:attrName>style.visibility</p:attrName>
-                                        </p:attrNameLst>
-                                      </p:cBhvr>
-                                      <p:to>
-                                        <p:strVal val="visible"/>
-                                      </p:to>
-                                    </p:set>
-                                  </p:childTnLst>
-                                </p:cTn>
-                              </p:par>
-                            </p:childTnLst>
-                          </p:cTn>
-                        </p:par>
-                      </p:childTnLst>
-                    </p:cTn>
-                  </p:par>
-                  <p:par>
-                    <p:cTn id="31" fill="hold">
-                      <p:stCondLst>
-                        <p:cond delay="indefinite"/>
-                      </p:stCondLst>
-                      <p:childTnLst>
-                        <p:par>
-                          <p:cTn id="32" fill="hold">
-                            <p:stCondLst>
-                              <p:cond delay="0"/>
-                            </p:stCondLst>
-                            <p:childTnLst>
-                              <p:par>
-                                <p:cTn id="33" presetID="1" presetClass="entr" presetSubtype="0" fill="hold" grpId="0" nodeType="clickEffect">
-                                  <p:stCondLst>
-                                    <p:cond delay="0"/>
-                                  </p:stCondLst>
-                                  <p:childTnLst>
-                                    <p:set>
-                                      <p:cBhvr>
-                                        <p:cTn id="34" dur="1" fill="hold">
-                                          <p:stCondLst>
-                                            <p:cond delay="0"/>
-                                          </p:stCondLst>
-                                        </p:cTn>
-                                        <p:tgtEl>
-                                          <p:spTgt spid="15">
-                                            <p:txEl>
-                                              <p:pRg st="7" end="7"/>
-                                            </p:txEl>
-                                          </p:spTgt>
-                                        </p:tgtEl>
-                                        <p:attrNameLst>
-                                          <p:attrName>style.visibility</p:attrName>
-                                        </p:attrNameLst>
-                                      </p:cBhvr>
-                                      <p:to>
-                                        <p:strVal val="visible"/>
-                                      </p:to>
-                                    </p:set>
-                                  </p:childTnLst>
-                                </p:cTn>
-                              </p:par>
-                            </p:childTnLst>
-                          </p:cTn>
-                        </p:par>
-                      </p:childTnLst>
-                    </p:cTn>
-                  </p:par>
-                  <p:par>
-                    <p:cTn id="35" fill="hold">
-                      <p:stCondLst>
-                        <p:cond delay="indefinite"/>
-                      </p:stCondLst>
-                      <p:childTnLst>
-                        <p:par>
-                          <p:cTn id="36" fill="hold">
-                            <p:stCondLst>
-                              <p:cond delay="0"/>
-                            </p:stCondLst>
-                            <p:childTnLst>
-                              <p:par>
-                                <p:cTn id="37" presetID="1" presetClass="entr" presetSubtype="0" fill="hold" grpId="0" nodeType="clickEffect">
-                                  <p:stCondLst>
-                                    <p:cond delay="0"/>
-                                  </p:stCondLst>
-                                  <p:childTnLst>
-                                    <p:set>
-                                      <p:cBhvr>
-                                        <p:cTn id="38" dur="1" fill="hold">
-                                          <p:stCondLst>
-                                            <p:cond delay="0"/>
-                                          </p:stCondLst>
-                                        </p:cTn>
-                                        <p:tgtEl>
-                                          <p:spTgt spid="15">
-                                            <p:txEl>
-                                              <p:pRg st="8" end="8"/>
-                                            </p:txEl>
-                                          </p:spTgt>
-                                        </p:tgtEl>
-                                        <p:attrNameLst>
-                                          <p:attrName>style.visibility</p:attrName>
-                                        </p:attrNameLst>
-                                      </p:cBhvr>
-                                      <p:to>
-                                        <p:strVal val="visible"/>
-                                      </p:to>
-                                    </p:set>
-                                  </p:childTnLst>
-                                </p:cTn>
-                              </p:par>
-                            </p:childTnLst>
-                          </p:cTn>
-                        </p:par>
-                      </p:childTnLst>
-                    </p:cTn>
-                  </p:par>
-                  <p:par>
-                    <p:cTn id="39" fill="hold">
-                      <p:stCondLst>
-                        <p:cond delay="indefinite"/>
-                      </p:stCondLst>
-                      <p:childTnLst>
-                        <p:par>
-                          <p:cTn id="40" fill="hold">
-                            <p:stCondLst>
-                              <p:cond delay="0"/>
-                            </p:stCondLst>
-                            <p:childTnLst>
-                              <p:par>
-                                <p:cTn id="41" presetID="1" presetClass="entr" presetSubtype="0" fill="hold" grpId="0" nodeType="clickEffect">
-                                  <p:stCondLst>
-                                    <p:cond delay="0"/>
-                                  </p:stCondLst>
-                                  <p:childTnLst>
-                                    <p:set>
-                                      <p:cBhvr>
-                                        <p:cTn id="42" dur="1" fill="hold">
-                                          <p:stCondLst>
-                                            <p:cond delay="0"/>
-                                          </p:stCondLst>
-                                        </p:cTn>
-                                        <p:tgtEl>
-                                          <p:spTgt spid="15">
-                                            <p:txEl>
-                                              <p:pRg st="9" end="9"/>
-                                            </p:txEl>
-                                          </p:spTgt>
-                                        </p:tgtEl>
-                                        <p:attrNameLst>
-                                          <p:attrName>style.visibility</p:attrName>
-                                        </p:attrNameLst>
-                                      </p:cBhvr>
-                                      <p:to>
-                                        <p:strVal val="visible"/>
-                                      </p:to>
-                                    </p:set>
-                                  </p:childTnLst>
-                                </p:cTn>
-                              </p:par>
-                            </p:childTnLst>
-                          </p:cTn>
-                        </p:par>
-                      </p:childTnLst>
-                    </p:cTn>
-                  </p:par>
-                </p:childTnLst>
-              </p:cTn>
-              <p:prevCondLst>
-                <p:cond evt="onPrev" delay="0">
-                  <p:tgtEl>
-                    <p:sldTgt/>
-                  </p:tgtEl>
-                </p:cond>
-              </p:prevCondLst>
-              <p:nextCondLst>
-                <p:cond evt="onNext" delay="0">
-                  <p:tgtEl>
-                    <p:sldTgt/>
-                  </p:tgtEl>
-                </p:cond>
-              </p:nextCondLst>
-            </p:seq>
-          </p:childTnLst>
-        </p:cTn>
-      </p:par>
-    </p:tnLst>
-    <p:bldLst>
-      <p:bldP spid="15" grpId="0" uiExpand="1" build="p" bldLvl="5"/>
-    </p:bldLst>
-  </p:timing>
 </p:sld>
 </file>
 

--- a/01_Organisation/02_Meilensteine/m2/Praesentation_m2.pptx
+++ b/01_Organisation/02_Meilensteine/m2/Praesentation_m2.pptx
@@ -11069,44 +11069,8 @@
         </p:blipFill>
         <p:spPr>
           <a:xfrm>
-            <a:off x="-14381" y="1267716"/>
+            <a:off x="1974445" y="1270962"/>
             <a:ext cx="4459578" cy="1978371"/>
-          </a:xfrm>
-          <a:prstGeom prst="rect">
-            <a:avLst/>
-          </a:prstGeom>
-        </p:spPr>
-      </p:pic>
-      <p:pic>
-        <p:nvPicPr>
-          <p:cNvPr id="7" name="Grafik 6">
-            <a:extLst>
-              <a:ext uri="{FF2B5EF4-FFF2-40B4-BE49-F238E27FC236}">
-                <a16:creationId xmlns:a16="http://schemas.microsoft.com/office/drawing/2014/main" id="{BFD6F41B-BE75-451A-A1F0-5562B49EF685}"/>
-              </a:ext>
-            </a:extLst>
-          </p:cNvPr>
-          <p:cNvPicPr>
-            <a:picLocks noChangeAspect="1"/>
-          </p:cNvPicPr>
-          <p:nvPr/>
-        </p:nvPicPr>
-        <p:blipFill>
-          <a:blip r:embed="rId4" cstate="print">
-            <a:extLst>
-              <a:ext uri="{28A0092B-C50C-407E-A947-70E740481C1C}">
-                <a14:useLocalDpi xmlns:a14="http://schemas.microsoft.com/office/drawing/2010/main" val="0"/>
-              </a:ext>
-            </a:extLst>
-          </a:blip>
-          <a:stretch>
-            <a:fillRect/>
-          </a:stretch>
-        </p:blipFill>
-        <p:spPr>
-          <a:xfrm>
-            <a:off x="5796136" y="1211273"/>
-            <a:ext cx="3045381" cy="2154681"/>
           </a:xfrm>
           <a:prstGeom prst="rect">
             <a:avLst/>
@@ -11128,7 +11092,7 @@
           <p:nvPr/>
         </p:nvPicPr>
         <p:blipFill>
-          <a:blip r:embed="rId5">
+          <a:blip r:embed="rId4">
             <a:extLst>
               <a:ext uri="{28A0092B-C50C-407E-A947-70E740481C1C}">
                 <a14:useLocalDpi xmlns:a14="http://schemas.microsoft.com/office/drawing/2010/main" val="0"/>
@@ -11141,7 +11105,7 @@
         </p:blipFill>
         <p:spPr>
           <a:xfrm>
-            <a:off x="971600" y="3537635"/>
+            <a:off x="2559432" y="3531732"/>
             <a:ext cx="3289605" cy="2711213"/>
           </a:xfrm>
           <a:prstGeom prst="rect">
@@ -11149,76 +11113,6 @@
           </a:prstGeom>
         </p:spPr>
       </p:pic>
-      <p:sp>
-        <p:nvSpPr>
-          <p:cNvPr id="17" name="Textfeld 16">
-            <a:extLst>
-              <a:ext uri="{FF2B5EF4-FFF2-40B4-BE49-F238E27FC236}">
-                <a16:creationId xmlns:a16="http://schemas.microsoft.com/office/drawing/2014/main" id="{DC4CC005-07CF-4CAC-B0E2-F8506963447F}"/>
-              </a:ext>
-            </a:extLst>
-          </p:cNvPr>
-          <p:cNvSpPr txBox="1"/>
-          <p:nvPr/>
-        </p:nvSpPr>
-        <p:spPr>
-          <a:xfrm>
-            <a:off x="5399965" y="4437112"/>
-            <a:ext cx="2215863" cy="369332"/>
-          </a:xfrm>
-          <a:prstGeom prst="rect">
-            <a:avLst/>
-          </a:prstGeom>
-          <a:noFill/>
-        </p:spPr>
-        <p:txBody>
-          <a:bodyPr wrap="none" rtlCol="0">
-            <a:spAutoFit/>
-          </a:bodyPr>
-          <a:lstStyle/>
-          <a:p>
-            <a:r>
-              <a:rPr lang="de-CH" dirty="0"/>
-              <a:t>Bild unseres Roboters</a:t>
-            </a:r>
-          </a:p>
-        </p:txBody>
-      </p:sp>
-      <p:sp>
-        <p:nvSpPr>
-          <p:cNvPr id="18" name="Textfeld 17">
-            <a:extLst>
-              <a:ext uri="{FF2B5EF4-FFF2-40B4-BE49-F238E27FC236}">
-                <a16:creationId xmlns:a16="http://schemas.microsoft.com/office/drawing/2014/main" id="{140AAA1D-0F44-477C-B532-EE643E3D6DA1}"/>
-              </a:ext>
-            </a:extLst>
-          </p:cNvPr>
-          <p:cNvSpPr txBox="1"/>
-          <p:nvPr/>
-        </p:nvSpPr>
-        <p:spPr>
-          <a:xfrm>
-            <a:off x="4698805" y="2140497"/>
-            <a:ext cx="779381" cy="369332"/>
-          </a:xfrm>
-          <a:prstGeom prst="rect">
-            <a:avLst/>
-          </a:prstGeom>
-          <a:noFill/>
-        </p:spPr>
-        <p:txBody>
-          <a:bodyPr wrap="none" rtlCol="0">
-            <a:spAutoFit/>
-          </a:bodyPr>
-          <a:lstStyle/>
-          <a:p>
-            <a:r>
-              <a:rPr lang="de-CH" dirty="0"/>
-              <a:t>ODER:</a:t>
-            </a:r>
-          </a:p>
-        </p:txBody>
-      </p:sp>
     </p:spTree>
     <p:extLst>
       <p:ext uri="{BB962C8B-B14F-4D97-AF65-F5344CB8AC3E}">
@@ -12037,7 +11931,7 @@
         <p:spPr>
           <a:xfrm>
             <a:off x="633367" y="1623458"/>
-            <a:ext cx="7207585" cy="4237057"/>
+            <a:ext cx="7207585" cy="2349361"/>
           </a:xfrm>
           <a:prstGeom prst="rect">
             <a:avLst/>
@@ -12061,7 +11955,20 @@
               <a:rPr lang="de-CH" sz="2400" dirty="0">
                 <a:latin typeface="Calibri" panose="020F0502020204030204" pitchFamily="34" charset="0"/>
               </a:rPr>
-              <a:t>Erster Entwurf Sensoren und Diverses</a:t>
+              <a:t>Sensorelektronik und MPC 555</a:t>
+            </a:r>
+          </a:p>
+          <a:p>
+            <a:pPr>
+              <a:spcAft>
+                <a:spcPts val="800"/>
+              </a:spcAft>
+            </a:pPr>
+            <a:r>
+              <a:rPr lang="de-CH" sz="2400" dirty="0">
+                <a:latin typeface="Calibri" panose="020F0502020204030204" pitchFamily="34" charset="0"/>
+              </a:rPr>
+              <a:t>     Autor: Luzian Weber</a:t>
             </a:r>
           </a:p>
           <a:p>
@@ -12072,12 +11979,9 @@
               <a:buFont typeface="Symbol" pitchFamily="2" charset="2"/>
               <a:buChar char="-"/>
             </a:pPr>
-            <a:r>
-              <a:rPr lang="de-CH" sz="2400" dirty="0">
-                <a:latin typeface="Calibri" panose="020F0502020204030204" pitchFamily="34" charset="0"/>
-              </a:rPr>
-              <a:t>Entwurf Top Sheet</a:t>
-            </a:r>
+            <a:endParaRPr lang="de-CH" sz="2400" dirty="0">
+              <a:latin typeface="Calibri" panose="020F0502020204030204" pitchFamily="34" charset="0"/>
+            </a:endParaRPr>
           </a:p>
           <a:p>
             <a:pPr marL="342900" indent="-342900">
@@ -12091,98 +11995,30 @@
               <a:rPr lang="de-CH" sz="2400" dirty="0">
                 <a:latin typeface="Calibri" panose="020F0502020204030204" pitchFamily="34" charset="0"/>
               </a:rPr>
-              <a:t>Top Sheet Aktuell</a:t>
-            </a:r>
-          </a:p>
-          <a:p>
-            <a:pPr marL="342900" indent="-342900">
+              <a:t>Leistungselektronik</a:t>
+            </a:r>
+          </a:p>
+          <a:p>
+            <a:pPr>
               <a:spcAft>
                 <a:spcPts val="800"/>
               </a:spcAft>
-              <a:buFont typeface="Symbol" pitchFamily="2" charset="2"/>
-              <a:buChar char="-"/>
             </a:pPr>
             <a:r>
               <a:rPr lang="de-CH" sz="2400" dirty="0">
                 <a:latin typeface="Calibri" panose="020F0502020204030204" pitchFamily="34" charset="0"/>
               </a:rPr>
-              <a:t>MPC 55 und Diverses</a:t>
-            </a:r>
-          </a:p>
-          <a:p>
-            <a:pPr marL="342900" indent="-342900">
-              <a:spcAft>
-                <a:spcPts val="800"/>
-              </a:spcAft>
-              <a:buFont typeface="Symbol" pitchFamily="2" charset="2"/>
-              <a:buChar char="-"/>
-            </a:pPr>
-            <a:r>
-              <a:rPr lang="de-CH" sz="2400" dirty="0">
+              <a:t>     Autor: Michael </a:t>
+            </a:r>
+            <a:r>
+              <a:rPr lang="de-CH" sz="2400" dirty="0" err="1">
                 <a:latin typeface="Calibri" panose="020F0502020204030204" pitchFamily="34" charset="0"/>
               </a:rPr>
-              <a:t>PCB Layout</a:t>
-            </a:r>
-          </a:p>
-          <a:p>
-            <a:pPr marL="342900" indent="-342900">
-              <a:spcAft>
-                <a:spcPts val="800"/>
-              </a:spcAft>
-              <a:buFont typeface="Symbol" pitchFamily="2" charset="2"/>
-              <a:buChar char="-"/>
-            </a:pPr>
-            <a:r>
-              <a:rPr lang="de-CH" sz="2400" dirty="0">
-                <a:latin typeface="Calibri" panose="020F0502020204030204" pitchFamily="34" charset="0"/>
-              </a:rPr>
-              <a:t>Motorentreiber Schema</a:t>
-            </a:r>
-          </a:p>
-          <a:p>
-            <a:pPr marL="342900" indent="-342900">
-              <a:spcAft>
-                <a:spcPts val="800"/>
-              </a:spcAft>
-              <a:buFont typeface="Symbol" pitchFamily="2" charset="2"/>
-              <a:buChar char="-"/>
-            </a:pPr>
-            <a:r>
-              <a:rPr lang="de-CH" sz="2400" dirty="0">
-                <a:latin typeface="Calibri" panose="020F0502020204030204" pitchFamily="34" charset="0"/>
-              </a:rPr>
-              <a:t>Motorentreiber PCB Layout</a:t>
-            </a:r>
-          </a:p>
-          <a:p>
-            <a:pPr marL="342900" indent="-342900">
-              <a:spcAft>
-                <a:spcPts val="800"/>
-              </a:spcAft>
-              <a:buFont typeface="Symbol" pitchFamily="2" charset="2"/>
-              <a:buChar char="-"/>
-            </a:pPr>
-            <a:r>
-              <a:rPr lang="de-CH" sz="2400" dirty="0">
-                <a:latin typeface="Calibri" panose="020F0502020204030204" pitchFamily="34" charset="0"/>
-              </a:rPr>
-              <a:t>Fehlerquelle Spannungsversorgung (Switch-Loop)</a:t>
-            </a:r>
-          </a:p>
-          <a:p>
-            <a:pPr marL="342900" indent="-342900">
-              <a:spcAft>
-                <a:spcPts val="800"/>
-              </a:spcAft>
-              <a:buFont typeface="Symbol" pitchFamily="2" charset="2"/>
-              <a:buChar char="-"/>
-            </a:pPr>
-            <a:r>
-              <a:rPr lang="de-CH" sz="2400" dirty="0">
-                <a:latin typeface="Calibri" panose="020F0502020204030204" pitchFamily="34" charset="0"/>
-              </a:rPr>
-              <a:t>Motorentreiber PCB 3D</a:t>
-            </a:r>
+              <a:t>Alig</a:t>
+            </a:r>
+            <a:endParaRPr lang="de-CH" sz="2400" dirty="0">
+              <a:latin typeface="Calibri" panose="020F0502020204030204" pitchFamily="34" charset="0"/>
+            </a:endParaRPr>
           </a:p>
         </p:txBody>
       </p:sp>

--- a/01_Organisation/02_Meilensteine/m2/Praesentation_m2.pptx
+++ b/01_Organisation/02_Meilensteine/m2/Praesentation_m2.pptx
@@ -12,21 +12,21 @@
     <p:sldId id="283" r:id="rId3"/>
     <p:sldId id="301" r:id="rId4"/>
     <p:sldId id="300" r:id="rId5"/>
-    <p:sldId id="302" r:id="rId6"/>
-    <p:sldId id="290" r:id="rId7"/>
-    <p:sldId id="291" r:id="rId8"/>
-    <p:sldId id="292" r:id="rId9"/>
-    <p:sldId id="293" r:id="rId10"/>
-    <p:sldId id="294" r:id="rId11"/>
-    <p:sldId id="296" r:id="rId12"/>
-    <p:sldId id="297" r:id="rId13"/>
-    <p:sldId id="298" r:id="rId14"/>
-    <p:sldId id="299" r:id="rId15"/>
-    <p:sldId id="286" r:id="rId16"/>
-    <p:sldId id="287" r:id="rId17"/>
-    <p:sldId id="288" r:id="rId18"/>
-    <p:sldId id="289" r:id="rId19"/>
-    <p:sldId id="284" r:id="rId20"/>
+    <p:sldId id="304" r:id="rId6"/>
+    <p:sldId id="302" r:id="rId7"/>
+    <p:sldId id="290" r:id="rId8"/>
+    <p:sldId id="291" r:id="rId9"/>
+    <p:sldId id="292" r:id="rId10"/>
+    <p:sldId id="293" r:id="rId11"/>
+    <p:sldId id="294" r:id="rId12"/>
+    <p:sldId id="296" r:id="rId13"/>
+    <p:sldId id="297" r:id="rId14"/>
+    <p:sldId id="298" r:id="rId15"/>
+    <p:sldId id="299" r:id="rId16"/>
+    <p:sldId id="286" r:id="rId17"/>
+    <p:sldId id="287" r:id="rId18"/>
+    <p:sldId id="288" r:id="rId19"/>
+    <p:sldId id="289" r:id="rId20"/>
     <p:sldId id="285" r:id="rId21"/>
   </p:sldIdLst>
   <p:sldSz cx="9144000" cy="6858000" type="screen4x3"/>
@@ -127,6 +127,38 @@
     </a:lvl9pPr>
   </p:defaultTextStyle>
   <p:extLst>
+    <p:ext uri="{521415D9-36F7-43E2-AB2F-B90AF26B5E84}">
+      <p14:sectionLst xmlns:p14="http://schemas.microsoft.com/office/powerpoint/2010/main">
+        <p14:section name="Standardabschnitt" id="{836C68E1-D097-42C0-A6EC-CEF10A373C3C}">
+          <p14:sldIdLst>
+            <p14:sldId id="280"/>
+            <p14:sldId id="283"/>
+            <p14:sldId id="301"/>
+            <p14:sldId id="300"/>
+            <p14:sldId id="304"/>
+          </p14:sldIdLst>
+        </p14:section>
+        <p14:section name="Abschnitt ohne Titel" id="{54D0BB71-C74F-423F-B727-0C490082A1A8}">
+          <p14:sldIdLst>
+            <p14:sldId id="302"/>
+            <p14:sldId id="290"/>
+            <p14:sldId id="291"/>
+            <p14:sldId id="292"/>
+            <p14:sldId id="293"/>
+            <p14:sldId id="294"/>
+            <p14:sldId id="296"/>
+            <p14:sldId id="297"/>
+            <p14:sldId id="298"/>
+            <p14:sldId id="299"/>
+            <p14:sldId id="286"/>
+            <p14:sldId id="287"/>
+            <p14:sldId id="288"/>
+            <p14:sldId id="289"/>
+            <p14:sldId id="285"/>
+          </p14:sldIdLst>
+        </p14:section>
+      </p14:sectionLst>
+    </p:ext>
     <p:ext uri="{EFAFB233-063F-42B5-8137-9DF3F51BA10A}">
       <p15:sldGuideLst xmlns:p15="http://schemas.microsoft.com/office/powerpoint/2012/main">
         <p15:guide id="1" orient="horz" pos="2160">
@@ -644,7 +676,7 @@
           <a:p>
             <a:fld id="{7DE258FE-F2E5-45B1-B077-BAB345233DBE}" type="slidenum">
               <a:rPr lang="de-CH" smtClean="0"/>
-              <a:t>15</a:t>
+              <a:t>14</a:t>
             </a:fld>
             <a:endParaRPr lang="de-CH"/>
           </a:p>
@@ -653,7 +685,7 @@
     </p:spTree>
     <p:extLst>
       <p:ext uri="{BB962C8B-B14F-4D97-AF65-F5344CB8AC3E}">
-        <p14:creationId xmlns:p14="http://schemas.microsoft.com/office/powerpoint/2010/main" val="3358747267"/>
+        <p14:creationId xmlns:p14="http://schemas.microsoft.com/office/powerpoint/2010/main" val="3763802748"/>
       </p:ext>
     </p:extLst>
   </p:cSld>
@@ -737,7 +769,7 @@
     </p:spTree>
     <p:extLst>
       <p:ext uri="{BB962C8B-B14F-4D97-AF65-F5344CB8AC3E}">
-        <p14:creationId xmlns:p14="http://schemas.microsoft.com/office/powerpoint/2010/main" val="1860956682"/>
+        <p14:creationId xmlns:p14="http://schemas.microsoft.com/office/powerpoint/2010/main" val="3358747267"/>
       </p:ext>
     </p:extLst>
   </p:cSld>
@@ -821,7 +853,7 @@
     </p:spTree>
     <p:extLst>
       <p:ext uri="{BB962C8B-B14F-4D97-AF65-F5344CB8AC3E}">
-        <p14:creationId xmlns:p14="http://schemas.microsoft.com/office/powerpoint/2010/main" val="582390854"/>
+        <p14:creationId xmlns:p14="http://schemas.microsoft.com/office/powerpoint/2010/main" val="1860956682"/>
       </p:ext>
     </p:extLst>
   </p:cSld>
@@ -905,7 +937,7 @@
     </p:spTree>
     <p:extLst>
       <p:ext uri="{BB962C8B-B14F-4D97-AF65-F5344CB8AC3E}">
-        <p14:creationId xmlns:p14="http://schemas.microsoft.com/office/powerpoint/2010/main" val="3662859271"/>
+        <p14:creationId xmlns:p14="http://schemas.microsoft.com/office/powerpoint/2010/main" val="582390854"/>
       </p:ext>
     </p:extLst>
   </p:cSld>
@@ -989,7 +1021,7 @@
     </p:spTree>
     <p:extLst>
       <p:ext uri="{BB962C8B-B14F-4D97-AF65-F5344CB8AC3E}">
-        <p14:creationId xmlns:p14="http://schemas.microsoft.com/office/powerpoint/2010/main" val="2193000342"/>
+        <p14:creationId xmlns:p14="http://schemas.microsoft.com/office/powerpoint/2010/main" val="3662859271"/>
       </p:ext>
     </p:extLst>
   </p:cSld>
@@ -1064,7 +1096,7 @@
           <a:p>
             <a:fld id="{7DE258FE-F2E5-45B1-B077-BAB345233DBE}" type="slidenum">
               <a:rPr lang="de-CH" smtClean="0"/>
-              <a:t>6</a:t>
+              <a:t>5</a:t>
             </a:fld>
             <a:endParaRPr lang="de-CH"/>
           </a:p>
@@ -1073,7 +1105,7 @@
     </p:spTree>
     <p:extLst>
       <p:ext uri="{BB962C8B-B14F-4D97-AF65-F5344CB8AC3E}">
-        <p14:creationId xmlns:p14="http://schemas.microsoft.com/office/powerpoint/2010/main" val="1424604034"/>
+        <p14:creationId xmlns:p14="http://schemas.microsoft.com/office/powerpoint/2010/main" val="2546587460"/>
       </p:ext>
     </p:extLst>
   </p:cSld>
@@ -1157,7 +1189,7 @@
     </p:spTree>
     <p:extLst>
       <p:ext uri="{BB962C8B-B14F-4D97-AF65-F5344CB8AC3E}">
-        <p14:creationId xmlns:p14="http://schemas.microsoft.com/office/powerpoint/2010/main" val="2214139503"/>
+        <p14:creationId xmlns:p14="http://schemas.microsoft.com/office/powerpoint/2010/main" val="1424604034"/>
       </p:ext>
     </p:extLst>
   </p:cSld>
@@ -1241,7 +1273,7 @@
     </p:spTree>
     <p:extLst>
       <p:ext uri="{BB962C8B-B14F-4D97-AF65-F5344CB8AC3E}">
-        <p14:creationId xmlns:p14="http://schemas.microsoft.com/office/powerpoint/2010/main" val="2701953072"/>
+        <p14:creationId xmlns:p14="http://schemas.microsoft.com/office/powerpoint/2010/main" val="2214139503"/>
       </p:ext>
     </p:extLst>
   </p:cSld>
@@ -1325,7 +1357,7 @@
     </p:spTree>
     <p:extLst>
       <p:ext uri="{BB962C8B-B14F-4D97-AF65-F5344CB8AC3E}">
-        <p14:creationId xmlns:p14="http://schemas.microsoft.com/office/powerpoint/2010/main" val="1986628166"/>
+        <p14:creationId xmlns:p14="http://schemas.microsoft.com/office/powerpoint/2010/main" val="2701953072"/>
       </p:ext>
     </p:extLst>
   </p:cSld>
@@ -1409,7 +1441,7 @@
     </p:spTree>
     <p:extLst>
       <p:ext uri="{BB962C8B-B14F-4D97-AF65-F5344CB8AC3E}">
-        <p14:creationId xmlns:p14="http://schemas.microsoft.com/office/powerpoint/2010/main" val="605886749"/>
+        <p14:creationId xmlns:p14="http://schemas.microsoft.com/office/powerpoint/2010/main" val="1986628166"/>
       </p:ext>
     </p:extLst>
   </p:cSld>
@@ -1493,7 +1525,7 @@
     </p:spTree>
     <p:extLst>
       <p:ext uri="{BB962C8B-B14F-4D97-AF65-F5344CB8AC3E}">
-        <p14:creationId xmlns:p14="http://schemas.microsoft.com/office/powerpoint/2010/main" val="2751289539"/>
+        <p14:creationId xmlns:p14="http://schemas.microsoft.com/office/powerpoint/2010/main" val="605886749"/>
       </p:ext>
     </p:extLst>
   </p:cSld>
@@ -1577,7 +1609,7 @@
     </p:spTree>
     <p:extLst>
       <p:ext uri="{BB962C8B-B14F-4D97-AF65-F5344CB8AC3E}">
-        <p14:creationId xmlns:p14="http://schemas.microsoft.com/office/powerpoint/2010/main" val="24230382"/>
+        <p14:creationId xmlns:p14="http://schemas.microsoft.com/office/powerpoint/2010/main" val="2751289539"/>
       </p:ext>
     </p:extLst>
   </p:cSld>
@@ -1661,7 +1693,7 @@
     </p:spTree>
     <p:extLst>
       <p:ext uri="{BB962C8B-B14F-4D97-AF65-F5344CB8AC3E}">
-        <p14:creationId xmlns:p14="http://schemas.microsoft.com/office/powerpoint/2010/main" val="3763802748"/>
+        <p14:creationId xmlns:p14="http://schemas.microsoft.com/office/powerpoint/2010/main" val="24230382"/>
       </p:ext>
     </p:extLst>
   </p:cSld>
@@ -5054,7 +5086,7 @@
         <p:spPr>
           <a:xfrm>
             <a:off x="360000" y="468000"/>
-            <a:ext cx="3492082" cy="523220"/>
+            <a:ext cx="7596376" cy="523220"/>
           </a:xfrm>
           <a:prstGeom prst="rect">
             <a:avLst/>
@@ -5071,7 +5103,7 @@
               <a:rPr lang="de-CH" sz="2800" b="1" dirty="0">
                 <a:latin typeface="+mj-lt"/>
               </a:rPr>
-              <a:t>PCB Layout</a:t>
+              <a:t>Sensorelektronik und MPC 555 - Aktuelles Schema</a:t>
             </a:r>
           </a:p>
         </p:txBody>
@@ -5116,10 +5148,10 @@
       </p:sp>
       <p:pic>
         <p:nvPicPr>
-          <p:cNvPr id="13" name="Grafik 12">
+          <p:cNvPr id="11" name="Grafik 10">
             <a:extLst>
               <a:ext uri="{FF2B5EF4-FFF2-40B4-BE49-F238E27FC236}">
-                <a16:creationId xmlns:a16="http://schemas.microsoft.com/office/drawing/2014/main" id="{EB0EBD4D-1810-472B-BE7B-81553D85DF6E}"/>
+                <a16:creationId xmlns:a16="http://schemas.microsoft.com/office/drawing/2014/main" id="{CFCE9FE3-A7BF-41AF-9AF2-EB3C904F44D0}"/>
               </a:ext>
             </a:extLst>
           </p:cNvPr>
@@ -5142,8 +5174,8 @@
         </p:blipFill>
         <p:spPr>
           <a:xfrm>
-            <a:off x="1374909" y="991220"/>
-            <a:ext cx="6384082" cy="5454000"/>
+            <a:off x="426950" y="991220"/>
+            <a:ext cx="8280000" cy="5489822"/>
           </a:xfrm>
           <a:prstGeom prst="rect">
             <a:avLst/>
@@ -5153,7 +5185,7 @@
     </p:spTree>
     <p:extLst>
       <p:ext uri="{BB962C8B-B14F-4D97-AF65-F5344CB8AC3E}">
-        <p14:creationId xmlns:p14="http://schemas.microsoft.com/office/powerpoint/2010/main" val="4223656862"/>
+        <p14:creationId xmlns:p14="http://schemas.microsoft.com/office/powerpoint/2010/main" val="1721672034"/>
       </p:ext>
     </p:extLst>
   </p:cSld>
@@ -5390,7 +5422,7 @@
         <p:spPr>
           <a:xfrm>
             <a:off x="360000" y="468000"/>
-            <a:ext cx="4176464" cy="523220"/>
+            <a:ext cx="7884408" cy="523220"/>
           </a:xfrm>
           <a:prstGeom prst="rect">
             <a:avLst/>
@@ -5407,7 +5439,7 @@
               <a:rPr lang="de-CH" sz="2800" b="1" dirty="0">
                 <a:latin typeface="+mj-lt"/>
               </a:rPr>
-              <a:t>Motorentreiber Schema</a:t>
+              <a:t>Sensorelektronik und MPC 555 - PCB Layout</a:t>
             </a:r>
           </a:p>
         </p:txBody>
@@ -5452,10 +5484,10 @@
       </p:sp>
       <p:pic>
         <p:nvPicPr>
-          <p:cNvPr id="3" name="Grafik 2">
+          <p:cNvPr id="13" name="Grafik 12">
             <a:extLst>
               <a:ext uri="{FF2B5EF4-FFF2-40B4-BE49-F238E27FC236}">
-                <a16:creationId xmlns:a16="http://schemas.microsoft.com/office/drawing/2014/main" id="{DC4409DB-74CD-464E-8325-21620F50EA5F}"/>
+                <a16:creationId xmlns:a16="http://schemas.microsoft.com/office/drawing/2014/main" id="{EB0EBD4D-1810-472B-BE7B-81553D85DF6E}"/>
               </a:ext>
             </a:extLst>
           </p:cNvPr>
@@ -5478,8 +5510,8 @@
         </p:blipFill>
         <p:spPr>
           <a:xfrm>
-            <a:off x="426950" y="991220"/>
-            <a:ext cx="8280000" cy="5454287"/>
+            <a:off x="1374909" y="991220"/>
+            <a:ext cx="6384082" cy="5454000"/>
           </a:xfrm>
           <a:prstGeom prst="rect">
             <a:avLst/>
@@ -5489,7 +5521,7 @@
     </p:spTree>
     <p:extLst>
       <p:ext uri="{BB962C8B-B14F-4D97-AF65-F5344CB8AC3E}">
-        <p14:creationId xmlns:p14="http://schemas.microsoft.com/office/powerpoint/2010/main" val="1528423902"/>
+        <p14:creationId xmlns:p14="http://schemas.microsoft.com/office/powerpoint/2010/main" val="4223656862"/>
       </p:ext>
     </p:extLst>
   </p:cSld>
@@ -5743,7 +5775,7 @@
               <a:rPr lang="de-CH" sz="2800" b="1" dirty="0">
                 <a:latin typeface="+mj-lt"/>
               </a:rPr>
-              <a:t>Motorentreiber PCB Layout</a:t>
+              <a:t>Motorentreiber - Schema</a:t>
             </a:r>
           </a:p>
         </p:txBody>
@@ -5788,10 +5820,10 @@
       </p:sp>
       <p:pic>
         <p:nvPicPr>
-          <p:cNvPr id="4" name="Grafik 3">
+          <p:cNvPr id="3" name="Grafik 2">
             <a:extLst>
               <a:ext uri="{FF2B5EF4-FFF2-40B4-BE49-F238E27FC236}">
-                <a16:creationId xmlns:a16="http://schemas.microsoft.com/office/drawing/2014/main" id="{2ADF5744-C040-4AEC-B1FA-8FF6E4528092}"/>
+                <a16:creationId xmlns:a16="http://schemas.microsoft.com/office/drawing/2014/main" id="{DC4409DB-74CD-464E-8325-21620F50EA5F}"/>
               </a:ext>
             </a:extLst>
           </p:cNvPr>
@@ -5800,7 +5832,7 @@
           </p:cNvPicPr>
           <p:nvPr/>
         </p:nvPicPr>
-        <p:blipFill rotWithShape="1">
+        <p:blipFill>
           <a:blip r:embed="rId4">
             <a:extLst>
               <a:ext uri="{28A0092B-C50C-407E-A947-70E740481C1C}">
@@ -5808,13 +5840,14 @@
               </a:ext>
             </a:extLst>
           </a:blip>
-          <a:srcRect l="770" t="-397" r="772" b="1"/>
-          <a:stretch/>
+          <a:stretch>
+            <a:fillRect/>
+          </a:stretch>
         </p:blipFill>
         <p:spPr>
           <a:xfrm>
-            <a:off x="1368330" y="991220"/>
-            <a:ext cx="6317948" cy="5454000"/>
+            <a:off x="426950" y="991220"/>
+            <a:ext cx="8280000" cy="5454287"/>
           </a:xfrm>
           <a:prstGeom prst="rect">
             <a:avLst/>
@@ -5824,7 +5857,7 @@
     </p:spTree>
     <p:extLst>
       <p:ext uri="{BB962C8B-B14F-4D97-AF65-F5344CB8AC3E}">
-        <p14:creationId xmlns:p14="http://schemas.microsoft.com/office/powerpoint/2010/main" val="1812423094"/>
+        <p14:creationId xmlns:p14="http://schemas.microsoft.com/office/powerpoint/2010/main" val="1528423902"/>
       </p:ext>
     </p:extLst>
   </p:cSld>
@@ -6061,7 +6094,7 @@
         <p:spPr>
           <a:xfrm>
             <a:off x="360000" y="468000"/>
-            <a:ext cx="7560840" cy="523220"/>
+            <a:ext cx="6588264" cy="523220"/>
           </a:xfrm>
           <a:prstGeom prst="rect">
             <a:avLst/>
@@ -6078,7 +6111,7 @@
               <a:rPr lang="de-CH" sz="2800" b="1" dirty="0">
                 <a:latin typeface="+mj-lt"/>
               </a:rPr>
-              <a:t>Fehlerquelle Spannungsversorgung (Switch-Loop)</a:t>
+              <a:t>Motorentreiber - PCB Layout</a:t>
             </a:r>
           </a:p>
         </p:txBody>
@@ -6123,10 +6156,10 @@
       </p:sp>
       <p:pic>
         <p:nvPicPr>
-          <p:cNvPr id="3" name="Grafik 2">
+          <p:cNvPr id="4" name="Grafik 3">
             <a:extLst>
               <a:ext uri="{FF2B5EF4-FFF2-40B4-BE49-F238E27FC236}">
-                <a16:creationId xmlns:a16="http://schemas.microsoft.com/office/drawing/2014/main" id="{8531EF22-365A-4750-B895-14BEE60430CC}"/>
+                <a16:creationId xmlns:a16="http://schemas.microsoft.com/office/drawing/2014/main" id="{2ADF5744-C040-4AEC-B1FA-8FF6E4528092}"/>
               </a:ext>
             </a:extLst>
           </p:cNvPr>
@@ -6135,7 +6168,7 @@
           </p:cNvPicPr>
           <p:nvPr/>
         </p:nvPicPr>
-        <p:blipFill>
+        <p:blipFill rotWithShape="1">
           <a:blip r:embed="rId4">
             <a:extLst>
               <a:ext uri="{28A0092B-C50C-407E-A947-70E740481C1C}">
@@ -6143,14 +6176,13 @@
               </a:ext>
             </a:extLst>
           </a:blip>
-          <a:stretch>
-            <a:fillRect/>
-          </a:stretch>
+          <a:srcRect l="770" t="-397" r="772" b="1"/>
+          <a:stretch/>
         </p:blipFill>
         <p:spPr>
           <a:xfrm>
-            <a:off x="2593176" y="991220"/>
-            <a:ext cx="3868256" cy="5454000"/>
+            <a:off x="1368330" y="991220"/>
+            <a:ext cx="6317948" cy="5454000"/>
           </a:xfrm>
           <a:prstGeom prst="rect">
             <a:avLst/>
@@ -6160,7 +6192,7 @@
     </p:spTree>
     <p:extLst>
       <p:ext uri="{BB962C8B-B14F-4D97-AF65-F5344CB8AC3E}">
-        <p14:creationId xmlns:p14="http://schemas.microsoft.com/office/powerpoint/2010/main" val="4267483695"/>
+        <p14:creationId xmlns:p14="http://schemas.microsoft.com/office/powerpoint/2010/main" val="1812423094"/>
       </p:ext>
     </p:extLst>
   </p:cSld>
@@ -6189,10 +6221,10 @@
       </p:grpSpPr>
       <p:pic>
         <p:nvPicPr>
-          <p:cNvPr id="13" name="Grafik 12">
+          <p:cNvPr id="12" name="Grafik 11">
             <a:extLst>
               <a:ext uri="{FF2B5EF4-FFF2-40B4-BE49-F238E27FC236}">
-                <a16:creationId xmlns:a16="http://schemas.microsoft.com/office/drawing/2014/main" id="{00453448-D0BE-BC4A-91C8-50E637D2FFD5}"/>
+                <a16:creationId xmlns:a16="http://schemas.microsoft.com/office/drawing/2014/main" id="{63518878-B2F8-9E42-B6D4-7C199E65E901}"/>
               </a:ext>
             </a:extLst>
           </p:cNvPr>
@@ -6202,7 +6234,7 @@
           <p:nvPr/>
         </p:nvPicPr>
         <p:blipFill>
-          <a:blip r:embed="rId2">
+          <a:blip r:embed="rId3">
             <a:extLst>
               <a:ext uri="{28A0092B-C50C-407E-A947-70E740481C1C}">
                 <a14:useLocalDpi xmlns:a14="http://schemas.microsoft.com/office/drawing/2010/main" val="0"/>
@@ -6223,46 +6255,6 @@
           </a:prstGeom>
         </p:spPr>
       </p:pic>
-      <p:sp>
-        <p:nvSpPr>
-          <p:cNvPr id="11" name="Textfeld 10"/>
-          <p:cNvSpPr txBox="1"/>
-          <p:nvPr/>
-        </p:nvSpPr>
-        <p:spPr>
-          <a:xfrm>
-            <a:off x="633368" y="1623458"/>
-            <a:ext cx="6264696" cy="1200329"/>
-          </a:xfrm>
-          <a:prstGeom prst="rect">
-            <a:avLst/>
-          </a:prstGeom>
-          <a:noFill/>
-        </p:spPr>
-        <p:txBody>
-          <a:bodyPr wrap="square" rtlCol="0" anchor="t">
-            <a:spAutoFit/>
-          </a:bodyPr>
-          <a:lstStyle/>
-          <a:p>
-            <a:endParaRPr lang="de-CH" sz="2400" dirty="0">
-              <a:latin typeface="Calibri" panose="020F0502020204030204" pitchFamily="34" charset="0"/>
-            </a:endParaRPr>
-          </a:p>
-          <a:p>
-            <a:pPr lvl="1"/>
-            <a:endParaRPr lang="de-CH" sz="2400" dirty="0">
-              <a:latin typeface="Calibri" panose="020F0502020204030204" pitchFamily="34" charset="0"/>
-            </a:endParaRPr>
-          </a:p>
-          <a:p>
-            <a:pPr lvl="1"/>
-            <a:endParaRPr lang="de-CH" sz="2400" dirty="0">
-              <a:latin typeface="Calibri" panose="020F0502020204030204" pitchFamily="34" charset="0"/>
-            </a:endParaRPr>
-          </a:p>
-        </p:txBody>
-      </p:sp>
       <p:cxnSp>
         <p:nvCxnSpPr>
           <p:cNvPr id="5" name="Gerade Verbindung 4"/>
@@ -6356,7 +6348,7 @@
               <a:rPr lang="de-CH" sz="1200" dirty="0">
                 <a:latin typeface="Calibri" panose="020F0502020204030204" pitchFamily="34" charset="0"/>
               </a:rPr>
-              <a:t>Seite 3/??</a:t>
+              <a:t>Seite 2/??</a:t>
             </a:r>
           </a:p>
         </p:txBody>
@@ -6437,7 +6429,7 @@
         <p:spPr>
           <a:xfrm>
             <a:off x="360000" y="468000"/>
-            <a:ext cx="4402111" cy="523220"/>
+            <a:ext cx="7560840" cy="523220"/>
           </a:xfrm>
           <a:prstGeom prst="rect">
             <a:avLst/>
@@ -6454,7 +6446,383 @@
               <a:rPr lang="de-CH" sz="2800" b="1" dirty="0">
                 <a:latin typeface="+mj-lt"/>
               </a:rPr>
-              <a:t>Motorentreiber PCB 3D</a:t>
+              <a:t>Fehlerquelle Spannungsversorgung (Switch-Loop)</a:t>
+            </a:r>
+          </a:p>
+        </p:txBody>
+      </p:sp>
+      <p:sp>
+        <p:nvSpPr>
+          <p:cNvPr id="16" name="Textfeld 15">
+            <a:extLst>
+              <a:ext uri="{FF2B5EF4-FFF2-40B4-BE49-F238E27FC236}">
+                <a16:creationId xmlns:a16="http://schemas.microsoft.com/office/drawing/2014/main" id="{2EBD323C-4D9D-5D42-9645-414FFBB7D04B}"/>
+              </a:ext>
+            </a:extLst>
+          </p:cNvPr>
+          <p:cNvSpPr txBox="1"/>
+          <p:nvPr/>
+        </p:nvSpPr>
+        <p:spPr>
+          <a:xfrm>
+            <a:off x="7840953" y="6542725"/>
+            <a:ext cx="1040671" cy="276999"/>
+          </a:xfrm>
+          <a:prstGeom prst="rect">
+            <a:avLst/>
+          </a:prstGeom>
+          <a:noFill/>
+        </p:spPr>
+        <p:txBody>
+          <a:bodyPr wrap="none" rtlCol="0">
+            <a:spAutoFit/>
+          </a:bodyPr>
+          <a:lstStyle/>
+          <a:p>
+            <a:pPr algn="r"/>
+            <a:r>
+              <a:rPr lang="de-CH" sz="1200" dirty="0">
+                <a:latin typeface="Calibri" panose="020F0502020204030204" pitchFamily="34" charset="0"/>
+              </a:rPr>
+              <a:t>3.  März 2018</a:t>
+            </a:r>
+          </a:p>
+        </p:txBody>
+      </p:sp>
+      <p:pic>
+        <p:nvPicPr>
+          <p:cNvPr id="3" name="Grafik 2">
+            <a:extLst>
+              <a:ext uri="{FF2B5EF4-FFF2-40B4-BE49-F238E27FC236}">
+                <a16:creationId xmlns:a16="http://schemas.microsoft.com/office/drawing/2014/main" id="{8531EF22-365A-4750-B895-14BEE60430CC}"/>
+              </a:ext>
+            </a:extLst>
+          </p:cNvPr>
+          <p:cNvPicPr>
+            <a:picLocks noChangeAspect="1"/>
+          </p:cNvPicPr>
+          <p:nvPr/>
+        </p:nvPicPr>
+        <p:blipFill>
+          <a:blip r:embed="rId4">
+            <a:extLst>
+              <a:ext uri="{28A0092B-C50C-407E-A947-70E740481C1C}">
+                <a14:useLocalDpi xmlns:a14="http://schemas.microsoft.com/office/drawing/2010/main" val="0"/>
+              </a:ext>
+            </a:extLst>
+          </a:blip>
+          <a:stretch>
+            <a:fillRect/>
+          </a:stretch>
+        </p:blipFill>
+        <p:spPr>
+          <a:xfrm>
+            <a:off x="2593176" y="991220"/>
+            <a:ext cx="3868256" cy="5454000"/>
+          </a:xfrm>
+          <a:prstGeom prst="rect">
+            <a:avLst/>
+          </a:prstGeom>
+        </p:spPr>
+      </p:pic>
+    </p:spTree>
+    <p:extLst>
+      <p:ext uri="{BB962C8B-B14F-4D97-AF65-F5344CB8AC3E}">
+        <p14:creationId xmlns:p14="http://schemas.microsoft.com/office/powerpoint/2010/main" val="4267483695"/>
+      </p:ext>
+    </p:extLst>
+  </p:cSld>
+  <p:clrMapOvr>
+    <a:masterClrMapping/>
+  </p:clrMapOvr>
+</p:sld>
+</file>
+
+<file path=ppt/slides/slide15.xml><?xml version="1.0" encoding="utf-8"?>
+<p:sld xmlns:a="http://schemas.openxmlformats.org/drawingml/2006/main" xmlns:r="http://schemas.openxmlformats.org/officeDocument/2006/relationships" xmlns:p="http://schemas.openxmlformats.org/presentationml/2006/main">
+  <p:cSld>
+    <p:spTree>
+      <p:nvGrpSpPr>
+        <p:cNvPr id="1" name=""/>
+        <p:cNvGrpSpPr/>
+        <p:nvPr/>
+      </p:nvGrpSpPr>
+      <p:grpSpPr>
+        <a:xfrm>
+          <a:off x="0" y="0"/>
+          <a:ext cx="0" cy="0"/>
+          <a:chOff x="0" y="0"/>
+          <a:chExt cx="0" cy="0"/>
+        </a:xfrm>
+      </p:grpSpPr>
+      <p:pic>
+        <p:nvPicPr>
+          <p:cNvPr id="13" name="Grafik 12">
+            <a:extLst>
+              <a:ext uri="{FF2B5EF4-FFF2-40B4-BE49-F238E27FC236}">
+                <a16:creationId xmlns:a16="http://schemas.microsoft.com/office/drawing/2014/main" id="{00453448-D0BE-BC4A-91C8-50E637D2FFD5}"/>
+              </a:ext>
+            </a:extLst>
+          </p:cNvPr>
+          <p:cNvPicPr>
+            <a:picLocks noChangeAspect="1"/>
+          </p:cNvPicPr>
+          <p:nvPr/>
+        </p:nvPicPr>
+        <p:blipFill>
+          <a:blip r:embed="rId2">
+            <a:extLst>
+              <a:ext uri="{28A0092B-C50C-407E-A947-70E740481C1C}">
+                <a14:useLocalDpi xmlns:a14="http://schemas.microsoft.com/office/drawing/2010/main" val="0"/>
+              </a:ext>
+            </a:extLst>
+          </a:blip>
+          <a:stretch>
+            <a:fillRect/>
+          </a:stretch>
+        </p:blipFill>
+        <p:spPr>
+          <a:xfrm>
+            <a:off x="0" y="-3571"/>
+            <a:ext cx="1066800" cy="406400"/>
+          </a:xfrm>
+          <a:prstGeom prst="rect">
+            <a:avLst/>
+          </a:prstGeom>
+        </p:spPr>
+      </p:pic>
+      <p:sp>
+        <p:nvSpPr>
+          <p:cNvPr id="11" name="Textfeld 10"/>
+          <p:cNvSpPr txBox="1"/>
+          <p:nvPr/>
+        </p:nvSpPr>
+        <p:spPr>
+          <a:xfrm>
+            <a:off x="633368" y="1623458"/>
+            <a:ext cx="6264696" cy="1200329"/>
+          </a:xfrm>
+          <a:prstGeom prst="rect">
+            <a:avLst/>
+          </a:prstGeom>
+          <a:noFill/>
+        </p:spPr>
+        <p:txBody>
+          <a:bodyPr wrap="square" rtlCol="0" anchor="t">
+            <a:spAutoFit/>
+          </a:bodyPr>
+          <a:lstStyle/>
+          <a:p>
+            <a:endParaRPr lang="de-CH" sz="2400" dirty="0">
+              <a:latin typeface="Calibri" panose="020F0502020204030204" pitchFamily="34" charset="0"/>
+            </a:endParaRPr>
+          </a:p>
+          <a:p>
+            <a:pPr lvl="1"/>
+            <a:endParaRPr lang="de-CH" sz="2400" dirty="0">
+              <a:latin typeface="Calibri" panose="020F0502020204030204" pitchFamily="34" charset="0"/>
+            </a:endParaRPr>
+          </a:p>
+          <a:p>
+            <a:pPr lvl="1"/>
+            <a:endParaRPr lang="de-CH" sz="2400" dirty="0">
+              <a:latin typeface="Calibri" panose="020F0502020204030204" pitchFamily="34" charset="0"/>
+            </a:endParaRPr>
+          </a:p>
+        </p:txBody>
+      </p:sp>
+      <p:cxnSp>
+        <p:nvCxnSpPr>
+          <p:cNvPr id="5" name="Gerade Verbindung 4"/>
+          <p:cNvCxnSpPr/>
+          <p:nvPr/>
+        </p:nvCxnSpPr>
+        <p:spPr>
+          <a:xfrm>
+            <a:off x="0" y="6525344"/>
+            <a:ext cx="9144000" cy="0"/>
+          </a:xfrm>
+          <a:prstGeom prst="line">
+            <a:avLst/>
+          </a:prstGeom>
+          <a:ln>
+            <a:solidFill>
+              <a:schemeClr val="tx1"/>
+            </a:solidFill>
+          </a:ln>
+        </p:spPr>
+        <p:style>
+          <a:lnRef idx="1">
+            <a:schemeClr val="accent1"/>
+          </a:lnRef>
+          <a:fillRef idx="0">
+            <a:schemeClr val="accent1"/>
+          </a:fillRef>
+          <a:effectRef idx="0">
+            <a:schemeClr val="accent1"/>
+          </a:effectRef>
+          <a:fontRef idx="minor">
+            <a:schemeClr val="tx1"/>
+          </a:fontRef>
+        </p:style>
+      </p:cxnSp>
+      <p:sp>
+        <p:nvSpPr>
+          <p:cNvPr id="6" name="Textfeld 5"/>
+          <p:cNvSpPr txBox="1"/>
+          <p:nvPr/>
+        </p:nvSpPr>
+        <p:spPr>
+          <a:xfrm>
+            <a:off x="287830" y="6542726"/>
+            <a:ext cx="1208792" cy="276999"/>
+          </a:xfrm>
+          <a:prstGeom prst="rect">
+            <a:avLst/>
+          </a:prstGeom>
+          <a:noFill/>
+        </p:spPr>
+        <p:txBody>
+          <a:bodyPr wrap="none" rtlCol="0">
+            <a:spAutoFit/>
+          </a:bodyPr>
+          <a:lstStyle/>
+          <a:p>
+            <a:r>
+              <a:rPr lang="de-CH" sz="1200" dirty="0">
+                <a:latin typeface="Calibri" panose="020F0502020204030204" pitchFamily="34" charset="0"/>
+              </a:rPr>
+              <a:t>Meilenstein_M2</a:t>
+            </a:r>
+          </a:p>
+        </p:txBody>
+      </p:sp>
+      <p:sp>
+        <p:nvSpPr>
+          <p:cNvPr id="8" name="Textfeld 7"/>
+          <p:cNvSpPr txBox="1"/>
+          <p:nvPr/>
+        </p:nvSpPr>
+        <p:spPr>
+          <a:xfrm>
+            <a:off x="3627204" y="6542724"/>
+            <a:ext cx="1800200" cy="276999"/>
+          </a:xfrm>
+          <a:prstGeom prst="rect">
+            <a:avLst/>
+          </a:prstGeom>
+          <a:noFill/>
+        </p:spPr>
+        <p:txBody>
+          <a:bodyPr wrap="square" rtlCol="0">
+            <a:spAutoFit/>
+          </a:bodyPr>
+          <a:lstStyle/>
+          <a:p>
+            <a:pPr algn="ctr"/>
+            <a:r>
+              <a:rPr lang="de-CH" sz="1200" dirty="0">
+                <a:latin typeface="Calibri" panose="020F0502020204030204" pitchFamily="34" charset="0"/>
+              </a:rPr>
+              <a:t>Seite 3/??</a:t>
+            </a:r>
+          </a:p>
+        </p:txBody>
+      </p:sp>
+      <p:cxnSp>
+        <p:nvCxnSpPr>
+          <p:cNvPr id="9" name="Gerade Verbindung 4"/>
+          <p:cNvCxnSpPr/>
+          <p:nvPr/>
+        </p:nvCxnSpPr>
+        <p:spPr>
+          <a:xfrm>
+            <a:off x="-5050" y="421597"/>
+            <a:ext cx="9144000" cy="0"/>
+          </a:xfrm>
+          <a:prstGeom prst="line">
+            <a:avLst/>
+          </a:prstGeom>
+          <a:ln>
+            <a:solidFill>
+              <a:schemeClr val="tx1"/>
+            </a:solidFill>
+          </a:ln>
+        </p:spPr>
+        <p:style>
+          <a:lnRef idx="1">
+            <a:schemeClr val="accent1"/>
+          </a:lnRef>
+          <a:fillRef idx="0">
+            <a:schemeClr val="accent1"/>
+          </a:fillRef>
+          <a:effectRef idx="0">
+            <a:schemeClr val="accent1"/>
+          </a:effectRef>
+          <a:fontRef idx="minor">
+            <a:schemeClr val="tx1"/>
+          </a:fontRef>
+        </p:style>
+      </p:cxnSp>
+      <p:sp>
+        <p:nvSpPr>
+          <p:cNvPr id="10" name="Textfeld 9"/>
+          <p:cNvSpPr txBox="1"/>
+          <p:nvPr/>
+        </p:nvSpPr>
+        <p:spPr>
+          <a:xfrm>
+            <a:off x="7615828" y="144598"/>
+            <a:ext cx="1265796" cy="276999"/>
+          </a:xfrm>
+          <a:prstGeom prst="rect">
+            <a:avLst/>
+          </a:prstGeom>
+          <a:noFill/>
+        </p:spPr>
+        <p:txBody>
+          <a:bodyPr wrap="none" rtlCol="0">
+            <a:spAutoFit/>
+          </a:bodyPr>
+          <a:lstStyle/>
+          <a:p>
+            <a:pPr algn="r"/>
+            <a:r>
+              <a:rPr lang="de-CH" sz="1200" dirty="0">
+                <a:latin typeface="Calibri" panose="020F0502020204030204" pitchFamily="34" charset="0"/>
+              </a:rPr>
+              <a:t>SysP18_Team_10</a:t>
+            </a:r>
+          </a:p>
+        </p:txBody>
+      </p:sp>
+      <p:sp>
+        <p:nvSpPr>
+          <p:cNvPr id="14" name="Textfeld 13"/>
+          <p:cNvSpPr txBox="1"/>
+          <p:nvPr/>
+        </p:nvSpPr>
+        <p:spPr>
+          <a:xfrm>
+            <a:off x="360000" y="468000"/>
+            <a:ext cx="4402111" cy="523220"/>
+          </a:xfrm>
+          <a:prstGeom prst="rect">
+            <a:avLst/>
+          </a:prstGeom>
+          <a:noFill/>
+        </p:spPr>
+        <p:txBody>
+          <a:bodyPr wrap="square" rtlCol="0">
+            <a:spAutoFit/>
+          </a:bodyPr>
+          <a:lstStyle/>
+          <a:p>
+            <a:r>
+              <a:rPr lang="de-CH" sz="2800" b="1" dirty="0">
+                <a:latin typeface="+mj-lt"/>
+              </a:rPr>
+              <a:t>Motorentreiber - PCB 3D</a:t>
             </a:r>
           </a:p>
         </p:txBody>
@@ -6546,7 +6914,7 @@
 </p:sld>
 </file>
 
-<file path=ppt/slides/slide15.xml><?xml version="1.0" encoding="utf-8"?>
+<file path=ppt/slides/slide16.xml><?xml version="1.0" encoding="utf-8"?>
 <p:sld xmlns:a="http://schemas.openxmlformats.org/drawingml/2006/main" xmlns:r="http://schemas.openxmlformats.org/officeDocument/2006/relationships" xmlns:p="http://schemas.openxmlformats.org/presentationml/2006/main">
   <p:cSld>
     <p:spTree>
@@ -7094,7 +7462,7 @@
 </p:sld>
 </file>
 
-<file path=ppt/slides/slide16.xml><?xml version="1.0" encoding="utf-8"?>
+<file path=ppt/slides/slide17.xml><?xml version="1.0" encoding="utf-8"?>
 <p:sld xmlns:a="http://schemas.openxmlformats.org/drawingml/2006/main" xmlns:r="http://schemas.openxmlformats.org/officeDocument/2006/relationships" xmlns:p="http://schemas.openxmlformats.org/presentationml/2006/main">
   <p:cSld>
     <p:spTree>
@@ -7892,7 +8260,7 @@
 </p:sld>
 </file>
 
-<file path=ppt/slides/slide17.xml><?xml version="1.0" encoding="utf-8"?>
+<file path=ppt/slides/slide18.xml><?xml version="1.0" encoding="utf-8"?>
 <p:sld xmlns:a="http://schemas.openxmlformats.org/drawingml/2006/main" xmlns:r="http://schemas.openxmlformats.org/officeDocument/2006/relationships" xmlns:p="http://schemas.openxmlformats.org/presentationml/2006/main">
   <p:cSld>
     <p:spTree>
@@ -8687,7 +9055,7 @@
 </p:sld>
 </file>
 
-<file path=ppt/slides/slide18.xml><?xml version="1.0" encoding="utf-8"?>
+<file path=ppt/slides/slide19.xml><?xml version="1.0" encoding="utf-8"?>
 <p:sld xmlns:a="http://schemas.openxmlformats.org/drawingml/2006/main" xmlns:r="http://schemas.openxmlformats.org/officeDocument/2006/relationships" xmlns:p="http://schemas.openxmlformats.org/presentationml/2006/main">
   <p:cSld>
     <p:spTree>
@@ -9367,371 +9735,6 @@
       <p:bldP spid="15" grpId="0" uiExpand="1" build="p" bldLvl="2"/>
     </p:bldLst>
   </p:timing>
-</p:sld>
-</file>
-
-<file path=ppt/slides/slide19.xml><?xml version="1.0" encoding="utf-8"?>
-<p:sld xmlns:a="http://schemas.openxmlformats.org/drawingml/2006/main" xmlns:r="http://schemas.openxmlformats.org/officeDocument/2006/relationships" xmlns:p="http://schemas.openxmlformats.org/presentationml/2006/main">
-  <p:cSld>
-    <p:spTree>
-      <p:nvGrpSpPr>
-        <p:cNvPr id="1" name=""/>
-        <p:cNvGrpSpPr/>
-        <p:nvPr/>
-      </p:nvGrpSpPr>
-      <p:grpSpPr>
-        <a:xfrm>
-          <a:off x="0" y="0"/>
-          <a:ext cx="0" cy="0"/>
-          <a:chOff x="0" y="0"/>
-          <a:chExt cx="0" cy="0"/>
-        </a:xfrm>
-      </p:grpSpPr>
-      <p:pic>
-        <p:nvPicPr>
-          <p:cNvPr id="12" name="Grafik 11">
-            <a:extLst>
-              <a:ext uri="{FF2B5EF4-FFF2-40B4-BE49-F238E27FC236}">
-                <a16:creationId xmlns:a16="http://schemas.microsoft.com/office/drawing/2014/main" id="{63518878-B2F8-9E42-B6D4-7C199E65E901}"/>
-              </a:ext>
-            </a:extLst>
-          </p:cNvPr>
-          <p:cNvPicPr>
-            <a:picLocks noChangeAspect="1"/>
-          </p:cNvPicPr>
-          <p:nvPr/>
-        </p:nvPicPr>
-        <p:blipFill>
-          <a:blip r:embed="rId3">
-            <a:extLst>
-              <a:ext uri="{28A0092B-C50C-407E-A947-70E740481C1C}">
-                <a14:useLocalDpi xmlns:a14="http://schemas.microsoft.com/office/drawing/2010/main" val="0"/>
-              </a:ext>
-            </a:extLst>
-          </a:blip>
-          <a:stretch>
-            <a:fillRect/>
-          </a:stretch>
-        </p:blipFill>
-        <p:spPr>
-          <a:xfrm>
-            <a:off x="0" y="-3571"/>
-            <a:ext cx="1066800" cy="406400"/>
-          </a:xfrm>
-          <a:prstGeom prst="rect">
-            <a:avLst/>
-          </a:prstGeom>
-        </p:spPr>
-      </p:pic>
-      <p:cxnSp>
-        <p:nvCxnSpPr>
-          <p:cNvPr id="5" name="Gerade Verbindung 4"/>
-          <p:cNvCxnSpPr/>
-          <p:nvPr/>
-        </p:nvCxnSpPr>
-        <p:spPr>
-          <a:xfrm>
-            <a:off x="0" y="6525344"/>
-            <a:ext cx="9144000" cy="0"/>
-          </a:xfrm>
-          <a:prstGeom prst="line">
-            <a:avLst/>
-          </a:prstGeom>
-          <a:ln>
-            <a:solidFill>
-              <a:schemeClr val="tx1"/>
-            </a:solidFill>
-          </a:ln>
-        </p:spPr>
-        <p:style>
-          <a:lnRef idx="1">
-            <a:schemeClr val="accent1"/>
-          </a:lnRef>
-          <a:fillRef idx="0">
-            <a:schemeClr val="accent1"/>
-          </a:fillRef>
-          <a:effectRef idx="0">
-            <a:schemeClr val="accent1"/>
-          </a:effectRef>
-          <a:fontRef idx="minor">
-            <a:schemeClr val="tx1"/>
-          </a:fontRef>
-        </p:style>
-      </p:cxnSp>
-      <p:sp>
-        <p:nvSpPr>
-          <p:cNvPr id="6" name="Textfeld 5"/>
-          <p:cNvSpPr txBox="1"/>
-          <p:nvPr/>
-        </p:nvSpPr>
-        <p:spPr>
-          <a:xfrm>
-            <a:off x="287830" y="6542726"/>
-            <a:ext cx="1208792" cy="276999"/>
-          </a:xfrm>
-          <a:prstGeom prst="rect">
-            <a:avLst/>
-          </a:prstGeom>
-          <a:noFill/>
-        </p:spPr>
-        <p:txBody>
-          <a:bodyPr wrap="none" rtlCol="0">
-            <a:spAutoFit/>
-          </a:bodyPr>
-          <a:lstStyle/>
-          <a:p>
-            <a:r>
-              <a:rPr lang="de-CH" sz="1200" dirty="0">
-                <a:latin typeface="Calibri" panose="020F0502020204030204" pitchFamily="34" charset="0"/>
-              </a:rPr>
-              <a:t>Meilenstein_M2</a:t>
-            </a:r>
-          </a:p>
-        </p:txBody>
-      </p:sp>
-      <p:sp>
-        <p:nvSpPr>
-          <p:cNvPr id="8" name="Textfeld 7"/>
-          <p:cNvSpPr txBox="1"/>
-          <p:nvPr/>
-        </p:nvSpPr>
-        <p:spPr>
-          <a:xfrm>
-            <a:off x="3627204" y="6542724"/>
-            <a:ext cx="1800200" cy="276999"/>
-          </a:xfrm>
-          <a:prstGeom prst="rect">
-            <a:avLst/>
-          </a:prstGeom>
-          <a:noFill/>
-        </p:spPr>
-        <p:txBody>
-          <a:bodyPr wrap="square" rtlCol="0">
-            <a:spAutoFit/>
-          </a:bodyPr>
-          <a:lstStyle/>
-          <a:p>
-            <a:pPr algn="ctr"/>
-            <a:r>
-              <a:rPr lang="de-CH" sz="1200" dirty="0">
-                <a:latin typeface="Calibri" panose="020F0502020204030204" pitchFamily="34" charset="0"/>
-              </a:rPr>
-              <a:t>Seite 2/??</a:t>
-            </a:r>
-          </a:p>
-        </p:txBody>
-      </p:sp>
-      <p:cxnSp>
-        <p:nvCxnSpPr>
-          <p:cNvPr id="9" name="Gerade Verbindung 4"/>
-          <p:cNvCxnSpPr/>
-          <p:nvPr/>
-        </p:nvCxnSpPr>
-        <p:spPr>
-          <a:xfrm>
-            <a:off x="-5050" y="421597"/>
-            <a:ext cx="9144000" cy="0"/>
-          </a:xfrm>
-          <a:prstGeom prst="line">
-            <a:avLst/>
-          </a:prstGeom>
-          <a:ln>
-            <a:solidFill>
-              <a:schemeClr val="tx1"/>
-            </a:solidFill>
-          </a:ln>
-        </p:spPr>
-        <p:style>
-          <a:lnRef idx="1">
-            <a:schemeClr val="accent1"/>
-          </a:lnRef>
-          <a:fillRef idx="0">
-            <a:schemeClr val="accent1"/>
-          </a:fillRef>
-          <a:effectRef idx="0">
-            <a:schemeClr val="accent1"/>
-          </a:effectRef>
-          <a:fontRef idx="minor">
-            <a:schemeClr val="tx1"/>
-          </a:fontRef>
-        </p:style>
-      </p:cxnSp>
-      <p:sp>
-        <p:nvSpPr>
-          <p:cNvPr id="10" name="Textfeld 9"/>
-          <p:cNvSpPr txBox="1"/>
-          <p:nvPr/>
-        </p:nvSpPr>
-        <p:spPr>
-          <a:xfrm>
-            <a:off x="7615828" y="144598"/>
-            <a:ext cx="1265796" cy="276999"/>
-          </a:xfrm>
-          <a:prstGeom prst="rect">
-            <a:avLst/>
-          </a:prstGeom>
-          <a:noFill/>
-        </p:spPr>
-        <p:txBody>
-          <a:bodyPr wrap="none" rtlCol="0">
-            <a:spAutoFit/>
-          </a:bodyPr>
-          <a:lstStyle/>
-          <a:p>
-            <a:pPr algn="r"/>
-            <a:r>
-              <a:rPr lang="de-CH" sz="1200" dirty="0">
-                <a:latin typeface="Calibri" panose="020F0502020204030204" pitchFamily="34" charset="0"/>
-              </a:rPr>
-              <a:t>SysP18_Team_10</a:t>
-            </a:r>
-          </a:p>
-        </p:txBody>
-      </p:sp>
-      <p:sp>
-        <p:nvSpPr>
-          <p:cNvPr id="14" name="Textfeld 13"/>
-          <p:cNvSpPr txBox="1"/>
-          <p:nvPr/>
-        </p:nvSpPr>
-        <p:spPr>
-          <a:xfrm>
-            <a:off x="360000" y="468000"/>
-            <a:ext cx="3492082" cy="523220"/>
-          </a:xfrm>
-          <a:prstGeom prst="rect">
-            <a:avLst/>
-          </a:prstGeom>
-          <a:noFill/>
-        </p:spPr>
-        <p:txBody>
-          <a:bodyPr wrap="square" rtlCol="0">
-            <a:spAutoFit/>
-          </a:bodyPr>
-          <a:lstStyle/>
-          <a:p>
-            <a:r>
-              <a:rPr lang="de-CH" sz="2800" b="1" dirty="0">
-                <a:latin typeface="+mj-lt"/>
-              </a:rPr>
-              <a:t>Folie mit Aufzählung</a:t>
-            </a:r>
-          </a:p>
-        </p:txBody>
-      </p:sp>
-      <p:sp>
-        <p:nvSpPr>
-          <p:cNvPr id="15" name="Textfeld 14">
-            <a:extLst>
-              <a:ext uri="{FF2B5EF4-FFF2-40B4-BE49-F238E27FC236}">
-                <a16:creationId xmlns:a16="http://schemas.microsoft.com/office/drawing/2014/main" id="{23C33090-455A-9B46-96E1-618074619DB9}"/>
-              </a:ext>
-            </a:extLst>
-          </p:cNvPr>
-          <p:cNvSpPr txBox="1"/>
-          <p:nvPr/>
-        </p:nvSpPr>
-        <p:spPr>
-          <a:xfrm>
-            <a:off x="633368" y="1623458"/>
-            <a:ext cx="6264696" cy="1200329"/>
-          </a:xfrm>
-          <a:prstGeom prst="rect">
-            <a:avLst/>
-          </a:prstGeom>
-          <a:noFill/>
-        </p:spPr>
-        <p:txBody>
-          <a:bodyPr wrap="square" rtlCol="0" anchor="t">
-            <a:spAutoFit/>
-          </a:bodyPr>
-          <a:lstStyle/>
-          <a:p>
-            <a:pPr marL="342900" indent="-342900">
-              <a:buFont typeface="Symbol" pitchFamily="2" charset="2"/>
-              <a:buChar char="-"/>
-            </a:pPr>
-            <a:r>
-              <a:rPr lang="de-CH" sz="2400" dirty="0">
-                <a:latin typeface="Calibri" panose="020F0502020204030204" pitchFamily="34" charset="0"/>
-              </a:rPr>
-              <a:t>Aufzählung</a:t>
-            </a:r>
-          </a:p>
-          <a:p>
-            <a:pPr marL="342900" indent="-342900">
-              <a:buFont typeface="Symbol" pitchFamily="2" charset="2"/>
-              <a:buChar char="-"/>
-            </a:pPr>
-            <a:r>
-              <a:rPr lang="de-CH" sz="2400" dirty="0">
-                <a:latin typeface="Calibri" panose="020F0502020204030204" pitchFamily="34" charset="0"/>
-              </a:rPr>
-              <a:t>Aufzählung</a:t>
-            </a:r>
-          </a:p>
-          <a:p>
-            <a:pPr marL="342900" indent="-342900">
-              <a:buFont typeface="Symbol" pitchFamily="2" charset="2"/>
-              <a:buChar char="-"/>
-            </a:pPr>
-            <a:r>
-              <a:rPr lang="de-CH" sz="2400" dirty="0">
-                <a:latin typeface="Calibri" panose="020F0502020204030204" pitchFamily="34" charset="0"/>
-              </a:rPr>
-              <a:t>Aufzählung</a:t>
-            </a:r>
-          </a:p>
-        </p:txBody>
-      </p:sp>
-      <p:sp>
-        <p:nvSpPr>
-          <p:cNvPr id="16" name="Textfeld 15">
-            <a:extLst>
-              <a:ext uri="{FF2B5EF4-FFF2-40B4-BE49-F238E27FC236}">
-                <a16:creationId xmlns:a16="http://schemas.microsoft.com/office/drawing/2014/main" id="{2EBD323C-4D9D-5D42-9645-414FFBB7D04B}"/>
-              </a:ext>
-            </a:extLst>
-          </p:cNvPr>
-          <p:cNvSpPr txBox="1"/>
-          <p:nvPr/>
-        </p:nvSpPr>
-        <p:spPr>
-          <a:xfrm>
-            <a:off x="7840953" y="6542725"/>
-            <a:ext cx="1040671" cy="276999"/>
-          </a:xfrm>
-          <a:prstGeom prst="rect">
-            <a:avLst/>
-          </a:prstGeom>
-          <a:noFill/>
-        </p:spPr>
-        <p:txBody>
-          <a:bodyPr wrap="none" rtlCol="0">
-            <a:spAutoFit/>
-          </a:bodyPr>
-          <a:lstStyle/>
-          <a:p>
-            <a:pPr algn="r"/>
-            <a:r>
-              <a:rPr lang="de-CH" sz="1200" dirty="0">
-                <a:latin typeface="Calibri" panose="020F0502020204030204" pitchFamily="34" charset="0"/>
-              </a:rPr>
-              <a:t>3.  März 2018</a:t>
-            </a:r>
-          </a:p>
-        </p:txBody>
-      </p:sp>
-    </p:spTree>
-    <p:extLst>
-      <p:ext uri="{BB962C8B-B14F-4D97-AF65-F5344CB8AC3E}">
-        <p14:creationId xmlns:p14="http://schemas.microsoft.com/office/powerpoint/2010/main" val="3181953008"/>
-      </p:ext>
-    </p:extLst>
-  </p:cSld>
-  <p:clrMapOvr>
-    <a:masterClrMapping/>
-  </p:clrMapOvr>
 </p:sld>
 </file>
 
@@ -10674,37 +10677,6 @@
       </p:sp>
       <p:sp>
         <p:nvSpPr>
-          <p:cNvPr id="14" name="Textfeld 13"/>
-          <p:cNvSpPr txBox="1"/>
-          <p:nvPr/>
-        </p:nvSpPr>
-        <p:spPr>
-          <a:xfrm>
-            <a:off x="360000" y="468000"/>
-            <a:ext cx="4402111" cy="523220"/>
-          </a:xfrm>
-          <a:prstGeom prst="rect">
-            <a:avLst/>
-          </a:prstGeom>
-          <a:noFill/>
-        </p:spPr>
-        <p:txBody>
-          <a:bodyPr wrap="square" rtlCol="0">
-            <a:spAutoFit/>
-          </a:bodyPr>
-          <a:lstStyle/>
-          <a:p>
-            <a:r>
-              <a:rPr lang="de-CH" sz="2800" b="1" dirty="0">
-                <a:latin typeface="+mj-lt"/>
-              </a:rPr>
-              <a:t>Folie leer</a:t>
-            </a:r>
-          </a:p>
-        </p:txBody>
-      </p:sp>
-      <p:sp>
-        <p:nvSpPr>
           <p:cNvPr id="16" name="Textfeld 15">
             <a:extLst>
               <a:ext uri="{FF2B5EF4-FFF2-40B4-BE49-F238E27FC236}">
@@ -10737,6 +10709,79 @@
                 <a:latin typeface="Calibri" panose="020F0502020204030204" pitchFamily="34" charset="0"/>
               </a:rPr>
               <a:t>3.  März 2018</a:t>
+            </a:r>
+          </a:p>
+        </p:txBody>
+      </p:sp>
+      <p:pic>
+        <p:nvPicPr>
+          <p:cNvPr id="3" name="Grafik 2">
+            <a:extLst>
+              <a:ext uri="{FF2B5EF4-FFF2-40B4-BE49-F238E27FC236}">
+                <a16:creationId xmlns:a16="http://schemas.microsoft.com/office/drawing/2014/main" id="{7DF3E3A8-402A-4DA9-A67B-AB339B413B6E}"/>
+              </a:ext>
+            </a:extLst>
+          </p:cNvPr>
+          <p:cNvPicPr>
+            <a:picLocks noChangeAspect="1"/>
+          </p:cNvPicPr>
+          <p:nvPr/>
+        </p:nvPicPr>
+        <p:blipFill>
+          <a:blip r:embed="rId3">
+            <a:extLst>
+              <a:ext uri="{28A0092B-C50C-407E-A947-70E740481C1C}">
+                <a14:useLocalDpi xmlns:a14="http://schemas.microsoft.com/office/drawing/2010/main" val="0"/>
+              </a:ext>
+            </a:extLst>
+          </a:blip>
+          <a:stretch>
+            <a:fillRect/>
+          </a:stretch>
+        </p:blipFill>
+        <p:spPr>
+          <a:xfrm>
+            <a:off x="458768" y="990000"/>
+            <a:ext cx="8137072" cy="5454000"/>
+          </a:xfrm>
+          <a:prstGeom prst="rect">
+            <a:avLst/>
+          </a:prstGeom>
+        </p:spPr>
+      </p:pic>
+      <p:sp>
+        <p:nvSpPr>
+          <p:cNvPr id="15" name="Textfeld 14">
+            <a:extLst>
+              <a:ext uri="{FF2B5EF4-FFF2-40B4-BE49-F238E27FC236}">
+                <a16:creationId xmlns:a16="http://schemas.microsoft.com/office/drawing/2014/main" id="{8E718A57-8F16-491B-8661-04CFFB40B603}"/>
+              </a:ext>
+            </a:extLst>
+          </p:cNvPr>
+          <p:cNvSpPr txBox="1"/>
+          <p:nvPr/>
+        </p:nvSpPr>
+        <p:spPr>
+          <a:xfrm>
+            <a:off x="360000" y="468000"/>
+            <a:ext cx="6418336" cy="523220"/>
+          </a:xfrm>
+          <a:prstGeom prst="rect">
+            <a:avLst/>
+          </a:prstGeom>
+          <a:noFill/>
+        </p:spPr>
+        <p:txBody>
+          <a:bodyPr wrap="square" rtlCol="0">
+            <a:spAutoFit/>
+          </a:bodyPr>
+          <a:lstStyle/>
+          <a:p>
+            <a:r>
+              <a:rPr lang="de-CH" sz="2800" b="1" dirty="0">
+                <a:latin typeface="+mj-lt"/>
+              </a:rPr>
+              <a:t>Zeitplan</a:t>
             </a:r>
           </a:p>
         </p:txBody>
@@ -11370,7 +11415,576 @@
               <a:rPr lang="de-CH" sz="2800" b="1" dirty="0">
                 <a:latin typeface="+mj-lt"/>
               </a:rPr>
-              <a:t>Mechanik</a:t>
+              <a:t>Mechanik – Design Review </a:t>
+            </a:r>
+          </a:p>
+        </p:txBody>
+      </p:sp>
+      <p:sp>
+        <p:nvSpPr>
+          <p:cNvPr id="15" name="Textfeld 14">
+            <a:extLst>
+              <a:ext uri="{FF2B5EF4-FFF2-40B4-BE49-F238E27FC236}">
+                <a16:creationId xmlns:a16="http://schemas.microsoft.com/office/drawing/2014/main" id="{23C33090-455A-9B46-96E1-618074619DB9}"/>
+              </a:ext>
+            </a:extLst>
+          </p:cNvPr>
+          <p:cNvSpPr txBox="1"/>
+          <p:nvPr/>
+        </p:nvSpPr>
+        <p:spPr>
+          <a:xfrm>
+            <a:off x="633368" y="1623458"/>
+            <a:ext cx="6264696" cy="1569660"/>
+          </a:xfrm>
+          <a:prstGeom prst="rect">
+            <a:avLst/>
+          </a:prstGeom>
+          <a:noFill/>
+        </p:spPr>
+        <p:txBody>
+          <a:bodyPr wrap="square" rtlCol="0" anchor="t">
+            <a:spAutoFit/>
+          </a:bodyPr>
+          <a:lstStyle/>
+          <a:p>
+            <a:pPr marL="342900" indent="-342900">
+              <a:buFont typeface="Symbol" pitchFamily="2" charset="2"/>
+              <a:buChar char="-"/>
+            </a:pPr>
+            <a:r>
+              <a:rPr lang="de-CH" sz="2400" dirty="0">
+                <a:latin typeface="Calibri" panose="020F0502020204030204" pitchFamily="34" charset="0"/>
+              </a:rPr>
+              <a:t>Autor: Jeannot Zwick</a:t>
+            </a:r>
+          </a:p>
+          <a:p>
+            <a:pPr marL="342900" indent="-342900">
+              <a:buFont typeface="Symbol" pitchFamily="2" charset="2"/>
+              <a:buChar char="-"/>
+            </a:pPr>
+            <a:r>
+              <a:rPr lang="de-CH" sz="2400" dirty="0">
+                <a:latin typeface="Calibri" panose="020F0502020204030204" pitchFamily="34" charset="0"/>
+              </a:rPr>
+              <a:t>Aktuar: Mauro Stoffel</a:t>
+            </a:r>
+          </a:p>
+          <a:p>
+            <a:pPr marL="342900" indent="-342900">
+              <a:buFont typeface="Symbol" pitchFamily="2" charset="2"/>
+              <a:buChar char="-"/>
+            </a:pPr>
+            <a:r>
+              <a:rPr lang="de-CH" sz="2400" dirty="0">
+                <a:latin typeface="Calibri" panose="020F0502020204030204" pitchFamily="34" charset="0"/>
+              </a:rPr>
+              <a:t>Experte: </a:t>
+            </a:r>
+            <a:r>
+              <a:rPr lang="de-CH" sz="2400" dirty="0" err="1">
+                <a:latin typeface="Calibri" panose="020F0502020204030204" pitchFamily="34" charset="0"/>
+              </a:rPr>
+              <a:t>HansJakob</a:t>
+            </a:r>
+            <a:r>
+              <a:rPr lang="de-CH" sz="2400" dirty="0">
+                <a:latin typeface="Calibri" panose="020F0502020204030204" pitchFamily="34" charset="0"/>
+              </a:rPr>
+              <a:t> Rechsteiner</a:t>
+            </a:r>
+          </a:p>
+          <a:p>
+            <a:pPr marL="342900" indent="-342900">
+              <a:buFont typeface="Symbol" pitchFamily="2" charset="2"/>
+              <a:buChar char="-"/>
+            </a:pPr>
+            <a:endParaRPr lang="de-CH" sz="2400" dirty="0">
+              <a:latin typeface="Calibri" panose="020F0502020204030204" pitchFamily="34" charset="0"/>
+            </a:endParaRPr>
+          </a:p>
+        </p:txBody>
+      </p:sp>
+      <p:sp>
+        <p:nvSpPr>
+          <p:cNvPr id="16" name="Textfeld 15">
+            <a:extLst>
+              <a:ext uri="{FF2B5EF4-FFF2-40B4-BE49-F238E27FC236}">
+                <a16:creationId xmlns:a16="http://schemas.microsoft.com/office/drawing/2014/main" id="{2EBD323C-4D9D-5D42-9645-414FFBB7D04B}"/>
+              </a:ext>
+            </a:extLst>
+          </p:cNvPr>
+          <p:cNvSpPr txBox="1"/>
+          <p:nvPr/>
+        </p:nvSpPr>
+        <p:spPr>
+          <a:xfrm>
+            <a:off x="7840953" y="6542725"/>
+            <a:ext cx="1040671" cy="276999"/>
+          </a:xfrm>
+          <a:prstGeom prst="rect">
+            <a:avLst/>
+          </a:prstGeom>
+          <a:noFill/>
+        </p:spPr>
+        <p:txBody>
+          <a:bodyPr wrap="none" rtlCol="0">
+            <a:spAutoFit/>
+          </a:bodyPr>
+          <a:lstStyle/>
+          <a:p>
+            <a:pPr algn="r"/>
+            <a:r>
+              <a:rPr lang="de-CH" sz="1200" dirty="0">
+                <a:latin typeface="Calibri" panose="020F0502020204030204" pitchFamily="34" charset="0"/>
+              </a:rPr>
+              <a:t>3.  März 2018</a:t>
+            </a:r>
+          </a:p>
+        </p:txBody>
+      </p:sp>
+    </p:spTree>
+    <p:extLst>
+      <p:ext uri="{BB962C8B-B14F-4D97-AF65-F5344CB8AC3E}">
+        <p14:creationId xmlns:p14="http://schemas.microsoft.com/office/powerpoint/2010/main" val="93673929"/>
+      </p:ext>
+    </p:extLst>
+  </p:cSld>
+  <p:clrMapOvr>
+    <a:masterClrMapping/>
+  </p:clrMapOvr>
+  <p:timing>
+    <p:tnLst>
+      <p:par>
+        <p:cTn id="1" dur="indefinite" restart="never" nodeType="tmRoot">
+          <p:childTnLst>
+            <p:seq concurrent="1" nextAc="seek">
+              <p:cTn id="2" dur="indefinite" nodeType="mainSeq">
+                <p:childTnLst>
+                  <p:par>
+                    <p:cTn id="3" fill="hold">
+                      <p:stCondLst>
+                        <p:cond delay="indefinite"/>
+                        <p:cond evt="onBegin" delay="0">
+                          <p:tn val="2"/>
+                        </p:cond>
+                      </p:stCondLst>
+                      <p:childTnLst>
+                        <p:par>
+                          <p:cTn id="4" fill="hold">
+                            <p:stCondLst>
+                              <p:cond delay="0"/>
+                            </p:stCondLst>
+                            <p:childTnLst>
+                              <p:par>
+                                <p:cTn id="5" presetID="1" presetClass="entr" presetSubtype="0" fill="hold" grpId="0" nodeType="afterEffect">
+                                  <p:stCondLst>
+                                    <p:cond delay="0"/>
+                                  </p:stCondLst>
+                                  <p:childTnLst>
+                                    <p:set>
+                                      <p:cBhvr>
+                                        <p:cTn id="6" dur="1" fill="hold">
+                                          <p:stCondLst>
+                                            <p:cond delay="0"/>
+                                          </p:stCondLst>
+                                        </p:cTn>
+                                        <p:tgtEl>
+                                          <p:spTgt spid="15">
+                                            <p:txEl>
+                                              <p:pRg st="0" end="0"/>
+                                            </p:txEl>
+                                          </p:spTgt>
+                                        </p:tgtEl>
+                                        <p:attrNameLst>
+                                          <p:attrName>style.visibility</p:attrName>
+                                        </p:attrNameLst>
+                                      </p:cBhvr>
+                                      <p:to>
+                                        <p:strVal val="visible"/>
+                                      </p:to>
+                                    </p:set>
+                                  </p:childTnLst>
+                                </p:cTn>
+                              </p:par>
+                            </p:childTnLst>
+                          </p:cTn>
+                        </p:par>
+                      </p:childTnLst>
+                    </p:cTn>
+                  </p:par>
+                  <p:par>
+                    <p:cTn id="7" fill="hold">
+                      <p:stCondLst>
+                        <p:cond delay="indefinite"/>
+                      </p:stCondLst>
+                      <p:childTnLst>
+                        <p:par>
+                          <p:cTn id="8" fill="hold">
+                            <p:stCondLst>
+                              <p:cond delay="0"/>
+                            </p:stCondLst>
+                            <p:childTnLst>
+                              <p:par>
+                                <p:cTn id="9" presetID="1" presetClass="entr" presetSubtype="0" fill="hold" grpId="0" nodeType="clickEffect">
+                                  <p:stCondLst>
+                                    <p:cond delay="0"/>
+                                  </p:stCondLst>
+                                  <p:childTnLst>
+                                    <p:set>
+                                      <p:cBhvr>
+                                        <p:cTn id="10" dur="1" fill="hold">
+                                          <p:stCondLst>
+                                            <p:cond delay="0"/>
+                                          </p:stCondLst>
+                                        </p:cTn>
+                                        <p:tgtEl>
+                                          <p:spTgt spid="15">
+                                            <p:txEl>
+                                              <p:pRg st="1" end="1"/>
+                                            </p:txEl>
+                                          </p:spTgt>
+                                        </p:tgtEl>
+                                        <p:attrNameLst>
+                                          <p:attrName>style.visibility</p:attrName>
+                                        </p:attrNameLst>
+                                      </p:cBhvr>
+                                      <p:to>
+                                        <p:strVal val="visible"/>
+                                      </p:to>
+                                    </p:set>
+                                  </p:childTnLst>
+                                </p:cTn>
+                              </p:par>
+                            </p:childTnLst>
+                          </p:cTn>
+                        </p:par>
+                      </p:childTnLst>
+                    </p:cTn>
+                  </p:par>
+                  <p:par>
+                    <p:cTn id="11" fill="hold">
+                      <p:stCondLst>
+                        <p:cond delay="indefinite"/>
+                      </p:stCondLst>
+                      <p:childTnLst>
+                        <p:par>
+                          <p:cTn id="12" fill="hold">
+                            <p:stCondLst>
+                              <p:cond delay="0"/>
+                            </p:stCondLst>
+                            <p:childTnLst>
+                              <p:par>
+                                <p:cTn id="13" presetID="1" presetClass="entr" presetSubtype="0" fill="hold" grpId="0" nodeType="clickEffect">
+                                  <p:stCondLst>
+                                    <p:cond delay="0"/>
+                                  </p:stCondLst>
+                                  <p:childTnLst>
+                                    <p:set>
+                                      <p:cBhvr>
+                                        <p:cTn id="14" dur="1" fill="hold">
+                                          <p:stCondLst>
+                                            <p:cond delay="0"/>
+                                          </p:stCondLst>
+                                        </p:cTn>
+                                        <p:tgtEl>
+                                          <p:spTgt spid="15">
+                                            <p:txEl>
+                                              <p:pRg st="2" end="2"/>
+                                            </p:txEl>
+                                          </p:spTgt>
+                                        </p:tgtEl>
+                                        <p:attrNameLst>
+                                          <p:attrName>style.visibility</p:attrName>
+                                        </p:attrNameLst>
+                                      </p:cBhvr>
+                                      <p:to>
+                                        <p:strVal val="visible"/>
+                                      </p:to>
+                                    </p:set>
+                                  </p:childTnLst>
+                                </p:cTn>
+                              </p:par>
+                            </p:childTnLst>
+                          </p:cTn>
+                        </p:par>
+                      </p:childTnLst>
+                    </p:cTn>
+                  </p:par>
+                </p:childTnLst>
+              </p:cTn>
+              <p:prevCondLst>
+                <p:cond evt="onPrev" delay="0">
+                  <p:tgtEl>
+                    <p:sldTgt/>
+                  </p:tgtEl>
+                </p:cond>
+              </p:prevCondLst>
+              <p:nextCondLst>
+                <p:cond evt="onNext" delay="0">
+                  <p:tgtEl>
+                    <p:sldTgt/>
+                  </p:tgtEl>
+                </p:cond>
+              </p:nextCondLst>
+            </p:seq>
+          </p:childTnLst>
+        </p:cTn>
+      </p:par>
+    </p:tnLst>
+    <p:bldLst>
+      <p:bldP spid="15" grpId="0" uiExpand="1" build="p" bldLvl="2"/>
+    </p:bldLst>
+  </p:timing>
+</p:sld>
+</file>
+
+<file path=ppt/slides/slide5.xml><?xml version="1.0" encoding="utf-8"?>
+<p:sld xmlns:a="http://schemas.openxmlformats.org/drawingml/2006/main" xmlns:r="http://schemas.openxmlformats.org/officeDocument/2006/relationships" xmlns:p="http://schemas.openxmlformats.org/presentationml/2006/main">
+  <p:cSld>
+    <p:spTree>
+      <p:nvGrpSpPr>
+        <p:cNvPr id="1" name=""/>
+        <p:cNvGrpSpPr/>
+        <p:nvPr/>
+      </p:nvGrpSpPr>
+      <p:grpSpPr>
+        <a:xfrm>
+          <a:off x="0" y="0"/>
+          <a:ext cx="0" cy="0"/>
+          <a:chOff x="0" y="0"/>
+          <a:chExt cx="0" cy="0"/>
+        </a:xfrm>
+      </p:grpSpPr>
+      <p:pic>
+        <p:nvPicPr>
+          <p:cNvPr id="12" name="Grafik 11">
+            <a:extLst>
+              <a:ext uri="{FF2B5EF4-FFF2-40B4-BE49-F238E27FC236}">
+                <a16:creationId xmlns:a16="http://schemas.microsoft.com/office/drawing/2014/main" id="{63518878-B2F8-9E42-B6D4-7C199E65E901}"/>
+              </a:ext>
+            </a:extLst>
+          </p:cNvPr>
+          <p:cNvPicPr>
+            <a:picLocks noChangeAspect="1"/>
+          </p:cNvPicPr>
+          <p:nvPr/>
+        </p:nvPicPr>
+        <p:blipFill>
+          <a:blip r:embed="rId3">
+            <a:extLst>
+              <a:ext uri="{28A0092B-C50C-407E-A947-70E740481C1C}">
+                <a14:useLocalDpi xmlns:a14="http://schemas.microsoft.com/office/drawing/2010/main" val="0"/>
+              </a:ext>
+            </a:extLst>
+          </a:blip>
+          <a:stretch>
+            <a:fillRect/>
+          </a:stretch>
+        </p:blipFill>
+        <p:spPr>
+          <a:xfrm>
+            <a:off x="0" y="-3571"/>
+            <a:ext cx="1066800" cy="406400"/>
+          </a:xfrm>
+          <a:prstGeom prst="rect">
+            <a:avLst/>
+          </a:prstGeom>
+        </p:spPr>
+      </p:pic>
+      <p:cxnSp>
+        <p:nvCxnSpPr>
+          <p:cNvPr id="5" name="Gerade Verbindung 4"/>
+          <p:cNvCxnSpPr/>
+          <p:nvPr/>
+        </p:nvCxnSpPr>
+        <p:spPr>
+          <a:xfrm>
+            <a:off x="0" y="6525344"/>
+            <a:ext cx="9144000" cy="0"/>
+          </a:xfrm>
+          <a:prstGeom prst="line">
+            <a:avLst/>
+          </a:prstGeom>
+          <a:ln>
+            <a:solidFill>
+              <a:schemeClr val="tx1"/>
+            </a:solidFill>
+          </a:ln>
+        </p:spPr>
+        <p:style>
+          <a:lnRef idx="1">
+            <a:schemeClr val="accent1"/>
+          </a:lnRef>
+          <a:fillRef idx="0">
+            <a:schemeClr val="accent1"/>
+          </a:fillRef>
+          <a:effectRef idx="0">
+            <a:schemeClr val="accent1"/>
+          </a:effectRef>
+          <a:fontRef idx="minor">
+            <a:schemeClr val="tx1"/>
+          </a:fontRef>
+        </p:style>
+      </p:cxnSp>
+      <p:sp>
+        <p:nvSpPr>
+          <p:cNvPr id="6" name="Textfeld 5"/>
+          <p:cNvSpPr txBox="1"/>
+          <p:nvPr/>
+        </p:nvSpPr>
+        <p:spPr>
+          <a:xfrm>
+            <a:off x="287830" y="6542726"/>
+            <a:ext cx="1208792" cy="276999"/>
+          </a:xfrm>
+          <a:prstGeom prst="rect">
+            <a:avLst/>
+          </a:prstGeom>
+          <a:noFill/>
+        </p:spPr>
+        <p:txBody>
+          <a:bodyPr wrap="none" rtlCol="0">
+            <a:spAutoFit/>
+          </a:bodyPr>
+          <a:lstStyle/>
+          <a:p>
+            <a:r>
+              <a:rPr lang="de-CH" sz="1200" dirty="0">
+                <a:latin typeface="Calibri" panose="020F0502020204030204" pitchFamily="34" charset="0"/>
+              </a:rPr>
+              <a:t>Meilenstein_M2</a:t>
+            </a:r>
+          </a:p>
+        </p:txBody>
+      </p:sp>
+      <p:sp>
+        <p:nvSpPr>
+          <p:cNvPr id="8" name="Textfeld 7"/>
+          <p:cNvSpPr txBox="1"/>
+          <p:nvPr/>
+        </p:nvSpPr>
+        <p:spPr>
+          <a:xfrm>
+            <a:off x="3627204" y="6542724"/>
+            <a:ext cx="1800200" cy="276999"/>
+          </a:xfrm>
+          <a:prstGeom prst="rect">
+            <a:avLst/>
+          </a:prstGeom>
+          <a:noFill/>
+        </p:spPr>
+        <p:txBody>
+          <a:bodyPr wrap="square" rtlCol="0">
+            <a:spAutoFit/>
+          </a:bodyPr>
+          <a:lstStyle/>
+          <a:p>
+            <a:pPr algn="ctr"/>
+            <a:r>
+              <a:rPr lang="de-CH" sz="1200" dirty="0">
+                <a:latin typeface="Calibri" panose="020F0502020204030204" pitchFamily="34" charset="0"/>
+              </a:rPr>
+              <a:t>Seite 2/??</a:t>
+            </a:r>
+          </a:p>
+        </p:txBody>
+      </p:sp>
+      <p:cxnSp>
+        <p:nvCxnSpPr>
+          <p:cNvPr id="9" name="Gerade Verbindung 4"/>
+          <p:cNvCxnSpPr/>
+          <p:nvPr/>
+        </p:nvCxnSpPr>
+        <p:spPr>
+          <a:xfrm>
+            <a:off x="-5050" y="421597"/>
+            <a:ext cx="9144000" cy="0"/>
+          </a:xfrm>
+          <a:prstGeom prst="line">
+            <a:avLst/>
+          </a:prstGeom>
+          <a:ln>
+            <a:solidFill>
+              <a:schemeClr val="tx1"/>
+            </a:solidFill>
+          </a:ln>
+        </p:spPr>
+        <p:style>
+          <a:lnRef idx="1">
+            <a:schemeClr val="accent1"/>
+          </a:lnRef>
+          <a:fillRef idx="0">
+            <a:schemeClr val="accent1"/>
+          </a:fillRef>
+          <a:effectRef idx="0">
+            <a:schemeClr val="accent1"/>
+          </a:effectRef>
+          <a:fontRef idx="minor">
+            <a:schemeClr val="tx1"/>
+          </a:fontRef>
+        </p:style>
+      </p:cxnSp>
+      <p:sp>
+        <p:nvSpPr>
+          <p:cNvPr id="10" name="Textfeld 9"/>
+          <p:cNvSpPr txBox="1"/>
+          <p:nvPr/>
+        </p:nvSpPr>
+        <p:spPr>
+          <a:xfrm>
+            <a:off x="7615828" y="144598"/>
+            <a:ext cx="1265796" cy="276999"/>
+          </a:xfrm>
+          <a:prstGeom prst="rect">
+            <a:avLst/>
+          </a:prstGeom>
+          <a:noFill/>
+        </p:spPr>
+        <p:txBody>
+          <a:bodyPr wrap="none" rtlCol="0">
+            <a:spAutoFit/>
+          </a:bodyPr>
+          <a:lstStyle/>
+          <a:p>
+            <a:pPr algn="r"/>
+            <a:r>
+              <a:rPr lang="de-CH" sz="1200" dirty="0">
+                <a:latin typeface="Calibri" panose="020F0502020204030204" pitchFamily="34" charset="0"/>
+              </a:rPr>
+              <a:t>SysP18_Team_10</a:t>
+            </a:r>
+          </a:p>
+        </p:txBody>
+      </p:sp>
+      <p:sp>
+        <p:nvSpPr>
+          <p:cNvPr id="14" name="Textfeld 13"/>
+          <p:cNvSpPr txBox="1"/>
+          <p:nvPr/>
+        </p:nvSpPr>
+        <p:spPr>
+          <a:xfrm>
+            <a:off x="360000" y="468000"/>
+            <a:ext cx="5113499" cy="523220"/>
+          </a:xfrm>
+          <a:prstGeom prst="rect">
+            <a:avLst/>
+          </a:prstGeom>
+          <a:noFill/>
+        </p:spPr>
+        <p:txBody>
+          <a:bodyPr wrap="square" rtlCol="0">
+            <a:spAutoFit/>
+          </a:bodyPr>
+          <a:lstStyle/>
+          <a:p>
+            <a:r>
+              <a:rPr lang="de-CH" sz="2800" b="1" dirty="0">
+                <a:latin typeface="+mj-lt"/>
+              </a:rPr>
+              <a:t>Mechanik - Ergebnisse</a:t>
             </a:r>
           </a:p>
         </p:txBody>
@@ -11529,7 +12143,7 @@
     </p:spTree>
     <p:extLst>
       <p:ext uri="{BB962C8B-B14F-4D97-AF65-F5344CB8AC3E}">
-        <p14:creationId xmlns:p14="http://schemas.microsoft.com/office/powerpoint/2010/main" val="93673929"/>
+        <p14:creationId xmlns:p14="http://schemas.microsoft.com/office/powerpoint/2010/main" val="1439651602"/>
       </p:ext>
     </p:extLst>
   </p:cSld>
@@ -11673,7 +12287,7 @@
 </p:sld>
 </file>
 
-<file path=ppt/slides/slide5.xml><?xml version="1.0" encoding="utf-8"?>
+<file path=ppt/slides/slide6.xml><?xml version="1.0" encoding="utf-8"?>
 <p:sld xmlns:a="http://schemas.openxmlformats.org/drawingml/2006/main" xmlns:r="http://schemas.openxmlformats.org/officeDocument/2006/relationships" xmlns:p="http://schemas.openxmlformats.org/presentationml/2006/main">
   <p:cSld>
     <p:spTree>
@@ -11995,7 +12609,7 @@
               <a:rPr lang="de-CH" sz="2400" dirty="0">
                 <a:latin typeface="Calibri" panose="020F0502020204030204" pitchFamily="34" charset="0"/>
               </a:rPr>
-              <a:t>Leistungselektronik</a:t>
+              <a:t>Motorentreiber und Spannungsversorgung</a:t>
             </a:r>
           </a:p>
           <a:p>
@@ -12064,342 +12678,6 @@
     <p:extLst>
       <p:ext uri="{BB962C8B-B14F-4D97-AF65-F5344CB8AC3E}">
         <p14:creationId xmlns:p14="http://schemas.microsoft.com/office/powerpoint/2010/main" val="662107483"/>
-      </p:ext>
-    </p:extLst>
-  </p:cSld>
-  <p:clrMapOvr>
-    <a:masterClrMapping/>
-  </p:clrMapOvr>
-</p:sld>
-</file>
-
-<file path=ppt/slides/slide6.xml><?xml version="1.0" encoding="utf-8"?>
-<p:sld xmlns:a="http://schemas.openxmlformats.org/drawingml/2006/main" xmlns:r="http://schemas.openxmlformats.org/officeDocument/2006/relationships" xmlns:p="http://schemas.openxmlformats.org/presentationml/2006/main">
-  <p:cSld>
-    <p:spTree>
-      <p:nvGrpSpPr>
-        <p:cNvPr id="1" name=""/>
-        <p:cNvGrpSpPr/>
-        <p:nvPr/>
-      </p:nvGrpSpPr>
-      <p:grpSpPr>
-        <a:xfrm>
-          <a:off x="0" y="0"/>
-          <a:ext cx="0" cy="0"/>
-          <a:chOff x="0" y="0"/>
-          <a:chExt cx="0" cy="0"/>
-        </a:xfrm>
-      </p:grpSpPr>
-      <p:pic>
-        <p:nvPicPr>
-          <p:cNvPr id="12" name="Grafik 11">
-            <a:extLst>
-              <a:ext uri="{FF2B5EF4-FFF2-40B4-BE49-F238E27FC236}">
-                <a16:creationId xmlns:a16="http://schemas.microsoft.com/office/drawing/2014/main" id="{63518878-B2F8-9E42-B6D4-7C199E65E901}"/>
-              </a:ext>
-            </a:extLst>
-          </p:cNvPr>
-          <p:cNvPicPr>
-            <a:picLocks noChangeAspect="1"/>
-          </p:cNvPicPr>
-          <p:nvPr/>
-        </p:nvPicPr>
-        <p:blipFill>
-          <a:blip r:embed="rId3">
-            <a:extLst>
-              <a:ext uri="{28A0092B-C50C-407E-A947-70E740481C1C}">
-                <a14:useLocalDpi xmlns:a14="http://schemas.microsoft.com/office/drawing/2010/main" val="0"/>
-              </a:ext>
-            </a:extLst>
-          </a:blip>
-          <a:stretch>
-            <a:fillRect/>
-          </a:stretch>
-        </p:blipFill>
-        <p:spPr>
-          <a:xfrm>
-            <a:off x="0" y="-3571"/>
-            <a:ext cx="1066800" cy="406400"/>
-          </a:xfrm>
-          <a:prstGeom prst="rect">
-            <a:avLst/>
-          </a:prstGeom>
-        </p:spPr>
-      </p:pic>
-      <p:cxnSp>
-        <p:nvCxnSpPr>
-          <p:cNvPr id="5" name="Gerade Verbindung 4"/>
-          <p:cNvCxnSpPr/>
-          <p:nvPr/>
-        </p:nvCxnSpPr>
-        <p:spPr>
-          <a:xfrm>
-            <a:off x="0" y="6525344"/>
-            <a:ext cx="9144000" cy="0"/>
-          </a:xfrm>
-          <a:prstGeom prst="line">
-            <a:avLst/>
-          </a:prstGeom>
-          <a:ln>
-            <a:solidFill>
-              <a:schemeClr val="tx1"/>
-            </a:solidFill>
-          </a:ln>
-        </p:spPr>
-        <p:style>
-          <a:lnRef idx="1">
-            <a:schemeClr val="accent1"/>
-          </a:lnRef>
-          <a:fillRef idx="0">
-            <a:schemeClr val="accent1"/>
-          </a:fillRef>
-          <a:effectRef idx="0">
-            <a:schemeClr val="accent1"/>
-          </a:effectRef>
-          <a:fontRef idx="minor">
-            <a:schemeClr val="tx1"/>
-          </a:fontRef>
-        </p:style>
-      </p:cxnSp>
-      <p:sp>
-        <p:nvSpPr>
-          <p:cNvPr id="6" name="Textfeld 5"/>
-          <p:cNvSpPr txBox="1"/>
-          <p:nvPr/>
-        </p:nvSpPr>
-        <p:spPr>
-          <a:xfrm>
-            <a:off x="287830" y="6542726"/>
-            <a:ext cx="1208792" cy="276999"/>
-          </a:xfrm>
-          <a:prstGeom prst="rect">
-            <a:avLst/>
-          </a:prstGeom>
-          <a:noFill/>
-        </p:spPr>
-        <p:txBody>
-          <a:bodyPr wrap="none" rtlCol="0">
-            <a:spAutoFit/>
-          </a:bodyPr>
-          <a:lstStyle/>
-          <a:p>
-            <a:r>
-              <a:rPr lang="de-CH" sz="1200" dirty="0">
-                <a:latin typeface="Calibri" panose="020F0502020204030204" pitchFamily="34" charset="0"/>
-              </a:rPr>
-              <a:t>Meilenstein_M2</a:t>
-            </a:r>
-          </a:p>
-        </p:txBody>
-      </p:sp>
-      <p:sp>
-        <p:nvSpPr>
-          <p:cNvPr id="8" name="Textfeld 7"/>
-          <p:cNvSpPr txBox="1"/>
-          <p:nvPr/>
-        </p:nvSpPr>
-        <p:spPr>
-          <a:xfrm>
-            <a:off x="3627204" y="6542724"/>
-            <a:ext cx="1800200" cy="276999"/>
-          </a:xfrm>
-          <a:prstGeom prst="rect">
-            <a:avLst/>
-          </a:prstGeom>
-          <a:noFill/>
-        </p:spPr>
-        <p:txBody>
-          <a:bodyPr wrap="square" rtlCol="0">
-            <a:spAutoFit/>
-          </a:bodyPr>
-          <a:lstStyle/>
-          <a:p>
-            <a:pPr algn="ctr"/>
-            <a:r>
-              <a:rPr lang="de-CH" sz="1200" dirty="0">
-                <a:latin typeface="Calibri" panose="020F0502020204030204" pitchFamily="34" charset="0"/>
-              </a:rPr>
-              <a:t>Seite 2/??</a:t>
-            </a:r>
-          </a:p>
-        </p:txBody>
-      </p:sp>
-      <p:cxnSp>
-        <p:nvCxnSpPr>
-          <p:cNvPr id="9" name="Gerade Verbindung 4"/>
-          <p:cNvCxnSpPr/>
-          <p:nvPr/>
-        </p:nvCxnSpPr>
-        <p:spPr>
-          <a:xfrm>
-            <a:off x="-5050" y="421597"/>
-            <a:ext cx="9144000" cy="0"/>
-          </a:xfrm>
-          <a:prstGeom prst="line">
-            <a:avLst/>
-          </a:prstGeom>
-          <a:ln>
-            <a:solidFill>
-              <a:schemeClr val="tx1"/>
-            </a:solidFill>
-          </a:ln>
-        </p:spPr>
-        <p:style>
-          <a:lnRef idx="1">
-            <a:schemeClr val="accent1"/>
-          </a:lnRef>
-          <a:fillRef idx="0">
-            <a:schemeClr val="accent1"/>
-          </a:fillRef>
-          <a:effectRef idx="0">
-            <a:schemeClr val="accent1"/>
-          </a:effectRef>
-          <a:fontRef idx="minor">
-            <a:schemeClr val="tx1"/>
-          </a:fontRef>
-        </p:style>
-      </p:cxnSp>
-      <p:sp>
-        <p:nvSpPr>
-          <p:cNvPr id="10" name="Textfeld 9"/>
-          <p:cNvSpPr txBox="1"/>
-          <p:nvPr/>
-        </p:nvSpPr>
-        <p:spPr>
-          <a:xfrm>
-            <a:off x="7615828" y="144598"/>
-            <a:ext cx="1265796" cy="276999"/>
-          </a:xfrm>
-          <a:prstGeom prst="rect">
-            <a:avLst/>
-          </a:prstGeom>
-          <a:noFill/>
-        </p:spPr>
-        <p:txBody>
-          <a:bodyPr wrap="none" rtlCol="0">
-            <a:spAutoFit/>
-          </a:bodyPr>
-          <a:lstStyle/>
-          <a:p>
-            <a:pPr algn="r"/>
-            <a:r>
-              <a:rPr lang="de-CH" sz="1200" dirty="0">
-                <a:latin typeface="Calibri" panose="020F0502020204030204" pitchFamily="34" charset="0"/>
-              </a:rPr>
-              <a:t>SysP18_Team_10</a:t>
-            </a:r>
-          </a:p>
-        </p:txBody>
-      </p:sp>
-      <p:sp>
-        <p:nvSpPr>
-          <p:cNvPr id="14" name="Textfeld 13"/>
-          <p:cNvSpPr txBox="1"/>
-          <p:nvPr/>
-        </p:nvSpPr>
-        <p:spPr>
-          <a:xfrm>
-            <a:off x="360000" y="468000"/>
-            <a:ext cx="5850823" cy="523220"/>
-          </a:xfrm>
-          <a:prstGeom prst="rect">
-            <a:avLst/>
-          </a:prstGeom>
-          <a:noFill/>
-        </p:spPr>
-        <p:txBody>
-          <a:bodyPr wrap="square" rtlCol="0">
-            <a:spAutoFit/>
-          </a:bodyPr>
-          <a:lstStyle/>
-          <a:p>
-            <a:r>
-              <a:rPr lang="de-CH" sz="2800" b="1" dirty="0">
-                <a:latin typeface="+mj-lt"/>
-              </a:rPr>
-              <a:t>Erster Entwurf Sensoren und Diverses</a:t>
-            </a:r>
-          </a:p>
-        </p:txBody>
-      </p:sp>
-      <p:sp>
-        <p:nvSpPr>
-          <p:cNvPr id="16" name="Textfeld 15">
-            <a:extLst>
-              <a:ext uri="{FF2B5EF4-FFF2-40B4-BE49-F238E27FC236}">
-                <a16:creationId xmlns:a16="http://schemas.microsoft.com/office/drawing/2014/main" id="{2EBD323C-4D9D-5D42-9645-414FFBB7D04B}"/>
-              </a:ext>
-            </a:extLst>
-          </p:cNvPr>
-          <p:cNvSpPr txBox="1"/>
-          <p:nvPr/>
-        </p:nvSpPr>
-        <p:spPr>
-          <a:xfrm>
-            <a:off x="7840953" y="6542725"/>
-            <a:ext cx="1040671" cy="276999"/>
-          </a:xfrm>
-          <a:prstGeom prst="rect">
-            <a:avLst/>
-          </a:prstGeom>
-          <a:noFill/>
-        </p:spPr>
-        <p:txBody>
-          <a:bodyPr wrap="none" rtlCol="0">
-            <a:spAutoFit/>
-          </a:bodyPr>
-          <a:lstStyle/>
-          <a:p>
-            <a:pPr algn="r"/>
-            <a:r>
-              <a:rPr lang="de-CH" sz="1200" dirty="0">
-                <a:latin typeface="Calibri" panose="020F0502020204030204" pitchFamily="34" charset="0"/>
-              </a:rPr>
-              <a:t>3.  März 2018</a:t>
-            </a:r>
-          </a:p>
-        </p:txBody>
-      </p:sp>
-      <p:pic>
-        <p:nvPicPr>
-          <p:cNvPr id="3" name="Grafik 2">
-            <a:extLst>
-              <a:ext uri="{FF2B5EF4-FFF2-40B4-BE49-F238E27FC236}">
-                <a16:creationId xmlns:a16="http://schemas.microsoft.com/office/drawing/2014/main" id="{31BC6C3F-F926-43EC-84AF-1E6AA750ED55}"/>
-              </a:ext>
-            </a:extLst>
-          </p:cNvPr>
-          <p:cNvPicPr>
-            <a:picLocks noChangeAspect="1"/>
-          </p:cNvPicPr>
-          <p:nvPr/>
-        </p:nvPicPr>
-        <p:blipFill>
-          <a:blip r:embed="rId4">
-            <a:extLst>
-              <a:ext uri="{28A0092B-C50C-407E-A947-70E740481C1C}">
-                <a14:useLocalDpi xmlns:a14="http://schemas.microsoft.com/office/drawing/2010/main" val="0"/>
-              </a:ext>
-            </a:extLst>
-          </a:blip>
-          <a:stretch>
-            <a:fillRect/>
-          </a:stretch>
-        </p:blipFill>
-        <p:spPr>
-          <a:xfrm>
-            <a:off x="426950" y="990000"/>
-            <a:ext cx="8280000" cy="5465292"/>
-          </a:xfrm>
-          <a:prstGeom prst="rect">
-            <a:avLst/>
-          </a:prstGeom>
-        </p:spPr>
-      </p:pic>
-    </p:spTree>
-    <p:extLst>
-      <p:ext uri="{BB962C8B-B14F-4D97-AF65-F5344CB8AC3E}">
-        <p14:creationId xmlns:p14="http://schemas.microsoft.com/office/powerpoint/2010/main" val="2999569921"/>
       </p:ext>
     </p:extLst>
   </p:cSld>
@@ -12636,7 +12914,7 @@
         <p:spPr>
           <a:xfrm>
             <a:off x="360000" y="468000"/>
-            <a:ext cx="3492082" cy="523220"/>
+            <a:ext cx="8521624" cy="523220"/>
           </a:xfrm>
           <a:prstGeom prst="rect">
             <a:avLst/>
@@ -12653,7 +12931,7 @@
               <a:rPr lang="de-CH" sz="2800" b="1" dirty="0">
                 <a:latin typeface="+mj-lt"/>
               </a:rPr>
-              <a:t>Entwurf Top Sheet</a:t>
+              <a:t>Sensorelektronik und MPC 555 - Erster Entwurf</a:t>
             </a:r>
           </a:p>
         </p:txBody>
@@ -12701,7 +12979,7 @@
           <p:cNvPr id="3" name="Grafik 2">
             <a:extLst>
               <a:ext uri="{FF2B5EF4-FFF2-40B4-BE49-F238E27FC236}">
-                <a16:creationId xmlns:a16="http://schemas.microsoft.com/office/drawing/2014/main" id="{75C94E6E-AA38-40A8-BB2C-2B8DDD9C949A}"/>
+                <a16:creationId xmlns:a16="http://schemas.microsoft.com/office/drawing/2014/main" id="{31BC6C3F-F926-43EC-84AF-1E6AA750ED55}"/>
               </a:ext>
             </a:extLst>
           </p:cNvPr>
@@ -12724,8 +13002,8 @@
         </p:blipFill>
         <p:spPr>
           <a:xfrm>
-            <a:off x="387304" y="991220"/>
-            <a:ext cx="8280000" cy="5455151"/>
+            <a:off x="426950" y="990000"/>
+            <a:ext cx="8280000" cy="5465292"/>
           </a:xfrm>
           <a:prstGeom prst="rect">
             <a:avLst/>
@@ -12735,7 +13013,7 @@
     </p:spTree>
     <p:extLst>
       <p:ext uri="{BB962C8B-B14F-4D97-AF65-F5344CB8AC3E}">
-        <p14:creationId xmlns:p14="http://schemas.microsoft.com/office/powerpoint/2010/main" val="26860099"/>
+        <p14:creationId xmlns:p14="http://schemas.microsoft.com/office/powerpoint/2010/main" val="2999569921"/>
       </p:ext>
     </p:extLst>
   </p:cSld>
@@ -12972,7 +13250,7 @@
         <p:spPr>
           <a:xfrm>
             <a:off x="360000" y="468000"/>
-            <a:ext cx="3492082" cy="523220"/>
+            <a:ext cx="8521624" cy="523220"/>
           </a:xfrm>
           <a:prstGeom prst="rect">
             <a:avLst/>
@@ -12989,7 +13267,7 @@
               <a:rPr lang="de-CH" sz="2800" b="1" dirty="0">
                 <a:latin typeface="+mj-lt"/>
               </a:rPr>
-              <a:t>Top Sheet Aktuell</a:t>
+              <a:t>Sensorelektronik und MPC 555 - Entwurf Top Sheet</a:t>
             </a:r>
           </a:p>
         </p:txBody>
@@ -13034,10 +13312,10 @@
       </p:sp>
       <p:pic>
         <p:nvPicPr>
-          <p:cNvPr id="11" name="Grafik 10">
+          <p:cNvPr id="3" name="Grafik 2">
             <a:extLst>
               <a:ext uri="{FF2B5EF4-FFF2-40B4-BE49-F238E27FC236}">
-                <a16:creationId xmlns:a16="http://schemas.microsoft.com/office/drawing/2014/main" id="{D367EEA3-40E9-47DF-8CB4-6354EA244FEF}"/>
+                <a16:creationId xmlns:a16="http://schemas.microsoft.com/office/drawing/2014/main" id="{75C94E6E-AA38-40A8-BB2C-2B8DDD9C949A}"/>
               </a:ext>
             </a:extLst>
           </p:cNvPr>
@@ -13060,8 +13338,8 @@
         </p:blipFill>
         <p:spPr>
           <a:xfrm>
-            <a:off x="387304" y="1364135"/>
-            <a:ext cx="8280000" cy="4218670"/>
+            <a:off x="387304" y="991220"/>
+            <a:ext cx="8280000" cy="5455151"/>
           </a:xfrm>
           <a:prstGeom prst="rect">
             <a:avLst/>
@@ -13071,7 +13349,7 @@
     </p:spTree>
     <p:extLst>
       <p:ext uri="{BB962C8B-B14F-4D97-AF65-F5344CB8AC3E}">
-        <p14:creationId xmlns:p14="http://schemas.microsoft.com/office/powerpoint/2010/main" val="3900356613"/>
+        <p14:creationId xmlns:p14="http://schemas.microsoft.com/office/powerpoint/2010/main" val="26860099"/>
       </p:ext>
     </p:extLst>
   </p:cSld>
@@ -13308,7 +13586,7 @@
         <p:spPr>
           <a:xfrm>
             <a:off x="360000" y="468000"/>
-            <a:ext cx="3492082" cy="523220"/>
+            <a:ext cx="8521624" cy="523220"/>
           </a:xfrm>
           <a:prstGeom prst="rect">
             <a:avLst/>
@@ -13325,7 +13603,7 @@
               <a:rPr lang="de-CH" sz="2800" b="1" dirty="0">
                 <a:latin typeface="+mj-lt"/>
               </a:rPr>
-              <a:t>MPC 555 und Diverses</a:t>
+              <a:t>Sensorelektronik und MPC 555 - Top Sheet Aktuell</a:t>
             </a:r>
           </a:p>
         </p:txBody>
@@ -13373,7 +13651,7 @@
           <p:cNvPr id="11" name="Grafik 10">
             <a:extLst>
               <a:ext uri="{FF2B5EF4-FFF2-40B4-BE49-F238E27FC236}">
-                <a16:creationId xmlns:a16="http://schemas.microsoft.com/office/drawing/2014/main" id="{CFCE9FE3-A7BF-41AF-9AF2-EB3C904F44D0}"/>
+                <a16:creationId xmlns:a16="http://schemas.microsoft.com/office/drawing/2014/main" id="{D367EEA3-40E9-47DF-8CB4-6354EA244FEF}"/>
               </a:ext>
             </a:extLst>
           </p:cNvPr>
@@ -13396,8 +13674,8 @@
         </p:blipFill>
         <p:spPr>
           <a:xfrm>
-            <a:off x="426950" y="991220"/>
-            <a:ext cx="8280000" cy="5489822"/>
+            <a:off x="387304" y="1364135"/>
+            <a:ext cx="8280000" cy="4218670"/>
           </a:xfrm>
           <a:prstGeom prst="rect">
             <a:avLst/>
@@ -13407,7 +13685,7 @@
     </p:spTree>
     <p:extLst>
       <p:ext uri="{BB962C8B-B14F-4D97-AF65-F5344CB8AC3E}">
-        <p14:creationId xmlns:p14="http://schemas.microsoft.com/office/powerpoint/2010/main" val="1721672034"/>
+        <p14:creationId xmlns:p14="http://schemas.microsoft.com/office/powerpoint/2010/main" val="3900356613"/>
       </p:ext>
     </p:extLst>
   </p:cSld>

--- a/01_Organisation/02_Meilensteine/m2/Praesentation_m2.pptx
+++ b/01_Organisation/02_Meilensteine/m2/Praesentation_m2.pptx
@@ -5,7 +5,7 @@
     <p:sldMasterId id="2147484208" r:id="rId1"/>
   </p:sldMasterIdLst>
   <p:notesMasterIdLst>
-    <p:notesMasterId r:id="rId22"/>
+    <p:notesMasterId r:id="rId23"/>
   </p:notesMasterIdLst>
   <p:sldIdLst>
     <p:sldId id="280" r:id="rId2"/>
@@ -28,6 +28,7 @@
     <p:sldId id="288" r:id="rId19"/>
     <p:sldId id="289" r:id="rId20"/>
     <p:sldId id="285" r:id="rId21"/>
+    <p:sldId id="316" r:id="rId22"/>
   </p:sldIdLst>
   <p:sldSz cx="9144000" cy="6858000" type="screen4x3"/>
   <p:notesSz cx="6858000" cy="9144000"/>
@@ -136,10 +137,6 @@
             <p14:sldId id="301"/>
             <p14:sldId id="300"/>
             <p14:sldId id="304"/>
-          </p14:sldIdLst>
-        </p14:section>
-        <p14:section name="Abschnitt ohne Titel" id="{54D0BB71-C74F-423F-B727-0C490082A1A8}">
-          <p14:sldIdLst>
             <p14:sldId id="302"/>
             <p14:sldId id="290"/>
             <p14:sldId id="291"/>
@@ -155,6 +152,7 @@
             <p14:sldId id="288"/>
             <p14:sldId id="289"/>
             <p14:sldId id="285"/>
+            <p14:sldId id="316"/>
           </p14:sldIdLst>
         </p14:section>
       </p14:sectionLst>
@@ -5005,7 +5003,7 @@
               <a:rPr lang="de-CH" sz="1200" dirty="0">
                 <a:latin typeface="Calibri" panose="020F0502020204030204" pitchFamily="34" charset="0"/>
               </a:rPr>
-              <a:t>Seite 2/??</a:t>
+              <a:t>Seite 9/20</a:t>
             </a:r>
           </a:p>
         </p:txBody>
@@ -5341,7 +5339,7 @@
               <a:rPr lang="de-CH" sz="1200" dirty="0">
                 <a:latin typeface="Calibri" panose="020F0502020204030204" pitchFamily="34" charset="0"/>
               </a:rPr>
-              <a:t>Seite 2/??</a:t>
+              <a:t>Seite 10/20</a:t>
             </a:r>
           </a:p>
         </p:txBody>
@@ -5677,7 +5675,7 @@
               <a:rPr lang="de-CH" sz="1200" dirty="0">
                 <a:latin typeface="Calibri" panose="020F0502020204030204" pitchFamily="34" charset="0"/>
               </a:rPr>
-              <a:t>Seite 2/??</a:t>
+              <a:t>Seite 11/20</a:t>
             </a:r>
           </a:p>
         </p:txBody>
@@ -6013,7 +6011,7 @@
               <a:rPr lang="de-CH" sz="1200" dirty="0">
                 <a:latin typeface="Calibri" panose="020F0502020204030204" pitchFamily="34" charset="0"/>
               </a:rPr>
-              <a:t>Seite 2/??</a:t>
+              <a:t>Seite 12/20</a:t>
             </a:r>
           </a:p>
         </p:txBody>
@@ -6348,7 +6346,7 @@
               <a:rPr lang="de-CH" sz="1200" dirty="0">
                 <a:latin typeface="Calibri" panose="020F0502020204030204" pitchFamily="34" charset="0"/>
               </a:rPr>
-              <a:t>Seite 2/??</a:t>
+              <a:t>Seite 13/20</a:t>
             </a:r>
           </a:p>
         </p:txBody>
@@ -6724,7 +6722,7 @@
               <a:rPr lang="de-CH" sz="1200" dirty="0">
                 <a:latin typeface="Calibri" panose="020F0502020204030204" pitchFamily="34" charset="0"/>
               </a:rPr>
-              <a:t>Seite 3/??</a:t>
+              <a:t>Seite 14/20</a:t>
             </a:r>
           </a:p>
         </p:txBody>
@@ -7060,7 +7058,7 @@
               <a:rPr lang="de-CH" sz="1200" dirty="0">
                 <a:latin typeface="Calibri" panose="020F0502020204030204" pitchFamily="34" charset="0"/>
               </a:rPr>
-              <a:t>Seite 2/??</a:t>
+              <a:t>Seite 15/20 </a:t>
             </a:r>
           </a:p>
         </p:txBody>
@@ -7288,9 +7286,6 @@
                     <p:cTn id="3" fill="hold">
                       <p:stCondLst>
                         <p:cond delay="indefinite"/>
-                        <p:cond evt="onBegin" delay="0">
-                          <p:tn val="2"/>
-                        </p:cond>
                       </p:stCondLst>
                       <p:childTnLst>
                         <p:par>
@@ -7300,7 +7295,7 @@
                             </p:stCondLst>
                             <p:childTnLst>
                               <p:par>
-                                <p:cTn id="5" presetID="1" presetClass="entr" presetSubtype="0" fill="hold" grpId="0" nodeType="afterEffect">
+                                <p:cTn id="5" presetID="1" presetClass="entr" presetSubtype="0" fill="hold" grpId="0" nodeType="clickEffect">
                                   <p:stCondLst>
                                     <p:cond delay="0"/>
                                   </p:stCondLst>
@@ -7644,7 +7639,7 @@
               <a:rPr lang="de-CH" sz="1200" dirty="0">
                 <a:latin typeface="Calibri" panose="020F0502020204030204" pitchFamily="34" charset="0"/>
               </a:rPr>
-              <a:t>Seite 2/??</a:t>
+              <a:t>Seite 16/20</a:t>
             </a:r>
           </a:p>
         </p:txBody>
@@ -7783,7 +7778,7 @@
               <a:rPr lang="de-CH" sz="2400" dirty="0">
                 <a:latin typeface="Calibri" panose="020F0502020204030204" pitchFamily="34" charset="0"/>
               </a:rPr>
-              <a:t>Mehr und kleiner Klasse</a:t>
+              <a:t>Mehr und kleiner Klassen</a:t>
             </a:r>
           </a:p>
           <a:p>
@@ -7911,9 +7906,6 @@
                     <p:cTn id="3" fill="hold">
                       <p:stCondLst>
                         <p:cond delay="indefinite"/>
-                        <p:cond evt="onBegin" delay="0">
-                          <p:tn val="2"/>
-                        </p:cond>
                       </p:stCondLst>
                       <p:childTnLst>
                         <p:par>
@@ -7923,9 +7915,9 @@
                             </p:stCondLst>
                             <p:childTnLst>
                               <p:par>
-                                <p:cTn id="5" presetID="1" presetClass="entr" presetSubtype="0" fill="hold" grpId="0" nodeType="afterEffect">
+                                <p:cTn id="5" presetID="1" presetClass="entr" presetSubtype="0" fill="hold" grpId="0" nodeType="clickEffect">
                                   <p:stCondLst>
-                                    <p:cond delay="500"/>
+                                    <p:cond delay="0"/>
                                   </p:stCondLst>
                                   <p:childTnLst>
                                     <p:set>
@@ -8442,7 +8434,7 @@
               <a:rPr lang="de-CH" sz="1200" dirty="0">
                 <a:latin typeface="Calibri" panose="020F0502020204030204" pitchFamily="34" charset="0"/>
               </a:rPr>
-              <a:t>Seite 2/??</a:t>
+              <a:t>Seite 17/20</a:t>
             </a:r>
           </a:p>
         </p:txBody>
@@ -8706,9 +8698,6 @@
                     <p:cTn id="3" fill="hold">
                       <p:stCondLst>
                         <p:cond delay="indefinite"/>
-                        <p:cond evt="onBegin" delay="0">
-                          <p:tn val="2"/>
-                        </p:cond>
                       </p:stCondLst>
                       <p:childTnLst>
                         <p:par>
@@ -8718,9 +8707,9 @@
                             </p:stCondLst>
                             <p:childTnLst>
                               <p:par>
-                                <p:cTn id="5" presetID="1" presetClass="entr" presetSubtype="0" fill="hold" grpId="0" nodeType="afterEffect">
+                                <p:cTn id="5" presetID="1" presetClass="entr" presetSubtype="0" fill="hold" grpId="0" nodeType="clickEffect">
                                   <p:stCondLst>
-                                    <p:cond delay="500"/>
+                                    <p:cond delay="0"/>
                                   </p:stCondLst>
                                   <p:childTnLst>
                                     <p:set>
@@ -9201,7 +9190,7 @@
               <a:rPr lang="de-CH" sz="1200" dirty="0">
                 <a:latin typeface="Calibri" panose="020F0502020204030204" pitchFamily="34" charset="0"/>
               </a:rPr>
-              <a:t>Seite 2/??</a:t>
+              <a:t>Seite 18/20</a:t>
             </a:r>
           </a:p>
         </p:txBody>
@@ -9515,9 +9504,6 @@
                     <p:cTn id="3" fill="hold">
                       <p:stCondLst>
                         <p:cond delay="indefinite"/>
-                        <p:cond evt="onBegin" delay="0">
-                          <p:tn val="2"/>
-                        </p:cond>
                       </p:stCondLst>
                       <p:childTnLst>
                         <p:par>
@@ -9527,9 +9513,9 @@
                             </p:stCondLst>
                             <p:childTnLst>
                               <p:par>
-                                <p:cTn id="5" presetID="1" presetClass="entr" presetSubtype="0" fill="hold" grpId="0" nodeType="afterEffect">
+                                <p:cTn id="5" presetID="1" presetClass="entr" presetSubtype="0" fill="hold" grpId="0" nodeType="clickEffect">
                                   <p:stCondLst>
-                                    <p:cond delay="500"/>
+                                    <p:cond delay="0"/>
                                   </p:stCondLst>
                                   <p:childTnLst>
                                     <p:set>
@@ -9884,7 +9870,7 @@
               <a:rPr lang="de-CH" sz="1200" dirty="0">
                 <a:latin typeface="Calibri" panose="020F0502020204030204" pitchFamily="34" charset="0"/>
               </a:rPr>
-              <a:t>Seite 1/??</a:t>
+              <a:t>Seite 1/20</a:t>
             </a:r>
           </a:p>
         </p:txBody>
@@ -10603,7 +10589,7 @@
               <a:rPr lang="de-CH" sz="1200" dirty="0">
                 <a:latin typeface="Calibri" panose="020F0502020204030204" pitchFamily="34" charset="0"/>
               </a:rPr>
-              <a:t>Seite 3/??</a:t>
+              <a:t>Seite 19/20</a:t>
             </a:r>
           </a:p>
         </p:txBody>
@@ -10790,6 +10776,315 @@
     <p:extLst>
       <p:ext uri="{BB962C8B-B14F-4D97-AF65-F5344CB8AC3E}">
         <p14:creationId xmlns:p14="http://schemas.microsoft.com/office/powerpoint/2010/main" val="1373219488"/>
+      </p:ext>
+    </p:extLst>
+  </p:cSld>
+  <p:clrMapOvr>
+    <a:masterClrMapping/>
+  </p:clrMapOvr>
+</p:sld>
+</file>
+
+<file path=ppt/slides/slide21.xml><?xml version="1.0" encoding="utf-8"?>
+<p:sld xmlns:a="http://schemas.openxmlformats.org/drawingml/2006/main" xmlns:r="http://schemas.openxmlformats.org/officeDocument/2006/relationships" xmlns:p="http://schemas.openxmlformats.org/presentationml/2006/main">
+  <p:cSld>
+    <p:spTree>
+      <p:nvGrpSpPr>
+        <p:cNvPr id="1" name=""/>
+        <p:cNvGrpSpPr/>
+        <p:nvPr/>
+      </p:nvGrpSpPr>
+      <p:grpSpPr>
+        <a:xfrm>
+          <a:off x="0" y="0"/>
+          <a:ext cx="0" cy="0"/>
+          <a:chOff x="0" y="0"/>
+          <a:chExt cx="0" cy="0"/>
+        </a:xfrm>
+      </p:grpSpPr>
+      <p:pic>
+        <p:nvPicPr>
+          <p:cNvPr id="13" name="Grafik 12">
+            <a:extLst>
+              <a:ext uri="{FF2B5EF4-FFF2-40B4-BE49-F238E27FC236}">
+                <a16:creationId xmlns:a16="http://schemas.microsoft.com/office/drawing/2014/main" id="{CF94173E-04A5-6E4D-B991-28FFD5079933}"/>
+              </a:ext>
+            </a:extLst>
+          </p:cNvPr>
+          <p:cNvPicPr>
+            <a:picLocks noChangeAspect="1"/>
+          </p:cNvPicPr>
+          <p:nvPr/>
+        </p:nvPicPr>
+        <p:blipFill>
+          <a:blip r:embed="rId2">
+            <a:extLst>
+              <a:ext uri="{28A0092B-C50C-407E-A947-70E740481C1C}">
+                <a14:useLocalDpi xmlns:a14="http://schemas.microsoft.com/office/drawing/2010/main" val="0"/>
+              </a:ext>
+            </a:extLst>
+          </a:blip>
+          <a:stretch>
+            <a:fillRect/>
+          </a:stretch>
+        </p:blipFill>
+        <p:spPr>
+          <a:xfrm>
+            <a:off x="0" y="-3571"/>
+            <a:ext cx="1066800" cy="406400"/>
+          </a:xfrm>
+          <a:prstGeom prst="rect">
+            <a:avLst/>
+          </a:prstGeom>
+        </p:spPr>
+      </p:pic>
+      <p:sp>
+        <p:nvSpPr>
+          <p:cNvPr id="2" name="Titel 1"/>
+          <p:cNvSpPr>
+            <a:spLocks noGrp="1"/>
+          </p:cNvSpPr>
+          <p:nvPr>
+            <p:ph type="ctrTitle"/>
+          </p:nvPr>
+        </p:nvSpPr>
+        <p:spPr>
+          <a:xfrm>
+            <a:off x="-29425" y="2060848"/>
+            <a:ext cx="9144000" cy="1139552"/>
+          </a:xfrm>
+        </p:spPr>
+        <p:txBody>
+          <a:bodyPr>
+            <a:normAutofit/>
+          </a:bodyPr>
+          <a:lstStyle/>
+          <a:p>
+            <a:r>
+              <a:rPr lang="de-CH" sz="6600" b="1" dirty="0"/>
+              <a:t>Diskussionsrunde</a:t>
+            </a:r>
+            <a:endParaRPr lang="de-CH" sz="6600" b="1" dirty="0">
+              <a:solidFill>
+                <a:schemeClr val="tx1"/>
+              </a:solidFill>
+            </a:endParaRPr>
+          </a:p>
+        </p:txBody>
+      </p:sp>
+      <p:cxnSp>
+        <p:nvCxnSpPr>
+          <p:cNvPr id="5" name="Gerade Verbindung 4"/>
+          <p:cNvCxnSpPr/>
+          <p:nvPr/>
+        </p:nvCxnSpPr>
+        <p:spPr>
+          <a:xfrm>
+            <a:off x="0" y="6525344"/>
+            <a:ext cx="9144000" cy="0"/>
+          </a:xfrm>
+          <a:prstGeom prst="line">
+            <a:avLst/>
+          </a:prstGeom>
+          <a:ln>
+            <a:solidFill>
+              <a:schemeClr val="tx1"/>
+            </a:solidFill>
+          </a:ln>
+        </p:spPr>
+        <p:style>
+          <a:lnRef idx="1">
+            <a:schemeClr val="accent1"/>
+          </a:lnRef>
+          <a:fillRef idx="0">
+            <a:schemeClr val="accent1"/>
+          </a:fillRef>
+          <a:effectRef idx="0">
+            <a:schemeClr val="accent1"/>
+          </a:effectRef>
+          <a:fontRef idx="minor">
+            <a:schemeClr val="tx1"/>
+          </a:fontRef>
+        </p:style>
+      </p:cxnSp>
+      <p:sp>
+        <p:nvSpPr>
+          <p:cNvPr id="6" name="Textfeld 5"/>
+          <p:cNvSpPr txBox="1"/>
+          <p:nvPr/>
+        </p:nvSpPr>
+        <p:spPr>
+          <a:xfrm>
+            <a:off x="287830" y="6542726"/>
+            <a:ext cx="1277914" cy="276999"/>
+          </a:xfrm>
+          <a:prstGeom prst="rect">
+            <a:avLst/>
+          </a:prstGeom>
+          <a:noFill/>
+        </p:spPr>
+        <p:txBody>
+          <a:bodyPr wrap="none" rtlCol="0">
+            <a:spAutoFit/>
+          </a:bodyPr>
+          <a:lstStyle/>
+          <a:p>
+            <a:r>
+              <a:rPr lang="de-CH" sz="1200" dirty="0">
+                <a:latin typeface="Calibri" panose="020F0502020204030204" pitchFamily="34" charset="0"/>
+              </a:rPr>
+              <a:t>Meilenstein_M1c</a:t>
+            </a:r>
+          </a:p>
+        </p:txBody>
+      </p:sp>
+      <p:sp>
+        <p:nvSpPr>
+          <p:cNvPr id="7" name="Textfeld 6"/>
+          <p:cNvSpPr txBox="1"/>
+          <p:nvPr/>
+        </p:nvSpPr>
+        <p:spPr>
+          <a:xfrm>
+            <a:off x="7596336" y="6542725"/>
+            <a:ext cx="1285288" cy="276999"/>
+          </a:xfrm>
+          <a:prstGeom prst="rect">
+            <a:avLst/>
+          </a:prstGeom>
+          <a:noFill/>
+        </p:spPr>
+        <p:txBody>
+          <a:bodyPr wrap="none" rtlCol="0">
+            <a:spAutoFit/>
+          </a:bodyPr>
+          <a:lstStyle/>
+          <a:p>
+            <a:pPr algn="r"/>
+            <a:r>
+              <a:rPr lang="de-CH" sz="1200" dirty="0">
+                <a:latin typeface="Calibri" panose="020F0502020204030204" pitchFamily="34" charset="0"/>
+              </a:rPr>
+              <a:t>20.  Februar 2018</a:t>
+            </a:r>
+          </a:p>
+        </p:txBody>
+      </p:sp>
+      <p:cxnSp>
+        <p:nvCxnSpPr>
+          <p:cNvPr id="9" name="Gerade Verbindung 4"/>
+          <p:cNvCxnSpPr/>
+          <p:nvPr/>
+        </p:nvCxnSpPr>
+        <p:spPr>
+          <a:xfrm>
+            <a:off x="-5050" y="421597"/>
+            <a:ext cx="9144000" cy="0"/>
+          </a:xfrm>
+          <a:prstGeom prst="line">
+            <a:avLst/>
+          </a:prstGeom>
+          <a:ln>
+            <a:solidFill>
+              <a:schemeClr val="tx1"/>
+            </a:solidFill>
+          </a:ln>
+        </p:spPr>
+        <p:style>
+          <a:lnRef idx="1">
+            <a:schemeClr val="accent1"/>
+          </a:lnRef>
+          <a:fillRef idx="0">
+            <a:schemeClr val="accent1"/>
+          </a:fillRef>
+          <a:effectRef idx="0">
+            <a:schemeClr val="accent1"/>
+          </a:effectRef>
+          <a:fontRef idx="minor">
+            <a:schemeClr val="tx1"/>
+          </a:fontRef>
+        </p:style>
+      </p:cxnSp>
+      <p:sp>
+        <p:nvSpPr>
+          <p:cNvPr id="10" name="Textfeld 9"/>
+          <p:cNvSpPr txBox="1"/>
+          <p:nvPr/>
+        </p:nvSpPr>
+        <p:spPr>
+          <a:xfrm>
+            <a:off x="7615828" y="144598"/>
+            <a:ext cx="1265796" cy="276999"/>
+          </a:xfrm>
+          <a:prstGeom prst="rect">
+            <a:avLst/>
+          </a:prstGeom>
+          <a:noFill/>
+        </p:spPr>
+        <p:txBody>
+          <a:bodyPr wrap="none" rtlCol="0">
+            <a:spAutoFit/>
+          </a:bodyPr>
+          <a:lstStyle/>
+          <a:p>
+            <a:pPr algn="r"/>
+            <a:r>
+              <a:rPr lang="de-CH" sz="1200">
+                <a:latin typeface="Calibri" panose="020F0502020204030204" pitchFamily="34" charset="0"/>
+              </a:rPr>
+              <a:t>SysP18_</a:t>
+            </a:r>
+            <a:r>
+              <a:rPr lang="de-CH" sz="1200" dirty="0">
+                <a:latin typeface="Calibri" panose="020F0502020204030204" pitchFamily="34" charset="0"/>
+              </a:rPr>
+              <a:t>Team_10</a:t>
+            </a:r>
+          </a:p>
+        </p:txBody>
+      </p:sp>
+      <p:sp>
+        <p:nvSpPr>
+          <p:cNvPr id="12" name="Textfeld 11">
+            <a:extLst>
+              <a:ext uri="{FF2B5EF4-FFF2-40B4-BE49-F238E27FC236}">
+                <a16:creationId xmlns:a16="http://schemas.microsoft.com/office/drawing/2014/main" id="{7AD42DF3-8805-DA44-9170-790CB01E3083}"/>
+              </a:ext>
+            </a:extLst>
+          </p:cNvPr>
+          <p:cNvSpPr txBox="1"/>
+          <p:nvPr/>
+        </p:nvSpPr>
+        <p:spPr>
+          <a:xfrm>
+            <a:off x="3627204" y="6542724"/>
+            <a:ext cx="1800200" cy="276999"/>
+          </a:xfrm>
+          <a:prstGeom prst="rect">
+            <a:avLst/>
+          </a:prstGeom>
+          <a:noFill/>
+        </p:spPr>
+        <p:txBody>
+          <a:bodyPr wrap="square" rtlCol="0">
+            <a:spAutoFit/>
+          </a:bodyPr>
+          <a:lstStyle/>
+          <a:p>
+            <a:pPr algn="ctr"/>
+            <a:r>
+              <a:rPr lang="de-CH" sz="1200" dirty="0">
+                <a:latin typeface="Calibri" panose="020F0502020204030204" pitchFamily="34" charset="0"/>
+              </a:rPr>
+              <a:t>Seite 20/20</a:t>
+            </a:r>
+          </a:p>
+        </p:txBody>
+      </p:sp>
+    </p:spTree>
+    <p:extLst>
+      <p:ext uri="{BB962C8B-B14F-4D97-AF65-F5344CB8AC3E}">
+        <p14:creationId xmlns:p14="http://schemas.microsoft.com/office/powerpoint/2010/main" val="1579893816"/>
       </p:ext>
     </p:extLst>
   </p:cSld>
@@ -10945,7 +11240,7 @@
               <a:rPr lang="de-CH" sz="1200" dirty="0">
                 <a:latin typeface="Calibri" panose="020F0502020204030204" pitchFamily="34" charset="0"/>
               </a:rPr>
-              <a:t>Seite 2/??</a:t>
+              <a:t>Seite 2/20</a:t>
             </a:r>
           </a:p>
         </p:txBody>
@@ -11317,7 +11612,7 @@
               <a:rPr lang="de-CH" sz="1200" dirty="0">
                 <a:latin typeface="Calibri" panose="020F0502020204030204" pitchFamily="34" charset="0"/>
               </a:rPr>
-              <a:t>Seite 2/??</a:t>
+              <a:t>Seite 3/20</a:t>
             </a:r>
           </a:p>
         </p:txBody>
@@ -11886,7 +12181,7 @@
               <a:rPr lang="de-CH" sz="1200" dirty="0">
                 <a:latin typeface="Calibri" panose="020F0502020204030204" pitchFamily="34" charset="0"/>
               </a:rPr>
-              <a:t>Seite 2/??</a:t>
+              <a:t>Seite 4/20</a:t>
             </a:r>
           </a:p>
         </p:txBody>
@@ -12433,7 +12728,7 @@
               <a:rPr lang="de-CH" sz="1200" dirty="0">
                 <a:latin typeface="Calibri" panose="020F0502020204030204" pitchFamily="34" charset="0"/>
               </a:rPr>
-              <a:t>Seite 1/??</a:t>
+              <a:t>Seite 5/20</a:t>
             </a:r>
           </a:p>
         </p:txBody>
@@ -12544,8 +12839,8 @@
         </p:nvSpPr>
         <p:spPr>
           <a:xfrm>
-            <a:off x="633367" y="1623458"/>
-            <a:ext cx="7207585" cy="2349361"/>
+            <a:off x="659940" y="1166893"/>
+            <a:ext cx="7207585" cy="5652830"/>
           </a:xfrm>
           <a:prstGeom prst="rect">
             <a:avLst/>
@@ -12582,8 +12877,40 @@
               <a:rPr lang="de-CH" sz="2400" dirty="0">
                 <a:latin typeface="Calibri" panose="020F0502020204030204" pitchFamily="34" charset="0"/>
               </a:rPr>
-              <a:t>     Autor: Luzian Weber</a:t>
-            </a:r>
+              <a:t>     	Moderator: Michael </a:t>
+            </a:r>
+            <a:r>
+              <a:rPr lang="de-CH" sz="2400" dirty="0" err="1">
+                <a:latin typeface="Calibri" panose="020F0502020204030204" pitchFamily="34" charset="0"/>
+              </a:rPr>
+              <a:t>Alig</a:t>
+            </a:r>
+            <a:endParaRPr lang="de-CH" sz="2400" dirty="0">
+              <a:latin typeface="Calibri" panose="020F0502020204030204" pitchFamily="34" charset="0"/>
+            </a:endParaRPr>
+          </a:p>
+          <a:p>
+            <a:pPr>
+              <a:spcAft>
+                <a:spcPts val="800"/>
+              </a:spcAft>
+            </a:pPr>
+            <a:r>
+              <a:rPr lang="de-CH" sz="2400" dirty="0">
+                <a:latin typeface="Calibri" panose="020F0502020204030204" pitchFamily="34" charset="0"/>
+              </a:rPr>
+              <a:t>	Autor: Luzian Weber</a:t>
+            </a:r>
+          </a:p>
+          <a:p>
+            <a:pPr>
+              <a:spcAft>
+                <a:spcPts val="800"/>
+              </a:spcAft>
+            </a:pPr>
+            <a:endParaRPr lang="de-CH" sz="2400" dirty="0">
+              <a:latin typeface="Calibri" panose="020F0502020204030204" pitchFamily="34" charset="0"/>
+            </a:endParaRPr>
           </a:p>
           <a:p>
             <a:pPr marL="342900" indent="-342900">
@@ -12593,23 +12920,11 @@
               <a:buFont typeface="Symbol" pitchFamily="2" charset="2"/>
               <a:buChar char="-"/>
             </a:pPr>
-            <a:endParaRPr lang="de-CH" sz="2400" dirty="0">
-              <a:latin typeface="Calibri" panose="020F0502020204030204" pitchFamily="34" charset="0"/>
-            </a:endParaRPr>
-          </a:p>
-          <a:p>
-            <a:pPr marL="342900" indent="-342900">
-              <a:spcAft>
-                <a:spcPts val="800"/>
-              </a:spcAft>
-              <a:buFont typeface="Symbol" pitchFamily="2" charset="2"/>
-              <a:buChar char="-"/>
-            </a:pPr>
             <a:r>
               <a:rPr lang="de-CH" sz="2400" dirty="0">
                 <a:latin typeface="Calibri" panose="020F0502020204030204" pitchFamily="34" charset="0"/>
               </a:rPr>
-              <a:t>Motorentreiber und Spannungsversorgung</a:t>
+              <a:t>Motorentreiber und Spannungsversorgung	</a:t>
             </a:r>
           </a:p>
           <a:p>
@@ -12622,7 +12937,20 @@
               <a:rPr lang="de-CH" sz="2400" dirty="0">
                 <a:latin typeface="Calibri" panose="020F0502020204030204" pitchFamily="34" charset="0"/>
               </a:rPr>
-              <a:t>     Autor: Michael </a:t>
+              <a:t>	Moderator: Luzian Weber</a:t>
+            </a:r>
+          </a:p>
+          <a:p>
+            <a:pPr>
+              <a:spcAft>
+                <a:spcPts val="800"/>
+              </a:spcAft>
+            </a:pPr>
+            <a:r>
+              <a:rPr lang="de-CH" sz="2400" dirty="0">
+                <a:latin typeface="Calibri" panose="020F0502020204030204" pitchFamily="34" charset="0"/>
+              </a:rPr>
+              <a:t>     	 Autor: Michael </a:t>
             </a:r>
             <a:r>
               <a:rPr lang="de-CH" sz="2400" dirty="0" err="1">
@@ -12633,6 +12961,77 @@
             <a:endParaRPr lang="de-CH" sz="2400" dirty="0">
               <a:latin typeface="Calibri" panose="020F0502020204030204" pitchFamily="34" charset="0"/>
             </a:endParaRPr>
+          </a:p>
+          <a:p>
+            <a:pPr>
+              <a:spcAft>
+                <a:spcPts val="800"/>
+              </a:spcAft>
+            </a:pPr>
+            <a:endParaRPr lang="de-CH" sz="2400" dirty="0">
+              <a:latin typeface="Calibri" panose="020F0502020204030204" pitchFamily="34" charset="0"/>
+            </a:endParaRPr>
+          </a:p>
+          <a:p>
+            <a:pPr>
+              <a:spcAft>
+                <a:spcPts val="800"/>
+              </a:spcAft>
+            </a:pPr>
+            <a:endParaRPr lang="de-CH" sz="2400" dirty="0">
+              <a:latin typeface="Calibri" panose="020F0502020204030204" pitchFamily="34" charset="0"/>
+            </a:endParaRPr>
+          </a:p>
+          <a:p>
+            <a:pPr>
+              <a:spcAft>
+                <a:spcPts val="800"/>
+              </a:spcAft>
+            </a:pPr>
+            <a:r>
+              <a:rPr lang="de-CH" sz="2400" dirty="0">
+                <a:latin typeface="Calibri" panose="020F0502020204030204" pitchFamily="34" charset="0"/>
+              </a:rPr>
+              <a:t>-Aktuar: Marcel Sonderegger</a:t>
+            </a:r>
+          </a:p>
+          <a:p>
+            <a:pPr>
+              <a:spcAft>
+                <a:spcPts val="800"/>
+              </a:spcAft>
+            </a:pPr>
+            <a:r>
+              <a:rPr lang="de-CH" sz="2400" dirty="0">
+                <a:latin typeface="Calibri" panose="020F0502020204030204" pitchFamily="34" charset="0"/>
+              </a:rPr>
+              <a:t>-Betreuer: Falk Kyburz, </a:t>
+            </a:r>
+            <a:r>
+              <a:rPr lang="de-CH" sz="2400" dirty="0" err="1">
+                <a:latin typeface="Calibri" panose="020F0502020204030204" pitchFamily="34" charset="0"/>
+              </a:rPr>
+              <a:t>Bernhardh</a:t>
+            </a:r>
+            <a:r>
+              <a:rPr lang="de-CH" sz="2400" dirty="0">
+                <a:latin typeface="Calibri" panose="020F0502020204030204" pitchFamily="34" charset="0"/>
+              </a:rPr>
+              <a:t> Girardi</a:t>
+            </a:r>
+          </a:p>
+          <a:p>
+            <a:pPr>
+              <a:spcAft>
+                <a:spcPts val="800"/>
+              </a:spcAft>
+            </a:pPr>
+            <a:r>
+              <a:rPr lang="de-CH" sz="2400" dirty="0">
+                <a:latin typeface="Calibri" panose="020F0502020204030204" pitchFamily="34" charset="0"/>
+              </a:rPr>
+              <a:t>	 	</a:t>
+            </a:r>
           </a:p>
         </p:txBody>
       </p:sp>
@@ -12833,7 +13232,7 @@
               <a:rPr lang="de-CH" sz="1200" dirty="0">
                 <a:latin typeface="Calibri" panose="020F0502020204030204" pitchFamily="34" charset="0"/>
               </a:rPr>
-              <a:t>Seite 2/??</a:t>
+              <a:t>Seite 6/20</a:t>
             </a:r>
           </a:p>
         </p:txBody>
@@ -13169,7 +13568,7 @@
               <a:rPr lang="de-CH" sz="1200" dirty="0">
                 <a:latin typeface="Calibri" panose="020F0502020204030204" pitchFamily="34" charset="0"/>
               </a:rPr>
-              <a:t>Seite 2/??</a:t>
+              <a:t>Seite 7/20</a:t>
             </a:r>
           </a:p>
         </p:txBody>
@@ -13505,7 +13904,7 @@
               <a:rPr lang="de-CH" sz="1200" dirty="0">
                 <a:latin typeface="Calibri" panose="020F0502020204030204" pitchFamily="34" charset="0"/>
               </a:rPr>
-              <a:t>Seite 2/??</a:t>
+              <a:t>Seite 8/20</a:t>
             </a:r>
           </a:p>
         </p:txBody>

--- a/01_Organisation/02_Meilensteine/m2/Praesentation_m2.pptx
+++ b/01_Organisation/02_Meilensteine/m2/Praesentation_m2.pptx
@@ -7778,7 +7778,7 @@
               <a:rPr lang="de-CH" sz="2400" dirty="0">
                 <a:latin typeface="Calibri" panose="020F0502020204030204" pitchFamily="34" charset="0"/>
               </a:rPr>
-              <a:t>Mehr und kleiner Klassen</a:t>
+              <a:t>Mehr und kleinere Klassen</a:t>
             </a:r>
           </a:p>
           <a:p>
@@ -9982,7 +9982,7 @@
         <p:spPr>
           <a:xfrm>
             <a:off x="633368" y="1623458"/>
-            <a:ext cx="6264696" cy="2349361"/>
+            <a:ext cx="6264696" cy="2821285"/>
           </a:xfrm>
           <a:prstGeom prst="rect">
             <a:avLst/>
@@ -10067,6 +10067,21 @@
                 <a:latin typeface="Calibri" panose="020F0502020204030204" pitchFamily="34" charset="0"/>
               </a:rPr>
               <a:t>Zeitplan</a:t>
+            </a:r>
+          </a:p>
+          <a:p>
+            <a:pPr marL="342900" indent="-342900">
+              <a:spcAft>
+                <a:spcPts val="800"/>
+              </a:spcAft>
+              <a:buFont typeface="Symbol" pitchFamily="2" charset="2"/>
+              <a:buChar char="-"/>
+            </a:pPr>
+            <a:r>
+              <a:rPr lang="de-CH" sz="2400" dirty="0">
+                <a:latin typeface="Calibri" panose="020F0502020204030204" pitchFamily="34" charset="0"/>
+              </a:rPr>
+              <a:t>Diskussionsrunde</a:t>
             </a:r>
           </a:p>
         </p:txBody>
@@ -10375,6 +10390,55 @@
                       </p:childTnLst>
                     </p:cTn>
                   </p:par>
+                  <p:par>
+                    <p:cTn id="23" fill="hold">
+                      <p:stCondLst>
+                        <p:cond delay="indefinite"/>
+                      </p:stCondLst>
+                      <p:childTnLst>
+                        <p:par>
+                          <p:cTn id="24" fill="hold">
+                            <p:stCondLst>
+                              <p:cond delay="0"/>
+                            </p:stCondLst>
+                            <p:childTnLst>
+                              <p:par>
+                                <p:cTn id="25" presetID="1" presetClass="entr" presetSubtype="0" fill="hold" grpId="0" nodeType="clickEffect">
+                                  <p:stCondLst>
+                                    <p:cond delay="0"/>
+                                  </p:stCondLst>
+                                  <p:childTnLst>
+                                    <p:set>
+                                      <p:cBhvr>
+                                        <p:cTn id="26" dur="1" fill="hold">
+                                          <p:stCondLst>
+                                            <p:cond delay="0"/>
+                                          </p:stCondLst>
+                                        </p:cTn>
+                                        <p:tgtEl>
+                                          <p:spTgt spid="15">
+                                            <p:txEl>
+                                              <p:pRg st="5" end="5"/>
+                                            </p:txEl>
+                                          </p:spTgt>
+                                        </p:tgtEl>
+                                        <p:attrNameLst>
+                                          <p:attrName>style.visibility</p:attrName>
+                                        </p:attrNameLst>
+                                      </p:cBhvr>
+                                      <p:to>
+                                        <p:strVal val="visible"/>
+                                      </p:to>
+                                    </p:set>
+                                  </p:childTnLst>
+                                </p:cTn>
+                              </p:par>
+                            </p:childTnLst>
+                          </p:cTn>
+                        </p:par>
+                      </p:childTnLst>
+                    </p:cTn>
+                  </p:par>
                 </p:childTnLst>
               </p:cTn>
               <p:prevCondLst>
@@ -10456,46 +10520,6 @@
           </a:prstGeom>
         </p:spPr>
       </p:pic>
-      <p:sp>
-        <p:nvSpPr>
-          <p:cNvPr id="11" name="Textfeld 10"/>
-          <p:cNvSpPr txBox="1"/>
-          <p:nvPr/>
-        </p:nvSpPr>
-        <p:spPr>
-          <a:xfrm>
-            <a:off x="633368" y="1623458"/>
-            <a:ext cx="6264696" cy="1200329"/>
-          </a:xfrm>
-          <a:prstGeom prst="rect">
-            <a:avLst/>
-          </a:prstGeom>
-          <a:noFill/>
-        </p:spPr>
-        <p:txBody>
-          <a:bodyPr wrap="square" rtlCol="0" anchor="t">
-            <a:spAutoFit/>
-          </a:bodyPr>
-          <a:lstStyle/>
-          <a:p>
-            <a:endParaRPr lang="de-CH" sz="2400" dirty="0">
-              <a:latin typeface="Calibri" panose="020F0502020204030204" pitchFamily="34" charset="0"/>
-            </a:endParaRPr>
-          </a:p>
-          <a:p>
-            <a:pPr lvl="1"/>
-            <a:endParaRPr lang="de-CH" sz="2400" dirty="0">
-              <a:latin typeface="Calibri" panose="020F0502020204030204" pitchFamily="34" charset="0"/>
-            </a:endParaRPr>
-          </a:p>
-          <a:p>
-            <a:pPr lvl="1"/>
-            <a:endParaRPr lang="de-CH" sz="2400" dirty="0">
-              <a:latin typeface="Calibri" panose="020F0502020204030204" pitchFamily="34" charset="0"/>
-            </a:endParaRPr>
-          </a:p>
-        </p:txBody>
-      </p:sp>
       <p:cxnSp>
         <p:nvCxnSpPr>
           <p:cNvPr id="5" name="Gerade Verbindung 4"/>
@@ -10699,12 +10723,49 @@
           </a:p>
         </p:txBody>
       </p:sp>
+      <p:sp>
+        <p:nvSpPr>
+          <p:cNvPr id="15" name="Textfeld 14">
+            <a:extLst>
+              <a:ext uri="{FF2B5EF4-FFF2-40B4-BE49-F238E27FC236}">
+                <a16:creationId xmlns:a16="http://schemas.microsoft.com/office/drawing/2014/main" id="{8E718A57-8F16-491B-8661-04CFFB40B603}"/>
+              </a:ext>
+            </a:extLst>
+          </p:cNvPr>
+          <p:cNvSpPr txBox="1"/>
+          <p:nvPr/>
+        </p:nvSpPr>
+        <p:spPr>
+          <a:xfrm>
+            <a:off x="360000" y="468000"/>
+            <a:ext cx="6418336" cy="523220"/>
+          </a:xfrm>
+          <a:prstGeom prst="rect">
+            <a:avLst/>
+          </a:prstGeom>
+          <a:noFill/>
+        </p:spPr>
+        <p:txBody>
+          <a:bodyPr wrap="square" rtlCol="0">
+            <a:spAutoFit/>
+          </a:bodyPr>
+          <a:lstStyle/>
+          <a:p>
+            <a:r>
+              <a:rPr lang="de-CH" sz="2800" b="1" dirty="0">
+                <a:latin typeface="+mj-lt"/>
+              </a:rPr>
+              <a:t>Zeitplan</a:t>
+            </a:r>
+          </a:p>
+        </p:txBody>
+      </p:sp>
       <p:pic>
         <p:nvPicPr>
-          <p:cNvPr id="3" name="Grafik 2">
+          <p:cNvPr id="4" name="Grafik 3">
             <a:extLst>
               <a:ext uri="{FF2B5EF4-FFF2-40B4-BE49-F238E27FC236}">
-                <a16:creationId xmlns:a16="http://schemas.microsoft.com/office/drawing/2014/main" id="{7DF3E3A8-402A-4DA9-A67B-AB339B413B6E}"/>
+                <a16:creationId xmlns:a16="http://schemas.microsoft.com/office/drawing/2014/main" id="{5322D315-F29C-4387-845B-4D2B602C5F9F}"/>
               </a:ext>
             </a:extLst>
           </p:cNvPr>
@@ -10714,7 +10775,7 @@
           <p:nvPr/>
         </p:nvPicPr>
         <p:blipFill>
-          <a:blip r:embed="rId3">
+          <a:blip r:embed="rId3" cstate="print">
             <a:extLst>
               <a:ext uri="{28A0092B-C50C-407E-A947-70E740481C1C}">
                 <a14:useLocalDpi xmlns:a14="http://schemas.microsoft.com/office/drawing/2010/main" val="0"/>
@@ -10727,51 +10788,14 @@
         </p:blipFill>
         <p:spPr>
           <a:xfrm>
-            <a:off x="458768" y="990000"/>
-            <a:ext cx="8137072" cy="5454000"/>
+            <a:off x="408742" y="980728"/>
+            <a:ext cx="8316416" cy="5428227"/>
           </a:xfrm>
           <a:prstGeom prst="rect">
             <a:avLst/>
           </a:prstGeom>
         </p:spPr>
       </p:pic>
-      <p:sp>
-        <p:nvSpPr>
-          <p:cNvPr id="15" name="Textfeld 14">
-            <a:extLst>
-              <a:ext uri="{FF2B5EF4-FFF2-40B4-BE49-F238E27FC236}">
-                <a16:creationId xmlns:a16="http://schemas.microsoft.com/office/drawing/2014/main" id="{8E718A57-8F16-491B-8661-04CFFB40B603}"/>
-              </a:ext>
-            </a:extLst>
-          </p:cNvPr>
-          <p:cNvSpPr txBox="1"/>
-          <p:nvPr/>
-        </p:nvSpPr>
-        <p:spPr>
-          <a:xfrm>
-            <a:off x="360000" y="468000"/>
-            <a:ext cx="6418336" cy="523220"/>
-          </a:xfrm>
-          <a:prstGeom prst="rect">
-            <a:avLst/>
-          </a:prstGeom>
-          <a:noFill/>
-        </p:spPr>
-        <p:txBody>
-          <a:bodyPr wrap="square" rtlCol="0">
-            <a:spAutoFit/>
-          </a:bodyPr>
-          <a:lstStyle/>
-          <a:p>
-            <a:r>
-              <a:rPr lang="de-CH" sz="2800" b="1" dirty="0">
-                <a:latin typeface="+mj-lt"/>
-              </a:rPr>
-              <a:t>Zeitplan</a:t>
-            </a:r>
-          </a:p>
-        </p:txBody>
-      </p:sp>
     </p:spTree>
     <p:extLst>
       <p:ext uri="{BB962C8B-B14F-4D97-AF65-F5344CB8AC3E}">
@@ -10916,7 +10940,7 @@
         <p:spPr>
           <a:xfrm>
             <a:off x="287830" y="6542726"/>
-            <a:ext cx="1277914" cy="276999"/>
+            <a:ext cx="1208792" cy="276999"/>
           </a:xfrm>
           <a:prstGeom prst="rect">
             <a:avLst/>
@@ -10933,7 +10957,7 @@
               <a:rPr lang="de-CH" sz="1200" dirty="0">
                 <a:latin typeface="Calibri" panose="020F0502020204030204" pitchFamily="34" charset="0"/>
               </a:rPr>
-              <a:t>Meilenstein_M1c</a:t>
+              <a:t>Meilenstein_M2</a:t>
             </a:r>
           </a:p>
         </p:txBody>
@@ -10946,8 +10970,8 @@
         </p:nvSpPr>
         <p:spPr>
           <a:xfrm>
-            <a:off x="7596336" y="6542725"/>
-            <a:ext cx="1285288" cy="276999"/>
+            <a:off x="7876220" y="6542725"/>
+            <a:ext cx="1005404" cy="276999"/>
           </a:xfrm>
           <a:prstGeom prst="rect">
             <a:avLst/>
@@ -10965,7 +10989,7 @@
               <a:rPr lang="de-CH" sz="1200" dirty="0">
                 <a:latin typeface="Calibri" panose="020F0502020204030204" pitchFamily="34" charset="0"/>
               </a:rPr>
-              <a:t>20.  Februar 2018</a:t>
+              <a:t>3. März 2018</a:t>
             </a:r>
           </a:p>
         </p:txBody>
@@ -12839,7 +12863,7 @@
         </p:nvSpPr>
         <p:spPr>
           <a:xfrm>
-            <a:off x="659940" y="1166893"/>
+            <a:off x="659940" y="1186771"/>
             <a:ext cx="7207585" cy="5652830"/>
           </a:xfrm>
           <a:prstGeom prst="rect">
@@ -13005,19 +13029,7 @@
               <a:rPr lang="de-CH" sz="2400" dirty="0">
                 <a:latin typeface="Calibri" panose="020F0502020204030204" pitchFamily="34" charset="0"/>
               </a:rPr>
-              <a:t>-Betreuer: Falk Kyburz, </a:t>
-            </a:r>
-            <a:r>
-              <a:rPr lang="de-CH" sz="2400" dirty="0" err="1">
-                <a:latin typeface="Calibri" panose="020F0502020204030204" pitchFamily="34" charset="0"/>
-              </a:rPr>
-              <a:t>Bernhardh</a:t>
-            </a:r>
-            <a:r>
-              <a:rPr lang="de-CH" sz="2400" dirty="0">
-                <a:latin typeface="Calibri" panose="020F0502020204030204" pitchFamily="34" charset="0"/>
-              </a:rPr>
-              <a:t> Girardi</a:t>
+              <a:t>-Betreuer: Falk Kyburz, Bernhard Girardi</a:t>
             </a:r>
           </a:p>
           <a:p>
